--- a/docs/presentation.pptx
+++ b/docs/presentation.pptx
@@ -20,6 +20,10 @@
     <p:sldId id="264" r:id="rId15"/>
     <p:sldId id="265" r:id="rId16"/>
     <p:sldId id="266" r:id="rId17"/>
+    <p:sldId id="267" r:id="rId18"/>
+    <p:sldId id="268" r:id="rId19"/>
+    <p:sldId id="269" r:id="rId20"/>
+    <p:sldId id="270" r:id="rId21"/>
   </p:sldIdLst>
   <p:sldSz cx="10080625" cy="5670550"/>
   <p:notesSz cx="7559675" cy="10691813"/>
@@ -112,7 +116,7 @@
         <p:spPr>
           <a:xfrm>
             <a:off x="504000" y="1326600"/>
-            <a:ext cx="9072000" cy="1568160"/>
+            <a:ext cx="9071640" cy="1568160"/>
           </a:xfrm>
           <a:prstGeom prst="rect">
             <a:avLst/>
@@ -146,7 +150,7 @@
         <p:spPr>
           <a:xfrm>
             <a:off x="504000" y="3044160"/>
-            <a:ext cx="9072000" cy="1568160"/>
+            <a:ext cx="9071640" cy="1568160"/>
           </a:xfrm>
           <a:prstGeom prst="rect">
             <a:avLst/>
@@ -428,7 +432,7 @@
         <p:spPr>
           <a:xfrm>
             <a:off x="504000" y="1326600"/>
-            <a:ext cx="2921040" cy="1568160"/>
+            <a:ext cx="2920680" cy="1568160"/>
           </a:xfrm>
           <a:prstGeom prst="rect">
             <a:avLst/>
@@ -461,8 +465,8 @@
         </p:nvSpPr>
         <p:spPr>
           <a:xfrm>
-            <a:off x="3571560" y="1326600"/>
-            <a:ext cx="2921040" cy="1568160"/>
+            <a:off x="3571200" y="1326600"/>
+            <a:ext cx="2920680" cy="1568160"/>
           </a:xfrm>
           <a:prstGeom prst="rect">
             <a:avLst/>
@@ -495,8 +499,8 @@
         </p:nvSpPr>
         <p:spPr>
           <a:xfrm>
-            <a:off x="6639120" y="1326600"/>
-            <a:ext cx="2921040" cy="1568160"/>
+            <a:off x="6638040" y="1326600"/>
+            <a:ext cx="2920680" cy="1568160"/>
           </a:xfrm>
           <a:prstGeom prst="rect">
             <a:avLst/>
@@ -530,7 +534,7 @@
         <p:spPr>
           <a:xfrm>
             <a:off x="504000" y="3044160"/>
-            <a:ext cx="2921040" cy="1568160"/>
+            <a:ext cx="2920680" cy="1568160"/>
           </a:xfrm>
           <a:prstGeom prst="rect">
             <a:avLst/>
@@ -563,8 +567,8 @@
         </p:nvSpPr>
         <p:spPr>
           <a:xfrm>
-            <a:off x="3571560" y="3044160"/>
-            <a:ext cx="2921040" cy="1568160"/>
+            <a:off x="3571200" y="3044160"/>
+            <a:ext cx="2920680" cy="1568160"/>
           </a:xfrm>
           <a:prstGeom prst="rect">
             <a:avLst/>
@@ -597,8 +601,8 @@
         </p:nvSpPr>
         <p:spPr>
           <a:xfrm>
-            <a:off x="6639120" y="3044160"/>
-            <a:ext cx="2921040" cy="1568160"/>
+            <a:off x="6638040" y="3044160"/>
+            <a:ext cx="2920680" cy="1568160"/>
           </a:xfrm>
           <a:prstGeom prst="rect">
             <a:avLst/>
@@ -675,7 +679,7 @@
         <p:txBody>
           <a:bodyPr/>
           <a:p>
-            <a:fld id="{428E5D63-0802-4EA9-849D-2FD0D3A94FAD}" type="slidenum">
+            <a:fld id="{4F20DCF2-7D53-4612-A1EE-D76D7E69472B}" type="slidenum">
               <a:t>&lt;#&gt;</a:t>
             </a:fld>
           </a:p>
@@ -771,7 +775,7 @@
         <p:spPr>
           <a:xfrm>
             <a:off x="504000" y="1326600"/>
-            <a:ext cx="9072000" cy="3288240"/>
+            <a:ext cx="9071640" cy="3288240"/>
           </a:xfrm>
           <a:prstGeom prst="rect">
             <a:avLst/>
@@ -829,7 +833,7 @@
         <p:txBody>
           <a:bodyPr/>
           <a:p>
-            <a:fld id="{2582016C-B43E-44F0-958E-62DD717A8B73}" type="slidenum">
+            <a:fld id="{7B00678D-281C-4FAD-B56C-6B720229FB00}" type="slidenum">
               <a:t>&lt;#&gt;</a:t>
             </a:fld>
           </a:p>
@@ -925,7 +929,7 @@
         <p:spPr>
           <a:xfrm>
             <a:off x="504000" y="1326600"/>
-            <a:ext cx="9072000" cy="3288240"/>
+            <a:ext cx="9071640" cy="3288240"/>
           </a:xfrm>
           <a:prstGeom prst="rect">
             <a:avLst/>
@@ -980,7 +984,7 @@
         <p:txBody>
           <a:bodyPr/>
           <a:p>
-            <a:fld id="{A0808429-BDBB-4BA0-9795-901CCCF9BCFE}" type="slidenum">
+            <a:fld id="{8A32398A-1659-4F1E-B79F-26EFA3674C70}" type="slidenum">
               <a:t>&lt;#&gt;</a:t>
             </a:fld>
           </a:p>
@@ -1165,7 +1169,7 @@
         <p:txBody>
           <a:bodyPr/>
           <a:p>
-            <a:fld id="{3B6EEBA7-10E4-448B-BD99-1FF8307C0C7C}" type="slidenum">
+            <a:fld id="{767FCE27-AB55-4EFE-8602-92400F6FBFF1}" type="slidenum">
               <a:t>&lt;#&gt;</a:t>
             </a:fld>
           </a:p>
@@ -1282,7 +1286,7 @@
         <p:txBody>
           <a:bodyPr/>
           <a:p>
-            <a:fld id="{3B41F542-F184-47B6-8E19-7D45AEDF7C3F}" type="slidenum">
+            <a:fld id="{DCDAB892-E8DA-4307-A8D1-C09E84DB1BF0}" type="slidenum">
               <a:t>&lt;#&gt;</a:t>
             </a:fld>
           </a:p>
@@ -1402,7 +1406,7 @@
         <p:txBody>
           <a:bodyPr/>
           <a:p>
-            <a:fld id="{47DAB117-0B7B-4FE2-B2E6-EC40601A7CEF}" type="slidenum">
+            <a:fld id="{C82656FA-83F0-4D26-8ADA-EA6A3E718261}" type="slidenum">
               <a:t>&lt;#&gt;</a:t>
             </a:fld>
           </a:p>
@@ -1621,7 +1625,7 @@
         <p:txBody>
           <a:bodyPr/>
           <a:p>
-            <a:fld id="{66A3B7AB-9997-4887-8FAA-19503F531A98}" type="slidenum">
+            <a:fld id="{D87B2243-FC9A-4912-ABD0-C66A5781375D}" type="slidenum">
               <a:t>&lt;#&gt;</a:t>
             </a:fld>
           </a:p>
@@ -1717,7 +1721,7 @@
         <p:spPr>
           <a:xfrm>
             <a:off x="504000" y="1326600"/>
-            <a:ext cx="9072000" cy="3288240"/>
+            <a:ext cx="9071640" cy="3288240"/>
           </a:xfrm>
           <a:prstGeom prst="rect">
             <a:avLst/>
@@ -1933,7 +1937,7 @@
         <p:txBody>
           <a:bodyPr/>
           <a:p>
-            <a:fld id="{511B395A-F097-4544-90EE-97DA5246BC4E}" type="slidenum">
+            <a:fld id="{4081998B-5311-4F20-BEDF-2EEAF6755DF3}" type="slidenum">
               <a:t>&lt;#&gt;</a:t>
             </a:fld>
           </a:p>
@@ -2097,7 +2101,7 @@
         <p:spPr>
           <a:xfrm>
             <a:off x="504000" y="3044160"/>
-            <a:ext cx="9072000" cy="1568160"/>
+            <a:ext cx="9071640" cy="1568160"/>
           </a:xfrm>
           <a:prstGeom prst="rect">
             <a:avLst/>
@@ -2152,7 +2156,7 @@
         <p:txBody>
           <a:bodyPr/>
           <a:p>
-            <a:fld id="{6F67DD1B-C93F-4ECD-964A-78A91914622A}" type="slidenum">
+            <a:fld id="{36FF1096-8BFB-4802-8D42-8C12183C4281}" type="slidenum">
               <a:t>&lt;#&gt;</a:t>
             </a:fld>
           </a:p>
@@ -2248,7 +2252,7 @@
         <p:spPr>
           <a:xfrm>
             <a:off x="504000" y="1326600"/>
-            <a:ext cx="9072000" cy="1568160"/>
+            <a:ext cx="9071640" cy="1568160"/>
           </a:xfrm>
           <a:prstGeom prst="rect">
             <a:avLst/>
@@ -2282,7 +2286,7 @@
         <p:spPr>
           <a:xfrm>
             <a:off x="504000" y="3044160"/>
-            <a:ext cx="9072000" cy="1568160"/>
+            <a:ext cx="9071640" cy="1568160"/>
           </a:xfrm>
           <a:prstGeom prst="rect">
             <a:avLst/>
@@ -2337,7 +2341,7 @@
         <p:txBody>
           <a:bodyPr/>
           <a:p>
-            <a:fld id="{222ACFB9-865B-440C-814A-377C3099D06D}" type="slidenum">
+            <a:fld id="{D8D865B9-52C4-41C6-9354-F1203CB1A704}" type="slidenum">
               <a:t>&lt;#&gt;</a:t>
             </a:fld>
           </a:p>
@@ -2590,7 +2594,7 @@
         <p:txBody>
           <a:bodyPr/>
           <a:p>
-            <a:fld id="{0E856C1A-B925-4F75-B67B-3F86760397F2}" type="slidenum">
+            <a:fld id="{49920105-E686-4822-9980-3148948367B6}" type="slidenum">
               <a:t>&lt;#&gt;</a:t>
             </a:fld>
           </a:p>
@@ -2686,7 +2690,7 @@
         <p:spPr>
           <a:xfrm>
             <a:off x="504000" y="1326600"/>
-            <a:ext cx="2921040" cy="1568160"/>
+            <a:ext cx="2920680" cy="1568160"/>
           </a:xfrm>
           <a:prstGeom prst="rect">
             <a:avLst/>
@@ -2719,8 +2723,8 @@
         </p:nvSpPr>
         <p:spPr>
           <a:xfrm>
-            <a:off x="3571560" y="1326600"/>
-            <a:ext cx="2921040" cy="1568160"/>
+            <a:off x="3571200" y="1326600"/>
+            <a:ext cx="2920680" cy="1568160"/>
           </a:xfrm>
           <a:prstGeom prst="rect">
             <a:avLst/>
@@ -2753,8 +2757,8 @@
         </p:nvSpPr>
         <p:spPr>
           <a:xfrm>
-            <a:off x="6639120" y="1326600"/>
-            <a:ext cx="2921040" cy="1568160"/>
+            <a:off x="6638040" y="1326600"/>
+            <a:ext cx="2920680" cy="1568160"/>
           </a:xfrm>
           <a:prstGeom prst="rect">
             <a:avLst/>
@@ -2788,7 +2792,7 @@
         <p:spPr>
           <a:xfrm>
             <a:off x="504000" y="3044160"/>
-            <a:ext cx="2921040" cy="1568160"/>
+            <a:ext cx="2920680" cy="1568160"/>
           </a:xfrm>
           <a:prstGeom prst="rect">
             <a:avLst/>
@@ -2821,8 +2825,8 @@
         </p:nvSpPr>
         <p:spPr>
           <a:xfrm>
-            <a:off x="3571560" y="3044160"/>
-            <a:ext cx="2921040" cy="1568160"/>
+            <a:off x="3571200" y="3044160"/>
+            <a:ext cx="2920680" cy="1568160"/>
           </a:xfrm>
           <a:prstGeom prst="rect">
             <a:avLst/>
@@ -2855,8 +2859,8 @@
         </p:nvSpPr>
         <p:spPr>
           <a:xfrm>
-            <a:off x="6639120" y="3044160"/>
-            <a:ext cx="2921040" cy="1568160"/>
+            <a:off x="6638040" y="3044160"/>
+            <a:ext cx="2920680" cy="1568160"/>
           </a:xfrm>
           <a:prstGeom prst="rect">
             <a:avLst/>
@@ -2911,7 +2915,7 @@
         <p:txBody>
           <a:bodyPr/>
           <a:p>
-            <a:fld id="{363FD6A4-2C9A-42C4-AF82-3189321E12A2}" type="slidenum">
+            <a:fld id="{85ED03D3-8E4A-40E9-9C13-7FC17019580F}" type="slidenum">
               <a:t>&lt;#&gt;</a:t>
             </a:fld>
           </a:p>
@@ -2994,7 +2998,7 @@
         <p:txBody>
           <a:bodyPr/>
           <a:p>
-            <a:fld id="{3FC8AF79-2188-4784-8000-C85E86C82B47}" type="slidenum">
+            <a:fld id="{59EFE7DA-3055-4877-A87B-0E7814B7D48C}" type="slidenum">
               <a:t>&lt;#&gt;</a:t>
             </a:fld>
           </a:p>
@@ -3090,7 +3094,7 @@
         <p:spPr>
           <a:xfrm>
             <a:off x="504000" y="1326600"/>
-            <a:ext cx="9072000" cy="3288240"/>
+            <a:ext cx="9071640" cy="3288240"/>
           </a:xfrm>
           <a:prstGeom prst="rect">
             <a:avLst/>
@@ -3148,7 +3152,7 @@
         <p:txBody>
           <a:bodyPr/>
           <a:p>
-            <a:fld id="{BC18B178-A82B-400F-8322-61EDA2C18C55}" type="slidenum">
+            <a:fld id="{22F51A8F-D7EB-4A24-9FE0-89E3688AFAF8}" type="slidenum">
               <a:t>&lt;#&gt;</a:t>
             </a:fld>
           </a:p>
@@ -3244,7 +3248,7 @@
         <p:spPr>
           <a:xfrm>
             <a:off x="504000" y="1326600"/>
-            <a:ext cx="9072000" cy="3288240"/>
+            <a:ext cx="9071640" cy="3288240"/>
           </a:xfrm>
           <a:prstGeom prst="rect">
             <a:avLst/>
@@ -3299,7 +3303,7 @@
         <p:txBody>
           <a:bodyPr/>
           <a:p>
-            <a:fld id="{F6CE75D3-35DC-4D66-AA75-9EE8DD213DBC}" type="slidenum">
+            <a:fld id="{F9D5B102-5E7E-4227-912C-D0CDF97120D9}" type="slidenum">
               <a:t>&lt;#&gt;</a:t>
             </a:fld>
           </a:p>
@@ -3484,7 +3488,7 @@
         <p:txBody>
           <a:bodyPr/>
           <a:p>
-            <a:fld id="{341A7C13-346D-4CEC-AA93-71484ACFC678}" type="slidenum">
+            <a:fld id="{F6002324-966A-4686-B626-F7CA3C4F9B61}" type="slidenum">
               <a:t>&lt;#&gt;</a:t>
             </a:fld>
           </a:p>
@@ -3601,7 +3605,7 @@
         <p:txBody>
           <a:bodyPr/>
           <a:p>
-            <a:fld id="{8EDF1390-CB31-496F-B986-31D9640C4E7C}" type="slidenum">
+            <a:fld id="{1620E8A2-09D1-479F-8FFE-A65833F082CB}" type="slidenum">
               <a:t>&lt;#&gt;</a:t>
             </a:fld>
           </a:p>
@@ -3697,7 +3701,7 @@
         <p:spPr>
           <a:xfrm>
             <a:off x="504000" y="1326600"/>
-            <a:ext cx="9072000" cy="3288240"/>
+            <a:ext cx="9071640" cy="3288240"/>
           </a:xfrm>
           <a:prstGeom prst="rect">
             <a:avLst/>
@@ -3811,7 +3815,7 @@
         <p:txBody>
           <a:bodyPr/>
           <a:p>
-            <a:fld id="{44E3FDED-A94B-4B12-A47D-EEC44F436AA0}" type="slidenum">
+            <a:fld id="{7B174377-17EE-4C73-9B63-9BE1EF848096}" type="slidenum">
               <a:t>&lt;#&gt;</a:t>
             </a:fld>
           </a:p>
@@ -4030,7 +4034,7 @@
         <p:txBody>
           <a:bodyPr/>
           <a:p>
-            <a:fld id="{B42B7C81-2195-48B9-B8EB-DE0E1FEE7939}" type="slidenum">
+            <a:fld id="{BF7A32CC-12F8-42B3-9F72-9D6CD0112FEF}" type="slidenum">
               <a:t>&lt;#&gt;</a:t>
             </a:fld>
           </a:p>
@@ -4249,7 +4253,7 @@
         <p:txBody>
           <a:bodyPr/>
           <a:p>
-            <a:fld id="{3BEBFB52-B667-4218-8DB6-8024AF8A8C3C}" type="slidenum">
+            <a:fld id="{4E71CC78-75D4-4A75-B424-F7E522D0BD2B}" type="slidenum">
               <a:t>&lt;#&gt;</a:t>
             </a:fld>
           </a:p>
@@ -4413,7 +4417,7 @@
         <p:spPr>
           <a:xfrm>
             <a:off x="504000" y="3044160"/>
-            <a:ext cx="9072000" cy="1568160"/>
+            <a:ext cx="9071640" cy="1568160"/>
           </a:xfrm>
           <a:prstGeom prst="rect">
             <a:avLst/>
@@ -4468,7 +4472,7 @@
         <p:txBody>
           <a:bodyPr/>
           <a:p>
-            <a:fld id="{40F6E3AB-0BD9-4ACC-A482-AB61CD735AA3}" type="slidenum">
+            <a:fld id="{65D04017-59FF-4026-A624-D4A04101AD4A}" type="slidenum">
               <a:t>&lt;#&gt;</a:t>
             </a:fld>
           </a:p>
@@ -4564,7 +4568,7 @@
         <p:spPr>
           <a:xfrm>
             <a:off x="504000" y="1326600"/>
-            <a:ext cx="9072000" cy="1568160"/>
+            <a:ext cx="9071640" cy="1568160"/>
           </a:xfrm>
           <a:prstGeom prst="rect">
             <a:avLst/>
@@ -4598,7 +4602,7 @@
         <p:spPr>
           <a:xfrm>
             <a:off x="504000" y="3044160"/>
-            <a:ext cx="9072000" cy="1568160"/>
+            <a:ext cx="9071640" cy="1568160"/>
           </a:xfrm>
           <a:prstGeom prst="rect">
             <a:avLst/>
@@ -4653,7 +4657,7 @@
         <p:txBody>
           <a:bodyPr/>
           <a:p>
-            <a:fld id="{42A4E3A8-1DEE-48BB-9C01-81FFAFEC89C0}" type="slidenum">
+            <a:fld id="{753BE424-BF2F-457F-B21A-3884F5A8AD0E}" type="slidenum">
               <a:t>&lt;#&gt;</a:t>
             </a:fld>
           </a:p>
@@ -4906,7 +4910,7 @@
         <p:txBody>
           <a:bodyPr/>
           <a:p>
-            <a:fld id="{66270471-1F3B-4FE8-BB7D-69BDE5D35874}" type="slidenum">
+            <a:fld id="{4B1DEC62-D14D-4AE0-8543-CB174ED7CFD4}" type="slidenum">
               <a:t>&lt;#&gt;</a:t>
             </a:fld>
           </a:p>
@@ -5002,7 +5006,7 @@
         <p:spPr>
           <a:xfrm>
             <a:off x="504000" y="1326600"/>
-            <a:ext cx="2921040" cy="1568160"/>
+            <a:ext cx="2920680" cy="1568160"/>
           </a:xfrm>
           <a:prstGeom prst="rect">
             <a:avLst/>
@@ -5035,8 +5039,8 @@
         </p:nvSpPr>
         <p:spPr>
           <a:xfrm>
-            <a:off x="3571560" y="1326600"/>
-            <a:ext cx="2921040" cy="1568160"/>
+            <a:off x="3571200" y="1326600"/>
+            <a:ext cx="2920680" cy="1568160"/>
           </a:xfrm>
           <a:prstGeom prst="rect">
             <a:avLst/>
@@ -5069,8 +5073,8 @@
         </p:nvSpPr>
         <p:spPr>
           <a:xfrm>
-            <a:off x="6639120" y="1326600"/>
-            <a:ext cx="2921040" cy="1568160"/>
+            <a:off x="6638040" y="1326600"/>
+            <a:ext cx="2920680" cy="1568160"/>
           </a:xfrm>
           <a:prstGeom prst="rect">
             <a:avLst/>
@@ -5104,7 +5108,7 @@
         <p:spPr>
           <a:xfrm>
             <a:off x="504000" y="3044160"/>
-            <a:ext cx="2921040" cy="1568160"/>
+            <a:ext cx="2920680" cy="1568160"/>
           </a:xfrm>
           <a:prstGeom prst="rect">
             <a:avLst/>
@@ -5137,8 +5141,8 @@
         </p:nvSpPr>
         <p:spPr>
           <a:xfrm>
-            <a:off x="3571560" y="3044160"/>
-            <a:ext cx="2921040" cy="1568160"/>
+            <a:off x="3571200" y="3044160"/>
+            <a:ext cx="2920680" cy="1568160"/>
           </a:xfrm>
           <a:prstGeom prst="rect">
             <a:avLst/>
@@ -5171,8 +5175,8 @@
         </p:nvSpPr>
         <p:spPr>
           <a:xfrm>
-            <a:off x="6639120" y="3044160"/>
-            <a:ext cx="2921040" cy="1568160"/>
+            <a:off x="6638040" y="3044160"/>
+            <a:ext cx="2920680" cy="1568160"/>
           </a:xfrm>
           <a:prstGeom prst="rect">
             <a:avLst/>
@@ -5227,7 +5231,7 @@
         <p:txBody>
           <a:bodyPr/>
           <a:p>
-            <a:fld id="{AAF8159B-7B68-4A73-AD45-ED5E21BC4E8A}" type="slidenum">
+            <a:fld id="{077D2660-59FE-44AE-8237-13E1FDAA2F58}" type="slidenum">
               <a:t>&lt;#&gt;</a:t>
             </a:fld>
           </a:p>
@@ -5310,7 +5314,7 @@
         <p:txBody>
           <a:bodyPr/>
           <a:p>
-            <a:fld id="{E6450D6A-2E21-4370-9990-8A2F283F74BD}" type="slidenum">
+            <a:fld id="{960F3EEE-2941-42B1-AD77-A851FFF8F773}" type="slidenum">
               <a:t>&lt;#&gt;</a:t>
             </a:fld>
           </a:p>
@@ -5406,7 +5410,7 @@
         <p:spPr>
           <a:xfrm>
             <a:off x="504000" y="1326600"/>
-            <a:ext cx="9072000" cy="3288240"/>
+            <a:ext cx="9071640" cy="3288240"/>
           </a:xfrm>
           <a:prstGeom prst="rect">
             <a:avLst/>
@@ -5464,7 +5468,7 @@
         <p:txBody>
           <a:bodyPr/>
           <a:p>
-            <a:fld id="{92654280-92B7-43A1-886D-2524A3E62C73}" type="slidenum">
+            <a:fld id="{5980ED19-3389-4197-9572-F2E1063BF186}" type="slidenum">
               <a:t>&lt;#&gt;</a:t>
             </a:fld>
           </a:p>
@@ -5560,7 +5564,7 @@
         <p:spPr>
           <a:xfrm>
             <a:off x="504000" y="1326600"/>
-            <a:ext cx="9072000" cy="3288240"/>
+            <a:ext cx="9071640" cy="3288240"/>
           </a:xfrm>
           <a:prstGeom prst="rect">
             <a:avLst/>
@@ -5615,7 +5619,7 @@
         <p:txBody>
           <a:bodyPr/>
           <a:p>
-            <a:fld id="{CF14ED4D-E168-41FE-9569-BCCAD0F8FD78}" type="slidenum">
+            <a:fld id="{46B3CFC8-18B6-4A52-B36C-07A0BB9F6172}" type="slidenum">
               <a:t>&lt;#&gt;</a:t>
             </a:fld>
           </a:p>
@@ -5924,7 +5928,7 @@
         <p:txBody>
           <a:bodyPr/>
           <a:p>
-            <a:fld id="{CE8884F0-9339-4476-972A-05A124DEC1B6}" type="slidenum">
+            <a:fld id="{6226EF69-2C6F-4188-AFB7-DB0ECABD6F3A}" type="slidenum">
               <a:t>&lt;#&gt;</a:t>
             </a:fld>
           </a:p>
@@ -6041,7 +6045,7 @@
         <p:txBody>
           <a:bodyPr/>
           <a:p>
-            <a:fld id="{B2FE3BA3-6B36-468A-866E-49D300E69BDA}" type="slidenum">
+            <a:fld id="{80B85980-7317-4E24-BB8D-AA012A803C06}" type="slidenum">
               <a:t>&lt;#&gt;</a:t>
             </a:fld>
           </a:p>
@@ -6161,7 +6165,7 @@
         <p:txBody>
           <a:bodyPr/>
           <a:p>
-            <a:fld id="{D44E6A24-9AA8-4CD8-8279-430A3492A3B4}" type="slidenum">
+            <a:fld id="{B65EF9EF-6B2D-4585-8E7F-6C1C5E8BDB28}" type="slidenum">
               <a:t>&lt;#&gt;</a:t>
             </a:fld>
           </a:p>
@@ -6380,7 +6384,7 @@
         <p:txBody>
           <a:bodyPr/>
           <a:p>
-            <a:fld id="{76B3E13E-B270-47B9-A15E-DF55D1D4D17E}" type="slidenum">
+            <a:fld id="{4DF1227C-2ADB-4A3C-91B8-346DDF76C647}" type="slidenum">
               <a:t>&lt;#&gt;</a:t>
             </a:fld>
           </a:p>
@@ -6599,7 +6603,7 @@
         <p:txBody>
           <a:bodyPr/>
           <a:p>
-            <a:fld id="{6F114443-83F7-442A-A795-8B55794381C8}" type="slidenum">
+            <a:fld id="{F6049B99-982B-485B-8F9B-63355725E787}" type="slidenum">
               <a:t>&lt;#&gt;</a:t>
             </a:fld>
           </a:p>
@@ -6763,7 +6767,7 @@
         <p:spPr>
           <a:xfrm>
             <a:off x="504000" y="3044160"/>
-            <a:ext cx="9072000" cy="1568160"/>
+            <a:ext cx="9071640" cy="1568160"/>
           </a:xfrm>
           <a:prstGeom prst="rect">
             <a:avLst/>
@@ -6818,7 +6822,7 @@
         <p:txBody>
           <a:bodyPr/>
           <a:p>
-            <a:fld id="{627509DF-74D4-49F6-8604-BE0E481CCF32}" type="slidenum">
+            <a:fld id="{3D40F520-579B-49FA-80E3-AC000FE6220F}" type="slidenum">
               <a:t>&lt;#&gt;</a:t>
             </a:fld>
           </a:p>
@@ -6914,7 +6918,7 @@
         <p:spPr>
           <a:xfrm>
             <a:off x="504000" y="1326600"/>
-            <a:ext cx="9072000" cy="1568160"/>
+            <a:ext cx="9071640" cy="1568160"/>
           </a:xfrm>
           <a:prstGeom prst="rect">
             <a:avLst/>
@@ -6948,7 +6952,7 @@
         <p:spPr>
           <a:xfrm>
             <a:off x="504000" y="3044160"/>
-            <a:ext cx="9072000" cy="1568160"/>
+            <a:ext cx="9071640" cy="1568160"/>
           </a:xfrm>
           <a:prstGeom prst="rect">
             <a:avLst/>
@@ -7003,7 +7007,7 @@
         <p:txBody>
           <a:bodyPr/>
           <a:p>
-            <a:fld id="{3D67F84A-A9BB-4DAF-8F5E-5144FE463C92}" type="slidenum">
+            <a:fld id="{73D141FE-1710-4AF4-8D06-45E8E51AA7AF}" type="slidenum">
               <a:t>&lt;#&gt;</a:t>
             </a:fld>
           </a:p>
@@ -7256,7 +7260,7 @@
         <p:txBody>
           <a:bodyPr/>
           <a:p>
-            <a:fld id="{78C88E73-4FC3-408F-AFF5-42F905B762FE}" type="slidenum">
+            <a:fld id="{6E879675-D05F-4E52-93ED-4BF857B14C08}" type="slidenum">
               <a:t>&lt;#&gt;</a:t>
             </a:fld>
           </a:p>
@@ -7352,7 +7356,7 @@
         <p:spPr>
           <a:xfrm>
             <a:off x="504000" y="1326600"/>
-            <a:ext cx="2921040" cy="1568160"/>
+            <a:ext cx="2920680" cy="1568160"/>
           </a:xfrm>
           <a:prstGeom prst="rect">
             <a:avLst/>
@@ -7385,8 +7389,8 @@
         </p:nvSpPr>
         <p:spPr>
           <a:xfrm>
-            <a:off x="3571560" y="1326600"/>
-            <a:ext cx="2921040" cy="1568160"/>
+            <a:off x="3571200" y="1326600"/>
+            <a:ext cx="2920680" cy="1568160"/>
           </a:xfrm>
           <a:prstGeom prst="rect">
             <a:avLst/>
@@ -7419,8 +7423,8 @@
         </p:nvSpPr>
         <p:spPr>
           <a:xfrm>
-            <a:off x="6639120" y="1326600"/>
-            <a:ext cx="2921040" cy="1568160"/>
+            <a:off x="6638040" y="1326600"/>
+            <a:ext cx="2920680" cy="1568160"/>
           </a:xfrm>
           <a:prstGeom prst="rect">
             <a:avLst/>
@@ -7454,7 +7458,7 @@
         <p:spPr>
           <a:xfrm>
             <a:off x="504000" y="3044160"/>
-            <a:ext cx="2921040" cy="1568160"/>
+            <a:ext cx="2920680" cy="1568160"/>
           </a:xfrm>
           <a:prstGeom prst="rect">
             <a:avLst/>
@@ -7487,8 +7491,8 @@
         </p:nvSpPr>
         <p:spPr>
           <a:xfrm>
-            <a:off x="3571560" y="3044160"/>
-            <a:ext cx="2921040" cy="1568160"/>
+            <a:off x="3571200" y="3044160"/>
+            <a:ext cx="2920680" cy="1568160"/>
           </a:xfrm>
           <a:prstGeom prst="rect">
             <a:avLst/>
@@ -7521,8 +7525,8 @@
         </p:nvSpPr>
         <p:spPr>
           <a:xfrm>
-            <a:off x="6639120" y="3044160"/>
-            <a:ext cx="2921040" cy="1568160"/>
+            <a:off x="6638040" y="3044160"/>
+            <a:ext cx="2920680" cy="1568160"/>
           </a:xfrm>
           <a:prstGeom prst="rect">
             <a:avLst/>
@@ -7577,7 +7581,7 @@
         <p:txBody>
           <a:bodyPr/>
           <a:p>
-            <a:fld id="{CDC51D5E-1A34-429D-9265-EDF73A2DA3BB}" type="slidenum">
+            <a:fld id="{DEB1917C-6366-4D75-A992-11124B104437}" type="slidenum">
               <a:t>&lt;#&gt;</a:t>
             </a:fld>
           </a:p>
@@ -7751,7 +7755,7 @@
         <p:spPr>
           <a:xfrm>
             <a:off x="504000" y="1326600"/>
-            <a:ext cx="9072000" cy="3288240"/>
+            <a:ext cx="9071640" cy="3288240"/>
           </a:xfrm>
           <a:prstGeom prst="rect">
             <a:avLst/>
@@ -7844,7 +7848,7 @@
         <p:spPr>
           <a:xfrm>
             <a:off x="504000" y="1326600"/>
-            <a:ext cx="9072000" cy="3288240"/>
+            <a:ext cx="9071640" cy="3288240"/>
           </a:xfrm>
           <a:prstGeom prst="rect">
             <a:avLst/>
@@ -8557,7 +8561,7 @@
         <p:spPr>
           <a:xfrm>
             <a:off x="504000" y="3044160"/>
-            <a:ext cx="9072000" cy="1568160"/>
+            <a:ext cx="9071640" cy="1568160"/>
           </a:xfrm>
           <a:prstGeom prst="rect">
             <a:avLst/>
@@ -8647,7 +8651,7 @@
         <p:spPr>
           <a:xfrm>
             <a:off x="504000" y="1326600"/>
-            <a:ext cx="9072000" cy="1568160"/>
+            <a:ext cx="9071640" cy="1568160"/>
           </a:xfrm>
           <a:prstGeom prst="rect">
             <a:avLst/>
@@ -8681,7 +8685,7 @@
         <p:spPr>
           <a:xfrm>
             <a:off x="504000" y="3044160"/>
-            <a:ext cx="9072000" cy="1568160"/>
+            <a:ext cx="9071640" cy="1568160"/>
           </a:xfrm>
           <a:prstGeom prst="rect">
             <a:avLst/>
@@ -9022,7 +9026,7 @@
         <p:spPr>
           <a:xfrm>
             <a:off x="504000" y="1326600"/>
-            <a:ext cx="2921040" cy="1568160"/>
+            <a:ext cx="2920680" cy="1568160"/>
           </a:xfrm>
           <a:prstGeom prst="rect">
             <a:avLst/>
@@ -9055,8 +9059,8 @@
         </p:nvSpPr>
         <p:spPr>
           <a:xfrm>
-            <a:off x="3571560" y="1326600"/>
-            <a:ext cx="2921040" cy="1568160"/>
+            <a:off x="3571200" y="1326600"/>
+            <a:ext cx="2920680" cy="1568160"/>
           </a:xfrm>
           <a:prstGeom prst="rect">
             <a:avLst/>
@@ -9089,8 +9093,8 @@
         </p:nvSpPr>
         <p:spPr>
           <a:xfrm>
-            <a:off x="6639120" y="1326600"/>
-            <a:ext cx="2921040" cy="1568160"/>
+            <a:off x="6638040" y="1326600"/>
+            <a:ext cx="2920680" cy="1568160"/>
           </a:xfrm>
           <a:prstGeom prst="rect">
             <a:avLst/>
@@ -9124,7 +9128,7 @@
         <p:spPr>
           <a:xfrm>
             <a:off x="504000" y="3044160"/>
-            <a:ext cx="2921040" cy="1568160"/>
+            <a:ext cx="2920680" cy="1568160"/>
           </a:xfrm>
           <a:prstGeom prst="rect">
             <a:avLst/>
@@ -9157,8 +9161,8 @@
         </p:nvSpPr>
         <p:spPr>
           <a:xfrm>
-            <a:off x="3571560" y="3044160"/>
-            <a:ext cx="2921040" cy="1568160"/>
+            <a:off x="3571200" y="3044160"/>
+            <a:ext cx="2920680" cy="1568160"/>
           </a:xfrm>
           <a:prstGeom prst="rect">
             <a:avLst/>
@@ -9191,8 +9195,8 @@
         </p:nvSpPr>
         <p:spPr>
           <a:xfrm>
-            <a:off x="6639120" y="3044160"/>
-            <a:ext cx="2921040" cy="1568160"/>
+            <a:off x="6638040" y="3044160"/>
+            <a:ext cx="2920680" cy="1568160"/>
           </a:xfrm>
           <a:prstGeom prst="rect">
             <a:avLst/>
@@ -9666,7 +9670,7 @@
         <p:spPr>
           <a:xfrm>
             <a:off x="504000" y="3044160"/>
-            <a:ext cx="9072000" cy="1568160"/>
+            <a:ext cx="9071640" cy="1568160"/>
           </a:xfrm>
           <a:prstGeom prst="rect">
             <a:avLst/>
@@ -9921,7 +9925,7 @@
             <a:noAutofit/>
           </a:bodyPr>
           <a:p>
-            <a:fld id="{E1BE7434-58EE-483A-9A74-D6A5ABAC5EA0}" type="author">
+            <a:fld id="{5A063AC2-E95F-49A6-B4F4-34DE90B0BA59}" type="author">
               <a:rPr b="0" lang="en-US" sz="1800" spc="-1" strike="noStrike">
                 <a:latin typeface="Arial"/>
               </a:rPr>
@@ -10232,13 +10236,7 @@
               <a:rPr b="0" lang="en-US" sz="3200" spc="-1" strike="noStrike">
                 <a:latin typeface="Arial"/>
               </a:rPr>
-              <a:t>Click to edit the outline text </a:t>
-            </a:r>
-            <a:r>
-              <a:rPr b="0" lang="en-US" sz="3200" spc="-1" strike="noStrike">
-                <a:latin typeface="Arial"/>
-              </a:rPr>
-              <a:t>format</a:t>
+              <a:t>Click to edit the outline text format</a:t>
             </a:r>
             <a:endParaRPr b="0" lang="en-US" sz="3200" spc="-1" strike="noStrike">
               <a:latin typeface="Arial"/>
@@ -10515,7 +10513,7 @@
             <a:pPr algn="r">
               <a:buNone/>
             </a:pPr>
-            <a:fld id="{DAC6B5F9-B1C1-471D-A48A-4D3BD5B7CCEF}" type="slidenum">
+            <a:fld id="{AB0793FB-51EF-4444-89DA-43414E8B7FD0}" type="slidenum">
               <a:rPr b="0" lang="en-US" sz="1400" spc="-1" strike="noStrike">
                 <a:latin typeface="Arial"/>
               </a:rPr>
@@ -10938,13 +10936,7 @@
               <a:rPr b="0" lang="en-US" sz="3200" spc="-1" strike="noStrike">
                 <a:latin typeface="Arial"/>
               </a:rPr>
-              <a:t>Click to edit the </a:t>
-            </a:r>
-            <a:r>
-              <a:rPr b="0" lang="en-US" sz="3200" spc="-1" strike="noStrike">
-                <a:latin typeface="Arial"/>
-              </a:rPr>
-              <a:t>outline text format</a:t>
+              <a:t>Click to edit the outline text format</a:t>
             </a:r>
             <a:endParaRPr b="0" lang="en-US" sz="3200" spc="-1" strike="noStrike">
               <a:latin typeface="Arial"/>
@@ -11054,13 +11046,7 @@
               <a:rPr b="0" lang="en-US" sz="2000" spc="-1" strike="noStrike">
                 <a:latin typeface="Arial"/>
               </a:rPr>
-              <a:t>Sixth Outline </a:t>
-            </a:r>
-            <a:r>
-              <a:rPr b="0" lang="en-US" sz="2000" spc="-1" strike="noStrike">
-                <a:latin typeface="Arial"/>
-              </a:rPr>
-              <a:t>Level</a:t>
+              <a:t>Sixth Outline Level</a:t>
             </a:r>
             <a:endParaRPr b="0" lang="en-US" sz="2000" spc="-1" strike="noStrike">
               <a:latin typeface="Arial"/>
@@ -11082,19 +11068,7 @@
               <a:rPr b="0" lang="en-US" sz="2000" spc="-1" strike="noStrike">
                 <a:latin typeface="Arial"/>
               </a:rPr>
-              <a:t>Seventh </a:t>
-            </a:r>
-            <a:r>
-              <a:rPr b="0" lang="en-US" sz="2000" spc="-1" strike="noStrike">
-                <a:latin typeface="Arial"/>
-              </a:rPr>
-              <a:t>Outline </a:t>
-            </a:r>
-            <a:r>
-              <a:rPr b="0" lang="en-US" sz="2000" spc="-1" strike="noStrike">
-                <a:latin typeface="Arial"/>
-              </a:rPr>
-              <a:t>Level</a:t>
+              <a:t>Seventh Outline Level</a:t>
             </a:r>
             <a:endParaRPr b="0" lang="en-US" sz="2000" spc="-1" strike="noStrike">
               <a:latin typeface="Arial"/>
@@ -11239,7 +11213,7 @@
             <a:pPr algn="r">
               <a:buNone/>
             </a:pPr>
-            <a:fld id="{8298436B-94DF-4CDF-B19A-5BF5FCDECA5A}" type="slidenum">
+            <a:fld id="{8EE4BCB9-8F1F-473A-945C-06CEC07C1221}" type="slidenum">
               <a:rPr b="0" lang="en-US" sz="1400" spc="-1" strike="noStrike">
                 <a:latin typeface="Arial"/>
               </a:rPr>
@@ -11837,13 +11811,7 @@
               <a:rPr b="0" lang="en-US" sz="3200" spc="-1" strike="noStrike">
                 <a:latin typeface="Arial"/>
               </a:rPr>
-              <a:t>Click to edit the outline text </a:t>
-            </a:r>
-            <a:r>
-              <a:rPr b="0" lang="en-US" sz="3200" spc="-1" strike="noStrike">
-                <a:latin typeface="Arial"/>
-              </a:rPr>
-              <a:t>format</a:t>
+              <a:t>Click to edit the outline text format</a:t>
             </a:r>
             <a:endParaRPr b="0" lang="en-US" sz="3200" spc="-1" strike="noStrike">
               <a:latin typeface="Arial"/>
@@ -12120,7 +12088,7 @@
             <a:pPr algn="r">
               <a:buNone/>
             </a:pPr>
-            <a:fld id="{18FAEF8D-FBA5-4B25-8580-B55A11DB2D97}" type="slidenum">
+            <a:fld id="{CEDBAB5C-C5B9-4ECE-B77E-BD1816E2B45B}" type="slidenum">
               <a:rPr b="0" lang="en-US" sz="1400" spc="-1" strike="noStrike">
                 <a:latin typeface="Arial"/>
               </a:rPr>
@@ -12795,7 +12763,7 @@
       </p:grpSpPr>
       <p:sp>
         <p:nvSpPr>
-          <p:cNvPr id="259" name="PlaceHolder 1"/>
+          <p:cNvPr id="261" name="PlaceHolder 1"/>
           <p:cNvSpPr>
             <a:spLocks noGrp="1"/>
           </p:cNvSpPr>
@@ -12822,20 +12790,20 @@
           </a:bodyPr>
           <a:p>
             <a:r>
-              <a:rPr b="0" lang="en-US" sz="4400" spc="-1" strike="noStrike">
+              <a:rPr b="0" lang="en-US" sz="3600" spc="-1" strike="noStrike">
                 <a:latin typeface="Arial"/>
               </a:rPr>
-              <a:t>Contextual multi armed bandit</a:t>
-            </a:r>
-            <a:endParaRPr b="0" lang="en-US" sz="4400" spc="-1" strike="noStrike">
-              <a:latin typeface="Arial"/>
-            </a:endParaRPr>
-          </a:p>
-        </p:txBody>
-      </p:sp>
-      <p:sp>
-        <p:nvSpPr>
-          <p:cNvPr id="260" name="PlaceHolder 2"/>
+              <a:t>Contextual multi armed bandit (deterministic)</a:t>
+            </a:r>
+            <a:endParaRPr b="0" lang="en-US" sz="3600" spc="-1" strike="noStrike">
+              <a:latin typeface="Arial"/>
+            </a:endParaRPr>
+          </a:p>
+        </p:txBody>
+      </p:sp>
+      <p:sp>
+        <p:nvSpPr>
+          <p:cNvPr id="262" name="PlaceHolder 2"/>
           <p:cNvSpPr>
             <a:spLocks noGrp="1"/>
           </p:cNvSpPr>
@@ -12846,7 +12814,7 @@
         <p:spPr>
           <a:xfrm>
             <a:off x="504000" y="1326600"/>
-            <a:ext cx="9071640" cy="3288240"/>
+            <a:ext cx="4426920" cy="3288240"/>
           </a:xfrm>
           <a:prstGeom prst="rect">
             <a:avLst/>
@@ -12858,7 +12826,7 @@
         </p:spPr>
         <p:txBody>
           <a:bodyPr lIns="0" rIns="0" tIns="0" bIns="0" anchor="t">
-            <a:normAutofit fontScale="96000"/>
+            <a:normAutofit fontScale="60000"/>
           </a:bodyPr>
           <a:p>
             <a:pPr marL="432000" indent="-324000">
@@ -12930,7 +12898,37 @@
               <a:rPr b="0" lang="en-US" sz="3200" spc="-1" strike="noStrike">
                 <a:latin typeface="Arial"/>
               </a:rPr>
-              <a:t>previous time step.</a:t>
+              <a:t>previous time step. At </a:t>
+            </a:r>
+            <a:r>
+              <a:rPr b="0" lang="en-US" sz="3200" spc="-1" strike="noStrike">
+                <a:latin typeface="Arial"/>
+              </a:rPr>
+              <a:t>the first time step, the </a:t>
+            </a:r>
+            <a:r>
+              <a:rPr b="0" lang="en-US" sz="3200" spc="-1" strike="noStrike">
+                <a:latin typeface="Arial"/>
+              </a:rPr>
+              <a:t>actions are randomly </a:t>
+            </a:r>
+            <a:r>
+              <a:rPr b="0" lang="en-US" sz="3200" spc="-1" strike="noStrike">
+                <a:latin typeface="Arial"/>
+              </a:rPr>
+              <a:t>chosen from action </a:t>
+            </a:r>
+            <a:r>
+              <a:rPr b="0" lang="en-US" sz="3200" spc="-1" strike="noStrike">
+                <a:latin typeface="Arial"/>
+              </a:rPr>
+              <a:t>set with equal </a:t>
+            </a:r>
+            <a:r>
+              <a:rPr b="0" lang="en-US" sz="3200" spc="-1" strike="noStrike">
+                <a:latin typeface="Arial"/>
+              </a:rPr>
+              <a:t>probability.</a:t>
             </a:r>
             <a:endParaRPr b="0" lang="en-US" sz="3200" spc="-1" strike="noStrike">
               <a:latin typeface="Arial"/>
@@ -12998,19 +12996,609 @@
       </p:sp>
       <p:sp>
         <p:nvSpPr>
-          <p:cNvPr id="4" name="PlaceHolder 3"/>
-          <p:cNvSpPr>
-            <a:spLocks noGrp="1"/>
-          </p:cNvSpPr>
-          <p:nvPr>
-            <p:ph type="sldNum" idx="9"/>
+          <p:cNvPr id="263" name="PlaceHolder 3"/>
+          <p:cNvSpPr>
+            <a:spLocks noGrp="1"/>
+          </p:cNvSpPr>
+          <p:nvPr>
+            <p:ph/>
+          </p:nvPr>
+        </p:nvSpPr>
+        <p:spPr>
+          <a:xfrm>
+            <a:off x="5152680" y="1326600"/>
+            <a:ext cx="4426920" cy="3288240"/>
+          </a:xfrm>
+          <a:prstGeom prst="rect">
+            <a:avLst/>
+          </a:prstGeom>
+          <a:noFill/>
+          <a:ln w="0">
+            <a:noFill/>
+          </a:ln>
+        </p:spPr>
+        <p:txBody>
+          <a:bodyPr lIns="0" rIns="0" tIns="0" bIns="0" anchor="t">
+            <a:normAutofit fontScale="32000"/>
+          </a:bodyPr>
+          <a:p>
+            <a:pPr marL="432000" indent="-324000">
+              <a:spcBef>
+                <a:spcPts val="1417"/>
+              </a:spcBef>
+              <a:buClr>
+                <a:srgbClr val="ffffff"/>
+              </a:buClr>
+              <a:buSzPct val="45000"/>
+              <a:buFont typeface="Wingdings" charset="2"/>
+              <a:buChar char=""/>
+            </a:pPr>
+            <a:r>
+              <a:rPr b="0" lang="en-US" sz="3200" spc="-1" strike="noStrike">
+                <a:latin typeface="Arial"/>
+              </a:rPr>
+              <a:t>information gain ratio:</a:t>
+            </a:r>
+            <a:endParaRPr b="0" lang="en-US" sz="3200" spc="-1" strike="noStrike">
+              <a:latin typeface="Arial"/>
+            </a:endParaRPr>
+          </a:p>
+          <a:p>
+            <a:pPr lvl="1" marL="864000" indent="-324000">
+              <a:spcBef>
+                <a:spcPts val="1134"/>
+              </a:spcBef>
+              <a:buClr>
+                <a:srgbClr val="ffffff"/>
+              </a:buClr>
+              <a:buSzPct val="75000"/>
+              <a:buFont typeface="Symbol" charset="2"/>
+              <a:buChar char=""/>
+            </a:pPr>
+            <a:r>
+              <a:rPr b="0" lang="en-US" sz="2800" spc="-1" strike="noStrike">
+                <a:solidFill>
+                  <a:srgbClr val="ff0000"/>
+                </a:solidFill>
+                <a:latin typeface="Arial"/>
+              </a:rPr>
+              <a:t> </a:t>
+            </a:r>
+            <a:r>
+              <a:rPr b="0" lang="en-US" sz="2800" spc="-1" strike="noStrike">
+                <a:solidFill>
+                  <a:srgbClr val="ff0000"/>
+                </a:solidFill>
+                <a:latin typeface="Arial"/>
+              </a:rPr>
+              <a:t>(0.3012, 'length_of_residence'),</a:t>
+            </a:r>
+            <a:endParaRPr b="0" lang="en-US" sz="2800" spc="-1" strike="noStrike">
+              <a:latin typeface="Arial"/>
+            </a:endParaRPr>
+          </a:p>
+          <a:p>
+            <a:pPr lvl="1" marL="864000" indent="-324000">
+              <a:spcBef>
+                <a:spcPts val="1134"/>
+              </a:spcBef>
+              <a:buClr>
+                <a:srgbClr val="ffffff"/>
+              </a:buClr>
+              <a:buSzPct val="75000"/>
+              <a:buFont typeface="Symbol" charset="2"/>
+              <a:buChar char=""/>
+            </a:pPr>
+            <a:r>
+              <a:rPr b="0" lang="en-US" sz="2800" spc="-1" strike="noStrike">
+                <a:solidFill>
+                  <a:srgbClr val="ff0000"/>
+                </a:solidFill>
+                <a:latin typeface="Arial"/>
+              </a:rPr>
+              <a:t> </a:t>
+            </a:r>
+            <a:r>
+              <a:rPr b="0" lang="en-US" sz="2800" spc="-1" strike="noStrike">
+                <a:solidFill>
+                  <a:srgbClr val="ff0000"/>
+                </a:solidFill>
+                <a:latin typeface="Arial"/>
+              </a:rPr>
+              <a:t>(0.2896, 'new_movers'),</a:t>
+            </a:r>
+            <a:endParaRPr b="0" lang="en-US" sz="2800" spc="-1" strike="noStrike">
+              <a:latin typeface="Arial"/>
+            </a:endParaRPr>
+          </a:p>
+          <a:p>
+            <a:pPr lvl="1" marL="864000" indent="-324000">
+              <a:spcBef>
+                <a:spcPts val="1134"/>
+              </a:spcBef>
+              <a:buClr>
+                <a:srgbClr val="ffffff"/>
+              </a:buClr>
+              <a:buSzPct val="75000"/>
+              <a:buFont typeface="Symbol" charset="2"/>
+              <a:buChar char=""/>
+            </a:pPr>
+            <a:r>
+              <a:rPr b="0" lang="en-US" sz="2800" spc="-1" strike="noStrike">
+                <a:latin typeface="Arial"/>
+              </a:rPr>
+              <a:t> </a:t>
+            </a:r>
+            <a:r>
+              <a:rPr b="0" lang="en-US" sz="2800" spc="-1" strike="noStrike">
+                <a:latin typeface="Arial"/>
+              </a:rPr>
+              <a:t>(0.0683, 'visit_id'),</a:t>
+            </a:r>
+            <a:endParaRPr b="0" lang="en-US" sz="2800" spc="-1" strike="noStrike">
+              <a:latin typeface="Arial"/>
+            </a:endParaRPr>
+          </a:p>
+          <a:p>
+            <a:pPr lvl="1" marL="864000" indent="-324000">
+              <a:spcBef>
+                <a:spcPts val="1134"/>
+              </a:spcBef>
+              <a:buClr>
+                <a:srgbClr val="ffffff"/>
+              </a:buClr>
+              <a:buSzPct val="75000"/>
+              <a:buFont typeface="Symbol" charset="2"/>
+              <a:buChar char=""/>
+            </a:pPr>
+            <a:r>
+              <a:rPr b="0" lang="en-US" sz="2800" spc="-1" strike="noStrike">
+                <a:latin typeface="Arial"/>
+              </a:rPr>
+              <a:t> </a:t>
+            </a:r>
+            <a:r>
+              <a:rPr b="0" lang="en-US" sz="2800" spc="-1" strike="noStrike">
+                <a:latin typeface="Arial"/>
+              </a:rPr>
+              <a:t>(0.0584, 'date_time'),</a:t>
+            </a:r>
+            <a:endParaRPr b="0" lang="en-US" sz="2800" spc="-1" strike="noStrike">
+              <a:latin typeface="Arial"/>
+            </a:endParaRPr>
+          </a:p>
+          <a:p>
+            <a:pPr lvl="1" marL="864000" indent="-324000">
+              <a:spcBef>
+                <a:spcPts val="1134"/>
+              </a:spcBef>
+              <a:buClr>
+                <a:srgbClr val="ffffff"/>
+              </a:buClr>
+              <a:buSzPct val="75000"/>
+              <a:buFont typeface="Symbol" charset="2"/>
+              <a:buChar char=""/>
+            </a:pPr>
+            <a:r>
+              <a:rPr b="0" lang="en-US" sz="2800" spc="-1" strike="noStrike">
+                <a:latin typeface="Arial"/>
+              </a:rPr>
+              <a:t> </a:t>
+            </a:r>
+            <a:r>
+              <a:rPr b="0" lang="en-US" sz="2800" spc="-1" strike="noStrike">
+                <a:latin typeface="Arial"/>
+              </a:rPr>
+              <a:t>(0.0541, 'zipcode'),</a:t>
+            </a:r>
+            <a:endParaRPr b="0" lang="en-US" sz="2800" spc="-1" strike="noStrike">
+              <a:latin typeface="Arial"/>
+            </a:endParaRPr>
+          </a:p>
+          <a:p>
+            <a:pPr lvl="1" marL="864000" indent="-324000">
+              <a:spcBef>
+                <a:spcPts val="1134"/>
+              </a:spcBef>
+              <a:buClr>
+                <a:srgbClr val="ffffff"/>
+              </a:buClr>
+              <a:buSzPct val="75000"/>
+              <a:buFont typeface="Symbol" charset="2"/>
+              <a:buChar char=""/>
+            </a:pPr>
+            <a:r>
+              <a:rPr b="0" lang="en-US" sz="2800" spc="-1" strike="noStrike">
+                <a:latin typeface="Arial"/>
+              </a:rPr>
+              <a:t> </a:t>
+            </a:r>
+            <a:r>
+              <a:rPr b="0" lang="en-US" sz="2800" spc="-1" strike="noStrike">
+                <a:latin typeface="Arial"/>
+              </a:rPr>
+              <a:t>(0.0459, 'year_home_built'),</a:t>
+            </a:r>
+            <a:endParaRPr b="0" lang="en-US" sz="2800" spc="-1" strike="noStrike">
+              <a:latin typeface="Arial"/>
+            </a:endParaRPr>
+          </a:p>
+          <a:p>
+            <a:pPr lvl="1" marL="864000" indent="-324000">
+              <a:spcBef>
+                <a:spcPts val="1134"/>
+              </a:spcBef>
+              <a:buClr>
+                <a:srgbClr val="ffffff"/>
+              </a:buClr>
+              <a:buSzPct val="75000"/>
+              <a:buFont typeface="Symbol" charset="2"/>
+              <a:buChar char=""/>
+            </a:pPr>
+            <a:r>
+              <a:rPr b="0" lang="en-US" sz="2800" spc="-1" strike="noStrike">
+                <a:latin typeface="Arial"/>
+              </a:rPr>
+              <a:t> </a:t>
+            </a:r>
+            <a:r>
+              <a:rPr b="0" lang="en-US" sz="2800" spc="-1" strike="noStrike">
+                <a:latin typeface="Arial"/>
+              </a:rPr>
+              <a:t>(0.038, 'montrd_home_security_sys_own_value'),</a:t>
+            </a:r>
+            <a:endParaRPr b="0" lang="en-US" sz="2800" spc="-1" strike="noStrike">
+              <a:latin typeface="Arial"/>
+            </a:endParaRPr>
+          </a:p>
+          <a:p>
+            <a:pPr lvl="1" marL="864000" indent="-324000">
+              <a:spcBef>
+                <a:spcPts val="1134"/>
+              </a:spcBef>
+              <a:buClr>
+                <a:srgbClr val="ffffff"/>
+              </a:buClr>
+              <a:buSzPct val="75000"/>
+              <a:buFont typeface="Symbol" charset="2"/>
+              <a:buChar char=""/>
+            </a:pPr>
+            <a:r>
+              <a:rPr b="0" lang="en-US" sz="2800" spc="-1" strike="noStrike">
+                <a:latin typeface="Arial"/>
+              </a:rPr>
+              <a:t> </a:t>
+            </a:r>
+            <a:r>
+              <a:rPr b="0" lang="en-US" sz="2800" spc="-1" strike="noStrike">
+                <a:latin typeface="Arial"/>
+              </a:rPr>
+              <a:t>(0.0347, 'mkt_green_product_purchasers_value'),</a:t>
+            </a:r>
+            <a:endParaRPr b="0" lang="en-US" sz="2800" spc="-1" strike="noStrike">
+              <a:latin typeface="Arial"/>
+            </a:endParaRPr>
+          </a:p>
+          <a:p>
+            <a:pPr lvl="1" marL="864000" indent="-324000">
+              <a:spcBef>
+                <a:spcPts val="1134"/>
+              </a:spcBef>
+              <a:buClr>
+                <a:srgbClr val="ffffff"/>
+              </a:buClr>
+              <a:buSzPct val="75000"/>
+              <a:buFont typeface="Symbol" charset="2"/>
+              <a:buChar char=""/>
+            </a:pPr>
+            <a:r>
+              <a:rPr b="0" lang="en-US" sz="2800" spc="-1" strike="noStrike">
+                <a:latin typeface="Arial"/>
+              </a:rPr>
+              <a:t> </a:t>
+            </a:r>
+            <a:r>
+              <a:rPr b="0" lang="en-US" sz="2800" spc="-1" strike="noStrike">
+                <a:latin typeface="Arial"/>
+              </a:rPr>
+              <a:t>(0.0294, 'days_since_last_visit'),</a:t>
+            </a:r>
+            <a:endParaRPr b="0" lang="en-US" sz="2800" spc="-1" strike="noStrike">
+              <a:latin typeface="Arial"/>
+            </a:endParaRPr>
+          </a:p>
+          <a:p>
+            <a:pPr lvl="1" marL="864000" indent="-324000">
+              <a:spcBef>
+                <a:spcPts val="1134"/>
+              </a:spcBef>
+              <a:buClr>
+                <a:srgbClr val="ffffff"/>
+              </a:buClr>
+              <a:buSzPct val="75000"/>
+              <a:buFont typeface="Symbol" charset="2"/>
+              <a:buChar char=""/>
+            </a:pPr>
+            <a:r>
+              <a:rPr b="0" lang="en-US" sz="2800" spc="-1" strike="noStrike">
+                <a:latin typeface="Arial"/>
+              </a:rPr>
+              <a:t> </a:t>
+            </a:r>
+            <a:r>
+              <a:rPr b="0" lang="en-US" sz="2800" spc="-1" strike="noStrike">
+                <a:latin typeface="Arial"/>
+              </a:rPr>
+              <a:t>(0.0222, 'mkt_organic_product_purchasers_value'),</a:t>
+            </a:r>
+            <a:endParaRPr b="0" lang="en-US" sz="2800" spc="-1" strike="noStrike">
+              <a:latin typeface="Arial"/>
+            </a:endParaRPr>
+          </a:p>
+          <a:p>
+            <a:pPr lvl="1" marL="864000" indent="-324000">
+              <a:spcBef>
+                <a:spcPts val="1134"/>
+              </a:spcBef>
+              <a:buClr>
+                <a:srgbClr val="ffffff"/>
+              </a:buClr>
+              <a:buSzPct val="75000"/>
+              <a:buFont typeface="Symbol" charset="2"/>
+              <a:buChar char=""/>
+            </a:pPr>
+            <a:r>
+              <a:rPr b="0" lang="en-US" sz="2800" spc="-1" strike="noStrike">
+                <a:latin typeface="Arial"/>
+              </a:rPr>
+              <a:t> </a:t>
+            </a:r>
+            <a:r>
+              <a:rPr b="0" lang="en-US" sz="2800" spc="-1" strike="noStrike">
+                <a:latin typeface="Arial"/>
+              </a:rPr>
+              <a:t>(0.0176, 'mkt_trend_env_focused_hh_value'),</a:t>
+            </a:r>
+            <a:endParaRPr b="0" lang="en-US" sz="2800" spc="-1" strike="noStrike">
+              <a:latin typeface="Arial"/>
+            </a:endParaRPr>
+          </a:p>
+          <a:p>
+            <a:pPr lvl="1" marL="864000" indent="-324000">
+              <a:spcBef>
+                <a:spcPts val="1134"/>
+              </a:spcBef>
+              <a:buClr>
+                <a:srgbClr val="ffffff"/>
+              </a:buClr>
+              <a:buSzPct val="75000"/>
+              <a:buFont typeface="Symbol" charset="2"/>
+              <a:buChar char=""/>
+            </a:pPr>
+            <a:r>
+              <a:rPr b="0" lang="en-US" sz="2800" spc="-1" strike="noStrike">
+                <a:latin typeface="Arial"/>
+              </a:rPr>
+              <a:t> </a:t>
+            </a:r>
+            <a:r>
+              <a:rPr b="0" lang="en-US" sz="2800" spc="-1" strike="noStrike">
+                <a:latin typeface="Arial"/>
+              </a:rPr>
+              <a:t>(0.0168, 'home_market_value'),</a:t>
+            </a:r>
+            <a:endParaRPr b="0" lang="en-US" sz="2800" spc="-1" strike="noStrike">
+              <a:latin typeface="Arial"/>
+            </a:endParaRPr>
+          </a:p>
+          <a:p>
+            <a:pPr lvl="1" marL="864000" indent="-324000">
+              <a:spcBef>
+                <a:spcPts val="1134"/>
+              </a:spcBef>
+              <a:buClr>
+                <a:srgbClr val="ffffff"/>
+              </a:buClr>
+              <a:buSzPct val="75000"/>
+              <a:buFont typeface="Symbol" charset="2"/>
+              <a:buChar char=""/>
+            </a:pPr>
+            <a:r>
+              <a:rPr b="0" lang="en-US" sz="2800" spc="-1" strike="noStrike">
+                <a:latin typeface="Arial"/>
+              </a:rPr>
+              <a:t> </a:t>
+            </a:r>
+            <a:r>
+              <a:rPr b="0" lang="en-US" sz="2800" spc="-1" strike="noStrike">
+                <a:latin typeface="Arial"/>
+              </a:rPr>
+              <a:t>(0.0157, 'income'),</a:t>
+            </a:r>
+            <a:endParaRPr b="0" lang="en-US" sz="2800" spc="-1" strike="noStrike">
+              <a:latin typeface="Arial"/>
+            </a:endParaRPr>
+          </a:p>
+          <a:p>
+            <a:pPr lvl="1" marL="864000" indent="-324000">
+              <a:spcBef>
+                <a:spcPts val="1134"/>
+              </a:spcBef>
+              <a:buClr>
+                <a:srgbClr val="ffffff"/>
+              </a:buClr>
+              <a:buSzPct val="75000"/>
+              <a:buFont typeface="Symbol" charset="2"/>
+              <a:buChar char=""/>
+            </a:pPr>
+            <a:r>
+              <a:rPr b="0" lang="en-US" sz="2800" spc="-1" strike="noStrike">
+                <a:latin typeface="Arial"/>
+              </a:rPr>
+              <a:t> </a:t>
+            </a:r>
+            <a:r>
+              <a:rPr b="0" lang="en-US" sz="2800" spc="-1" strike="noStrike">
+                <a:latin typeface="Arial"/>
+              </a:rPr>
+              <a:t>(0.0107, 'high_end_shoppers_value'),</a:t>
+            </a:r>
+            <a:endParaRPr b="0" lang="en-US" sz="2800" spc="-1" strike="noStrike">
+              <a:latin typeface="Arial"/>
+            </a:endParaRPr>
+          </a:p>
+          <a:p>
+            <a:pPr lvl="1" marL="864000" indent="-324000">
+              <a:spcBef>
+                <a:spcPts val="1134"/>
+              </a:spcBef>
+              <a:buClr>
+                <a:srgbClr val="ffffff"/>
+              </a:buClr>
+              <a:buSzPct val="75000"/>
+              <a:buFont typeface="Symbol" charset="2"/>
+              <a:buChar char=""/>
+            </a:pPr>
+            <a:r>
+              <a:rPr b="0" lang="en-US" sz="2800" spc="-1" strike="noStrike">
+                <a:latin typeface="Arial"/>
+              </a:rPr>
+              <a:t> </a:t>
+            </a:r>
+            <a:r>
+              <a:rPr b="0" lang="en-US" sz="2800" spc="-1" strike="noStrike">
+                <a:latin typeface="Arial"/>
+              </a:rPr>
+              <a:t>(0.0071, 'net_worth'),</a:t>
+            </a:r>
+            <a:endParaRPr b="0" lang="en-US" sz="2800" spc="-1" strike="noStrike">
+              <a:latin typeface="Arial"/>
+            </a:endParaRPr>
+          </a:p>
+          <a:p>
+            <a:pPr lvl="1" marL="864000" indent="-324000">
+              <a:spcBef>
+                <a:spcPts val="1134"/>
+              </a:spcBef>
+              <a:buClr>
+                <a:srgbClr val="ffffff"/>
+              </a:buClr>
+              <a:buSzPct val="75000"/>
+              <a:buFont typeface="Symbol" charset="2"/>
+              <a:buChar char=""/>
+            </a:pPr>
+            <a:r>
+              <a:rPr b="0" lang="en-US" sz="2800" spc="-1" strike="noStrike">
+                <a:latin typeface="Arial"/>
+              </a:rPr>
+              <a:t> </a:t>
+            </a:r>
+            <a:r>
+              <a:rPr b="0" lang="en-US" sz="2800" spc="-1" strike="noStrike">
+                <a:latin typeface="Arial"/>
+              </a:rPr>
+              <a:t>(0.0032, 'do_it_yourselfer_value'),</a:t>
+            </a:r>
+            <a:endParaRPr b="0" lang="en-US" sz="2800" spc="-1" strike="noStrike">
+              <a:latin typeface="Arial"/>
+            </a:endParaRPr>
+          </a:p>
+          <a:p>
+            <a:pPr lvl="1" marL="864000" indent="-324000">
+              <a:spcBef>
+                <a:spcPts val="1134"/>
+              </a:spcBef>
+              <a:buClr>
+                <a:srgbClr val="ffffff"/>
+              </a:buClr>
+              <a:buSzPct val="75000"/>
+              <a:buFont typeface="Symbol" charset="2"/>
+              <a:buChar char=""/>
+            </a:pPr>
+            <a:r>
+              <a:rPr b="0" lang="en-US" sz="2800" spc="-1" strike="noStrike">
+                <a:latin typeface="Arial"/>
+              </a:rPr>
+              <a:t> </a:t>
+            </a:r>
+            <a:r>
+              <a:rPr b="0" lang="en-US" sz="2800" spc="-1" strike="noStrike">
+                <a:latin typeface="Arial"/>
+              </a:rPr>
+              <a:t>(0.0005, 'pro'),</a:t>
+            </a:r>
+            <a:endParaRPr b="0" lang="en-US" sz="2800" spc="-1" strike="noStrike">
+              <a:latin typeface="Arial"/>
+            </a:endParaRPr>
+          </a:p>
+          <a:p>
+            <a:pPr lvl="1" marL="864000" indent="-324000">
+              <a:spcBef>
+                <a:spcPts val="1134"/>
+              </a:spcBef>
+              <a:buClr>
+                <a:srgbClr val="ffffff"/>
+              </a:buClr>
+              <a:buSzPct val="75000"/>
+              <a:buFont typeface="Symbol" charset="2"/>
+              <a:buChar char=""/>
+            </a:pPr>
+            <a:r>
+              <a:rPr b="0" lang="en-US" sz="2800" spc="-1" strike="noStrike">
+                <a:latin typeface="Arial"/>
+              </a:rPr>
+              <a:t> </a:t>
+            </a:r>
+            <a:r>
+              <a:rPr b="0" lang="en-US" sz="2800" spc="-1" strike="noStrike">
+                <a:latin typeface="Arial"/>
+              </a:rPr>
+              <a:t>(0.0002, 'repeat_visit')</a:t>
+            </a:r>
+            <a:endParaRPr b="0" lang="en-US" sz="2800" spc="-1" strike="noStrike">
+              <a:latin typeface="Arial"/>
+            </a:endParaRPr>
+          </a:p>
+        </p:txBody>
+      </p:sp>
+      <p:pic>
+        <p:nvPicPr>
+          <p:cNvPr id="264" name="" descr=""/>
+          <p:cNvPicPr/>
+          <p:nvPr/>
+        </p:nvPicPr>
+        <p:blipFill>
+          <a:blip r:embed="rId1"/>
+          <a:stretch/>
+        </p:blipFill>
+        <p:spPr>
+          <a:xfrm>
+            <a:off x="7551000" y="853560"/>
+            <a:ext cx="2516040" cy="2598840"/>
+          </a:xfrm>
+          <a:prstGeom prst="rect">
+            <a:avLst/>
+          </a:prstGeom>
+          <a:ln w="10800">
+            <a:noFill/>
+          </a:ln>
+        </p:spPr>
+      </p:pic>
+      <p:sp>
+        <p:nvSpPr>
+          <p:cNvPr id="5" name="PlaceHolder 4"/>
+          <p:cNvSpPr>
+            <a:spLocks noGrp="1"/>
+          </p:cNvSpPr>
+          <p:nvPr>
+            <p:ph type="sldNum" idx="6"/>
           </p:nvPr>
         </p:nvSpPr>
         <p:spPr/>
         <p:txBody>
           <a:bodyPr/>
           <a:p>
-            <a:fld id="{3B32594C-FBEF-46A4-B3FD-2026CDCBC2F1}" type="slidenum">
+            <a:fld id="{C866715C-C132-41D0-B23D-289F03399999}" type="slidenum">
               <a:t>10</a:t>
             </a:fld>
           </a:p>
@@ -13048,7 +13636,7 @@
       </p:grpSpPr>
       <p:sp>
         <p:nvSpPr>
-          <p:cNvPr id="261" name="PlaceHolder 1"/>
+          <p:cNvPr id="265" name="PlaceHolder 1"/>
           <p:cNvSpPr>
             <a:spLocks noGrp="1"/>
           </p:cNvSpPr>
@@ -13074,6 +13662,12 @@
             <a:noAutofit/>
           </a:bodyPr>
           <a:p>
+            <a:r>
+              <a:rPr b="0" lang="en-US" sz="4400" spc="-1" strike="noStrike">
+                <a:latin typeface="Arial"/>
+              </a:rPr>
+              <a:t>An example of the decision tree</a:t>
+            </a:r>
             <a:endParaRPr b="0" lang="en-US" sz="4400" spc="-1" strike="noStrike">
               <a:latin typeface="Arial"/>
             </a:endParaRPr>
@@ -13082,7 +13676,7 @@
       </p:sp>
       <p:sp>
         <p:nvSpPr>
-          <p:cNvPr id="262" name="PlaceHolder 2"/>
+          <p:cNvPr id="266" name="PlaceHolder 2"/>
           <p:cNvSpPr>
             <a:spLocks noGrp="1"/>
           </p:cNvSpPr>
@@ -13093,7 +13687,7 @@
         <p:spPr>
           <a:xfrm>
             <a:off x="504000" y="1326600"/>
-            <a:ext cx="4426920" cy="3288240"/>
+            <a:ext cx="9071640" cy="3288240"/>
           </a:xfrm>
           <a:prstGeom prst="rect">
             <a:avLst/>
@@ -13114,9 +13708,122 @@
           </a:p>
         </p:txBody>
       </p:sp>
-      <p:sp>
-        <p:nvSpPr>
-          <p:cNvPr id="263" name="PlaceHolder 3"/>
+      <p:pic>
+        <p:nvPicPr>
+          <p:cNvPr id="267" name="" descr=""/>
+          <p:cNvPicPr/>
+          <p:nvPr/>
+        </p:nvPicPr>
+        <p:blipFill>
+          <a:blip r:embed="rId1"/>
+          <a:stretch/>
+        </p:blipFill>
+        <p:spPr>
+          <a:xfrm>
+            <a:off x="1215360" y="742320"/>
+            <a:ext cx="7553880" cy="4485240"/>
+          </a:xfrm>
+          <a:prstGeom prst="rect">
+            <a:avLst/>
+          </a:prstGeom>
+          <a:ln w="10800">
+            <a:noFill/>
+          </a:ln>
+        </p:spPr>
+      </p:pic>
+      <p:sp>
+        <p:nvSpPr>
+          <p:cNvPr id="4" name="PlaceHolder 3"/>
+          <p:cNvSpPr>
+            <a:spLocks noGrp="1"/>
+          </p:cNvSpPr>
+          <p:nvPr>
+            <p:ph type="sldNum" idx="9"/>
+          </p:nvPr>
+        </p:nvSpPr>
+        <p:spPr/>
+        <p:txBody>
+          <a:bodyPr/>
+          <a:p>
+            <a:fld id="{E7FA5F7B-6118-4612-83E0-BCAA050B4E65}" type="slidenum">
+              <a:t>11</a:t>
+            </a:fld>
+          </a:p>
+        </p:txBody>
+      </p:sp>
+    </p:spTree>
+  </p:cSld>
+  <mc:AlternateContent>
+    <mc:Choice Requires="p14">
+      <p:transition spd="slow" p14:dur="2000"/>
+    </mc:Choice>
+    <mc:Fallback>
+      <p:transition spd="slow"/>
+    </mc:Fallback>
+  </mc:AlternateContent>
+</p:sld>
+</file>
+
+<file path=ppt/slides/slide12.xml><?xml version="1.0" encoding="utf-8"?>
+<p:sld xmlns:a="http://schemas.openxmlformats.org/drawingml/2006/main" xmlns:p="http://schemas.openxmlformats.org/presentationml/2006/main" xmlns:r="http://schemas.openxmlformats.org/officeDocument/2006/relationships" xmlns:p14="http://schemas.microsoft.com/office/powerpoint/2010/main" xmlns:p15="http://schemas.microsoft.com/office/powerpoint/2012/main" xmlns:mc="http://schemas.openxmlformats.org/markup-compatibility/2006">
+  <p:cSld>
+    <p:spTree>
+      <p:nvGrpSpPr>
+        <p:cNvPr id="1" name=""/>
+        <p:cNvGrpSpPr/>
+        <p:nvPr/>
+      </p:nvGrpSpPr>
+      <p:grpSpPr>
+        <a:xfrm>
+          <a:off x="0" y="0"/>
+          <a:ext cx="0" cy="0"/>
+          <a:chOff x="0" y="0"/>
+          <a:chExt cx="0" cy="0"/>
+        </a:xfrm>
+      </p:grpSpPr>
+      <p:sp>
+        <p:nvSpPr>
+          <p:cNvPr id="268" name="PlaceHolder 1"/>
+          <p:cNvSpPr>
+            <a:spLocks noGrp="1"/>
+          </p:cNvSpPr>
+          <p:nvPr>
+            <p:ph type="title"/>
+          </p:nvPr>
+        </p:nvSpPr>
+        <p:spPr>
+          <a:xfrm>
+            <a:off x="144000" y="72000"/>
+            <a:ext cx="9540000" cy="648000"/>
+          </a:xfrm>
+          <a:prstGeom prst="rect">
+            <a:avLst/>
+          </a:prstGeom>
+          <a:noFill/>
+          <a:ln w="0">
+            <a:noFill/>
+          </a:ln>
+        </p:spPr>
+        <p:txBody>
+          <a:bodyPr lIns="0" rIns="0" tIns="0" bIns="0" anchor="ctr">
+            <a:noAutofit/>
+          </a:bodyPr>
+          <a:p>
+            <a:r>
+              <a:rPr b="0" lang="en-US" sz="4400" spc="-1" strike="noStrike">
+                <a:latin typeface="Arial"/>
+              </a:rPr>
+              <a:t>A policy derived from decision tree</a:t>
+            </a:r>
+            <a:endParaRPr b="0" lang="en-US" sz="4400" spc="-1" strike="noStrike">
+              <a:latin typeface="Arial"/>
+            </a:endParaRPr>
+          </a:p>
+        </p:txBody>
+      </p:sp>
+      <p:sp>
+        <p:nvSpPr>
+          <p:cNvPr id="269" name="PlaceHolder 2"/>
           <p:cNvSpPr>
             <a:spLocks noGrp="1"/>
           </p:cNvSpPr>
@@ -13126,8 +13833,8 @@
         </p:nvSpPr>
         <p:spPr>
           <a:xfrm>
-            <a:off x="5152680" y="1326600"/>
-            <a:ext cx="4426920" cy="3288240"/>
+            <a:off x="504000" y="1326600"/>
+            <a:ext cx="9071640" cy="3288240"/>
           </a:xfrm>
           <a:prstGeom prst="rect">
             <a:avLst/>
@@ -13142,28 +13849,1585 @@
             <a:normAutofit/>
           </a:bodyPr>
           <a:p>
+            <a:pPr marL="432000" indent="-324000">
+              <a:spcBef>
+                <a:spcPts val="1417"/>
+              </a:spcBef>
+              <a:buClr>
+                <a:srgbClr val="ffffff"/>
+              </a:buClr>
+              <a:buSzPct val="45000"/>
+              <a:buFont typeface="Wingdings" charset="2"/>
+              <a:buChar char=""/>
+            </a:pPr>
+            <a:r>
+              <a:rPr b="0" lang="en-US" sz="3200" spc="-1" strike="noStrike">
+                <a:latin typeface="Arial"/>
+              </a:rPr>
+              <a:t>Policy: choose version1 if new_comer&lt;=0.5 else version2</a:t>
+            </a:r>
             <a:endParaRPr b="0" lang="en-US" sz="3200" spc="-1" strike="noStrike">
               <a:latin typeface="Arial"/>
             </a:endParaRPr>
           </a:p>
-        </p:txBody>
-      </p:sp>
-      <p:sp>
-        <p:nvSpPr>
-          <p:cNvPr id="5" name="PlaceHolder 4"/>
-          <p:cNvSpPr>
-            <a:spLocks noGrp="1"/>
-          </p:cNvSpPr>
-          <p:nvPr>
-            <p:ph type="sldNum" idx="6"/>
+          <a:p>
+            <a:pPr marL="432000" indent="-324000">
+              <a:spcBef>
+                <a:spcPts val="1417"/>
+              </a:spcBef>
+              <a:buClr>
+                <a:srgbClr val="ffffff"/>
+              </a:buClr>
+              <a:buSzPct val="45000"/>
+              <a:buFont typeface="Wingdings" charset="2"/>
+              <a:buChar char=""/>
+            </a:pPr>
+            <a:r>
+              <a:rPr b="0" lang="en-US" sz="3200" spc="-1" strike="noStrike">
+                <a:latin typeface="Arial"/>
+              </a:rPr>
+              <a:t>Result: 19,451 success (compared to 19,496 for the decision tree based </a:t>
+            </a:r>
+            <a:r>
+              <a:rPr b="0" lang="en-US" sz="3200" spc="-1" strike="noStrike">
+                <a:latin typeface="Arial"/>
+              </a:rPr>
+              <a:t>model)  </a:t>
+            </a:r>
+            <a:endParaRPr b="0" lang="en-US" sz="3200" spc="-1" strike="noStrike">
+              <a:latin typeface="Arial"/>
+            </a:endParaRPr>
+          </a:p>
+        </p:txBody>
+      </p:sp>
+      <p:sp>
+        <p:nvSpPr>
+          <p:cNvPr id="4" name="PlaceHolder 3"/>
+          <p:cNvSpPr>
+            <a:spLocks noGrp="1"/>
+          </p:cNvSpPr>
+          <p:nvPr>
+            <p:ph type="sldNum" idx="9"/>
           </p:nvPr>
         </p:nvSpPr>
         <p:spPr/>
         <p:txBody>
           <a:bodyPr/>
           <a:p>
-            <a:fld id="{03F2975C-B86E-471F-8198-01DBE15C8097}" type="slidenum">
-              <a:t>11</a:t>
+            <a:fld id="{51D9C3C6-DE19-4E99-8DCF-4AD0181D0DB0}" type="slidenum">
+              <a:t>12</a:t>
+            </a:fld>
+          </a:p>
+        </p:txBody>
+      </p:sp>
+    </p:spTree>
+  </p:cSld>
+  <mc:AlternateContent>
+    <mc:Choice Requires="p14">
+      <p:transition spd="slow" p14:dur="2000"/>
+    </mc:Choice>
+    <mc:Fallback>
+      <p:transition spd="slow"/>
+    </mc:Fallback>
+  </mc:AlternateContent>
+</p:sld>
+</file>
+
+<file path=ppt/slides/slide13.xml><?xml version="1.0" encoding="utf-8"?>
+<p:sld xmlns:a="http://schemas.openxmlformats.org/drawingml/2006/main" xmlns:p="http://schemas.openxmlformats.org/presentationml/2006/main" xmlns:r="http://schemas.openxmlformats.org/officeDocument/2006/relationships" xmlns:p14="http://schemas.microsoft.com/office/powerpoint/2010/main" xmlns:p15="http://schemas.microsoft.com/office/powerpoint/2012/main" xmlns:mc="http://schemas.openxmlformats.org/markup-compatibility/2006">
+  <p:cSld>
+    <p:spTree>
+      <p:nvGrpSpPr>
+        <p:cNvPr id="1" name=""/>
+        <p:cNvGrpSpPr/>
+        <p:nvPr/>
+      </p:nvGrpSpPr>
+      <p:grpSpPr>
+        <a:xfrm>
+          <a:off x="0" y="0"/>
+          <a:ext cx="0" cy="0"/>
+          <a:chOff x="0" y="0"/>
+          <a:chExt cx="0" cy="0"/>
+        </a:xfrm>
+      </p:grpSpPr>
+      <p:sp>
+        <p:nvSpPr>
+          <p:cNvPr id="270" name="PlaceHolder 1"/>
+          <p:cNvSpPr>
+            <a:spLocks noGrp="1"/>
+          </p:cNvSpPr>
+          <p:nvPr>
+            <p:ph type="title"/>
+          </p:nvPr>
+        </p:nvSpPr>
+        <p:spPr>
+          <a:xfrm>
+            <a:off x="144000" y="72000"/>
+            <a:ext cx="9540000" cy="648000"/>
+          </a:xfrm>
+          <a:prstGeom prst="rect">
+            <a:avLst/>
+          </a:prstGeom>
+          <a:noFill/>
+          <a:ln w="0">
+            <a:noFill/>
+          </a:ln>
+        </p:spPr>
+        <p:txBody>
+          <a:bodyPr lIns="0" rIns="0" tIns="0" bIns="0" anchor="ctr">
+            <a:noAutofit/>
+          </a:bodyPr>
+          <a:p>
+            <a:r>
+              <a:rPr b="0" lang="en-US" sz="4400" spc="-1" strike="noStrike">
+                <a:latin typeface="Arial"/>
+              </a:rPr>
+              <a:t>Comparison of policies</a:t>
+            </a:r>
+            <a:endParaRPr b="0" lang="en-US" sz="4400" spc="-1" strike="noStrike">
+              <a:latin typeface="Arial"/>
+            </a:endParaRPr>
+          </a:p>
+        </p:txBody>
+      </p:sp>
+      <p:graphicFrame>
+        <p:nvGraphicFramePr>
+          <p:cNvPr id="271" name=""/>
+          <p:cNvGraphicFramePr/>
+          <p:nvPr/>
+        </p:nvGraphicFramePr>
+        <p:xfrm>
+          <a:off x="525600" y="1085760"/>
+          <a:ext cx="9272520" cy="2081160"/>
+        </p:xfrm>
+        <a:graphic>
+          <a:graphicData uri="http://schemas.openxmlformats.org/drawingml/2006/table">
+            <a:tbl>
+              <a:tblPr/>
+              <a:tblGrid>
+                <a:gridCol w="780480"/>
+                <a:gridCol w="6077880"/>
+                <a:gridCol w="2414160"/>
+              </a:tblGrid>
+              <a:tr h="346320">
+                <a:tc>
+                  <a:txBody>
+                    <a:bodyPr lIns="90000" rIns="90000" tIns="46800" bIns="46800" anchor="t">
+                      <a:noAutofit/>
+                    </a:bodyPr>
+                    <a:p>
+                      <a:r>
+                        <a:rPr b="0" lang="en-US" sz="1800" spc="-1" strike="noStrike">
+                          <a:latin typeface="Arial"/>
+                        </a:rPr>
+                        <a:t>ID</a:t>
+                      </a:r>
+                      <a:endParaRPr b="0" lang="en-US" sz="1800" spc="-1" strike="noStrike">
+                        <a:latin typeface="Arial"/>
+                      </a:endParaRPr>
+                    </a:p>
+                  </a:txBody>
+                  <a:tcPr anchor="t" marL="90000" marR="90000">
+                    <a:lnL w="720">
+                      <a:solidFill>
+                        <a:srgbClr val="ffffff"/>
+                      </a:solidFill>
+                    </a:lnL>
+                    <a:lnR w="720">
+                      <a:solidFill>
+                        <a:srgbClr val="ffffff"/>
+                      </a:solidFill>
+                    </a:lnR>
+                    <a:lnT w="720">
+                      <a:solidFill>
+                        <a:srgbClr val="ffffff"/>
+                      </a:solidFill>
+                    </a:lnT>
+                    <a:lnB w="720">
+                      <a:solidFill>
+                        <a:srgbClr val="ffffff"/>
+                      </a:solidFill>
+                    </a:lnB>
+                    <a:solidFill>
+                      <a:srgbClr val="b3b3b3"/>
+                    </a:solidFill>
+                  </a:tcPr>
+                </a:tc>
+                <a:tc>
+                  <a:txBody>
+                    <a:bodyPr lIns="90000" rIns="90000" tIns="46800" bIns="46800" anchor="t">
+                      <a:noAutofit/>
+                    </a:bodyPr>
+                    <a:p>
+                      <a:r>
+                        <a:rPr b="0" lang="en-US" sz="1800" spc="-1" strike="noStrike">
+                          <a:latin typeface="Arial"/>
+                        </a:rPr>
+                        <a:t>Policy</a:t>
+                      </a:r>
+                      <a:endParaRPr b="0" lang="en-US" sz="1800" spc="-1" strike="noStrike">
+                        <a:latin typeface="Arial"/>
+                      </a:endParaRPr>
+                    </a:p>
+                  </a:txBody>
+                  <a:tcPr anchor="t" marL="90000" marR="90000">
+                    <a:lnL w="720">
+                      <a:solidFill>
+                        <a:srgbClr val="ffffff"/>
+                      </a:solidFill>
+                    </a:lnL>
+                    <a:lnR w="720">
+                      <a:solidFill>
+                        <a:srgbClr val="ffffff"/>
+                      </a:solidFill>
+                    </a:lnR>
+                    <a:lnT w="720">
+                      <a:solidFill>
+                        <a:srgbClr val="ffffff"/>
+                      </a:solidFill>
+                    </a:lnT>
+                    <a:lnB w="720">
+                      <a:solidFill>
+                        <a:srgbClr val="ffffff"/>
+                      </a:solidFill>
+                    </a:lnB>
+                    <a:solidFill>
+                      <a:srgbClr val="b3b3b3"/>
+                    </a:solidFill>
+                  </a:tcPr>
+                </a:tc>
+                <a:tc>
+                  <a:txBody>
+                    <a:bodyPr lIns="90000" rIns="90000" tIns="46800" bIns="46800" anchor="t">
+                      <a:noAutofit/>
+                    </a:bodyPr>
+                    <a:p>
+                      <a:r>
+                        <a:rPr b="0" lang="en-US" sz="1800" spc="-1" strike="noStrike">
+                          <a:latin typeface="Arial"/>
+                        </a:rPr>
+                        <a:t>Number of success</a:t>
+                      </a:r>
+                      <a:endParaRPr b="0" lang="en-US" sz="1800" spc="-1" strike="noStrike">
+                        <a:latin typeface="Arial"/>
+                      </a:endParaRPr>
+                    </a:p>
+                  </a:txBody>
+                  <a:tcPr anchor="t" marL="90000" marR="90000">
+                    <a:lnL w="720">
+                      <a:solidFill>
+                        <a:srgbClr val="ffffff"/>
+                      </a:solidFill>
+                    </a:lnL>
+                    <a:lnR w="720">
+                      <a:solidFill>
+                        <a:srgbClr val="ffffff"/>
+                      </a:solidFill>
+                    </a:lnR>
+                    <a:lnT w="720">
+                      <a:solidFill>
+                        <a:srgbClr val="ffffff"/>
+                      </a:solidFill>
+                    </a:lnT>
+                    <a:lnB w="720">
+                      <a:solidFill>
+                        <a:srgbClr val="ffffff"/>
+                      </a:solidFill>
+                    </a:lnB>
+                    <a:solidFill>
+                      <a:srgbClr val="b3b3b3"/>
+                    </a:solidFill>
+                  </a:tcPr>
+                </a:tc>
+              </a:tr>
+              <a:tr h="346320">
+                <a:tc>
+                  <a:txBody>
+                    <a:bodyPr lIns="90000" rIns="90000" tIns="46800" bIns="46800" anchor="t">
+                      <a:noAutofit/>
+                    </a:bodyPr>
+                    <a:p>
+                      <a:r>
+                        <a:rPr b="0" lang="en-US" sz="1800" spc="-1" strike="noStrike">
+                          <a:latin typeface="Arial"/>
+                        </a:rPr>
+                        <a:t>1</a:t>
+                      </a:r>
+                      <a:endParaRPr b="0" lang="en-US" sz="1800" spc="-1" strike="noStrike">
+                        <a:latin typeface="Arial"/>
+                      </a:endParaRPr>
+                    </a:p>
+                  </a:txBody>
+                  <a:tcPr anchor="t" marL="90000" marR="90000">
+                    <a:lnL w="720">
+                      <a:solidFill>
+                        <a:srgbClr val="ffffff"/>
+                      </a:solidFill>
+                    </a:lnL>
+                    <a:lnR w="720">
+                      <a:solidFill>
+                        <a:srgbClr val="ffffff"/>
+                      </a:solidFill>
+                    </a:lnR>
+                    <a:lnT w="720">
+                      <a:solidFill>
+                        <a:srgbClr val="ffffff"/>
+                      </a:solidFill>
+                    </a:lnT>
+                    <a:lnB w="720">
+                      <a:solidFill>
+                        <a:srgbClr val="ffffff"/>
+                      </a:solidFill>
+                    </a:lnB>
+                    <a:solidFill>
+                      <a:srgbClr val="cccccc"/>
+                    </a:solidFill>
+                  </a:tcPr>
+                </a:tc>
+                <a:tc>
+                  <a:txBody>
+                    <a:bodyPr lIns="90000" rIns="90000" tIns="46800" bIns="46800" anchor="t">
+                      <a:noAutofit/>
+                    </a:bodyPr>
+                    <a:p>
+                      <a:r>
+                        <a:rPr b="0" lang="en-US" sz="1800" spc="-1" strike="noStrike">
+                          <a:latin typeface="Arial"/>
+                        </a:rPr>
+                        <a:t>Always select `version1`</a:t>
+                      </a:r>
+                      <a:endParaRPr b="0" lang="en-US" sz="1800" spc="-1" strike="noStrike">
+                        <a:latin typeface="Arial"/>
+                      </a:endParaRPr>
+                    </a:p>
+                  </a:txBody>
+                  <a:tcPr anchor="t" marL="90000" marR="90000">
+                    <a:lnL w="720">
+                      <a:solidFill>
+                        <a:srgbClr val="ffffff"/>
+                      </a:solidFill>
+                    </a:lnL>
+                    <a:lnR w="720">
+                      <a:solidFill>
+                        <a:srgbClr val="ffffff"/>
+                      </a:solidFill>
+                    </a:lnR>
+                    <a:lnT w="720">
+                      <a:solidFill>
+                        <a:srgbClr val="ffffff"/>
+                      </a:solidFill>
+                    </a:lnT>
+                    <a:lnB w="720">
+                      <a:solidFill>
+                        <a:srgbClr val="ffffff"/>
+                      </a:solidFill>
+                    </a:lnB>
+                    <a:solidFill>
+                      <a:srgbClr val="cccccc"/>
+                    </a:solidFill>
+                  </a:tcPr>
+                </a:tc>
+                <a:tc>
+                  <a:txBody>
+                    <a:bodyPr lIns="90000" rIns="90000" tIns="46800" bIns="46800" anchor="t">
+                      <a:noAutofit/>
+                    </a:bodyPr>
+                    <a:p>
+                      <a:r>
+                        <a:rPr b="0" lang="en-US" sz="1800" spc="-1" strike="noStrike">
+                          <a:latin typeface="Arial"/>
+                        </a:rPr>
+                        <a:t>12,772</a:t>
+                      </a:r>
+                      <a:endParaRPr b="0" lang="en-US" sz="1800" spc="-1" strike="noStrike">
+                        <a:latin typeface="Arial"/>
+                      </a:endParaRPr>
+                    </a:p>
+                  </a:txBody>
+                  <a:tcPr anchor="t" marL="90000" marR="90000">
+                    <a:lnL w="720">
+                      <a:solidFill>
+                        <a:srgbClr val="ffffff"/>
+                      </a:solidFill>
+                    </a:lnL>
+                    <a:lnR w="720">
+                      <a:solidFill>
+                        <a:srgbClr val="ffffff"/>
+                      </a:solidFill>
+                    </a:lnR>
+                    <a:lnT w="720">
+                      <a:solidFill>
+                        <a:srgbClr val="ffffff"/>
+                      </a:solidFill>
+                    </a:lnT>
+                    <a:lnB w="720">
+                      <a:solidFill>
+                        <a:srgbClr val="ffffff"/>
+                      </a:solidFill>
+                    </a:lnB>
+                    <a:solidFill>
+                      <a:srgbClr val="cccccc"/>
+                    </a:solidFill>
+                  </a:tcPr>
+                </a:tc>
+              </a:tr>
+              <a:tr h="346320">
+                <a:tc>
+                  <a:txBody>
+                    <a:bodyPr lIns="90000" rIns="90000" tIns="46800" bIns="46800" anchor="t">
+                      <a:noAutofit/>
+                    </a:bodyPr>
+                    <a:p>
+                      <a:r>
+                        <a:rPr b="0" lang="en-US" sz="1800" spc="-1" strike="noStrike">
+                          <a:latin typeface="Arial"/>
+                        </a:rPr>
+                        <a:t>2</a:t>
+                      </a:r>
+                      <a:endParaRPr b="0" lang="en-US" sz="1800" spc="-1" strike="noStrike">
+                        <a:latin typeface="Arial"/>
+                      </a:endParaRPr>
+                    </a:p>
+                  </a:txBody>
+                  <a:tcPr anchor="t" marL="90000" marR="90000">
+                    <a:lnL w="720">
+                      <a:solidFill>
+                        <a:srgbClr val="ffffff"/>
+                      </a:solidFill>
+                    </a:lnL>
+                    <a:lnR w="720">
+                      <a:solidFill>
+                        <a:srgbClr val="ffffff"/>
+                      </a:solidFill>
+                    </a:lnR>
+                    <a:lnT w="720">
+                      <a:solidFill>
+                        <a:srgbClr val="ffffff"/>
+                      </a:solidFill>
+                    </a:lnT>
+                    <a:lnB w="720">
+                      <a:solidFill>
+                        <a:srgbClr val="ffffff"/>
+                      </a:solidFill>
+                    </a:lnB>
+                    <a:solidFill>
+                      <a:srgbClr val="e6e6e6"/>
+                    </a:solidFill>
+                  </a:tcPr>
+                </a:tc>
+                <a:tc>
+                  <a:txBody>
+                    <a:bodyPr lIns="90000" rIns="90000" tIns="46800" bIns="46800" anchor="t">
+                      <a:noAutofit/>
+                    </a:bodyPr>
+                    <a:p>
+                      <a:pPr>
+                        <a:lnSpc>
+                          <a:spcPct val="100000"/>
+                        </a:lnSpc>
+                        <a:buNone/>
+                      </a:pPr>
+                      <a:r>
+                        <a:rPr b="0" lang="en-US" sz="1800" spc="-1" strike="noStrike">
+                          <a:latin typeface="Arial"/>
+                        </a:rPr>
+                        <a:t>Always select `version2`</a:t>
+                      </a:r>
+                      <a:endParaRPr b="0" lang="en-US" sz="1800" spc="-1" strike="noStrike">
+                        <a:latin typeface="Arial"/>
+                      </a:endParaRPr>
+                    </a:p>
+                  </a:txBody>
+                  <a:tcPr anchor="t" marL="90000" marR="90000">
+                    <a:lnL w="720">
+                      <a:solidFill>
+                        <a:srgbClr val="ffffff"/>
+                      </a:solidFill>
+                    </a:lnL>
+                    <a:lnR w="720">
+                      <a:solidFill>
+                        <a:srgbClr val="ffffff"/>
+                      </a:solidFill>
+                    </a:lnR>
+                    <a:lnT w="720">
+                      <a:solidFill>
+                        <a:srgbClr val="ffffff"/>
+                      </a:solidFill>
+                    </a:lnT>
+                    <a:lnB w="720">
+                      <a:solidFill>
+                        <a:srgbClr val="ffffff"/>
+                      </a:solidFill>
+                    </a:lnB>
+                    <a:solidFill>
+                      <a:srgbClr val="e6e6e6"/>
+                    </a:solidFill>
+                  </a:tcPr>
+                </a:tc>
+                <a:tc>
+                  <a:txBody>
+                    <a:bodyPr lIns="90000" rIns="90000" tIns="46800" bIns="46800" anchor="t">
+                      <a:noAutofit/>
+                    </a:bodyPr>
+                    <a:p>
+                      <a:r>
+                        <a:rPr b="0" lang="en-US" sz="1800" spc="-1" strike="noStrike">
+                          <a:latin typeface="Arial"/>
+                        </a:rPr>
+                        <a:t>12,779</a:t>
+                      </a:r>
+                      <a:endParaRPr b="0" lang="en-US" sz="1800" spc="-1" strike="noStrike">
+                        <a:latin typeface="Arial"/>
+                      </a:endParaRPr>
+                    </a:p>
+                  </a:txBody>
+                  <a:tcPr anchor="t" marL="90000" marR="90000">
+                    <a:lnL w="720">
+                      <a:solidFill>
+                        <a:srgbClr val="ffffff"/>
+                      </a:solidFill>
+                    </a:lnL>
+                    <a:lnR w="720">
+                      <a:solidFill>
+                        <a:srgbClr val="ffffff"/>
+                      </a:solidFill>
+                    </a:lnR>
+                    <a:lnT w="720">
+                      <a:solidFill>
+                        <a:srgbClr val="ffffff"/>
+                      </a:solidFill>
+                    </a:lnT>
+                    <a:lnB w="720">
+                      <a:solidFill>
+                        <a:srgbClr val="ffffff"/>
+                      </a:solidFill>
+                    </a:lnB>
+                    <a:solidFill>
+                      <a:srgbClr val="e6e6e6"/>
+                    </a:solidFill>
+                  </a:tcPr>
+                </a:tc>
+              </a:tr>
+              <a:tr h="346320">
+                <a:tc>
+                  <a:txBody>
+                    <a:bodyPr lIns="90000" rIns="90000" tIns="46800" bIns="46800" anchor="t">
+                      <a:noAutofit/>
+                    </a:bodyPr>
+                    <a:p>
+                      <a:r>
+                        <a:rPr b="0" lang="en-US" sz="1800" spc="-1" strike="noStrike">
+                          <a:latin typeface="Arial"/>
+                        </a:rPr>
+                        <a:t>3</a:t>
+                      </a:r>
+                      <a:endParaRPr b="0" lang="en-US" sz="1800" spc="-1" strike="noStrike">
+                        <a:latin typeface="Arial"/>
+                      </a:endParaRPr>
+                    </a:p>
+                  </a:txBody>
+                  <a:tcPr anchor="t" marL="90000" marR="90000">
+                    <a:lnL w="720">
+                      <a:solidFill>
+                        <a:srgbClr val="ffffff"/>
+                      </a:solidFill>
+                    </a:lnL>
+                    <a:lnR w="720">
+                      <a:solidFill>
+                        <a:srgbClr val="ffffff"/>
+                      </a:solidFill>
+                    </a:lnR>
+                    <a:lnT w="720">
+                      <a:solidFill>
+                        <a:srgbClr val="ffffff"/>
+                      </a:solidFill>
+                    </a:lnT>
+                    <a:lnB w="720">
+                      <a:solidFill>
+                        <a:srgbClr val="ffffff"/>
+                      </a:solidFill>
+                    </a:lnB>
+                    <a:solidFill>
+                      <a:srgbClr val="cccccc"/>
+                    </a:solidFill>
+                  </a:tcPr>
+                </a:tc>
+                <a:tc>
+                  <a:txBody>
+                    <a:bodyPr lIns="90000" rIns="90000" tIns="46800" bIns="46800" anchor="t">
+                      <a:noAutofit/>
+                    </a:bodyPr>
+                    <a:p>
+                      <a:r>
+                        <a:rPr b="0" lang="en-US" sz="1800" spc="-1" strike="noStrike">
+                          <a:latin typeface="Arial"/>
+                        </a:rPr>
+                        <a:t>Choose an action (version1 or version2) which had the higher success rate yesterday</a:t>
+                      </a:r>
+                      <a:endParaRPr b="0" lang="en-US" sz="1800" spc="-1" strike="noStrike">
+                        <a:latin typeface="Arial"/>
+                      </a:endParaRPr>
+                    </a:p>
+                  </a:txBody>
+                  <a:tcPr anchor="t" marL="90000" marR="90000">
+                    <a:lnL w="720">
+                      <a:solidFill>
+                        <a:srgbClr val="ffffff"/>
+                      </a:solidFill>
+                    </a:lnL>
+                    <a:lnR w="720">
+                      <a:solidFill>
+                        <a:srgbClr val="ffffff"/>
+                      </a:solidFill>
+                    </a:lnR>
+                    <a:lnT w="720">
+                      <a:solidFill>
+                        <a:srgbClr val="ffffff"/>
+                      </a:solidFill>
+                    </a:lnT>
+                    <a:lnB w="720">
+                      <a:solidFill>
+                        <a:srgbClr val="ffffff"/>
+                      </a:solidFill>
+                    </a:lnB>
+                    <a:solidFill>
+                      <a:srgbClr val="cccccc"/>
+                    </a:solidFill>
+                  </a:tcPr>
+                </a:tc>
+                <a:tc>
+                  <a:txBody>
+                    <a:bodyPr lIns="90000" rIns="90000" tIns="46800" bIns="46800" anchor="t">
+                      <a:noAutofit/>
+                    </a:bodyPr>
+                    <a:p>
+                      <a:r>
+                        <a:rPr b="0" lang="en-US" sz="1800" spc="-1" strike="noStrike">
+                          <a:latin typeface="Arial"/>
+                        </a:rPr>
+                        <a:t>13,436</a:t>
+                      </a:r>
+                      <a:endParaRPr b="0" lang="en-US" sz="1800" spc="-1" strike="noStrike">
+                        <a:latin typeface="Arial"/>
+                      </a:endParaRPr>
+                    </a:p>
+                  </a:txBody>
+                  <a:tcPr anchor="t" marL="90000" marR="90000">
+                    <a:lnL w="720">
+                      <a:solidFill>
+                        <a:srgbClr val="ffffff"/>
+                      </a:solidFill>
+                    </a:lnL>
+                    <a:lnR w="720">
+                      <a:solidFill>
+                        <a:srgbClr val="ffffff"/>
+                      </a:solidFill>
+                    </a:lnR>
+                    <a:lnT w="720">
+                      <a:solidFill>
+                        <a:srgbClr val="ffffff"/>
+                      </a:solidFill>
+                    </a:lnT>
+                    <a:lnB w="720">
+                      <a:solidFill>
+                        <a:srgbClr val="ffffff"/>
+                      </a:solidFill>
+                    </a:lnB>
+                    <a:solidFill>
+                      <a:srgbClr val="cccccc"/>
+                    </a:solidFill>
+                  </a:tcPr>
+                </a:tc>
+              </a:tr>
+              <a:tr h="346320">
+                <a:tc>
+                  <a:txBody>
+                    <a:bodyPr lIns="90000" rIns="90000" tIns="46800" bIns="46800" anchor="t">
+                      <a:noAutofit/>
+                    </a:bodyPr>
+                    <a:p>
+                      <a:r>
+                        <a:rPr b="0" lang="en-US" sz="1800" spc="-1" strike="noStrike">
+                          <a:latin typeface="Arial"/>
+                        </a:rPr>
+                        <a:t>4</a:t>
+                      </a:r>
+                      <a:endParaRPr b="0" lang="en-US" sz="1800" spc="-1" strike="noStrike">
+                        <a:latin typeface="Arial"/>
+                      </a:endParaRPr>
+                    </a:p>
+                  </a:txBody>
+                  <a:tcPr anchor="t" marL="90000" marR="90000">
+                    <a:lnL w="720">
+                      <a:solidFill>
+                        <a:srgbClr val="ffffff"/>
+                      </a:solidFill>
+                    </a:lnL>
+                    <a:lnR w="720">
+                      <a:solidFill>
+                        <a:srgbClr val="ffffff"/>
+                      </a:solidFill>
+                    </a:lnR>
+                    <a:lnT w="720">
+                      <a:solidFill>
+                        <a:srgbClr val="ffffff"/>
+                      </a:solidFill>
+                    </a:lnT>
+                    <a:lnB w="720">
+                      <a:solidFill>
+                        <a:srgbClr val="ffffff"/>
+                      </a:solidFill>
+                    </a:lnB>
+                    <a:solidFill>
+                      <a:srgbClr val="e6e6e6"/>
+                    </a:solidFill>
+                  </a:tcPr>
+                </a:tc>
+                <a:tc>
+                  <a:txBody>
+                    <a:bodyPr lIns="90000" rIns="90000" tIns="46800" bIns="46800" anchor="t">
+                      <a:noAutofit/>
+                    </a:bodyPr>
+                    <a:p>
+                      <a:r>
+                        <a:rPr b="0" lang="en-US" sz="1800" spc="-1" strike="noStrike">
+                          <a:latin typeface="Arial"/>
+                        </a:rPr>
+                        <a:t>The same as policy #3, except that has ε=0.01 probability to uniform-randomly select an action.</a:t>
+                      </a:r>
+                      <a:endParaRPr b="0" lang="en-US" sz="1800" spc="-1" strike="noStrike">
+                        <a:latin typeface="Arial"/>
+                      </a:endParaRPr>
+                    </a:p>
+                  </a:txBody>
+                  <a:tcPr anchor="t" marL="90000" marR="90000">
+                    <a:lnL w="720">
+                      <a:solidFill>
+                        <a:srgbClr val="ffffff"/>
+                      </a:solidFill>
+                    </a:lnL>
+                    <a:lnR w="720">
+                      <a:solidFill>
+                        <a:srgbClr val="ffffff"/>
+                      </a:solidFill>
+                    </a:lnR>
+                    <a:lnT w="720">
+                      <a:solidFill>
+                        <a:srgbClr val="ffffff"/>
+                      </a:solidFill>
+                    </a:lnT>
+                    <a:lnB w="720">
+                      <a:solidFill>
+                        <a:srgbClr val="ffffff"/>
+                      </a:solidFill>
+                    </a:lnB>
+                    <a:solidFill>
+                      <a:srgbClr val="e6e6e6"/>
+                    </a:solidFill>
+                  </a:tcPr>
+                </a:tc>
+                <a:tc>
+                  <a:txBody>
+                    <a:bodyPr lIns="90000" rIns="90000" tIns="46800" bIns="46800" anchor="t">
+                      <a:noAutofit/>
+                    </a:bodyPr>
+                    <a:p>
+                      <a:r>
+                        <a:rPr b="0" lang="en-US" sz="1800" spc="-1" strike="noStrike">
+                          <a:latin typeface="Arial"/>
+                        </a:rPr>
+                        <a:t>mean: 13,427, std: 36</a:t>
+                      </a:r>
+                      <a:endParaRPr b="0" lang="en-US" sz="1800" spc="-1" strike="noStrike">
+                        <a:latin typeface="Arial"/>
+                      </a:endParaRPr>
+                    </a:p>
+                  </a:txBody>
+                  <a:tcPr anchor="t" marL="90000" marR="90000">
+                    <a:lnL w="720">
+                      <a:solidFill>
+                        <a:srgbClr val="ffffff"/>
+                      </a:solidFill>
+                    </a:lnL>
+                    <a:lnR w="720">
+                      <a:solidFill>
+                        <a:srgbClr val="ffffff"/>
+                      </a:solidFill>
+                    </a:lnR>
+                    <a:lnT w="720">
+                      <a:solidFill>
+                        <a:srgbClr val="ffffff"/>
+                      </a:solidFill>
+                    </a:lnT>
+                    <a:lnB w="720">
+                      <a:solidFill>
+                        <a:srgbClr val="ffffff"/>
+                      </a:solidFill>
+                    </a:lnB>
+                    <a:solidFill>
+                      <a:srgbClr val="e6e6e6"/>
+                    </a:solidFill>
+                  </a:tcPr>
+                </a:tc>
+              </a:tr>
+              <a:tr h="346320">
+                <a:tc>
+                  <a:txBody>
+                    <a:bodyPr lIns="90000" rIns="90000" tIns="46800" bIns="46800" anchor="t">
+                      <a:noAutofit/>
+                    </a:bodyPr>
+                    <a:p>
+                      <a:r>
+                        <a:rPr b="0" lang="en-US" sz="1800" spc="-1" strike="noStrike">
+                          <a:latin typeface="Arial"/>
+                        </a:rPr>
+                        <a:t>5</a:t>
+                      </a:r>
+                      <a:endParaRPr b="0" lang="en-US" sz="1800" spc="-1" strike="noStrike">
+                        <a:latin typeface="Arial"/>
+                      </a:endParaRPr>
+                    </a:p>
+                  </a:txBody>
+                  <a:tcPr anchor="t" marL="90000" marR="90000">
+                    <a:lnL w="720">
+                      <a:solidFill>
+                        <a:srgbClr val="ffffff"/>
+                      </a:solidFill>
+                    </a:lnL>
+                    <a:lnR w="720">
+                      <a:solidFill>
+                        <a:srgbClr val="ffffff"/>
+                      </a:solidFill>
+                    </a:lnR>
+                    <a:lnT w="720">
+                      <a:solidFill>
+                        <a:srgbClr val="ffffff"/>
+                      </a:solidFill>
+                    </a:lnT>
+                    <a:lnB w="720">
+                      <a:solidFill>
+                        <a:srgbClr val="ffffff"/>
+                      </a:solidFill>
+                    </a:lnB>
+                    <a:solidFill>
+                      <a:srgbClr val="cccccc"/>
+                    </a:solidFill>
+                  </a:tcPr>
+                </a:tc>
+                <a:tc>
+                  <a:txBody>
+                    <a:bodyPr lIns="90000" rIns="90000" tIns="46800" bIns="46800" anchor="t">
+                      <a:noAutofit/>
+                    </a:bodyPr>
+                    <a:p>
+                      <a:r>
+                        <a:rPr b="0" lang="en-US" sz="1800" spc="-1" strike="noStrike">
+                          <a:latin typeface="Arial"/>
+                        </a:rPr>
+                        <a:t>Use a model to predict action (version1 or version2) based on new_movers, length_of_residence, model at time t is trained using data at time t-1. Model is a decision tree.</a:t>
+                      </a:r>
+                      <a:endParaRPr b="0" lang="en-US" sz="1800" spc="-1" strike="noStrike">
+                        <a:latin typeface="Arial"/>
+                      </a:endParaRPr>
+                    </a:p>
+                  </a:txBody>
+                  <a:tcPr anchor="t" marL="90000" marR="90000">
+                    <a:lnL w="720">
+                      <a:solidFill>
+                        <a:srgbClr val="ffffff"/>
+                      </a:solidFill>
+                    </a:lnL>
+                    <a:lnR w="720">
+                      <a:solidFill>
+                        <a:srgbClr val="ffffff"/>
+                      </a:solidFill>
+                    </a:lnR>
+                    <a:lnT w="720">
+                      <a:solidFill>
+                        <a:srgbClr val="ffffff"/>
+                      </a:solidFill>
+                    </a:lnT>
+                    <a:lnB w="720">
+                      <a:solidFill>
+                        <a:srgbClr val="ffffff"/>
+                      </a:solidFill>
+                    </a:lnB>
+                    <a:solidFill>
+                      <a:srgbClr val="cccccc"/>
+                    </a:solidFill>
+                  </a:tcPr>
+                </a:tc>
+                <a:tc>
+                  <a:txBody>
+                    <a:bodyPr lIns="90000" rIns="90000" tIns="46800" bIns="46800" anchor="t">
+                      <a:noAutofit/>
+                    </a:bodyPr>
+                    <a:p>
+                      <a:r>
+                        <a:rPr b="0" lang="en-US" sz="1800" spc="-1" strike="noStrike">
+                          <a:latin typeface="Arial"/>
+                        </a:rPr>
+                        <a:t>19,496</a:t>
+                      </a:r>
+                      <a:endParaRPr b="0" lang="en-US" sz="1800" spc="-1" strike="noStrike">
+                        <a:latin typeface="Arial"/>
+                      </a:endParaRPr>
+                    </a:p>
+                  </a:txBody>
+                  <a:tcPr anchor="t" marL="90000" marR="90000">
+                    <a:lnL w="720">
+                      <a:solidFill>
+                        <a:srgbClr val="ffffff"/>
+                      </a:solidFill>
+                    </a:lnL>
+                    <a:lnR w="720">
+                      <a:solidFill>
+                        <a:srgbClr val="ffffff"/>
+                      </a:solidFill>
+                    </a:lnR>
+                    <a:lnT w="720">
+                      <a:solidFill>
+                        <a:srgbClr val="ffffff"/>
+                      </a:solidFill>
+                    </a:lnT>
+                    <a:lnB w="720">
+                      <a:solidFill>
+                        <a:srgbClr val="ffffff"/>
+                      </a:solidFill>
+                    </a:lnB>
+                    <a:solidFill>
+                      <a:srgbClr val="cccccc"/>
+                    </a:solidFill>
+                  </a:tcPr>
+                </a:tc>
+              </a:tr>
+              <a:tr h="346320">
+                <a:tc>
+                  <a:txBody>
+                    <a:bodyPr lIns="90000" rIns="90000" tIns="46800" bIns="46800" anchor="t">
+                      <a:noAutofit/>
+                    </a:bodyPr>
+                    <a:p>
+                      <a:r>
+                        <a:rPr b="0" lang="en-US" sz="1800" spc="-1" strike="noStrike">
+                          <a:latin typeface="Arial"/>
+                        </a:rPr>
+                        <a:t>6</a:t>
+                      </a:r>
+                      <a:endParaRPr b="0" lang="en-US" sz="1800" spc="-1" strike="noStrike">
+                        <a:latin typeface="Arial"/>
+                      </a:endParaRPr>
+                    </a:p>
+                  </a:txBody>
+                  <a:tcPr anchor="t" marL="90000" marR="90000">
+                    <a:lnL w="720">
+                      <a:solidFill>
+                        <a:srgbClr val="ffffff"/>
+                      </a:solidFill>
+                    </a:lnL>
+                    <a:lnR w="720">
+                      <a:solidFill>
+                        <a:srgbClr val="ffffff"/>
+                      </a:solidFill>
+                    </a:lnR>
+                    <a:lnT w="720">
+                      <a:solidFill>
+                        <a:srgbClr val="ffffff"/>
+                      </a:solidFill>
+                    </a:lnT>
+                    <a:lnB w="720">
+                      <a:solidFill>
+                        <a:srgbClr val="ffffff"/>
+                      </a:solidFill>
+                    </a:lnB>
+                    <a:solidFill>
+                      <a:srgbClr val="e6e6e6"/>
+                    </a:solidFill>
+                  </a:tcPr>
+                </a:tc>
+                <a:tc>
+                  <a:txBody>
+                    <a:bodyPr lIns="90000" rIns="90000" tIns="46800" bIns="46800" anchor="t">
+                      <a:noAutofit/>
+                    </a:bodyPr>
+                    <a:p>
+                      <a:r>
+                        <a:rPr b="0" lang="en-US" sz="1800" spc="-1" strike="noStrike">
+                          <a:latin typeface="Arial"/>
+                        </a:rPr>
+                        <a:t>The same as policy #5 except that model is a logistic regression model.</a:t>
+                      </a:r>
+                      <a:endParaRPr b="0" lang="en-US" sz="1800" spc="-1" strike="noStrike">
+                        <a:latin typeface="Arial"/>
+                      </a:endParaRPr>
+                    </a:p>
+                  </a:txBody>
+                  <a:tcPr anchor="t" marL="90000" marR="90000">
+                    <a:lnL w="720">
+                      <a:solidFill>
+                        <a:srgbClr val="ffffff"/>
+                      </a:solidFill>
+                    </a:lnL>
+                    <a:lnR w="720">
+                      <a:solidFill>
+                        <a:srgbClr val="ffffff"/>
+                      </a:solidFill>
+                    </a:lnR>
+                    <a:lnT w="720">
+                      <a:solidFill>
+                        <a:srgbClr val="ffffff"/>
+                      </a:solidFill>
+                    </a:lnT>
+                    <a:lnB w="720">
+                      <a:solidFill>
+                        <a:srgbClr val="ffffff"/>
+                      </a:solidFill>
+                    </a:lnB>
+                    <a:solidFill>
+                      <a:srgbClr val="e6e6e6"/>
+                    </a:solidFill>
+                  </a:tcPr>
+                </a:tc>
+                <a:tc>
+                  <a:txBody>
+                    <a:bodyPr lIns="90000" rIns="90000" tIns="46800" bIns="46800" anchor="t">
+                      <a:noAutofit/>
+                    </a:bodyPr>
+                    <a:p>
+                      <a:r>
+                        <a:rPr b="1" lang="en-US" sz="1800" spc="-1" strike="noStrike">
+                          <a:solidFill>
+                            <a:srgbClr val="c9211e"/>
+                          </a:solidFill>
+                          <a:latin typeface="Arial"/>
+                        </a:rPr>
+                        <a:t>19,596</a:t>
+                      </a:r>
+                      <a:endParaRPr b="1" lang="en-US" sz="1800" spc="-1" strike="noStrike">
+                        <a:solidFill>
+                          <a:srgbClr val="c9211e"/>
+                        </a:solidFill>
+                        <a:latin typeface="Arial"/>
+                      </a:endParaRPr>
+                    </a:p>
+                  </a:txBody>
+                  <a:tcPr anchor="t" marL="90000" marR="90000">
+                    <a:lnL w="720">
+                      <a:solidFill>
+                        <a:srgbClr val="ffffff"/>
+                      </a:solidFill>
+                    </a:lnL>
+                    <a:lnR w="720">
+                      <a:solidFill>
+                        <a:srgbClr val="ffffff"/>
+                      </a:solidFill>
+                    </a:lnR>
+                    <a:lnT w="720">
+                      <a:solidFill>
+                        <a:srgbClr val="ffffff"/>
+                      </a:solidFill>
+                    </a:lnT>
+                    <a:lnB w="720">
+                      <a:solidFill>
+                        <a:srgbClr val="ffffff"/>
+                      </a:solidFill>
+                    </a:lnB>
+                    <a:solidFill>
+                      <a:srgbClr val="e6e6e6"/>
+                    </a:solidFill>
+                  </a:tcPr>
+                </a:tc>
+              </a:tr>
+              <a:tr h="346320">
+                <a:tc>
+                  <a:txBody>
+                    <a:bodyPr lIns="90000" rIns="90000" tIns="46800" bIns="46800" anchor="t">
+                      <a:noAutofit/>
+                    </a:bodyPr>
+                    <a:p>
+                      <a:r>
+                        <a:rPr b="0" lang="en-US" sz="1800" spc="-1" strike="noStrike">
+                          <a:latin typeface="Arial"/>
+                        </a:rPr>
+                        <a:t>7</a:t>
+                      </a:r>
+                      <a:endParaRPr b="0" lang="en-US" sz="1800" spc="-1" strike="noStrike">
+                        <a:latin typeface="Arial"/>
+                      </a:endParaRPr>
+                    </a:p>
+                  </a:txBody>
+                  <a:tcPr anchor="t" marL="90000" marR="90000">
+                    <a:lnL w="720">
+                      <a:solidFill>
+                        <a:srgbClr val="ffffff"/>
+                      </a:solidFill>
+                    </a:lnL>
+                    <a:lnR w="720">
+                      <a:solidFill>
+                        <a:srgbClr val="ffffff"/>
+                      </a:solidFill>
+                    </a:lnR>
+                    <a:lnT w="720">
+                      <a:solidFill>
+                        <a:srgbClr val="ffffff"/>
+                      </a:solidFill>
+                    </a:lnT>
+                    <a:lnB w="720">
+                      <a:solidFill>
+                        <a:srgbClr val="ffffff"/>
+                      </a:solidFill>
+                    </a:lnB>
+                    <a:solidFill>
+                      <a:srgbClr val="cccccc"/>
+                    </a:solidFill>
+                  </a:tcPr>
+                </a:tc>
+                <a:tc>
+                  <a:txBody>
+                    <a:bodyPr lIns="90000" rIns="90000" tIns="46800" bIns="46800" anchor="t">
+                      <a:noAutofit/>
+                    </a:bodyPr>
+                    <a:p>
+                      <a:r>
+                        <a:rPr b="0" lang="en-US" sz="1800" spc="-1" strike="noStrike">
+                          <a:latin typeface="Arial"/>
+                        </a:rPr>
+                        <a:t>Choose version1 if new_comer&lt;=0.5 else version2</a:t>
+                      </a:r>
+                      <a:endParaRPr b="0" lang="en-US" sz="1800" spc="-1" strike="noStrike">
+                        <a:latin typeface="Arial"/>
+                      </a:endParaRPr>
+                    </a:p>
+                  </a:txBody>
+                  <a:tcPr anchor="t" marL="90000" marR="90000">
+                    <a:lnL w="720">
+                      <a:solidFill>
+                        <a:srgbClr val="ffffff"/>
+                      </a:solidFill>
+                    </a:lnL>
+                    <a:lnR w="720">
+                      <a:solidFill>
+                        <a:srgbClr val="ffffff"/>
+                      </a:solidFill>
+                    </a:lnR>
+                    <a:lnT w="720">
+                      <a:solidFill>
+                        <a:srgbClr val="ffffff"/>
+                      </a:solidFill>
+                    </a:lnT>
+                    <a:lnB w="720">
+                      <a:solidFill>
+                        <a:srgbClr val="ffffff"/>
+                      </a:solidFill>
+                    </a:lnB>
+                    <a:solidFill>
+                      <a:srgbClr val="cccccc"/>
+                    </a:solidFill>
+                  </a:tcPr>
+                </a:tc>
+                <a:tc>
+                  <a:txBody>
+                    <a:bodyPr lIns="90000" rIns="90000" tIns="46800" bIns="46800" anchor="t">
+                      <a:noAutofit/>
+                    </a:bodyPr>
+                    <a:p>
+                      <a:r>
+                        <a:rPr b="0" lang="en-US" sz="1800" spc="-1" strike="noStrike">
+                          <a:latin typeface="Arial"/>
+                        </a:rPr>
+                        <a:t>19,451</a:t>
+                      </a:r>
+                      <a:endParaRPr b="0" lang="en-US" sz="1800" spc="-1" strike="noStrike">
+                        <a:latin typeface="Arial"/>
+                      </a:endParaRPr>
+                    </a:p>
+                  </a:txBody>
+                  <a:tcPr anchor="t" marL="90000" marR="90000">
+                    <a:lnL w="720">
+                      <a:solidFill>
+                        <a:srgbClr val="ffffff"/>
+                      </a:solidFill>
+                    </a:lnL>
+                    <a:lnR w="720">
+                      <a:solidFill>
+                        <a:srgbClr val="ffffff"/>
+                      </a:solidFill>
+                    </a:lnR>
+                    <a:lnT w="720">
+                      <a:solidFill>
+                        <a:srgbClr val="ffffff"/>
+                      </a:solidFill>
+                    </a:lnT>
+                    <a:lnB w="720">
+                      <a:solidFill>
+                        <a:srgbClr val="ffffff"/>
+                      </a:solidFill>
+                    </a:lnB>
+                    <a:solidFill>
+                      <a:srgbClr val="cccccc"/>
+                    </a:solidFill>
+                  </a:tcPr>
+                </a:tc>
+              </a:tr>
+            </a:tbl>
+          </a:graphicData>
+        </a:graphic>
+      </p:graphicFrame>
+      <p:sp>
+        <p:nvSpPr>
+          <p:cNvPr id="3" name="PlaceHolder 2"/>
+          <p:cNvSpPr>
+            <a:spLocks noGrp="1"/>
+          </p:cNvSpPr>
+          <p:nvPr>
+            <p:ph type="sldNum" idx="9"/>
+          </p:nvPr>
+        </p:nvSpPr>
+        <p:spPr/>
+        <p:txBody>
+          <a:bodyPr/>
+          <a:p>
+            <a:fld id="{2BE981BF-71F9-4BBC-8C85-F7810239A2BB}" type="slidenum">
+              <a:t>13</a:t>
+            </a:fld>
+          </a:p>
+        </p:txBody>
+      </p:sp>
+    </p:spTree>
+  </p:cSld>
+  <mc:AlternateContent>
+    <mc:Choice Requires="p14">
+      <p:transition spd="slow" p14:dur="2000"/>
+    </mc:Choice>
+    <mc:Fallback>
+      <p:transition spd="slow"/>
+    </mc:Fallback>
+  </mc:AlternateContent>
+</p:sld>
+</file>
+
+<file path=ppt/slides/slide14.xml><?xml version="1.0" encoding="utf-8"?>
+<p:sld xmlns:a="http://schemas.openxmlformats.org/drawingml/2006/main" xmlns:p="http://schemas.openxmlformats.org/presentationml/2006/main" xmlns:r="http://schemas.openxmlformats.org/officeDocument/2006/relationships" xmlns:p14="http://schemas.microsoft.com/office/powerpoint/2010/main" xmlns:p15="http://schemas.microsoft.com/office/powerpoint/2012/main" xmlns:mc="http://schemas.openxmlformats.org/markup-compatibility/2006">
+  <p:cSld>
+    <p:spTree>
+      <p:nvGrpSpPr>
+        <p:cNvPr id="1" name=""/>
+        <p:cNvGrpSpPr/>
+        <p:nvPr/>
+      </p:nvGrpSpPr>
+      <p:grpSpPr>
+        <a:xfrm>
+          <a:off x="0" y="0"/>
+          <a:ext cx="0" cy="0"/>
+          <a:chOff x="0" y="0"/>
+          <a:chExt cx="0" cy="0"/>
+        </a:xfrm>
+      </p:grpSpPr>
+      <p:sp>
+        <p:nvSpPr>
+          <p:cNvPr id="272" name="PlaceHolder 1"/>
+          <p:cNvSpPr>
+            <a:spLocks noGrp="1"/>
+          </p:cNvSpPr>
+          <p:nvPr>
+            <p:ph type="title"/>
+          </p:nvPr>
+        </p:nvSpPr>
+        <p:spPr>
+          <a:xfrm>
+            <a:off x="144000" y="72000"/>
+            <a:ext cx="9540000" cy="648000"/>
+          </a:xfrm>
+          <a:prstGeom prst="rect">
+            <a:avLst/>
+          </a:prstGeom>
+          <a:noFill/>
+          <a:ln w="0">
+            <a:noFill/>
+          </a:ln>
+        </p:spPr>
+        <p:txBody>
+          <a:bodyPr lIns="0" rIns="0" tIns="0" bIns="0" anchor="ctr">
+            <a:noAutofit/>
+          </a:bodyPr>
+          <a:p>
+            <a:r>
+              <a:rPr b="0" lang="en-US" sz="4400" spc="-1" strike="noStrike">
+                <a:latin typeface="Arial"/>
+              </a:rPr>
+              <a:t>Future work</a:t>
+            </a:r>
+            <a:endParaRPr b="0" lang="en-US" sz="4400" spc="-1" strike="noStrike">
+              <a:latin typeface="Arial"/>
+            </a:endParaRPr>
+          </a:p>
+        </p:txBody>
+      </p:sp>
+      <p:sp>
+        <p:nvSpPr>
+          <p:cNvPr id="273" name="PlaceHolder 2"/>
+          <p:cNvSpPr>
+            <a:spLocks noGrp="1"/>
+          </p:cNvSpPr>
+          <p:nvPr>
+            <p:ph/>
+          </p:nvPr>
+        </p:nvSpPr>
+        <p:spPr>
+          <a:xfrm>
+            <a:off x="504000" y="1326600"/>
+            <a:ext cx="5572440" cy="3288240"/>
+          </a:xfrm>
+          <a:prstGeom prst="rect">
+            <a:avLst/>
+          </a:prstGeom>
+          <a:noFill/>
+          <a:ln w="0">
+            <a:noFill/>
+          </a:ln>
+        </p:spPr>
+        <p:txBody>
+          <a:bodyPr lIns="0" rIns="0" tIns="0" bIns="0" anchor="t">
+            <a:normAutofit/>
+          </a:bodyPr>
+          <a:p>
+            <a:pPr marL="432000" indent="-324000">
+              <a:spcBef>
+                <a:spcPts val="1417"/>
+              </a:spcBef>
+              <a:buClr>
+                <a:srgbClr val="ffffff"/>
+              </a:buClr>
+              <a:buSzPct val="45000"/>
+              <a:buFont typeface="Wingdings" charset="2"/>
+              <a:buChar char=""/>
+            </a:pPr>
+            <a:r>
+              <a:rPr b="0" lang="en-US" sz="3200" spc="-1" strike="noStrike">
+                <a:latin typeface="Arial"/>
+              </a:rPr>
+              <a:t>How to make use of unsuccessful data </a:t>
+            </a:r>
+            <a:r>
+              <a:rPr b="0" lang="en-US" sz="3200" spc="-1" strike="noStrike">
+                <a:latin typeface="Arial"/>
+              </a:rPr>
+              <a:t>points?</a:t>
+            </a:r>
+            <a:endParaRPr b="0" lang="en-US" sz="3200" spc="-1" strike="noStrike">
+              <a:latin typeface="Arial"/>
+            </a:endParaRPr>
+          </a:p>
+          <a:p>
+            <a:pPr lvl="1" marL="864000" indent="-324000">
+              <a:spcBef>
+                <a:spcPts val="1134"/>
+              </a:spcBef>
+              <a:buClr>
+                <a:srgbClr val="ffffff"/>
+              </a:buClr>
+              <a:buSzPct val="75000"/>
+              <a:buFont typeface="Symbol" charset="2"/>
+              <a:buChar char=""/>
+            </a:pPr>
+            <a:r>
+              <a:rPr b="0" lang="en-US" sz="2800" spc="-1" strike="noStrike">
+                <a:latin typeface="Arial"/>
+              </a:rPr>
+              <a:t>Dyna-Q</a:t>
+            </a:r>
+            <a:endParaRPr b="0" lang="en-US" sz="2800" spc="-1" strike="noStrike">
+              <a:latin typeface="Arial"/>
+            </a:endParaRPr>
+          </a:p>
+        </p:txBody>
+      </p:sp>
+      <p:pic>
+        <p:nvPicPr>
+          <p:cNvPr id="274" name="" descr=""/>
+          <p:cNvPicPr/>
+          <p:nvPr/>
+        </p:nvPicPr>
+        <p:blipFill>
+          <a:blip r:embed="rId1"/>
+          <a:stretch/>
+        </p:blipFill>
+        <p:spPr>
+          <a:xfrm>
+            <a:off x="6404760" y="1399320"/>
+            <a:ext cx="3030120" cy="2157120"/>
+          </a:xfrm>
+          <a:prstGeom prst="rect">
+            <a:avLst/>
+          </a:prstGeom>
+          <a:ln w="10800">
+            <a:noFill/>
+          </a:ln>
+        </p:spPr>
+      </p:pic>
+      <p:sp>
+        <p:nvSpPr>
+          <p:cNvPr id="4" name="PlaceHolder 3"/>
+          <p:cNvSpPr>
+            <a:spLocks noGrp="1"/>
+          </p:cNvSpPr>
+          <p:nvPr>
+            <p:ph type="sldNum" idx="9"/>
+          </p:nvPr>
+        </p:nvSpPr>
+        <p:spPr/>
+        <p:txBody>
+          <a:bodyPr/>
+          <a:p>
+            <a:fld id="{89D2B351-2737-43C4-B95D-4E5B0A0D6D13}" type="slidenum">
+              <a:t>14</a:t>
+            </a:fld>
+          </a:p>
+        </p:txBody>
+      </p:sp>
+    </p:spTree>
+  </p:cSld>
+  <mc:AlternateContent>
+    <mc:Choice Requires="p14">
+      <p:transition spd="slow" p14:dur="2000"/>
+    </mc:Choice>
+    <mc:Fallback>
+      <p:transition spd="slow"/>
+    </mc:Fallback>
+  </mc:AlternateContent>
+</p:sld>
+</file>
+
+<file path=ppt/slides/slide15.xml><?xml version="1.0" encoding="utf-8"?>
+<p:sld xmlns:a="http://schemas.openxmlformats.org/drawingml/2006/main" xmlns:p="http://schemas.openxmlformats.org/presentationml/2006/main" xmlns:r="http://schemas.openxmlformats.org/officeDocument/2006/relationships" xmlns:p14="http://schemas.microsoft.com/office/powerpoint/2010/main" xmlns:p15="http://schemas.microsoft.com/office/powerpoint/2012/main" xmlns:mc="http://schemas.openxmlformats.org/markup-compatibility/2006">
+  <p:cSld>
+    <p:spTree>
+      <p:nvGrpSpPr>
+        <p:cNvPr id="1" name=""/>
+        <p:cNvGrpSpPr/>
+        <p:nvPr/>
+      </p:nvGrpSpPr>
+      <p:grpSpPr>
+        <a:xfrm>
+          <a:off x="0" y="0"/>
+          <a:ext cx="0" cy="0"/>
+          <a:chOff x="0" y="0"/>
+          <a:chExt cx="0" cy="0"/>
+        </a:xfrm>
+      </p:grpSpPr>
+      <p:sp>
+        <p:nvSpPr>
+          <p:cNvPr id="275" name="PlaceHolder 1"/>
+          <p:cNvSpPr>
+            <a:spLocks noGrp="1"/>
+          </p:cNvSpPr>
+          <p:nvPr>
+            <p:ph type="title"/>
+          </p:nvPr>
+        </p:nvSpPr>
+        <p:spPr>
+          <a:xfrm>
+            <a:off x="144000" y="72000"/>
+            <a:ext cx="9540000" cy="648000"/>
+          </a:xfrm>
+          <a:prstGeom prst="rect">
+            <a:avLst/>
+          </a:prstGeom>
+          <a:noFill/>
+          <a:ln w="0">
+            <a:noFill/>
+          </a:ln>
+        </p:spPr>
+        <p:txBody>
+          <a:bodyPr lIns="0" rIns="0" tIns="0" bIns="0" anchor="ctr">
+            <a:noAutofit/>
+          </a:bodyPr>
+          <a:p>
+            <a:r>
+              <a:rPr b="0" lang="en-US" sz="4400" spc="-1" strike="noStrike">
+                <a:latin typeface="Arial"/>
+              </a:rPr>
+              <a:t>The end</a:t>
+            </a:r>
+            <a:endParaRPr b="0" lang="en-US" sz="4400" spc="-1" strike="noStrike">
+              <a:latin typeface="Arial"/>
+            </a:endParaRPr>
+          </a:p>
+        </p:txBody>
+      </p:sp>
+      <p:sp>
+        <p:nvSpPr>
+          <p:cNvPr id="276" name="PlaceHolder 2"/>
+          <p:cNvSpPr>
+            <a:spLocks noGrp="1"/>
+          </p:cNvSpPr>
+          <p:nvPr>
+            <p:ph/>
+          </p:nvPr>
+        </p:nvSpPr>
+        <p:spPr>
+          <a:xfrm>
+            <a:off x="504000" y="1326600"/>
+            <a:ext cx="9071640" cy="3288240"/>
+          </a:xfrm>
+          <a:prstGeom prst="rect">
+            <a:avLst/>
+          </a:prstGeom>
+          <a:noFill/>
+          <a:ln w="0">
+            <a:noFill/>
+          </a:ln>
+        </p:spPr>
+        <p:txBody>
+          <a:bodyPr lIns="0" rIns="0" tIns="0" bIns="0" anchor="t">
+            <a:normAutofit/>
+          </a:bodyPr>
+          <a:p>
+            <a:pPr marL="432000" indent="-324000">
+              <a:spcBef>
+                <a:spcPts val="1417"/>
+              </a:spcBef>
+              <a:buClr>
+                <a:srgbClr val="ffffff"/>
+              </a:buClr>
+              <a:buSzPct val="45000"/>
+              <a:buFont typeface="Wingdings" charset="2"/>
+              <a:buChar char=""/>
+            </a:pPr>
+            <a:r>
+              <a:rPr b="0" lang="en-US" sz="3200" spc="-1" strike="noStrike">
+                <a:latin typeface="Arial"/>
+              </a:rPr>
+              <a:t>Thanks for your attention, I am open to </a:t>
+            </a:r>
+            <a:r>
+              <a:rPr b="0" lang="en-US" sz="3200" spc="-1" strike="noStrike">
+                <a:latin typeface="Arial"/>
+              </a:rPr>
+              <a:t>questions.</a:t>
+            </a:r>
+            <a:endParaRPr b="0" lang="en-US" sz="3200" spc="-1" strike="noStrike">
+              <a:latin typeface="Arial"/>
+            </a:endParaRPr>
+          </a:p>
+        </p:txBody>
+      </p:sp>
+      <p:sp>
+        <p:nvSpPr>
+          <p:cNvPr id="4" name="PlaceHolder 3"/>
+          <p:cNvSpPr>
+            <a:spLocks noGrp="1"/>
+          </p:cNvSpPr>
+          <p:nvPr>
+            <p:ph type="sldNum" idx="9"/>
+          </p:nvPr>
+        </p:nvSpPr>
+        <p:spPr/>
+        <p:txBody>
+          <a:bodyPr/>
+          <a:p>
+            <a:fld id="{C12F1F6C-A752-49D2-AE03-366033F975A1}" type="slidenum">
+              <a:t>15</a:t>
             </a:fld>
           </a:p>
         </p:txBody>
@@ -13234,7 +15498,7 @@
               </a:lnSpc>
               <a:buNone/>
             </a:pPr>
-            <a:fld id="{260EB15A-3B41-4127-955C-D879BE9DE296}" type="slidenum">
+            <a:fld id="{CA161656-8FFA-4E15-8214-4F4F45697B6C}" type="slidenum">
               <a:rPr b="0" lang="en-US" sz="1200" spc="-1" strike="noStrike">
                 <a:solidFill>
                   <a:srgbClr val="8b8b8b"/>
@@ -13552,13 +15816,7 @@
               <a:rPr b="0" lang="en-US" sz="3200" spc="-1" strike="noStrike">
                 <a:latin typeface="Arial"/>
               </a:rPr>
-              <a:t>Reinforcement learning </a:t>
-            </a:r>
-            <a:r>
-              <a:rPr b="0" lang="en-US" sz="3200" spc="-1" strike="noStrike">
-                <a:latin typeface="Arial"/>
-              </a:rPr>
-              <a:t>introduction</a:t>
+              <a:t>Reinforcement learning introduction</a:t>
             </a:r>
             <a:endParaRPr b="0" lang="en-US" sz="3200" spc="-1" strike="noStrike">
               <a:latin typeface="Arial"/>
@@ -13646,7 +15904,7 @@
         <p:txBody>
           <a:bodyPr/>
           <a:p>
-            <a:fld id="{1CF4F33A-6122-4898-A1C8-304ACDC3D94C}" type="slidenum">
+            <a:fld id="{D8B213E2-13FC-464B-91B1-E4A525C56636}" type="slidenum">
               <a:t>3</a:t>
             </a:fld>
           </a:p>
@@ -14158,7 +16416,7 @@
         <p:txBody>
           <a:bodyPr/>
           <a:p>
-            <a:fld id="{AA39138C-5670-4EF7-851F-E8BBF384856E}" type="slidenum">
+            <a:fld id="{C7EBEB20-97E2-4C1B-AA94-2A86C8008CE6}" type="slidenum">
               <a:t>4</a:t>
             </a:fld>
           </a:p>
@@ -14305,7 +16563,7 @@
         <p:txBody>
           <a:bodyPr/>
           <a:p>
-            <a:fld id="{8BAC7C40-19E1-424A-9EFC-A07401B6345A}" type="slidenum">
+            <a:fld id="{79DD10D0-B322-4A8D-9BDD-7BD8F72E3F7C}" type="slidenum">
               <a:t>5</a:t>
             </a:fld>
           </a:p>
@@ -15357,7 +17615,7 @@
         <p:txBody>
           <a:bodyPr/>
           <a:p>
-            <a:fld id="{707C1B15-7EDC-4C2F-9029-DE46D24D9C08}" type="slidenum">
+            <a:fld id="{E7D37016-8DE6-4D68-9284-1715C44ACBA9}" type="slidenum">
               <a:t>6</a:t>
             </a:fld>
           </a:p>
@@ -15554,7 +17812,7 @@
               <a:rPr b="0" lang="en-US" sz="3200" spc="-1" strike="noStrike">
                 <a:latin typeface="Arial"/>
               </a:rPr>
-              <a:t>e.g., policy2: always choosing version 2 leads </a:t>
+              <a:t>e.g., policy2: always choosing version2 leads </a:t>
             </a:r>
             <a:r>
               <a:rPr b="0" lang="en-US" sz="3200" spc="-1" strike="noStrike">
@@ -15667,7 +17925,7 @@
         <p:txBody>
           <a:bodyPr/>
           <a:p>
-            <a:fld id="{0B0F7CFF-E6B0-4D04-BCD9-3228A28EF5AB}" type="slidenum">
+            <a:fld id="{3398BB39-93F1-4FA5-A538-D781EAB505C5}" type="slidenum">
               <a:t>7</a:t>
             </a:fld>
           </a:p>
@@ -15715,8 +17973,8 @@
         </p:nvSpPr>
         <p:spPr>
           <a:xfrm>
-            <a:off x="144000" y="72000"/>
-            <a:ext cx="9540000" cy="648000"/>
+            <a:off x="144000" y="-29160"/>
+            <a:ext cx="9540000" cy="850680"/>
           </a:xfrm>
           <a:prstGeom prst="rect">
             <a:avLst/>
@@ -15732,12 +17990,12 @@
           </a:bodyPr>
           <a:p>
             <a:r>
-              <a:rPr b="0" lang="en-US" sz="4400" spc="-1" strike="noStrike">
+              <a:rPr b="0" lang="en-US" sz="3000" spc="-1" strike="noStrike">
                 <a:latin typeface="Arial"/>
               </a:rPr>
-              <a:t>Multi armed bandit (deterministic)</a:t>
-            </a:r>
-            <a:endParaRPr b="0" lang="en-US" sz="4400" spc="-1" strike="noStrike">
+              <a:t>Multi armed bandit (deterministic, greedy action selection)</a:t>
+            </a:r>
+            <a:endParaRPr b="0" lang="en-US" sz="3000" spc="-1" strike="noStrike">
               <a:latin typeface="Arial"/>
             </a:endParaRPr>
           </a:p>
@@ -15768,7 +18026,7 @@
         </p:spPr>
         <p:txBody>
           <a:bodyPr lIns="0" rIns="0" tIns="0" bIns="0" anchor="t">
-            <a:normAutofit fontScale="92000"/>
+            <a:normAutofit fontScale="88000"/>
           </a:bodyPr>
           <a:p>
             <a:pPr marL="432000" indent="-324000">
@@ -15820,7 +18078,7 @@
               <a:rPr b="0" lang="en-US" sz="3200" spc="-1" strike="noStrike">
                 <a:latin typeface="Arial"/>
               </a:rPr>
-              <a:t>Policy3: at the current time step, choose an action (version1 or version 2) which had the higher success rate at the previous time step.</a:t>
+              <a:t>Policy3: choose an action (version1 or version2) which had the higher success rate yesterday.</a:t>
             </a:r>
             <a:endParaRPr b="0" lang="en-US" sz="3200" spc="-1" strike="noStrike">
               <a:latin typeface="Arial"/>
@@ -15838,6 +18096,22 @@
               <a:buFont typeface="Wingdings" charset="2"/>
               <a:buChar char=""/>
             </a:pPr>
+            <a:endParaRPr b="0" lang="en-US" sz="3200" spc="-1" strike="noStrike">
+              <a:latin typeface="Arial"/>
+            </a:endParaRPr>
+          </a:p>
+          <a:p>
+            <a:pPr marL="432000" indent="-324000">
+              <a:spcBef>
+                <a:spcPts val="1417"/>
+              </a:spcBef>
+              <a:buClr>
+                <a:srgbClr val="ffffff"/>
+              </a:buClr>
+              <a:buSzPct val="45000"/>
+              <a:buFont typeface="Wingdings" charset="2"/>
+              <a:buChar char=""/>
+            </a:pPr>
             <a:r>
               <a:rPr b="0" lang="en-US" sz="3200" spc="-1" strike="noStrike">
                 <a:latin typeface="Arial"/>
@@ -15850,6 +18124,138 @@
           </a:p>
         </p:txBody>
       </p:sp>
+      <mc:AlternateContent>
+        <mc:Choice xmlns:a14="http://schemas.microsoft.com/office/drawing/2010/main" Requires="a14">
+          <p:sp>
+            <p:nvSpPr>
+              <p:cNvPr id="257" name=""/>
+              <p:cNvSpPr txBox="1"/>
+              <p:nvPr/>
+            </p:nvSpPr>
+            <p:spPr>
+              <a:xfrm rot="21598200">
+                <a:off x="992880" y="3177000"/>
+                <a:ext cx="3010680" cy="638280"/>
+              </a:xfrm>
+              <a:prstGeom prst="rect">
+                <a:avLst/>
+              </a:prstGeom>
+            </p:spPr>
+            <p:txBody>
+              <a:bodyPr/>
+              <a:p>
+                <a14:m>
+                  <m:oMath xmlns:m="http://schemas.openxmlformats.org/officeDocument/2006/math">
+                    <m:eqArr>
+                      <m:e>
+                        <m:sSub>
+                          <m:e>
+                            <m:r>
+                              <m:t xml:space="preserve">Q</m:t>
+                            </m:r>
+                          </m:e>
+                          <m:sub>
+                            <m:r>
+                              <m:t xml:space="preserve">t</m:t>
+                            </m:r>
+                          </m:sub>
+                        </m:sSub>
+                        <m:d>
+                          <m:dPr>
+                            <m:begChr m:val="("/>
+                            <m:endChr m:val=")"/>
+                          </m:dPr>
+                          <m:e>
+                            <m:r>
+                              <m:t xml:space="preserve">a</m:t>
+                            </m:r>
+                          </m:e>
+                        </m:d>
+                        <m:r>
+                          <m:t xml:space="preserve">=</m:t>
+                        </m:r>
+                        <m:f>
+                          <m:num>
+                            <m:r>
+                              <m:rPr>
+                                <m:lit/>
+                                <m:nor/>
+                              </m:rPr>
+                              <m:t xml:space="preserve">number of success when `a` taken at t-1</m:t>
+                            </m:r>
+                          </m:num>
+                          <m:den>
+                            <m:r>
+                              <m:rPr>
+                                <m:lit/>
+                                <m:nor/>
+                              </m:rPr>
+                              <m:t xml:space="preserve">number of times `a` taken at t-1</m:t>
+                            </m:r>
+                          </m:den>
+                        </m:f>
+                      </m:e>
+                      <m:e>
+                        <m:sSub>
+                          <m:e>
+                            <m:r>
+                              <m:t xml:space="preserve">A</m:t>
+                            </m:r>
+                          </m:e>
+                          <m:sub>
+                            <m:r>
+                              <m:t xml:space="preserve">t</m:t>
+                            </m:r>
+                          </m:sub>
+                        </m:sSub>
+                        <m:r>
+                          <m:t xml:space="preserve">=</m:t>
+                        </m:r>
+                        <m:limLow>
+                          <m:e>
+                            <m:r>
+                              <m:t xml:space="preserve">argmax</m:t>
+                            </m:r>
+                          </m:e>
+                          <m:lim>
+                            <m:r>
+                              <m:t xml:space="preserve">a</m:t>
+                            </m:r>
+                          </m:lim>
+                        </m:limLow>
+                        <m:sSub>
+                          <m:e>
+                            <m:r>
+                              <m:t xml:space="preserve">Q</m:t>
+                            </m:r>
+                          </m:e>
+                          <m:sub>
+                            <m:r>
+                              <m:t xml:space="preserve">t</m:t>
+                            </m:r>
+                          </m:sub>
+                        </m:sSub>
+                        <m:d>
+                          <m:dPr>
+                            <m:begChr m:val="("/>
+                            <m:endChr m:val=")"/>
+                          </m:dPr>
+                          <m:e>
+                            <m:r>
+                              <m:t xml:space="preserve">a</m:t>
+                            </m:r>
+                          </m:e>
+                        </m:d>
+                      </m:e>
+                    </m:eqArr>
+                  </m:oMath>
+                </a14:m>
+              </a:p>
+            </p:txBody>
+          </p:sp>
+        </mc:Choice>
+        <mc:Fallback/>
+      </mc:AlternateContent>
       <p:sp>
         <p:nvSpPr>
           <p:cNvPr id="4" name="PlaceHolder 3"/>
@@ -15864,7 +18270,7 @@
         <p:txBody>
           <a:bodyPr/>
           <a:p>
-            <a:fld id="{5256B1A8-1B04-44C8-A155-E5465D24D647}" type="slidenum">
+            <a:fld id="{2015F923-E8B5-48DD-A082-B78889CE79ED}" type="slidenum">
               <a:t>8</a:t>
             </a:fld>
           </a:p>
@@ -15902,7 +18308,7 @@
       </p:grpSpPr>
       <p:sp>
         <p:nvSpPr>
-          <p:cNvPr id="257" name="PlaceHolder 1"/>
+          <p:cNvPr id="258" name="PlaceHolder 1"/>
           <p:cNvSpPr>
             <a:spLocks noGrp="1"/>
           </p:cNvSpPr>
@@ -15912,8 +18318,8 @@
         </p:nvSpPr>
         <p:spPr>
           <a:xfrm>
-            <a:off x="144000" y="72000"/>
-            <a:ext cx="9540000" cy="648000"/>
+            <a:off x="144000" y="-29160"/>
+            <a:ext cx="9540000" cy="850680"/>
           </a:xfrm>
           <a:prstGeom prst="rect">
             <a:avLst/>
@@ -15929,20 +18335,20 @@
           </a:bodyPr>
           <a:p>
             <a:r>
-              <a:rPr b="0" lang="en-US" sz="4400" spc="-1" strike="noStrike">
+              <a:rPr b="0" lang="en-US" sz="3000" spc="-1" strike="noStrike">
                 <a:latin typeface="Arial"/>
               </a:rPr>
-              <a:t>Multi armed bandit (stochastic)</a:t>
-            </a:r>
-            <a:endParaRPr b="0" lang="en-US" sz="4400" spc="-1" strike="noStrike">
-              <a:latin typeface="Arial"/>
-            </a:endParaRPr>
-          </a:p>
-        </p:txBody>
-      </p:sp>
-      <p:sp>
-        <p:nvSpPr>
-          <p:cNvPr id="258" name="PlaceHolder 2"/>
+              <a:t>Multi armed bandit (stochastic, ε-greedy action selection)</a:t>
+            </a:r>
+            <a:endParaRPr b="0" lang="en-US" sz="3000" spc="-1" strike="noStrike">
+              <a:latin typeface="Arial"/>
+            </a:endParaRPr>
+          </a:p>
+        </p:txBody>
+      </p:sp>
+      <p:sp>
+        <p:nvSpPr>
+          <p:cNvPr id="259" name="PlaceHolder 2"/>
           <p:cNvSpPr>
             <a:spLocks noGrp="1"/>
           </p:cNvSpPr>
@@ -15983,15 +18389,25 @@
               <a:rPr b="0" lang="en-US" sz="3200" spc="-1" strike="noStrike">
                 <a:latin typeface="Arial"/>
               </a:rPr>
-              <a:t>Policy4: the same as policy3, </a:t>
-            </a:r>
-            <a:r>
-              <a:rPr b="0" lang="en-US" sz="3200" spc="-1" strike="noStrike">
-                <a:latin typeface="Arial"/>
-              </a:rPr>
-              <a:t>but .</a:t>
+              <a:t>Policy4: the same as policy3, except that:</a:t>
             </a:r>
             <a:endParaRPr b="0" lang="en-US" sz="3200" spc="-1" strike="noStrike">
+              <a:latin typeface="Arial"/>
+            </a:endParaRPr>
+          </a:p>
+          <a:p>
+            <a:pPr lvl="1" marL="864000" indent="-324000">
+              <a:spcBef>
+                <a:spcPts val="1134"/>
+              </a:spcBef>
+              <a:buClr>
+                <a:srgbClr val="ffffff"/>
+              </a:buClr>
+              <a:buSzPct val="75000"/>
+              <a:buFont typeface="Symbol" charset="2"/>
+              <a:buChar char=""/>
+            </a:pPr>
+            <a:endParaRPr b="0" lang="en-US" sz="2800" spc="-1" strike="noStrike">
               <a:latin typeface="Arial"/>
             </a:endParaRPr>
           </a:p>
@@ -16011,7 +18427,19 @@
               <a:rPr b="0" lang="en-US" sz="3200" spc="-1" strike="noStrike">
                 <a:latin typeface="Arial"/>
               </a:rPr>
-              <a:t>Result: .</a:t>
+              <a:t>Result: mean: 13,427, std: 36, </a:t>
+            </a:r>
+            <a:r>
+              <a:rPr b="0" lang="en-US" sz="3000" spc="-1" strike="noStrike">
+                <a:latin typeface="Arial"/>
+              </a:rPr>
+              <a:t>ε</a:t>
+            </a:r>
+            <a:r>
+              <a:rPr b="0" lang="en-US" sz="3200" spc="-1" strike="noStrike">
+                <a:latin typeface="Arial"/>
+              </a:rPr>
+              <a:t>=0.01.</a:t>
             </a:r>
             <a:endParaRPr b="0" lang="en-US" sz="3200" spc="-1" strike="noStrike">
               <a:latin typeface="Arial"/>
@@ -16019,6 +18447,126 @@
           </a:p>
         </p:txBody>
       </p:sp>
+      <mc:AlternateContent>
+        <mc:Choice xmlns:a14="http://schemas.microsoft.com/office/drawing/2010/main" Requires="a14">
+          <p:sp>
+            <p:nvSpPr>
+              <p:cNvPr id="260" name=""/>
+              <p:cNvSpPr txBox="1"/>
+              <p:nvPr/>
+            </p:nvSpPr>
+            <p:spPr>
+              <a:xfrm rot="21598200">
+                <a:off x="1103760" y="1819800"/>
+                <a:ext cx="3012480" cy="490680"/>
+              </a:xfrm>
+              <a:prstGeom prst="rect">
+                <a:avLst/>
+              </a:prstGeom>
+            </p:spPr>
+            <p:txBody>
+              <a:bodyPr/>
+              <a:p>
+                <a14:m>
+                  <m:oMath xmlns:m="http://schemas.openxmlformats.org/officeDocument/2006/math">
+                    <m:sSub>
+                      <m:e>
+                        <m:r>
+                          <m:t xml:space="preserve">A</m:t>
+                        </m:r>
+                      </m:e>
+                      <m:sub>
+                        <m:r>
+                          <m:t xml:space="preserve">t</m:t>
+                        </m:r>
+                      </m:sub>
+                    </m:sSub>
+                    <m:r>
+                      <m:t xml:space="preserve">=</m:t>
+                    </m:r>
+                    <m:d>
+                      <m:dPr>
+                        <m:begChr m:val="{"/>
+                        <m:endChr m:val=""/>
+                      </m:dPr>
+                      <m:e>
+                        <m:eqArr>
+                          <m:e>
+                            <m:limLow>
+                              <m:e>
+                                <m:r>
+                                  <m:t xml:space="preserve">argmax</m:t>
+                                </m:r>
+                              </m:e>
+                              <m:lim>
+                                <m:r>
+                                  <m:t xml:space="preserve">a</m:t>
+                                </m:r>
+                              </m:lim>
+                            </m:limLow>
+                            <m:sSub>
+                              <m:e>
+                                <m:r>
+                                  <m:t xml:space="preserve">Q</m:t>
+                                </m:r>
+                              </m:e>
+                              <m:sub>
+                                <m:r>
+                                  <m:t xml:space="preserve">t</m:t>
+                                </m:r>
+                              </m:sub>
+                            </m:sSub>
+                            <m:d>
+                              <m:dPr>
+                                <m:begChr m:val="("/>
+                                <m:endChr m:val=")"/>
+                              </m:dPr>
+                              <m:e>
+                                <m:r>
+                                  <m:t xml:space="preserve">a</m:t>
+                                </m:r>
+                              </m:e>
+                            </m:d>
+                            <m:r>
+                              <m:rPr>
+                                <m:lit/>
+                                <m:nor/>
+                              </m:rPr>
+                              <m:t xml:space="preserve">           with probability </m:t>
+                            </m:r>
+                            <m:r>
+                              <m:t xml:space="preserve">1</m:t>
+                            </m:r>
+                            <m:r>
+                              <m:t xml:space="preserve">−</m:t>
+                            </m:r>
+                            <m:r>
+                              <m:t xml:space="preserve">ϵ</m:t>
+                            </m:r>
+                          </m:e>
+                          <m:e>
+                            <m:r>
+                              <m:rPr>
+                                <m:lit/>
+                                <m:nor/>
+                              </m:rPr>
+                              <m:t xml:space="preserve">a random action        with probability </m:t>
+                            </m:r>
+                            <m:r>
+                              <m:t xml:space="preserve">ϵ</m:t>
+                            </m:r>
+                          </m:e>
+                        </m:eqArr>
+                      </m:e>
+                    </m:d>
+                  </m:oMath>
+                </a14:m>
+              </a:p>
+            </p:txBody>
+          </p:sp>
+        </mc:Choice>
+        <mc:Fallback/>
+      </mc:AlternateContent>
       <p:sp>
         <p:nvSpPr>
           <p:cNvPr id="4" name="PlaceHolder 3"/>
@@ -16033,7 +18581,7 @@
         <p:txBody>
           <a:bodyPr/>
           <a:p>
-            <a:fld id="{093A81F9-6CC9-4917-82E7-4C7E4A6770B2}" type="slidenum">
+            <a:fld id="{63AE8446-E742-4FCD-8433-9810F0DF22F8}" type="slidenum">
               <a:t>9</a:t>
             </a:fld>
           </a:p>

--- a/docs/presentation.pptx
+++ b/docs/presentation.pptx
@@ -679,7 +679,7 @@
         <p:txBody>
           <a:bodyPr/>
           <a:p>
-            <a:fld id="{4F20DCF2-7D53-4612-A1EE-D76D7E69472B}" type="slidenum">
+            <a:fld id="{C2D58CE6-47A0-4A31-9229-6FEF3CBD455D}" type="slidenum">
               <a:t>&lt;#&gt;</a:t>
             </a:fld>
           </a:p>
@@ -833,7 +833,7 @@
         <p:txBody>
           <a:bodyPr/>
           <a:p>
-            <a:fld id="{7B00678D-281C-4FAD-B56C-6B720229FB00}" type="slidenum">
+            <a:fld id="{7E28DBE4-90B6-47F7-B152-A3F7A34CBD57}" type="slidenum">
               <a:t>&lt;#&gt;</a:t>
             </a:fld>
           </a:p>
@@ -984,7 +984,7 @@
         <p:txBody>
           <a:bodyPr/>
           <a:p>
-            <a:fld id="{8A32398A-1659-4F1E-B79F-26EFA3674C70}" type="slidenum">
+            <a:fld id="{0E897401-CDA8-42D5-97C2-3585A985F9BC}" type="slidenum">
               <a:t>&lt;#&gt;</a:t>
             </a:fld>
           </a:p>
@@ -1169,7 +1169,7 @@
         <p:txBody>
           <a:bodyPr/>
           <a:p>
-            <a:fld id="{767FCE27-AB55-4EFE-8602-92400F6FBFF1}" type="slidenum">
+            <a:fld id="{5D27AB39-5F27-4641-A0D0-82191AD3A886}" type="slidenum">
               <a:t>&lt;#&gt;</a:t>
             </a:fld>
           </a:p>
@@ -1286,7 +1286,7 @@
         <p:txBody>
           <a:bodyPr/>
           <a:p>
-            <a:fld id="{DCDAB892-E8DA-4307-A8D1-C09E84DB1BF0}" type="slidenum">
+            <a:fld id="{960AA2AA-E0D6-4B7F-90D4-65D7CEA56108}" type="slidenum">
               <a:t>&lt;#&gt;</a:t>
             </a:fld>
           </a:p>
@@ -1406,7 +1406,7 @@
         <p:txBody>
           <a:bodyPr/>
           <a:p>
-            <a:fld id="{C82656FA-83F0-4D26-8ADA-EA6A3E718261}" type="slidenum">
+            <a:fld id="{F9D8431B-C0F2-4B99-8D4C-B3AC0FF9B3D2}" type="slidenum">
               <a:t>&lt;#&gt;</a:t>
             </a:fld>
           </a:p>
@@ -1625,7 +1625,7 @@
         <p:txBody>
           <a:bodyPr/>
           <a:p>
-            <a:fld id="{D87B2243-FC9A-4912-ABD0-C66A5781375D}" type="slidenum">
+            <a:fld id="{10A0D0BD-5C8A-4785-84AA-7BEC22232615}" type="slidenum">
               <a:t>&lt;#&gt;</a:t>
             </a:fld>
           </a:p>
@@ -1937,7 +1937,7 @@
         <p:txBody>
           <a:bodyPr/>
           <a:p>
-            <a:fld id="{4081998B-5311-4F20-BEDF-2EEAF6755DF3}" type="slidenum">
+            <a:fld id="{1B6DAA01-EC25-4F01-8C4F-3BE960D36563}" type="slidenum">
               <a:t>&lt;#&gt;</a:t>
             </a:fld>
           </a:p>
@@ -2156,7 +2156,7 @@
         <p:txBody>
           <a:bodyPr/>
           <a:p>
-            <a:fld id="{36FF1096-8BFB-4802-8D42-8C12183C4281}" type="slidenum">
+            <a:fld id="{3B85F5EC-4C54-4853-B16B-292DE775B87A}" type="slidenum">
               <a:t>&lt;#&gt;</a:t>
             </a:fld>
           </a:p>
@@ -2341,7 +2341,7 @@
         <p:txBody>
           <a:bodyPr/>
           <a:p>
-            <a:fld id="{D8D865B9-52C4-41C6-9354-F1203CB1A704}" type="slidenum">
+            <a:fld id="{F647DF84-475C-4400-BD0C-FA5B911C269F}" type="slidenum">
               <a:t>&lt;#&gt;</a:t>
             </a:fld>
           </a:p>
@@ -2594,7 +2594,7 @@
         <p:txBody>
           <a:bodyPr/>
           <a:p>
-            <a:fld id="{49920105-E686-4822-9980-3148948367B6}" type="slidenum">
+            <a:fld id="{07F36710-5FC0-487A-BB50-6BFA82B34A1B}" type="slidenum">
               <a:t>&lt;#&gt;</a:t>
             </a:fld>
           </a:p>
@@ -2915,7 +2915,7 @@
         <p:txBody>
           <a:bodyPr/>
           <a:p>
-            <a:fld id="{85ED03D3-8E4A-40E9-9C13-7FC17019580F}" type="slidenum">
+            <a:fld id="{ADFE587E-9B95-4011-89BA-7DBBFDD659FA}" type="slidenum">
               <a:t>&lt;#&gt;</a:t>
             </a:fld>
           </a:p>
@@ -2998,7 +2998,7 @@
         <p:txBody>
           <a:bodyPr/>
           <a:p>
-            <a:fld id="{59EFE7DA-3055-4877-A87B-0E7814B7D48C}" type="slidenum">
+            <a:fld id="{862E72EB-A28B-4BAD-812F-17782CAB5885}" type="slidenum">
               <a:t>&lt;#&gt;</a:t>
             </a:fld>
           </a:p>
@@ -3152,7 +3152,7 @@
         <p:txBody>
           <a:bodyPr/>
           <a:p>
-            <a:fld id="{22F51A8F-D7EB-4A24-9FE0-89E3688AFAF8}" type="slidenum">
+            <a:fld id="{410979E4-14B5-4E53-B205-22FC4414D798}" type="slidenum">
               <a:t>&lt;#&gt;</a:t>
             </a:fld>
           </a:p>
@@ -3303,7 +3303,7 @@
         <p:txBody>
           <a:bodyPr/>
           <a:p>
-            <a:fld id="{F9D5B102-5E7E-4227-912C-D0CDF97120D9}" type="slidenum">
+            <a:fld id="{8F5B5E0E-7DF5-4E25-A83A-ED9CEAA05973}" type="slidenum">
               <a:t>&lt;#&gt;</a:t>
             </a:fld>
           </a:p>
@@ -3488,7 +3488,7 @@
         <p:txBody>
           <a:bodyPr/>
           <a:p>
-            <a:fld id="{F6002324-966A-4686-B626-F7CA3C4F9B61}" type="slidenum">
+            <a:fld id="{D728B692-803D-4B80-A3D0-91AB4E94150A}" type="slidenum">
               <a:t>&lt;#&gt;</a:t>
             </a:fld>
           </a:p>
@@ -3605,7 +3605,7 @@
         <p:txBody>
           <a:bodyPr/>
           <a:p>
-            <a:fld id="{1620E8A2-09D1-479F-8FFE-A65833F082CB}" type="slidenum">
+            <a:fld id="{8707C3BA-436F-43D2-9860-9A9C5D20B7E7}" type="slidenum">
               <a:t>&lt;#&gt;</a:t>
             </a:fld>
           </a:p>
@@ -3815,7 +3815,7 @@
         <p:txBody>
           <a:bodyPr/>
           <a:p>
-            <a:fld id="{7B174377-17EE-4C73-9B63-9BE1EF848096}" type="slidenum">
+            <a:fld id="{76A37D2C-5B02-4CBA-9A8E-0257CBC54548}" type="slidenum">
               <a:t>&lt;#&gt;</a:t>
             </a:fld>
           </a:p>
@@ -4034,7 +4034,7 @@
         <p:txBody>
           <a:bodyPr/>
           <a:p>
-            <a:fld id="{BF7A32CC-12F8-42B3-9F72-9D6CD0112FEF}" type="slidenum">
+            <a:fld id="{36C63F86-31C3-43B5-8354-E166F8F49554}" type="slidenum">
               <a:t>&lt;#&gt;</a:t>
             </a:fld>
           </a:p>
@@ -4253,7 +4253,7 @@
         <p:txBody>
           <a:bodyPr/>
           <a:p>
-            <a:fld id="{4E71CC78-75D4-4A75-B424-F7E522D0BD2B}" type="slidenum">
+            <a:fld id="{E75767D4-DCF9-4EE3-B418-DF407D8EF833}" type="slidenum">
               <a:t>&lt;#&gt;</a:t>
             </a:fld>
           </a:p>
@@ -4472,7 +4472,7 @@
         <p:txBody>
           <a:bodyPr/>
           <a:p>
-            <a:fld id="{65D04017-59FF-4026-A624-D4A04101AD4A}" type="slidenum">
+            <a:fld id="{5ED6A5F7-9477-4764-8182-41C576D0DB8C}" type="slidenum">
               <a:t>&lt;#&gt;</a:t>
             </a:fld>
           </a:p>
@@ -4657,7 +4657,7 @@
         <p:txBody>
           <a:bodyPr/>
           <a:p>
-            <a:fld id="{753BE424-BF2F-457F-B21A-3884F5A8AD0E}" type="slidenum">
+            <a:fld id="{848F3BC2-A3A3-484B-8924-AD6569F3FC05}" type="slidenum">
               <a:t>&lt;#&gt;</a:t>
             </a:fld>
           </a:p>
@@ -4910,7 +4910,7 @@
         <p:txBody>
           <a:bodyPr/>
           <a:p>
-            <a:fld id="{4B1DEC62-D14D-4AE0-8543-CB174ED7CFD4}" type="slidenum">
+            <a:fld id="{C58DF47F-6E4D-4CD8-9092-B76298D03390}" type="slidenum">
               <a:t>&lt;#&gt;</a:t>
             </a:fld>
           </a:p>
@@ -5231,7 +5231,7 @@
         <p:txBody>
           <a:bodyPr/>
           <a:p>
-            <a:fld id="{077D2660-59FE-44AE-8237-13E1FDAA2F58}" type="slidenum">
+            <a:fld id="{4E9FB128-8475-455B-B67C-F7C78D8E1309}" type="slidenum">
               <a:t>&lt;#&gt;</a:t>
             </a:fld>
           </a:p>
@@ -5314,7 +5314,7 @@
         <p:txBody>
           <a:bodyPr/>
           <a:p>
-            <a:fld id="{960F3EEE-2941-42B1-AD77-A851FFF8F773}" type="slidenum">
+            <a:fld id="{4559DDC1-554A-41DD-B231-6145F716788A}" type="slidenum">
               <a:t>&lt;#&gt;</a:t>
             </a:fld>
           </a:p>
@@ -5468,7 +5468,7 @@
         <p:txBody>
           <a:bodyPr/>
           <a:p>
-            <a:fld id="{5980ED19-3389-4197-9572-F2E1063BF186}" type="slidenum">
+            <a:fld id="{34521E3E-EE4B-40D0-9828-9FB42C2B81D3}" type="slidenum">
               <a:t>&lt;#&gt;</a:t>
             </a:fld>
           </a:p>
@@ -5619,7 +5619,7 @@
         <p:txBody>
           <a:bodyPr/>
           <a:p>
-            <a:fld id="{46B3CFC8-18B6-4A52-B36C-07A0BB9F6172}" type="slidenum">
+            <a:fld id="{A03EC978-7F1B-411F-AC2C-04E451F739AB}" type="slidenum">
               <a:t>&lt;#&gt;</a:t>
             </a:fld>
           </a:p>
@@ -5928,7 +5928,7 @@
         <p:txBody>
           <a:bodyPr/>
           <a:p>
-            <a:fld id="{6226EF69-2C6F-4188-AFB7-DB0ECABD6F3A}" type="slidenum">
+            <a:fld id="{CA0C480F-7E9C-4EEB-B167-968ED959B6E7}" type="slidenum">
               <a:t>&lt;#&gt;</a:t>
             </a:fld>
           </a:p>
@@ -6045,7 +6045,7 @@
         <p:txBody>
           <a:bodyPr/>
           <a:p>
-            <a:fld id="{80B85980-7317-4E24-BB8D-AA012A803C06}" type="slidenum">
+            <a:fld id="{E43FE8B4-27D2-4934-9F08-D7D7F7CB1D12}" type="slidenum">
               <a:t>&lt;#&gt;</a:t>
             </a:fld>
           </a:p>
@@ -6165,7 +6165,7 @@
         <p:txBody>
           <a:bodyPr/>
           <a:p>
-            <a:fld id="{B65EF9EF-6B2D-4585-8E7F-6C1C5E8BDB28}" type="slidenum">
+            <a:fld id="{394E8F53-B6C5-4158-BDC1-1F07AFC544B1}" type="slidenum">
               <a:t>&lt;#&gt;</a:t>
             </a:fld>
           </a:p>
@@ -6384,7 +6384,7 @@
         <p:txBody>
           <a:bodyPr/>
           <a:p>
-            <a:fld id="{4DF1227C-2ADB-4A3C-91B8-346DDF76C647}" type="slidenum">
+            <a:fld id="{5212AEE9-CF87-4D3F-B8D7-157EC31B430A}" type="slidenum">
               <a:t>&lt;#&gt;</a:t>
             </a:fld>
           </a:p>
@@ -6603,7 +6603,7 @@
         <p:txBody>
           <a:bodyPr/>
           <a:p>
-            <a:fld id="{F6049B99-982B-485B-8F9B-63355725E787}" type="slidenum">
+            <a:fld id="{70719CDB-3844-46ED-A9DE-25AF74234025}" type="slidenum">
               <a:t>&lt;#&gt;</a:t>
             </a:fld>
           </a:p>
@@ -6822,7 +6822,7 @@
         <p:txBody>
           <a:bodyPr/>
           <a:p>
-            <a:fld id="{3D40F520-579B-49FA-80E3-AC000FE6220F}" type="slidenum">
+            <a:fld id="{79913FB3-7737-44AB-97DD-32C1A98F91B8}" type="slidenum">
               <a:t>&lt;#&gt;</a:t>
             </a:fld>
           </a:p>
@@ -7007,7 +7007,7 @@
         <p:txBody>
           <a:bodyPr/>
           <a:p>
-            <a:fld id="{73D141FE-1710-4AF4-8D06-45E8E51AA7AF}" type="slidenum">
+            <a:fld id="{8D812B2C-40FD-494C-B1A5-9BA0CC7945E2}" type="slidenum">
               <a:t>&lt;#&gt;</a:t>
             </a:fld>
           </a:p>
@@ -7260,7 +7260,7 @@
         <p:txBody>
           <a:bodyPr/>
           <a:p>
-            <a:fld id="{6E879675-D05F-4E52-93ED-4BF857B14C08}" type="slidenum">
+            <a:fld id="{ABBFBABA-C991-4898-BDE0-A9F560367F8D}" type="slidenum">
               <a:t>&lt;#&gt;</a:t>
             </a:fld>
           </a:p>
@@ -7581,7 +7581,7 @@
         <p:txBody>
           <a:bodyPr/>
           <a:p>
-            <a:fld id="{DEB1917C-6366-4D75-A992-11124B104437}" type="slidenum">
+            <a:fld id="{7837D3D4-C5F7-41DA-95F4-D2F3A0770CA5}" type="slidenum">
               <a:t>&lt;#&gt;</a:t>
             </a:fld>
           </a:p>
@@ -9797,7 +9797,13 @@
               <a:rPr b="0" lang="en-US" sz="3200" spc="-1" strike="noStrike">
                 <a:latin typeface="Arial"/>
               </a:rPr>
-              <a:t>Click to edit the outline text format</a:t>
+              <a:t>Click to edit the outline text </a:t>
+            </a:r>
+            <a:r>
+              <a:rPr b="0" lang="en-US" sz="3200" spc="-1" strike="noStrike">
+                <a:latin typeface="Arial"/>
+              </a:rPr>
+              <a:t>format</a:t>
             </a:r>
             <a:endParaRPr b="0" lang="en-US" sz="3200" spc="-1" strike="noStrike">
               <a:latin typeface="Arial"/>
@@ -9925,7 +9931,7 @@
             <a:noAutofit/>
           </a:bodyPr>
           <a:p>
-            <a:fld id="{5A063AC2-E95F-49A6-B4F4-34DE90B0BA59}" type="author">
+            <a:fld id="{4E242B3C-3224-4A69-856B-F4A85584326D}" type="author">
               <a:rPr b="0" lang="en-US" sz="1800" spc="-1" strike="noStrike">
                 <a:latin typeface="Arial"/>
               </a:rPr>
@@ -10513,7 +10519,7 @@
             <a:pPr algn="r">
               <a:buNone/>
             </a:pPr>
-            <a:fld id="{AB0793FB-51EF-4444-89DA-43414E8B7FD0}" type="slidenum">
+            <a:fld id="{217917A1-289A-4512-95B6-985144A1C364}" type="slidenum">
               <a:rPr b="0" lang="en-US" sz="1400" spc="-1" strike="noStrike">
                 <a:latin typeface="Arial"/>
               </a:rPr>
@@ -11213,7 +11219,7 @@
             <a:pPr algn="r">
               <a:buNone/>
             </a:pPr>
-            <a:fld id="{8EE4BCB9-8F1F-473A-945C-06CEC07C1221}" type="slidenum">
+            <a:fld id="{C7623176-A5C5-4C89-9AF6-1BE56EB21705}" type="slidenum">
               <a:rPr b="0" lang="en-US" sz="1400" spc="-1" strike="noStrike">
                 <a:latin typeface="Arial"/>
               </a:rPr>
@@ -12088,7 +12094,7 @@
             <a:pPr algn="r">
               <a:buNone/>
             </a:pPr>
-            <a:fld id="{CEDBAB5C-C5B9-4ECE-B77E-BD1816E2B45B}" type="slidenum">
+            <a:fld id="{B5E884C4-6B0D-4CD9-B640-5EE249CD8885}" type="slidenum">
               <a:rPr b="0" lang="en-US" sz="1400" spc="-1" strike="noStrike">
                 <a:latin typeface="Arial"/>
               </a:rPr>
@@ -12763,7 +12769,7 @@
       </p:grpSpPr>
       <p:sp>
         <p:nvSpPr>
-          <p:cNvPr id="261" name="PlaceHolder 1"/>
+          <p:cNvPr id="260" name="PlaceHolder 1"/>
           <p:cNvSpPr>
             <a:spLocks noGrp="1"/>
           </p:cNvSpPr>
@@ -12773,8 +12779,8 @@
         </p:nvSpPr>
         <p:spPr>
           <a:xfrm>
-            <a:off x="144000" y="72000"/>
-            <a:ext cx="9540000" cy="648000"/>
+            <a:off x="144000" y="-29160"/>
+            <a:ext cx="9540000" cy="850680"/>
           </a:xfrm>
           <a:prstGeom prst="rect">
             <a:avLst/>
@@ -12790,20 +12796,20 @@
           </a:bodyPr>
           <a:p>
             <a:r>
-              <a:rPr b="0" lang="en-US" sz="3600" spc="-1" strike="noStrike">
+              <a:rPr b="0" lang="en-US" sz="3000" spc="-1" strike="noStrike">
                 <a:latin typeface="Arial"/>
               </a:rPr>
-              <a:t>Contextual multi armed bandit (deterministic)</a:t>
-            </a:r>
-            <a:endParaRPr b="0" lang="en-US" sz="3600" spc="-1" strike="noStrike">
-              <a:latin typeface="Arial"/>
-            </a:endParaRPr>
-          </a:p>
-        </p:txBody>
-      </p:sp>
-      <p:sp>
-        <p:nvSpPr>
-          <p:cNvPr id="262" name="PlaceHolder 2"/>
+              <a:t>Multi armed bandit (stochastic, ε-greedy action selection)</a:t>
+            </a:r>
+            <a:endParaRPr b="0" lang="en-US" sz="3000" spc="-1" strike="noStrike">
+              <a:latin typeface="Arial"/>
+            </a:endParaRPr>
+          </a:p>
+        </p:txBody>
+      </p:sp>
+      <p:sp>
+        <p:nvSpPr>
+          <p:cNvPr id="261" name="PlaceHolder 2"/>
           <p:cNvSpPr>
             <a:spLocks noGrp="1"/>
           </p:cNvSpPr>
@@ -12814,7 +12820,7 @@
         <p:spPr>
           <a:xfrm>
             <a:off x="504000" y="1326600"/>
-            <a:ext cx="4426920" cy="3288240"/>
+            <a:ext cx="9071640" cy="3288240"/>
           </a:xfrm>
           <a:prstGeom prst="rect">
             <a:avLst/>
@@ -12826,7 +12832,7 @@
         </p:spPr>
         <p:txBody>
           <a:bodyPr lIns="0" rIns="0" tIns="0" bIns="0" anchor="t">
-            <a:normAutofit fontScale="60000"/>
+            <a:normAutofit/>
           </a:bodyPr>
           <a:p>
             <a:pPr marL="432000" indent="-324000">
@@ -12844,93 +12850,25 @@
               <a:rPr b="0" lang="en-US" sz="3200" spc="-1" strike="noStrike">
                 <a:latin typeface="Arial"/>
               </a:rPr>
-              <a:t>Policy: a model (e.g., </a:t>
-            </a:r>
-            <a:r>
-              <a:rPr b="0" lang="en-US" sz="3200" spc="-1" strike="noStrike">
-                <a:latin typeface="Arial"/>
-              </a:rPr>
-              <a:t>a decision tree, or a </a:t>
-            </a:r>
-            <a:r>
-              <a:rPr b="0" lang="en-US" sz="3200" spc="-1" strike="noStrike">
-                <a:latin typeface="Arial"/>
-              </a:rPr>
-              <a:t>logistic regression </a:t>
-            </a:r>
-            <a:r>
-              <a:rPr b="0" lang="en-US" sz="3200" spc="-1" strike="noStrike">
-                <a:latin typeface="Arial"/>
-              </a:rPr>
-              <a:t>model) is used to </a:t>
-            </a:r>
-            <a:r>
-              <a:rPr b="0" lang="en-US" sz="3200" spc="-1" strike="noStrike">
-                <a:latin typeface="Arial"/>
-              </a:rPr>
-              <a:t>predict the action </a:t>
-            </a:r>
-            <a:r>
-              <a:rPr b="0" lang="en-US" sz="3200" spc="-1" strike="noStrike">
-                <a:latin typeface="Arial"/>
-              </a:rPr>
-              <a:t>based on state. At </a:t>
-            </a:r>
-            <a:r>
-              <a:rPr b="0" lang="en-US" sz="3200" spc="-1" strike="noStrike">
-                <a:latin typeface="Arial"/>
-              </a:rPr>
-              <a:t>each time step, the </a:t>
-            </a:r>
-            <a:r>
-              <a:rPr b="0" lang="en-US" sz="3200" spc="-1" strike="noStrike">
-                <a:latin typeface="Arial"/>
-              </a:rPr>
-              <a:t>model is trained </a:t>
-            </a:r>
-            <a:r>
-              <a:rPr b="0" lang="en-US" sz="3200" spc="-1" strike="noStrike">
-                <a:latin typeface="Arial"/>
-              </a:rPr>
-              <a:t>using data of </a:t>
-            </a:r>
-            <a:r>
-              <a:rPr b="0" lang="en-US" sz="3200" spc="-1" strike="noStrike">
-                <a:latin typeface="Arial"/>
-              </a:rPr>
-              <a:t>previous time step. At </a:t>
-            </a:r>
-            <a:r>
-              <a:rPr b="0" lang="en-US" sz="3200" spc="-1" strike="noStrike">
-                <a:latin typeface="Arial"/>
-              </a:rPr>
-              <a:t>the first time step, the </a:t>
-            </a:r>
-            <a:r>
-              <a:rPr b="0" lang="en-US" sz="3200" spc="-1" strike="noStrike">
-                <a:latin typeface="Arial"/>
-              </a:rPr>
-              <a:t>actions are randomly </a:t>
-            </a:r>
-            <a:r>
-              <a:rPr b="0" lang="en-US" sz="3200" spc="-1" strike="noStrike">
-                <a:latin typeface="Arial"/>
-              </a:rPr>
-              <a:t>chosen from action </a:t>
-            </a:r>
-            <a:r>
-              <a:rPr b="0" lang="en-US" sz="3200" spc="-1" strike="noStrike">
-                <a:latin typeface="Arial"/>
-              </a:rPr>
-              <a:t>set with equal </a:t>
-            </a:r>
-            <a:r>
-              <a:rPr b="0" lang="en-US" sz="3200" spc="-1" strike="noStrike">
-                <a:latin typeface="Arial"/>
-              </a:rPr>
-              <a:t>probability.</a:t>
+              <a:t>Policy4: the same as policy3, except that:</a:t>
             </a:r>
             <a:endParaRPr b="0" lang="en-US" sz="3200" spc="-1" strike="noStrike">
+              <a:latin typeface="Arial"/>
+            </a:endParaRPr>
+          </a:p>
+          <a:p>
+            <a:pPr lvl="1" marL="864000" indent="-324000">
+              <a:spcBef>
+                <a:spcPts val="1134"/>
+              </a:spcBef>
+              <a:buClr>
+                <a:srgbClr val="ffffff"/>
+              </a:buClr>
+              <a:buSzPct val="75000"/>
+              <a:buFont typeface="Symbol" charset="2"/>
+              <a:buChar char=""/>
+            </a:pPr>
+            <a:endParaRPr b="0" lang="en-US" sz="2800" spc="-1" strike="noStrike">
               <a:latin typeface="Arial"/>
             </a:endParaRPr>
           </a:p>
@@ -12950,43 +12888,19 @@
               <a:rPr b="0" lang="en-US" sz="3200" spc="-1" strike="noStrike">
                 <a:latin typeface="Arial"/>
               </a:rPr>
-              <a:t>Result: 19,496 </a:t>
+              <a:t>Result: mean: 13,427, std: 36, </a:t>
+            </a:r>
+            <a:r>
+              <a:rPr b="0" lang="en-US" sz="3000" spc="-1" strike="noStrike">
+                <a:latin typeface="Arial"/>
+              </a:rPr>
+              <a:t>ε</a:t>
             </a:r>
             <a:r>
               <a:rPr b="0" lang="en-US" sz="3200" spc="-1" strike="noStrike">
                 <a:latin typeface="Arial"/>
               </a:rPr>
-              <a:t>success using </a:t>
-            </a:r>
-            <a:r>
-              <a:rPr b="0" lang="en-US" sz="3200" spc="-1" strike="noStrike">
-                <a:latin typeface="Arial"/>
-              </a:rPr>
-              <a:t>decision tree, 19,596 </a:t>
-            </a:r>
-            <a:r>
-              <a:rPr b="0" lang="en-US" sz="3200" spc="-1" strike="noStrike">
-                <a:latin typeface="Arial"/>
-              </a:rPr>
-              <a:t>success (53.3% </a:t>
-            </a:r>
-            <a:r>
-              <a:rPr b="0" lang="en-US" sz="3200" spc="-1" strike="noStrike">
-                <a:latin typeface="Arial"/>
-              </a:rPr>
-              <a:t>better than policy2) </a:t>
-            </a:r>
-            <a:r>
-              <a:rPr b="0" lang="en-US" sz="3200" spc="-1" strike="noStrike">
-                <a:latin typeface="Arial"/>
-              </a:rPr>
-              <a:t>using logistic </a:t>
-            </a:r>
-            <a:r>
-              <a:rPr b="0" lang="en-US" sz="3200" spc="-1" strike="noStrike">
-                <a:latin typeface="Arial"/>
-              </a:rPr>
-              <a:t>regression.</a:t>
+              <a:t>=0.01.</a:t>
             </a:r>
             <a:endParaRPr b="0" lang="en-US" sz="3200" spc="-1" strike="noStrike">
               <a:latin typeface="Arial"/>
@@ -12994,611 +12908,141 @@
           </a:p>
         </p:txBody>
       </p:sp>
-      <p:sp>
-        <p:nvSpPr>
-          <p:cNvPr id="263" name="PlaceHolder 3"/>
-          <p:cNvSpPr>
-            <a:spLocks noGrp="1"/>
-          </p:cNvSpPr>
-          <p:nvPr>
-            <p:ph/>
-          </p:nvPr>
-        </p:nvSpPr>
-        <p:spPr>
-          <a:xfrm>
-            <a:off x="5152680" y="1326600"/>
-            <a:ext cx="4426920" cy="3288240"/>
-          </a:xfrm>
-          <a:prstGeom prst="rect">
-            <a:avLst/>
-          </a:prstGeom>
-          <a:noFill/>
-          <a:ln w="0">
-            <a:noFill/>
-          </a:ln>
-        </p:spPr>
-        <p:txBody>
-          <a:bodyPr lIns="0" rIns="0" tIns="0" bIns="0" anchor="t">
-            <a:normAutofit fontScale="32000"/>
-          </a:bodyPr>
-          <a:p>
-            <a:pPr marL="432000" indent="-324000">
-              <a:spcBef>
-                <a:spcPts val="1417"/>
-              </a:spcBef>
-              <a:buClr>
-                <a:srgbClr val="ffffff"/>
-              </a:buClr>
-              <a:buSzPct val="45000"/>
-              <a:buFont typeface="Wingdings" charset="2"/>
-              <a:buChar char=""/>
-            </a:pPr>
-            <a:r>
-              <a:rPr b="0" lang="en-US" sz="3200" spc="-1" strike="noStrike">
-                <a:latin typeface="Arial"/>
-              </a:rPr>
-              <a:t>information gain ratio:</a:t>
-            </a:r>
-            <a:endParaRPr b="0" lang="en-US" sz="3200" spc="-1" strike="noStrike">
-              <a:latin typeface="Arial"/>
-            </a:endParaRPr>
-          </a:p>
-          <a:p>
-            <a:pPr lvl="1" marL="864000" indent="-324000">
-              <a:spcBef>
-                <a:spcPts val="1134"/>
-              </a:spcBef>
-              <a:buClr>
-                <a:srgbClr val="ffffff"/>
-              </a:buClr>
-              <a:buSzPct val="75000"/>
-              <a:buFont typeface="Symbol" charset="2"/>
-              <a:buChar char=""/>
-            </a:pPr>
-            <a:r>
-              <a:rPr b="0" lang="en-US" sz="2800" spc="-1" strike="noStrike">
-                <a:solidFill>
-                  <a:srgbClr val="ff0000"/>
-                </a:solidFill>
-                <a:latin typeface="Arial"/>
-              </a:rPr>
-              <a:t> </a:t>
-            </a:r>
-            <a:r>
-              <a:rPr b="0" lang="en-US" sz="2800" spc="-1" strike="noStrike">
-                <a:solidFill>
-                  <a:srgbClr val="ff0000"/>
-                </a:solidFill>
-                <a:latin typeface="Arial"/>
-              </a:rPr>
-              <a:t>(0.3012, 'length_of_residence'),</a:t>
-            </a:r>
-            <a:endParaRPr b="0" lang="en-US" sz="2800" spc="-1" strike="noStrike">
-              <a:latin typeface="Arial"/>
-            </a:endParaRPr>
-          </a:p>
-          <a:p>
-            <a:pPr lvl="1" marL="864000" indent="-324000">
-              <a:spcBef>
-                <a:spcPts val="1134"/>
-              </a:spcBef>
-              <a:buClr>
-                <a:srgbClr val="ffffff"/>
-              </a:buClr>
-              <a:buSzPct val="75000"/>
-              <a:buFont typeface="Symbol" charset="2"/>
-              <a:buChar char=""/>
-            </a:pPr>
-            <a:r>
-              <a:rPr b="0" lang="en-US" sz="2800" spc="-1" strike="noStrike">
-                <a:solidFill>
-                  <a:srgbClr val="ff0000"/>
-                </a:solidFill>
-                <a:latin typeface="Arial"/>
-              </a:rPr>
-              <a:t> </a:t>
-            </a:r>
-            <a:r>
-              <a:rPr b="0" lang="en-US" sz="2800" spc="-1" strike="noStrike">
-                <a:solidFill>
-                  <a:srgbClr val="ff0000"/>
-                </a:solidFill>
-                <a:latin typeface="Arial"/>
-              </a:rPr>
-              <a:t>(0.2896, 'new_movers'),</a:t>
-            </a:r>
-            <a:endParaRPr b="0" lang="en-US" sz="2800" spc="-1" strike="noStrike">
-              <a:latin typeface="Arial"/>
-            </a:endParaRPr>
-          </a:p>
-          <a:p>
-            <a:pPr lvl="1" marL="864000" indent="-324000">
-              <a:spcBef>
-                <a:spcPts val="1134"/>
-              </a:spcBef>
-              <a:buClr>
-                <a:srgbClr val="ffffff"/>
-              </a:buClr>
-              <a:buSzPct val="75000"/>
-              <a:buFont typeface="Symbol" charset="2"/>
-              <a:buChar char=""/>
-            </a:pPr>
-            <a:r>
-              <a:rPr b="0" lang="en-US" sz="2800" spc="-1" strike="noStrike">
-                <a:latin typeface="Arial"/>
-              </a:rPr>
-              <a:t> </a:t>
-            </a:r>
-            <a:r>
-              <a:rPr b="0" lang="en-US" sz="2800" spc="-1" strike="noStrike">
-                <a:latin typeface="Arial"/>
-              </a:rPr>
-              <a:t>(0.0683, 'visit_id'),</a:t>
-            </a:r>
-            <a:endParaRPr b="0" lang="en-US" sz="2800" spc="-1" strike="noStrike">
-              <a:latin typeface="Arial"/>
-            </a:endParaRPr>
-          </a:p>
-          <a:p>
-            <a:pPr lvl="1" marL="864000" indent="-324000">
-              <a:spcBef>
-                <a:spcPts val="1134"/>
-              </a:spcBef>
-              <a:buClr>
-                <a:srgbClr val="ffffff"/>
-              </a:buClr>
-              <a:buSzPct val="75000"/>
-              <a:buFont typeface="Symbol" charset="2"/>
-              <a:buChar char=""/>
-            </a:pPr>
-            <a:r>
-              <a:rPr b="0" lang="en-US" sz="2800" spc="-1" strike="noStrike">
-                <a:latin typeface="Arial"/>
-              </a:rPr>
-              <a:t> </a:t>
-            </a:r>
-            <a:r>
-              <a:rPr b="0" lang="en-US" sz="2800" spc="-1" strike="noStrike">
-                <a:latin typeface="Arial"/>
-              </a:rPr>
-              <a:t>(0.0584, 'date_time'),</a:t>
-            </a:r>
-            <a:endParaRPr b="0" lang="en-US" sz="2800" spc="-1" strike="noStrike">
-              <a:latin typeface="Arial"/>
-            </a:endParaRPr>
-          </a:p>
-          <a:p>
-            <a:pPr lvl="1" marL="864000" indent="-324000">
-              <a:spcBef>
-                <a:spcPts val="1134"/>
-              </a:spcBef>
-              <a:buClr>
-                <a:srgbClr val="ffffff"/>
-              </a:buClr>
-              <a:buSzPct val="75000"/>
-              <a:buFont typeface="Symbol" charset="2"/>
-              <a:buChar char=""/>
-            </a:pPr>
-            <a:r>
-              <a:rPr b="0" lang="en-US" sz="2800" spc="-1" strike="noStrike">
-                <a:latin typeface="Arial"/>
-              </a:rPr>
-              <a:t> </a:t>
-            </a:r>
-            <a:r>
-              <a:rPr b="0" lang="en-US" sz="2800" spc="-1" strike="noStrike">
-                <a:latin typeface="Arial"/>
-              </a:rPr>
-              <a:t>(0.0541, 'zipcode'),</a:t>
-            </a:r>
-            <a:endParaRPr b="0" lang="en-US" sz="2800" spc="-1" strike="noStrike">
-              <a:latin typeface="Arial"/>
-            </a:endParaRPr>
-          </a:p>
-          <a:p>
-            <a:pPr lvl="1" marL="864000" indent="-324000">
-              <a:spcBef>
-                <a:spcPts val="1134"/>
-              </a:spcBef>
-              <a:buClr>
-                <a:srgbClr val="ffffff"/>
-              </a:buClr>
-              <a:buSzPct val="75000"/>
-              <a:buFont typeface="Symbol" charset="2"/>
-              <a:buChar char=""/>
-            </a:pPr>
-            <a:r>
-              <a:rPr b="0" lang="en-US" sz="2800" spc="-1" strike="noStrike">
-                <a:latin typeface="Arial"/>
-              </a:rPr>
-              <a:t> </a:t>
-            </a:r>
-            <a:r>
-              <a:rPr b="0" lang="en-US" sz="2800" spc="-1" strike="noStrike">
-                <a:latin typeface="Arial"/>
-              </a:rPr>
-              <a:t>(0.0459, 'year_home_built'),</a:t>
-            </a:r>
-            <a:endParaRPr b="0" lang="en-US" sz="2800" spc="-1" strike="noStrike">
-              <a:latin typeface="Arial"/>
-            </a:endParaRPr>
-          </a:p>
-          <a:p>
-            <a:pPr lvl="1" marL="864000" indent="-324000">
-              <a:spcBef>
-                <a:spcPts val="1134"/>
-              </a:spcBef>
-              <a:buClr>
-                <a:srgbClr val="ffffff"/>
-              </a:buClr>
-              <a:buSzPct val="75000"/>
-              <a:buFont typeface="Symbol" charset="2"/>
-              <a:buChar char=""/>
-            </a:pPr>
-            <a:r>
-              <a:rPr b="0" lang="en-US" sz="2800" spc="-1" strike="noStrike">
-                <a:latin typeface="Arial"/>
-              </a:rPr>
-              <a:t> </a:t>
-            </a:r>
-            <a:r>
-              <a:rPr b="0" lang="en-US" sz="2800" spc="-1" strike="noStrike">
-                <a:latin typeface="Arial"/>
-              </a:rPr>
-              <a:t>(0.038, 'montrd_home_security_sys_own_value'),</a:t>
-            </a:r>
-            <a:endParaRPr b="0" lang="en-US" sz="2800" spc="-1" strike="noStrike">
-              <a:latin typeface="Arial"/>
-            </a:endParaRPr>
-          </a:p>
-          <a:p>
-            <a:pPr lvl="1" marL="864000" indent="-324000">
-              <a:spcBef>
-                <a:spcPts val="1134"/>
-              </a:spcBef>
-              <a:buClr>
-                <a:srgbClr val="ffffff"/>
-              </a:buClr>
-              <a:buSzPct val="75000"/>
-              <a:buFont typeface="Symbol" charset="2"/>
-              <a:buChar char=""/>
-            </a:pPr>
-            <a:r>
-              <a:rPr b="0" lang="en-US" sz="2800" spc="-1" strike="noStrike">
-                <a:latin typeface="Arial"/>
-              </a:rPr>
-              <a:t> </a:t>
-            </a:r>
-            <a:r>
-              <a:rPr b="0" lang="en-US" sz="2800" spc="-1" strike="noStrike">
-                <a:latin typeface="Arial"/>
-              </a:rPr>
-              <a:t>(0.0347, 'mkt_green_product_purchasers_value'),</a:t>
-            </a:r>
-            <a:endParaRPr b="0" lang="en-US" sz="2800" spc="-1" strike="noStrike">
-              <a:latin typeface="Arial"/>
-            </a:endParaRPr>
-          </a:p>
-          <a:p>
-            <a:pPr lvl="1" marL="864000" indent="-324000">
-              <a:spcBef>
-                <a:spcPts val="1134"/>
-              </a:spcBef>
-              <a:buClr>
-                <a:srgbClr val="ffffff"/>
-              </a:buClr>
-              <a:buSzPct val="75000"/>
-              <a:buFont typeface="Symbol" charset="2"/>
-              <a:buChar char=""/>
-            </a:pPr>
-            <a:r>
-              <a:rPr b="0" lang="en-US" sz="2800" spc="-1" strike="noStrike">
-                <a:latin typeface="Arial"/>
-              </a:rPr>
-              <a:t> </a:t>
-            </a:r>
-            <a:r>
-              <a:rPr b="0" lang="en-US" sz="2800" spc="-1" strike="noStrike">
-                <a:latin typeface="Arial"/>
-              </a:rPr>
-              <a:t>(0.0294, 'days_since_last_visit'),</a:t>
-            </a:r>
-            <a:endParaRPr b="0" lang="en-US" sz="2800" spc="-1" strike="noStrike">
-              <a:latin typeface="Arial"/>
-            </a:endParaRPr>
-          </a:p>
-          <a:p>
-            <a:pPr lvl="1" marL="864000" indent="-324000">
-              <a:spcBef>
-                <a:spcPts val="1134"/>
-              </a:spcBef>
-              <a:buClr>
-                <a:srgbClr val="ffffff"/>
-              </a:buClr>
-              <a:buSzPct val="75000"/>
-              <a:buFont typeface="Symbol" charset="2"/>
-              <a:buChar char=""/>
-            </a:pPr>
-            <a:r>
-              <a:rPr b="0" lang="en-US" sz="2800" spc="-1" strike="noStrike">
-                <a:latin typeface="Arial"/>
-              </a:rPr>
-              <a:t> </a:t>
-            </a:r>
-            <a:r>
-              <a:rPr b="0" lang="en-US" sz="2800" spc="-1" strike="noStrike">
-                <a:latin typeface="Arial"/>
-              </a:rPr>
-              <a:t>(0.0222, 'mkt_organic_product_purchasers_value'),</a:t>
-            </a:r>
-            <a:endParaRPr b="0" lang="en-US" sz="2800" spc="-1" strike="noStrike">
-              <a:latin typeface="Arial"/>
-            </a:endParaRPr>
-          </a:p>
-          <a:p>
-            <a:pPr lvl="1" marL="864000" indent="-324000">
-              <a:spcBef>
-                <a:spcPts val="1134"/>
-              </a:spcBef>
-              <a:buClr>
-                <a:srgbClr val="ffffff"/>
-              </a:buClr>
-              <a:buSzPct val="75000"/>
-              <a:buFont typeface="Symbol" charset="2"/>
-              <a:buChar char=""/>
-            </a:pPr>
-            <a:r>
-              <a:rPr b="0" lang="en-US" sz="2800" spc="-1" strike="noStrike">
-                <a:latin typeface="Arial"/>
-              </a:rPr>
-              <a:t> </a:t>
-            </a:r>
-            <a:r>
-              <a:rPr b="0" lang="en-US" sz="2800" spc="-1" strike="noStrike">
-                <a:latin typeface="Arial"/>
-              </a:rPr>
-              <a:t>(0.0176, 'mkt_trend_env_focused_hh_value'),</a:t>
-            </a:r>
-            <a:endParaRPr b="0" lang="en-US" sz="2800" spc="-1" strike="noStrike">
-              <a:latin typeface="Arial"/>
-            </a:endParaRPr>
-          </a:p>
-          <a:p>
-            <a:pPr lvl="1" marL="864000" indent="-324000">
-              <a:spcBef>
-                <a:spcPts val="1134"/>
-              </a:spcBef>
-              <a:buClr>
-                <a:srgbClr val="ffffff"/>
-              </a:buClr>
-              <a:buSzPct val="75000"/>
-              <a:buFont typeface="Symbol" charset="2"/>
-              <a:buChar char=""/>
-            </a:pPr>
-            <a:r>
-              <a:rPr b="0" lang="en-US" sz="2800" spc="-1" strike="noStrike">
-                <a:latin typeface="Arial"/>
-              </a:rPr>
-              <a:t> </a:t>
-            </a:r>
-            <a:r>
-              <a:rPr b="0" lang="en-US" sz="2800" spc="-1" strike="noStrike">
-                <a:latin typeface="Arial"/>
-              </a:rPr>
-              <a:t>(0.0168, 'home_market_value'),</a:t>
-            </a:r>
-            <a:endParaRPr b="0" lang="en-US" sz="2800" spc="-1" strike="noStrike">
-              <a:latin typeface="Arial"/>
-            </a:endParaRPr>
-          </a:p>
-          <a:p>
-            <a:pPr lvl="1" marL="864000" indent="-324000">
-              <a:spcBef>
-                <a:spcPts val="1134"/>
-              </a:spcBef>
-              <a:buClr>
-                <a:srgbClr val="ffffff"/>
-              </a:buClr>
-              <a:buSzPct val="75000"/>
-              <a:buFont typeface="Symbol" charset="2"/>
-              <a:buChar char=""/>
-            </a:pPr>
-            <a:r>
-              <a:rPr b="0" lang="en-US" sz="2800" spc="-1" strike="noStrike">
-                <a:latin typeface="Arial"/>
-              </a:rPr>
-              <a:t> </a:t>
-            </a:r>
-            <a:r>
-              <a:rPr b="0" lang="en-US" sz="2800" spc="-1" strike="noStrike">
-                <a:latin typeface="Arial"/>
-              </a:rPr>
-              <a:t>(0.0157, 'income'),</a:t>
-            </a:r>
-            <a:endParaRPr b="0" lang="en-US" sz="2800" spc="-1" strike="noStrike">
-              <a:latin typeface="Arial"/>
-            </a:endParaRPr>
-          </a:p>
-          <a:p>
-            <a:pPr lvl="1" marL="864000" indent="-324000">
-              <a:spcBef>
-                <a:spcPts val="1134"/>
-              </a:spcBef>
-              <a:buClr>
-                <a:srgbClr val="ffffff"/>
-              </a:buClr>
-              <a:buSzPct val="75000"/>
-              <a:buFont typeface="Symbol" charset="2"/>
-              <a:buChar char=""/>
-            </a:pPr>
-            <a:r>
-              <a:rPr b="0" lang="en-US" sz="2800" spc="-1" strike="noStrike">
-                <a:latin typeface="Arial"/>
-              </a:rPr>
-              <a:t> </a:t>
-            </a:r>
-            <a:r>
-              <a:rPr b="0" lang="en-US" sz="2800" spc="-1" strike="noStrike">
-                <a:latin typeface="Arial"/>
-              </a:rPr>
-              <a:t>(0.0107, 'high_end_shoppers_value'),</a:t>
-            </a:r>
-            <a:endParaRPr b="0" lang="en-US" sz="2800" spc="-1" strike="noStrike">
-              <a:latin typeface="Arial"/>
-            </a:endParaRPr>
-          </a:p>
-          <a:p>
-            <a:pPr lvl="1" marL="864000" indent="-324000">
-              <a:spcBef>
-                <a:spcPts val="1134"/>
-              </a:spcBef>
-              <a:buClr>
-                <a:srgbClr val="ffffff"/>
-              </a:buClr>
-              <a:buSzPct val="75000"/>
-              <a:buFont typeface="Symbol" charset="2"/>
-              <a:buChar char=""/>
-            </a:pPr>
-            <a:r>
-              <a:rPr b="0" lang="en-US" sz="2800" spc="-1" strike="noStrike">
-                <a:latin typeface="Arial"/>
-              </a:rPr>
-              <a:t> </a:t>
-            </a:r>
-            <a:r>
-              <a:rPr b="0" lang="en-US" sz="2800" spc="-1" strike="noStrike">
-                <a:latin typeface="Arial"/>
-              </a:rPr>
-              <a:t>(0.0071, 'net_worth'),</a:t>
-            </a:r>
-            <a:endParaRPr b="0" lang="en-US" sz="2800" spc="-1" strike="noStrike">
-              <a:latin typeface="Arial"/>
-            </a:endParaRPr>
-          </a:p>
-          <a:p>
-            <a:pPr lvl="1" marL="864000" indent="-324000">
-              <a:spcBef>
-                <a:spcPts val="1134"/>
-              </a:spcBef>
-              <a:buClr>
-                <a:srgbClr val="ffffff"/>
-              </a:buClr>
-              <a:buSzPct val="75000"/>
-              <a:buFont typeface="Symbol" charset="2"/>
-              <a:buChar char=""/>
-            </a:pPr>
-            <a:r>
-              <a:rPr b="0" lang="en-US" sz="2800" spc="-1" strike="noStrike">
-                <a:latin typeface="Arial"/>
-              </a:rPr>
-              <a:t> </a:t>
-            </a:r>
-            <a:r>
-              <a:rPr b="0" lang="en-US" sz="2800" spc="-1" strike="noStrike">
-                <a:latin typeface="Arial"/>
-              </a:rPr>
-              <a:t>(0.0032, 'do_it_yourselfer_value'),</a:t>
-            </a:r>
-            <a:endParaRPr b="0" lang="en-US" sz="2800" spc="-1" strike="noStrike">
-              <a:latin typeface="Arial"/>
-            </a:endParaRPr>
-          </a:p>
-          <a:p>
-            <a:pPr lvl="1" marL="864000" indent="-324000">
-              <a:spcBef>
-                <a:spcPts val="1134"/>
-              </a:spcBef>
-              <a:buClr>
-                <a:srgbClr val="ffffff"/>
-              </a:buClr>
-              <a:buSzPct val="75000"/>
-              <a:buFont typeface="Symbol" charset="2"/>
-              <a:buChar char=""/>
-            </a:pPr>
-            <a:r>
-              <a:rPr b="0" lang="en-US" sz="2800" spc="-1" strike="noStrike">
-                <a:latin typeface="Arial"/>
-              </a:rPr>
-              <a:t> </a:t>
-            </a:r>
-            <a:r>
-              <a:rPr b="0" lang="en-US" sz="2800" spc="-1" strike="noStrike">
-                <a:latin typeface="Arial"/>
-              </a:rPr>
-              <a:t>(0.0005, 'pro'),</a:t>
-            </a:r>
-            <a:endParaRPr b="0" lang="en-US" sz="2800" spc="-1" strike="noStrike">
-              <a:latin typeface="Arial"/>
-            </a:endParaRPr>
-          </a:p>
-          <a:p>
-            <a:pPr lvl="1" marL="864000" indent="-324000">
-              <a:spcBef>
-                <a:spcPts val="1134"/>
-              </a:spcBef>
-              <a:buClr>
-                <a:srgbClr val="ffffff"/>
-              </a:buClr>
-              <a:buSzPct val="75000"/>
-              <a:buFont typeface="Symbol" charset="2"/>
-              <a:buChar char=""/>
-            </a:pPr>
-            <a:r>
-              <a:rPr b="0" lang="en-US" sz="2800" spc="-1" strike="noStrike">
-                <a:latin typeface="Arial"/>
-              </a:rPr>
-              <a:t> </a:t>
-            </a:r>
-            <a:r>
-              <a:rPr b="0" lang="en-US" sz="2800" spc="-1" strike="noStrike">
-                <a:latin typeface="Arial"/>
-              </a:rPr>
-              <a:t>(0.0002, 'repeat_visit')</a:t>
-            </a:r>
-            <a:endParaRPr b="0" lang="en-US" sz="2800" spc="-1" strike="noStrike">
-              <a:latin typeface="Arial"/>
-            </a:endParaRPr>
-          </a:p>
-        </p:txBody>
-      </p:sp>
-      <p:pic>
-        <p:nvPicPr>
-          <p:cNvPr id="264" name="" descr=""/>
-          <p:cNvPicPr/>
-          <p:nvPr/>
-        </p:nvPicPr>
-        <p:blipFill>
-          <a:blip r:embed="rId1"/>
-          <a:stretch/>
-        </p:blipFill>
-        <p:spPr>
-          <a:xfrm>
-            <a:off x="7551000" y="853560"/>
-            <a:ext cx="2516040" cy="2598840"/>
-          </a:xfrm>
-          <a:prstGeom prst="rect">
-            <a:avLst/>
-          </a:prstGeom>
-          <a:ln w="10800">
-            <a:noFill/>
-          </a:ln>
-        </p:spPr>
-      </p:pic>
-      <p:sp>
-        <p:nvSpPr>
-          <p:cNvPr id="5" name="PlaceHolder 4"/>
-          <p:cNvSpPr>
-            <a:spLocks noGrp="1"/>
-          </p:cNvSpPr>
-          <p:nvPr>
-            <p:ph type="sldNum" idx="6"/>
+      <mc:AlternateContent>
+        <mc:Choice xmlns:a14="http://schemas.microsoft.com/office/drawing/2010/main" Requires="a14">
+          <p:sp>
+            <p:nvSpPr>
+              <p:cNvPr id="262" name=""/>
+              <p:cNvSpPr txBox="1"/>
+              <p:nvPr/>
+            </p:nvSpPr>
+            <p:spPr>
+              <a:xfrm rot="21598200">
+                <a:off x="1103760" y="1819800"/>
+                <a:ext cx="3012480" cy="490680"/>
+              </a:xfrm>
+              <a:prstGeom prst="rect">
+                <a:avLst/>
+              </a:prstGeom>
+            </p:spPr>
+            <p:txBody>
+              <a:bodyPr/>
+              <a:p>
+                <a14:m>
+                  <m:oMath xmlns:m="http://schemas.openxmlformats.org/officeDocument/2006/math">
+                    <m:sSub>
+                      <m:e>
+                        <m:r>
+                          <m:t xml:space="preserve">A</m:t>
+                        </m:r>
+                      </m:e>
+                      <m:sub>
+                        <m:r>
+                          <m:t xml:space="preserve">t</m:t>
+                        </m:r>
+                      </m:sub>
+                    </m:sSub>
+                    <m:r>
+                      <m:t xml:space="preserve">=</m:t>
+                    </m:r>
+                    <m:d>
+                      <m:dPr>
+                        <m:begChr m:val="{"/>
+                        <m:endChr m:val=""/>
+                      </m:dPr>
+                      <m:e>
+                        <m:eqArr>
+                          <m:e>
+                            <m:limLow>
+                              <m:e>
+                                <m:r>
+                                  <m:t xml:space="preserve">argmax</m:t>
+                                </m:r>
+                              </m:e>
+                              <m:lim>
+                                <m:r>
+                                  <m:t xml:space="preserve">a</m:t>
+                                </m:r>
+                              </m:lim>
+                            </m:limLow>
+                            <m:sSub>
+                              <m:e>
+                                <m:r>
+                                  <m:t xml:space="preserve">Q</m:t>
+                                </m:r>
+                              </m:e>
+                              <m:sub>
+                                <m:r>
+                                  <m:t xml:space="preserve">t</m:t>
+                                </m:r>
+                              </m:sub>
+                            </m:sSub>
+                            <m:d>
+                              <m:dPr>
+                                <m:begChr m:val="("/>
+                                <m:endChr m:val=")"/>
+                              </m:dPr>
+                              <m:e>
+                                <m:r>
+                                  <m:t xml:space="preserve">a</m:t>
+                                </m:r>
+                              </m:e>
+                            </m:d>
+                            <m:r>
+                              <m:rPr>
+                                <m:lit/>
+                                <m:nor/>
+                              </m:rPr>
+                              <m:t xml:space="preserve">           with probability </m:t>
+                            </m:r>
+                            <m:r>
+                              <m:t xml:space="preserve">1</m:t>
+                            </m:r>
+                            <m:r>
+                              <m:t xml:space="preserve">−</m:t>
+                            </m:r>
+                            <m:r>
+                              <m:t xml:space="preserve">ϵ</m:t>
+                            </m:r>
+                          </m:e>
+                          <m:e>
+                            <m:r>
+                              <m:rPr>
+                                <m:lit/>
+                                <m:nor/>
+                              </m:rPr>
+                              <m:t xml:space="preserve">a random action        with probability </m:t>
+                            </m:r>
+                            <m:r>
+                              <m:t xml:space="preserve">ϵ</m:t>
+                            </m:r>
+                          </m:e>
+                        </m:eqArr>
+                      </m:e>
+                    </m:d>
+                  </m:oMath>
+                </a14:m>
+              </a:p>
+            </p:txBody>
+          </p:sp>
+        </mc:Choice>
+        <mc:Fallback/>
+      </mc:AlternateContent>
+      <p:sp>
+        <p:nvSpPr>
+          <p:cNvPr id="4" name="PlaceHolder 3"/>
+          <p:cNvSpPr>
+            <a:spLocks noGrp="1"/>
+          </p:cNvSpPr>
+          <p:nvPr>
+            <p:ph type="sldNum" idx="9"/>
           </p:nvPr>
         </p:nvSpPr>
         <p:spPr/>
         <p:txBody>
           <a:bodyPr/>
           <a:p>
-            <a:fld id="{C866715C-C132-41D0-B23D-289F03399999}" type="slidenum">
+            <a:fld id="{C3405916-DD55-4F51-99D4-95AE4F04A523}" type="slidenum">
               <a:t>10</a:t>
             </a:fld>
           </a:p>
@@ -13636,7 +13080,7 @@
       </p:grpSpPr>
       <p:sp>
         <p:nvSpPr>
-          <p:cNvPr id="265" name="PlaceHolder 1"/>
+          <p:cNvPr id="263" name="PlaceHolder 1"/>
           <p:cNvSpPr>
             <a:spLocks noGrp="1"/>
           </p:cNvSpPr>
@@ -13663,20 +13107,20 @@
           </a:bodyPr>
           <a:p>
             <a:r>
-              <a:rPr b="0" lang="en-US" sz="4400" spc="-1" strike="noStrike">
+              <a:rPr b="0" lang="en-US" sz="3600" spc="-1" strike="noStrike">
                 <a:latin typeface="Arial"/>
               </a:rPr>
-              <a:t>An example of the decision tree</a:t>
-            </a:r>
-            <a:endParaRPr b="0" lang="en-US" sz="4400" spc="-1" strike="noStrike">
-              <a:latin typeface="Arial"/>
-            </a:endParaRPr>
-          </a:p>
-        </p:txBody>
-      </p:sp>
-      <p:sp>
-        <p:nvSpPr>
-          <p:cNvPr id="266" name="PlaceHolder 2"/>
+              <a:t>Contextual multi armed bandit (deterministic)</a:t>
+            </a:r>
+            <a:endParaRPr b="0" lang="en-US" sz="3600" spc="-1" strike="noStrike">
+              <a:latin typeface="Arial"/>
+            </a:endParaRPr>
+          </a:p>
+        </p:txBody>
+      </p:sp>
+      <p:sp>
+        <p:nvSpPr>
+          <p:cNvPr id="264" name="PlaceHolder 2"/>
           <p:cNvSpPr>
             <a:spLocks noGrp="1"/>
           </p:cNvSpPr>
@@ -13687,7 +13131,7 @@
         <p:spPr>
           <a:xfrm>
             <a:off x="504000" y="1326600"/>
-            <a:ext cx="9071640" cy="3288240"/>
+            <a:ext cx="4426920" cy="3288240"/>
           </a:xfrm>
           <a:prstGeom prst="rect">
             <a:avLst/>
@@ -13699,10 +13143,736 @@
         </p:spPr>
         <p:txBody>
           <a:bodyPr lIns="0" rIns="0" tIns="0" bIns="0" anchor="t">
-            <a:normAutofit/>
-          </a:bodyPr>
-          <a:p>
+            <a:normAutofit fontScale="60000"/>
+          </a:bodyPr>
+          <a:p>
+            <a:pPr marL="432000" indent="-324000">
+              <a:spcBef>
+                <a:spcPts val="1417"/>
+              </a:spcBef>
+              <a:buClr>
+                <a:srgbClr val="ffffff"/>
+              </a:buClr>
+              <a:buSzPct val="45000"/>
+              <a:buFont typeface="Wingdings" charset="2"/>
+              <a:buChar char=""/>
+            </a:pPr>
+            <a:r>
+              <a:rPr b="0" lang="en-US" sz="3200" spc="-1" strike="noStrike">
+                <a:latin typeface="Arial"/>
+              </a:rPr>
+              <a:t>Policy: a model (e.g., </a:t>
+            </a:r>
+            <a:r>
+              <a:rPr b="0" lang="en-US" sz="3200" spc="-1" strike="noStrike">
+                <a:latin typeface="Arial"/>
+              </a:rPr>
+              <a:t>a decision tree, or a </a:t>
+            </a:r>
+            <a:r>
+              <a:rPr b="0" lang="en-US" sz="3200" spc="-1" strike="noStrike">
+                <a:latin typeface="Arial"/>
+              </a:rPr>
+              <a:t>logistic regression </a:t>
+            </a:r>
+            <a:r>
+              <a:rPr b="0" lang="en-US" sz="3200" spc="-1" strike="noStrike">
+                <a:latin typeface="Arial"/>
+              </a:rPr>
+              <a:t>model) is used to </a:t>
+            </a:r>
+            <a:r>
+              <a:rPr b="0" lang="en-US" sz="3200" spc="-1" strike="noStrike">
+                <a:latin typeface="Arial"/>
+              </a:rPr>
+              <a:t>predict the action </a:t>
+            </a:r>
+            <a:r>
+              <a:rPr b="0" lang="en-US" sz="3200" spc="-1" strike="noStrike">
+                <a:latin typeface="Arial"/>
+              </a:rPr>
+              <a:t>based on state. At </a:t>
+            </a:r>
+            <a:r>
+              <a:rPr b="0" lang="en-US" sz="3200" spc="-1" strike="noStrike">
+                <a:latin typeface="Arial"/>
+              </a:rPr>
+              <a:t>each time step, the </a:t>
+            </a:r>
+            <a:r>
+              <a:rPr b="0" lang="en-US" sz="3200" spc="-1" strike="noStrike">
+                <a:latin typeface="Arial"/>
+              </a:rPr>
+              <a:t>model is trained </a:t>
+            </a:r>
+            <a:r>
+              <a:rPr b="0" lang="en-US" sz="3200" spc="-1" strike="noStrike">
+                <a:latin typeface="Arial"/>
+              </a:rPr>
+              <a:t>using data of </a:t>
+            </a:r>
+            <a:r>
+              <a:rPr b="0" lang="en-US" sz="3200" spc="-1" strike="noStrike">
+                <a:latin typeface="Arial"/>
+              </a:rPr>
+              <a:t>previous time step. At </a:t>
+            </a:r>
+            <a:r>
+              <a:rPr b="0" lang="en-US" sz="3200" spc="-1" strike="noStrike">
+                <a:latin typeface="Arial"/>
+              </a:rPr>
+              <a:t>the first time step, the </a:t>
+            </a:r>
+            <a:r>
+              <a:rPr b="0" lang="en-US" sz="3200" spc="-1" strike="noStrike">
+                <a:latin typeface="Arial"/>
+              </a:rPr>
+              <a:t>actions are randomly </a:t>
+            </a:r>
+            <a:r>
+              <a:rPr b="0" lang="en-US" sz="3200" spc="-1" strike="noStrike">
+                <a:latin typeface="Arial"/>
+              </a:rPr>
+              <a:t>chosen from action </a:t>
+            </a:r>
+            <a:r>
+              <a:rPr b="0" lang="en-US" sz="3200" spc="-1" strike="noStrike">
+                <a:latin typeface="Arial"/>
+              </a:rPr>
+              <a:t>set with equal </a:t>
+            </a:r>
+            <a:r>
+              <a:rPr b="0" lang="en-US" sz="3200" spc="-1" strike="noStrike">
+                <a:latin typeface="Arial"/>
+              </a:rPr>
+              <a:t>probability.</a:t>
+            </a:r>
             <a:endParaRPr b="0" lang="en-US" sz="3200" spc="-1" strike="noStrike">
+              <a:latin typeface="Arial"/>
+            </a:endParaRPr>
+          </a:p>
+          <a:p>
+            <a:pPr marL="432000" indent="-324000">
+              <a:spcBef>
+                <a:spcPts val="1417"/>
+              </a:spcBef>
+              <a:buClr>
+                <a:srgbClr val="ffffff"/>
+              </a:buClr>
+              <a:buSzPct val="45000"/>
+              <a:buFont typeface="Wingdings" charset="2"/>
+              <a:buChar char=""/>
+            </a:pPr>
+            <a:r>
+              <a:rPr b="0" lang="en-US" sz="3200" spc="-1" strike="noStrike">
+                <a:latin typeface="Arial"/>
+              </a:rPr>
+              <a:t>Result: 19,496 </a:t>
+            </a:r>
+            <a:r>
+              <a:rPr b="0" lang="en-US" sz="3200" spc="-1" strike="noStrike">
+                <a:latin typeface="Arial"/>
+              </a:rPr>
+              <a:t>success using </a:t>
+            </a:r>
+            <a:r>
+              <a:rPr b="0" lang="en-US" sz="3200" spc="-1" strike="noStrike">
+                <a:latin typeface="Arial"/>
+              </a:rPr>
+              <a:t>decision tree, 19,596 </a:t>
+            </a:r>
+            <a:r>
+              <a:rPr b="0" lang="en-US" sz="3200" spc="-1" strike="noStrike">
+                <a:latin typeface="Arial"/>
+              </a:rPr>
+              <a:t>success (53.3% </a:t>
+            </a:r>
+            <a:r>
+              <a:rPr b="0" lang="en-US" sz="3200" spc="-1" strike="noStrike">
+                <a:latin typeface="Arial"/>
+              </a:rPr>
+              <a:t>better than policy2) </a:t>
+            </a:r>
+            <a:r>
+              <a:rPr b="0" lang="en-US" sz="3200" spc="-1" strike="noStrike">
+                <a:latin typeface="Arial"/>
+              </a:rPr>
+              <a:t>using logistic </a:t>
+            </a:r>
+            <a:r>
+              <a:rPr b="0" lang="en-US" sz="3200" spc="-1" strike="noStrike">
+                <a:latin typeface="Arial"/>
+              </a:rPr>
+              <a:t>regression.</a:t>
+            </a:r>
+            <a:endParaRPr b="0" lang="en-US" sz="3200" spc="-1" strike="noStrike">
+              <a:latin typeface="Arial"/>
+            </a:endParaRPr>
+          </a:p>
+        </p:txBody>
+      </p:sp>
+      <p:sp>
+        <p:nvSpPr>
+          <p:cNvPr id="265" name="PlaceHolder 3"/>
+          <p:cNvSpPr>
+            <a:spLocks noGrp="1"/>
+          </p:cNvSpPr>
+          <p:nvPr>
+            <p:ph/>
+          </p:nvPr>
+        </p:nvSpPr>
+        <p:spPr>
+          <a:xfrm>
+            <a:off x="5152680" y="1326600"/>
+            <a:ext cx="4426920" cy="3288240"/>
+          </a:xfrm>
+          <a:prstGeom prst="rect">
+            <a:avLst/>
+          </a:prstGeom>
+          <a:noFill/>
+          <a:ln w="0">
+            <a:noFill/>
+          </a:ln>
+        </p:spPr>
+        <p:txBody>
+          <a:bodyPr lIns="0" rIns="0" tIns="0" bIns="0" anchor="t">
+            <a:normAutofit fontScale="32000"/>
+          </a:bodyPr>
+          <a:p>
+            <a:pPr marL="432000" indent="-324000">
+              <a:spcBef>
+                <a:spcPts val="1417"/>
+              </a:spcBef>
+              <a:buClr>
+                <a:srgbClr val="ffffff"/>
+              </a:buClr>
+              <a:buSzPct val="45000"/>
+              <a:buFont typeface="Wingdings" charset="2"/>
+              <a:buChar char=""/>
+            </a:pPr>
+            <a:r>
+              <a:rPr b="0" lang="en-US" sz="3200" spc="-1" strike="noStrike">
+                <a:latin typeface="Arial"/>
+              </a:rPr>
+              <a:t>information gain ratio:</a:t>
+            </a:r>
+            <a:endParaRPr b="0" lang="en-US" sz="3200" spc="-1" strike="noStrike">
+              <a:latin typeface="Arial"/>
+            </a:endParaRPr>
+          </a:p>
+          <a:p>
+            <a:pPr lvl="1" marL="864000" indent="-324000">
+              <a:spcBef>
+                <a:spcPts val="1134"/>
+              </a:spcBef>
+              <a:buClr>
+                <a:srgbClr val="ffffff"/>
+              </a:buClr>
+              <a:buSzPct val="75000"/>
+              <a:buFont typeface="Symbol" charset="2"/>
+              <a:buChar char=""/>
+            </a:pPr>
+            <a:r>
+              <a:rPr b="0" lang="en-US" sz="2800" spc="-1" strike="noStrike">
+                <a:solidFill>
+                  <a:srgbClr val="ff0000"/>
+                </a:solidFill>
+                <a:latin typeface="Arial"/>
+              </a:rPr>
+              <a:t> </a:t>
+            </a:r>
+            <a:r>
+              <a:rPr b="0" lang="en-US" sz="2800" spc="-1" strike="noStrike">
+                <a:solidFill>
+                  <a:srgbClr val="ff0000"/>
+                </a:solidFill>
+                <a:latin typeface="Arial"/>
+              </a:rPr>
+              <a:t>(0.3012, 'length_of_residence'),</a:t>
+            </a:r>
+            <a:endParaRPr b="0" lang="en-US" sz="2800" spc="-1" strike="noStrike">
+              <a:latin typeface="Arial"/>
+            </a:endParaRPr>
+          </a:p>
+          <a:p>
+            <a:pPr lvl="1" marL="864000" indent="-324000">
+              <a:spcBef>
+                <a:spcPts val="1134"/>
+              </a:spcBef>
+              <a:buClr>
+                <a:srgbClr val="ffffff"/>
+              </a:buClr>
+              <a:buSzPct val="75000"/>
+              <a:buFont typeface="Symbol" charset="2"/>
+              <a:buChar char=""/>
+            </a:pPr>
+            <a:r>
+              <a:rPr b="0" lang="en-US" sz="2800" spc="-1" strike="noStrike">
+                <a:solidFill>
+                  <a:srgbClr val="ff0000"/>
+                </a:solidFill>
+                <a:latin typeface="Arial"/>
+              </a:rPr>
+              <a:t> </a:t>
+            </a:r>
+            <a:r>
+              <a:rPr b="0" lang="en-US" sz="2800" spc="-1" strike="noStrike">
+                <a:solidFill>
+                  <a:srgbClr val="ff0000"/>
+                </a:solidFill>
+                <a:latin typeface="Arial"/>
+              </a:rPr>
+              <a:t>(0.2896, 'new_movers'),</a:t>
+            </a:r>
+            <a:endParaRPr b="0" lang="en-US" sz="2800" spc="-1" strike="noStrike">
+              <a:latin typeface="Arial"/>
+            </a:endParaRPr>
+          </a:p>
+          <a:p>
+            <a:pPr lvl="1" marL="864000" indent="-324000">
+              <a:spcBef>
+                <a:spcPts val="1134"/>
+              </a:spcBef>
+              <a:buClr>
+                <a:srgbClr val="ffffff"/>
+              </a:buClr>
+              <a:buSzPct val="75000"/>
+              <a:buFont typeface="Symbol" charset="2"/>
+              <a:buChar char=""/>
+            </a:pPr>
+            <a:r>
+              <a:rPr b="0" lang="en-US" sz="2800" spc="-1" strike="noStrike">
+                <a:latin typeface="Arial"/>
+              </a:rPr>
+              <a:t> </a:t>
+            </a:r>
+            <a:r>
+              <a:rPr b="0" lang="en-US" sz="2800" spc="-1" strike="noStrike">
+                <a:latin typeface="Arial"/>
+              </a:rPr>
+              <a:t>(0.0683, 'visit_id'),</a:t>
+            </a:r>
+            <a:endParaRPr b="0" lang="en-US" sz="2800" spc="-1" strike="noStrike">
+              <a:latin typeface="Arial"/>
+            </a:endParaRPr>
+          </a:p>
+          <a:p>
+            <a:pPr lvl="1" marL="864000" indent="-324000">
+              <a:spcBef>
+                <a:spcPts val="1134"/>
+              </a:spcBef>
+              <a:buClr>
+                <a:srgbClr val="ffffff"/>
+              </a:buClr>
+              <a:buSzPct val="75000"/>
+              <a:buFont typeface="Symbol" charset="2"/>
+              <a:buChar char=""/>
+            </a:pPr>
+            <a:r>
+              <a:rPr b="0" lang="en-US" sz="2800" spc="-1" strike="noStrike">
+                <a:latin typeface="Arial"/>
+              </a:rPr>
+              <a:t> </a:t>
+            </a:r>
+            <a:r>
+              <a:rPr b="0" lang="en-US" sz="2800" spc="-1" strike="noStrike">
+                <a:latin typeface="Arial"/>
+              </a:rPr>
+              <a:t>(0.0584, 'date_time'),</a:t>
+            </a:r>
+            <a:endParaRPr b="0" lang="en-US" sz="2800" spc="-1" strike="noStrike">
+              <a:latin typeface="Arial"/>
+            </a:endParaRPr>
+          </a:p>
+          <a:p>
+            <a:pPr lvl="1" marL="864000" indent="-324000">
+              <a:spcBef>
+                <a:spcPts val="1134"/>
+              </a:spcBef>
+              <a:buClr>
+                <a:srgbClr val="ffffff"/>
+              </a:buClr>
+              <a:buSzPct val="75000"/>
+              <a:buFont typeface="Symbol" charset="2"/>
+              <a:buChar char=""/>
+            </a:pPr>
+            <a:r>
+              <a:rPr b="0" lang="en-US" sz="2800" spc="-1" strike="noStrike">
+                <a:latin typeface="Arial"/>
+              </a:rPr>
+              <a:t> </a:t>
+            </a:r>
+            <a:r>
+              <a:rPr b="0" lang="en-US" sz="2800" spc="-1" strike="noStrike">
+                <a:latin typeface="Arial"/>
+              </a:rPr>
+              <a:t>(0.0541, 'zipcode'),</a:t>
+            </a:r>
+            <a:endParaRPr b="0" lang="en-US" sz="2800" spc="-1" strike="noStrike">
+              <a:latin typeface="Arial"/>
+            </a:endParaRPr>
+          </a:p>
+          <a:p>
+            <a:pPr lvl="1" marL="864000" indent="-324000">
+              <a:spcBef>
+                <a:spcPts val="1134"/>
+              </a:spcBef>
+              <a:buClr>
+                <a:srgbClr val="ffffff"/>
+              </a:buClr>
+              <a:buSzPct val="75000"/>
+              <a:buFont typeface="Symbol" charset="2"/>
+              <a:buChar char=""/>
+            </a:pPr>
+            <a:r>
+              <a:rPr b="0" lang="en-US" sz="2800" spc="-1" strike="noStrike">
+                <a:latin typeface="Arial"/>
+              </a:rPr>
+              <a:t> </a:t>
+            </a:r>
+            <a:r>
+              <a:rPr b="0" lang="en-US" sz="2800" spc="-1" strike="noStrike">
+                <a:latin typeface="Arial"/>
+              </a:rPr>
+              <a:t>(0.0459, 'year_home_built'),</a:t>
+            </a:r>
+            <a:endParaRPr b="0" lang="en-US" sz="2800" spc="-1" strike="noStrike">
+              <a:latin typeface="Arial"/>
+            </a:endParaRPr>
+          </a:p>
+          <a:p>
+            <a:pPr lvl="1" marL="864000" indent="-324000">
+              <a:spcBef>
+                <a:spcPts val="1134"/>
+              </a:spcBef>
+              <a:buClr>
+                <a:srgbClr val="ffffff"/>
+              </a:buClr>
+              <a:buSzPct val="75000"/>
+              <a:buFont typeface="Symbol" charset="2"/>
+              <a:buChar char=""/>
+            </a:pPr>
+            <a:r>
+              <a:rPr b="0" lang="en-US" sz="2800" spc="-1" strike="noStrike">
+                <a:latin typeface="Arial"/>
+              </a:rPr>
+              <a:t> </a:t>
+            </a:r>
+            <a:r>
+              <a:rPr b="0" lang="en-US" sz="2800" spc="-1" strike="noStrike">
+                <a:latin typeface="Arial"/>
+              </a:rPr>
+              <a:t>(0.038, 'montrd_home_security_sys_own_value'),</a:t>
+            </a:r>
+            <a:endParaRPr b="0" lang="en-US" sz="2800" spc="-1" strike="noStrike">
+              <a:latin typeface="Arial"/>
+            </a:endParaRPr>
+          </a:p>
+          <a:p>
+            <a:pPr lvl="1" marL="864000" indent="-324000">
+              <a:spcBef>
+                <a:spcPts val="1134"/>
+              </a:spcBef>
+              <a:buClr>
+                <a:srgbClr val="ffffff"/>
+              </a:buClr>
+              <a:buSzPct val="75000"/>
+              <a:buFont typeface="Symbol" charset="2"/>
+              <a:buChar char=""/>
+            </a:pPr>
+            <a:r>
+              <a:rPr b="0" lang="en-US" sz="2800" spc="-1" strike="noStrike">
+                <a:latin typeface="Arial"/>
+              </a:rPr>
+              <a:t> </a:t>
+            </a:r>
+            <a:r>
+              <a:rPr b="0" lang="en-US" sz="2800" spc="-1" strike="noStrike">
+                <a:latin typeface="Arial"/>
+              </a:rPr>
+              <a:t>(0.0347, 'mkt_green_product_purchasers_value'),</a:t>
+            </a:r>
+            <a:endParaRPr b="0" lang="en-US" sz="2800" spc="-1" strike="noStrike">
+              <a:latin typeface="Arial"/>
+            </a:endParaRPr>
+          </a:p>
+          <a:p>
+            <a:pPr lvl="1" marL="864000" indent="-324000">
+              <a:spcBef>
+                <a:spcPts val="1134"/>
+              </a:spcBef>
+              <a:buClr>
+                <a:srgbClr val="ffffff"/>
+              </a:buClr>
+              <a:buSzPct val="75000"/>
+              <a:buFont typeface="Symbol" charset="2"/>
+              <a:buChar char=""/>
+            </a:pPr>
+            <a:r>
+              <a:rPr b="0" lang="en-US" sz="2800" spc="-1" strike="noStrike">
+                <a:latin typeface="Arial"/>
+              </a:rPr>
+              <a:t> </a:t>
+            </a:r>
+            <a:r>
+              <a:rPr b="0" lang="en-US" sz="2800" spc="-1" strike="noStrike">
+                <a:latin typeface="Arial"/>
+              </a:rPr>
+              <a:t>(0.0294, 'days_since_last_visit'),</a:t>
+            </a:r>
+            <a:endParaRPr b="0" lang="en-US" sz="2800" spc="-1" strike="noStrike">
+              <a:latin typeface="Arial"/>
+            </a:endParaRPr>
+          </a:p>
+          <a:p>
+            <a:pPr lvl="1" marL="864000" indent="-324000">
+              <a:spcBef>
+                <a:spcPts val="1134"/>
+              </a:spcBef>
+              <a:buClr>
+                <a:srgbClr val="ffffff"/>
+              </a:buClr>
+              <a:buSzPct val="75000"/>
+              <a:buFont typeface="Symbol" charset="2"/>
+              <a:buChar char=""/>
+            </a:pPr>
+            <a:r>
+              <a:rPr b="0" lang="en-US" sz="2800" spc="-1" strike="noStrike">
+                <a:latin typeface="Arial"/>
+              </a:rPr>
+              <a:t> </a:t>
+            </a:r>
+            <a:r>
+              <a:rPr b="0" lang="en-US" sz="2800" spc="-1" strike="noStrike">
+                <a:latin typeface="Arial"/>
+              </a:rPr>
+              <a:t>(0.0222, 'mkt_organic_product_purchasers_value'),</a:t>
+            </a:r>
+            <a:endParaRPr b="0" lang="en-US" sz="2800" spc="-1" strike="noStrike">
+              <a:latin typeface="Arial"/>
+            </a:endParaRPr>
+          </a:p>
+          <a:p>
+            <a:pPr lvl="1" marL="864000" indent="-324000">
+              <a:spcBef>
+                <a:spcPts val="1134"/>
+              </a:spcBef>
+              <a:buClr>
+                <a:srgbClr val="ffffff"/>
+              </a:buClr>
+              <a:buSzPct val="75000"/>
+              <a:buFont typeface="Symbol" charset="2"/>
+              <a:buChar char=""/>
+            </a:pPr>
+            <a:r>
+              <a:rPr b="0" lang="en-US" sz="2800" spc="-1" strike="noStrike">
+                <a:latin typeface="Arial"/>
+              </a:rPr>
+              <a:t> </a:t>
+            </a:r>
+            <a:r>
+              <a:rPr b="0" lang="en-US" sz="2800" spc="-1" strike="noStrike">
+                <a:latin typeface="Arial"/>
+              </a:rPr>
+              <a:t>(0.0176, 'mkt_trend_env_focused_hh_value'),</a:t>
+            </a:r>
+            <a:endParaRPr b="0" lang="en-US" sz="2800" spc="-1" strike="noStrike">
+              <a:latin typeface="Arial"/>
+            </a:endParaRPr>
+          </a:p>
+          <a:p>
+            <a:pPr lvl="1" marL="864000" indent="-324000">
+              <a:spcBef>
+                <a:spcPts val="1134"/>
+              </a:spcBef>
+              <a:buClr>
+                <a:srgbClr val="ffffff"/>
+              </a:buClr>
+              <a:buSzPct val="75000"/>
+              <a:buFont typeface="Symbol" charset="2"/>
+              <a:buChar char=""/>
+            </a:pPr>
+            <a:r>
+              <a:rPr b="0" lang="en-US" sz="2800" spc="-1" strike="noStrike">
+                <a:latin typeface="Arial"/>
+              </a:rPr>
+              <a:t> </a:t>
+            </a:r>
+            <a:r>
+              <a:rPr b="0" lang="en-US" sz="2800" spc="-1" strike="noStrike">
+                <a:latin typeface="Arial"/>
+              </a:rPr>
+              <a:t>(0.0168, 'home_market_value'),</a:t>
+            </a:r>
+            <a:endParaRPr b="0" lang="en-US" sz="2800" spc="-1" strike="noStrike">
+              <a:latin typeface="Arial"/>
+            </a:endParaRPr>
+          </a:p>
+          <a:p>
+            <a:pPr lvl="1" marL="864000" indent="-324000">
+              <a:spcBef>
+                <a:spcPts val="1134"/>
+              </a:spcBef>
+              <a:buClr>
+                <a:srgbClr val="ffffff"/>
+              </a:buClr>
+              <a:buSzPct val="75000"/>
+              <a:buFont typeface="Symbol" charset="2"/>
+              <a:buChar char=""/>
+            </a:pPr>
+            <a:r>
+              <a:rPr b="0" lang="en-US" sz="2800" spc="-1" strike="noStrike">
+                <a:latin typeface="Arial"/>
+              </a:rPr>
+              <a:t> </a:t>
+            </a:r>
+            <a:r>
+              <a:rPr b="0" lang="en-US" sz="2800" spc="-1" strike="noStrike">
+                <a:latin typeface="Arial"/>
+              </a:rPr>
+              <a:t>(0.0157, 'income'),</a:t>
+            </a:r>
+            <a:endParaRPr b="0" lang="en-US" sz="2800" spc="-1" strike="noStrike">
+              <a:latin typeface="Arial"/>
+            </a:endParaRPr>
+          </a:p>
+          <a:p>
+            <a:pPr lvl="1" marL="864000" indent="-324000">
+              <a:spcBef>
+                <a:spcPts val="1134"/>
+              </a:spcBef>
+              <a:buClr>
+                <a:srgbClr val="ffffff"/>
+              </a:buClr>
+              <a:buSzPct val="75000"/>
+              <a:buFont typeface="Symbol" charset="2"/>
+              <a:buChar char=""/>
+            </a:pPr>
+            <a:r>
+              <a:rPr b="0" lang="en-US" sz="2800" spc="-1" strike="noStrike">
+                <a:latin typeface="Arial"/>
+              </a:rPr>
+              <a:t> </a:t>
+            </a:r>
+            <a:r>
+              <a:rPr b="0" lang="en-US" sz="2800" spc="-1" strike="noStrike">
+                <a:latin typeface="Arial"/>
+              </a:rPr>
+              <a:t>(0.0107, 'high_end_shoppers_value'),</a:t>
+            </a:r>
+            <a:endParaRPr b="0" lang="en-US" sz="2800" spc="-1" strike="noStrike">
+              <a:latin typeface="Arial"/>
+            </a:endParaRPr>
+          </a:p>
+          <a:p>
+            <a:pPr lvl="1" marL="864000" indent="-324000">
+              <a:spcBef>
+                <a:spcPts val="1134"/>
+              </a:spcBef>
+              <a:buClr>
+                <a:srgbClr val="ffffff"/>
+              </a:buClr>
+              <a:buSzPct val="75000"/>
+              <a:buFont typeface="Symbol" charset="2"/>
+              <a:buChar char=""/>
+            </a:pPr>
+            <a:r>
+              <a:rPr b="0" lang="en-US" sz="2800" spc="-1" strike="noStrike">
+                <a:latin typeface="Arial"/>
+              </a:rPr>
+              <a:t> </a:t>
+            </a:r>
+            <a:r>
+              <a:rPr b="0" lang="en-US" sz="2800" spc="-1" strike="noStrike">
+                <a:latin typeface="Arial"/>
+              </a:rPr>
+              <a:t>(0.0071, 'net_worth'),</a:t>
+            </a:r>
+            <a:endParaRPr b="0" lang="en-US" sz="2800" spc="-1" strike="noStrike">
+              <a:latin typeface="Arial"/>
+            </a:endParaRPr>
+          </a:p>
+          <a:p>
+            <a:pPr lvl="1" marL="864000" indent="-324000">
+              <a:spcBef>
+                <a:spcPts val="1134"/>
+              </a:spcBef>
+              <a:buClr>
+                <a:srgbClr val="ffffff"/>
+              </a:buClr>
+              <a:buSzPct val="75000"/>
+              <a:buFont typeface="Symbol" charset="2"/>
+              <a:buChar char=""/>
+            </a:pPr>
+            <a:r>
+              <a:rPr b="0" lang="en-US" sz="2800" spc="-1" strike="noStrike">
+                <a:latin typeface="Arial"/>
+              </a:rPr>
+              <a:t> </a:t>
+            </a:r>
+            <a:r>
+              <a:rPr b="0" lang="en-US" sz="2800" spc="-1" strike="noStrike">
+                <a:latin typeface="Arial"/>
+              </a:rPr>
+              <a:t>(0.0032, 'do_it_yourselfer_value'),</a:t>
+            </a:r>
+            <a:endParaRPr b="0" lang="en-US" sz="2800" spc="-1" strike="noStrike">
+              <a:latin typeface="Arial"/>
+            </a:endParaRPr>
+          </a:p>
+          <a:p>
+            <a:pPr lvl="1" marL="864000" indent="-324000">
+              <a:spcBef>
+                <a:spcPts val="1134"/>
+              </a:spcBef>
+              <a:buClr>
+                <a:srgbClr val="ffffff"/>
+              </a:buClr>
+              <a:buSzPct val="75000"/>
+              <a:buFont typeface="Symbol" charset="2"/>
+              <a:buChar char=""/>
+            </a:pPr>
+            <a:r>
+              <a:rPr b="0" lang="en-US" sz="2800" spc="-1" strike="noStrike">
+                <a:latin typeface="Arial"/>
+              </a:rPr>
+              <a:t> </a:t>
+            </a:r>
+            <a:r>
+              <a:rPr b="0" lang="en-US" sz="2800" spc="-1" strike="noStrike">
+                <a:latin typeface="Arial"/>
+              </a:rPr>
+              <a:t>(0.0005, 'pro'),</a:t>
+            </a:r>
+            <a:endParaRPr b="0" lang="en-US" sz="2800" spc="-1" strike="noStrike">
+              <a:latin typeface="Arial"/>
+            </a:endParaRPr>
+          </a:p>
+          <a:p>
+            <a:pPr lvl="1" marL="864000" indent="-324000">
+              <a:spcBef>
+                <a:spcPts val="1134"/>
+              </a:spcBef>
+              <a:buClr>
+                <a:srgbClr val="ffffff"/>
+              </a:buClr>
+              <a:buSzPct val="75000"/>
+              <a:buFont typeface="Symbol" charset="2"/>
+              <a:buChar char=""/>
+            </a:pPr>
+            <a:r>
+              <a:rPr b="0" lang="en-US" sz="2800" spc="-1" strike="noStrike">
+                <a:latin typeface="Arial"/>
+              </a:rPr>
+              <a:t> </a:t>
+            </a:r>
+            <a:r>
+              <a:rPr b="0" lang="en-US" sz="2800" spc="-1" strike="noStrike">
+                <a:latin typeface="Arial"/>
+              </a:rPr>
+              <a:t>(0.0002, 'repeat_visit')</a:t>
+            </a:r>
+            <a:endParaRPr b="0" lang="en-US" sz="2800" spc="-1" strike="noStrike">
               <a:latin typeface="Arial"/>
             </a:endParaRPr>
           </a:p>
@@ -13710,7 +13880,7 @@
       </p:sp>
       <p:pic>
         <p:nvPicPr>
-          <p:cNvPr id="267" name="" descr=""/>
+          <p:cNvPr id="266" name="" descr=""/>
           <p:cNvPicPr/>
           <p:nvPr/>
         </p:nvPicPr>
@@ -13720,8 +13890,8 @@
         </p:blipFill>
         <p:spPr>
           <a:xfrm>
-            <a:off x="1215360" y="742320"/>
-            <a:ext cx="7553880" cy="4485240"/>
+            <a:off x="7551000" y="853560"/>
+            <a:ext cx="2516040" cy="2598840"/>
           </a:xfrm>
           <a:prstGeom prst="rect">
             <a:avLst/>
@@ -13733,19 +13903,19 @@
       </p:pic>
       <p:sp>
         <p:nvSpPr>
-          <p:cNvPr id="4" name="PlaceHolder 3"/>
-          <p:cNvSpPr>
-            <a:spLocks noGrp="1"/>
-          </p:cNvSpPr>
-          <p:nvPr>
-            <p:ph type="sldNum" idx="9"/>
+          <p:cNvPr id="5" name="PlaceHolder 4"/>
+          <p:cNvSpPr>
+            <a:spLocks noGrp="1"/>
+          </p:cNvSpPr>
+          <p:nvPr>
+            <p:ph type="sldNum" idx="6"/>
           </p:nvPr>
         </p:nvSpPr>
         <p:spPr/>
         <p:txBody>
           <a:bodyPr/>
           <a:p>
-            <a:fld id="{E7FA5F7B-6118-4612-83E0-BCAA050B4E65}" type="slidenum">
+            <a:fld id="{661204F0-B162-4F74-992C-E7A42D5BA31E}" type="slidenum">
               <a:t>11</a:t>
             </a:fld>
           </a:p>
@@ -13783,7 +13953,7 @@
       </p:grpSpPr>
       <p:sp>
         <p:nvSpPr>
-          <p:cNvPr id="268" name="PlaceHolder 1"/>
+          <p:cNvPr id="267" name="PlaceHolder 1"/>
           <p:cNvSpPr>
             <a:spLocks noGrp="1"/>
           </p:cNvSpPr>
@@ -13813,7 +13983,7 @@
               <a:rPr b="0" lang="en-US" sz="4400" spc="-1" strike="noStrike">
                 <a:latin typeface="Arial"/>
               </a:rPr>
-              <a:t>A policy derived from decision tree</a:t>
+              <a:t>An example of the decision tree</a:t>
             </a:r>
             <a:endParaRPr b="0" lang="en-US" sz="4400" spc="-1" strike="noStrike">
               <a:latin typeface="Arial"/>
@@ -13823,7 +13993,7 @@
       </p:sp>
       <p:sp>
         <p:nvSpPr>
-          <p:cNvPr id="269" name="PlaceHolder 2"/>
+          <p:cNvPr id="268" name="PlaceHolder 2"/>
           <p:cNvSpPr>
             <a:spLocks noGrp="1"/>
           </p:cNvSpPr>
@@ -13849,57 +14019,35 @@
             <a:normAutofit/>
           </a:bodyPr>
           <a:p>
-            <a:pPr marL="432000" indent="-324000">
-              <a:spcBef>
-                <a:spcPts val="1417"/>
-              </a:spcBef>
-              <a:buClr>
-                <a:srgbClr val="ffffff"/>
-              </a:buClr>
-              <a:buSzPct val="45000"/>
-              <a:buFont typeface="Wingdings" charset="2"/>
-              <a:buChar char=""/>
-            </a:pPr>
-            <a:r>
-              <a:rPr b="0" lang="en-US" sz="3200" spc="-1" strike="noStrike">
-                <a:latin typeface="Arial"/>
-              </a:rPr>
-              <a:t>Policy: choose version1 if new_comer&lt;=0.5 else version2</a:t>
-            </a:r>
             <a:endParaRPr b="0" lang="en-US" sz="3200" spc="-1" strike="noStrike">
               <a:latin typeface="Arial"/>
             </a:endParaRPr>
           </a:p>
-          <a:p>
-            <a:pPr marL="432000" indent="-324000">
-              <a:spcBef>
-                <a:spcPts val="1417"/>
-              </a:spcBef>
-              <a:buClr>
-                <a:srgbClr val="ffffff"/>
-              </a:buClr>
-              <a:buSzPct val="45000"/>
-              <a:buFont typeface="Wingdings" charset="2"/>
-              <a:buChar char=""/>
-            </a:pPr>
-            <a:r>
-              <a:rPr b="0" lang="en-US" sz="3200" spc="-1" strike="noStrike">
-                <a:latin typeface="Arial"/>
-              </a:rPr>
-              <a:t>Result: 19,451 success (compared to 19,496 for the decision tree based </a:t>
-            </a:r>
-            <a:r>
-              <a:rPr b="0" lang="en-US" sz="3200" spc="-1" strike="noStrike">
-                <a:latin typeface="Arial"/>
-              </a:rPr>
-              <a:t>model)  </a:t>
-            </a:r>
-            <a:endParaRPr b="0" lang="en-US" sz="3200" spc="-1" strike="noStrike">
-              <a:latin typeface="Arial"/>
-            </a:endParaRPr>
-          </a:p>
-        </p:txBody>
-      </p:sp>
+        </p:txBody>
+      </p:sp>
+      <p:pic>
+        <p:nvPicPr>
+          <p:cNvPr id="269" name="" descr=""/>
+          <p:cNvPicPr/>
+          <p:nvPr/>
+        </p:nvPicPr>
+        <p:blipFill>
+          <a:blip r:embed="rId1"/>
+          <a:stretch/>
+        </p:blipFill>
+        <p:spPr>
+          <a:xfrm>
+            <a:off x="1215360" y="742320"/>
+            <a:ext cx="7553880" cy="4485240"/>
+          </a:xfrm>
+          <a:prstGeom prst="rect">
+            <a:avLst/>
+          </a:prstGeom>
+          <a:ln w="10800">
+            <a:noFill/>
+          </a:ln>
+        </p:spPr>
+      </p:pic>
       <p:sp>
         <p:nvSpPr>
           <p:cNvPr id="4" name="PlaceHolder 3"/>
@@ -13914,7 +14062,7 @@
         <p:txBody>
           <a:bodyPr/>
           <a:p>
-            <a:fld id="{51D9C3C6-DE19-4E99-8DCF-4AD0181D0DB0}" type="slidenum">
+            <a:fld id="{FCDADB8B-DA1F-4BAA-B6C4-0D548A5529CE}" type="slidenum">
               <a:t>12</a:t>
             </a:fld>
           </a:p>
@@ -13982,6 +14130,769 @@
               <a:rPr b="0" lang="en-US" sz="4400" spc="-1" strike="noStrike">
                 <a:latin typeface="Arial"/>
               </a:rPr>
+              <a:t>A policy derived from decision tree</a:t>
+            </a:r>
+            <a:endParaRPr b="0" lang="en-US" sz="4400" spc="-1" strike="noStrike">
+              <a:latin typeface="Arial"/>
+            </a:endParaRPr>
+          </a:p>
+        </p:txBody>
+      </p:sp>
+      <p:sp>
+        <p:nvSpPr>
+          <p:cNvPr id="271" name="PlaceHolder 2"/>
+          <p:cNvSpPr>
+            <a:spLocks noGrp="1"/>
+          </p:cNvSpPr>
+          <p:nvPr>
+            <p:ph/>
+          </p:nvPr>
+        </p:nvSpPr>
+        <p:spPr>
+          <a:xfrm>
+            <a:off x="504000" y="1326600"/>
+            <a:ext cx="9071640" cy="3288240"/>
+          </a:xfrm>
+          <a:prstGeom prst="rect">
+            <a:avLst/>
+          </a:prstGeom>
+          <a:noFill/>
+          <a:ln w="0">
+            <a:noFill/>
+          </a:ln>
+        </p:spPr>
+        <p:txBody>
+          <a:bodyPr lIns="0" rIns="0" tIns="0" bIns="0" anchor="t">
+            <a:normAutofit/>
+          </a:bodyPr>
+          <a:p>
+            <a:pPr marL="432000" indent="-324000">
+              <a:spcBef>
+                <a:spcPts val="1417"/>
+              </a:spcBef>
+              <a:buClr>
+                <a:srgbClr val="ffffff"/>
+              </a:buClr>
+              <a:buSzPct val="45000"/>
+              <a:buFont typeface="Wingdings" charset="2"/>
+              <a:buChar char=""/>
+            </a:pPr>
+            <a:r>
+              <a:rPr b="0" lang="en-US" sz="3200" spc="-1" strike="noStrike">
+                <a:latin typeface="Arial"/>
+              </a:rPr>
+              <a:t>Policy: choose version1 if </a:t>
+            </a:r>
+            <a:r>
+              <a:rPr b="0" lang="en-US" sz="3200" spc="-1" strike="noStrike">
+                <a:latin typeface="Arial"/>
+              </a:rPr>
+              <a:t>new_comer&lt;=0.5 else version2</a:t>
+            </a:r>
+            <a:endParaRPr b="0" lang="en-US" sz="3200" spc="-1" strike="noStrike">
+              <a:latin typeface="Arial"/>
+            </a:endParaRPr>
+          </a:p>
+          <a:p>
+            <a:pPr marL="432000" indent="-324000">
+              <a:spcBef>
+                <a:spcPts val="1417"/>
+              </a:spcBef>
+              <a:buClr>
+                <a:srgbClr val="ffffff"/>
+              </a:buClr>
+              <a:buSzPct val="45000"/>
+              <a:buFont typeface="Wingdings" charset="2"/>
+              <a:buChar char=""/>
+            </a:pPr>
+            <a:r>
+              <a:rPr b="0" lang="en-US" sz="3200" spc="-1" strike="noStrike">
+                <a:latin typeface="Arial"/>
+              </a:rPr>
+              <a:t>Result: 19,451 success (compared to </a:t>
+            </a:r>
+            <a:r>
+              <a:rPr b="0" lang="en-US" sz="3200" spc="-1" strike="noStrike">
+                <a:latin typeface="Arial"/>
+              </a:rPr>
+              <a:t>19,496 for the decision tree based </a:t>
+            </a:r>
+            <a:r>
+              <a:rPr b="0" lang="en-US" sz="3200" spc="-1" strike="noStrike">
+                <a:latin typeface="Arial"/>
+              </a:rPr>
+              <a:t>model)  </a:t>
+            </a:r>
+            <a:endParaRPr b="0" lang="en-US" sz="3200" spc="-1" strike="noStrike">
+              <a:latin typeface="Arial"/>
+            </a:endParaRPr>
+          </a:p>
+        </p:txBody>
+      </p:sp>
+      <p:sp>
+        <p:nvSpPr>
+          <p:cNvPr id="4" name="PlaceHolder 3"/>
+          <p:cNvSpPr>
+            <a:spLocks noGrp="1"/>
+          </p:cNvSpPr>
+          <p:nvPr>
+            <p:ph type="sldNum" idx="9"/>
+          </p:nvPr>
+        </p:nvSpPr>
+        <p:spPr/>
+        <p:txBody>
+          <a:bodyPr/>
+          <a:p>
+            <a:fld id="{AEF8694B-E8FB-49CD-B0FB-A0F601B88F76}" type="slidenum">
+              <a:t>13</a:t>
+            </a:fld>
+          </a:p>
+        </p:txBody>
+      </p:sp>
+    </p:spTree>
+  </p:cSld>
+  <mc:AlternateContent>
+    <mc:Choice Requires="p14">
+      <p:transition spd="slow" p14:dur="2000"/>
+    </mc:Choice>
+    <mc:Fallback>
+      <p:transition spd="slow"/>
+    </mc:Fallback>
+  </mc:AlternateContent>
+</p:sld>
+</file>
+
+<file path=ppt/slides/slide14.xml><?xml version="1.0" encoding="utf-8"?>
+<p:sld xmlns:a="http://schemas.openxmlformats.org/drawingml/2006/main" xmlns:p="http://schemas.openxmlformats.org/presentationml/2006/main" xmlns:r="http://schemas.openxmlformats.org/officeDocument/2006/relationships" xmlns:p14="http://schemas.microsoft.com/office/powerpoint/2010/main" xmlns:p15="http://schemas.microsoft.com/office/powerpoint/2012/main" xmlns:mc="http://schemas.openxmlformats.org/markup-compatibility/2006">
+  <p:cSld>
+    <p:spTree>
+      <p:nvGrpSpPr>
+        <p:cNvPr id="1" name=""/>
+        <p:cNvGrpSpPr/>
+        <p:nvPr/>
+      </p:nvGrpSpPr>
+      <p:grpSpPr>
+        <a:xfrm>
+          <a:off x="0" y="0"/>
+          <a:ext cx="0" cy="0"/>
+          <a:chOff x="0" y="0"/>
+          <a:chExt cx="0" cy="0"/>
+        </a:xfrm>
+      </p:grpSpPr>
+      <p:sp>
+        <p:nvSpPr>
+          <p:cNvPr id="272" name="PlaceHolder 1"/>
+          <p:cNvSpPr>
+            <a:spLocks noGrp="1"/>
+          </p:cNvSpPr>
+          <p:nvPr>
+            <p:ph type="title"/>
+          </p:nvPr>
+        </p:nvSpPr>
+        <p:spPr>
+          <a:xfrm>
+            <a:off x="144000" y="72000"/>
+            <a:ext cx="9540000" cy="648000"/>
+          </a:xfrm>
+          <a:prstGeom prst="rect">
+            <a:avLst/>
+          </a:prstGeom>
+          <a:noFill/>
+          <a:ln w="0">
+            <a:noFill/>
+          </a:ln>
+        </p:spPr>
+        <p:txBody>
+          <a:bodyPr lIns="0" rIns="0" tIns="0" bIns="0" anchor="ctr">
+            <a:noAutofit/>
+          </a:bodyPr>
+          <a:p>
+            <a:r>
+              <a:rPr b="0" lang="en-US" sz="4400" spc="-1" strike="noStrike">
+                <a:latin typeface="Arial"/>
+              </a:rPr>
+              <a:t>Future work</a:t>
+            </a:r>
+            <a:endParaRPr b="0" lang="en-US" sz="4400" spc="-1" strike="noStrike">
+              <a:latin typeface="Arial"/>
+            </a:endParaRPr>
+          </a:p>
+        </p:txBody>
+      </p:sp>
+      <p:sp>
+        <p:nvSpPr>
+          <p:cNvPr id="273" name="PlaceHolder 2"/>
+          <p:cNvSpPr>
+            <a:spLocks noGrp="1"/>
+          </p:cNvSpPr>
+          <p:nvPr>
+            <p:ph/>
+          </p:nvPr>
+        </p:nvSpPr>
+        <p:spPr>
+          <a:xfrm>
+            <a:off x="504000" y="1326600"/>
+            <a:ext cx="5572440" cy="3288240"/>
+          </a:xfrm>
+          <a:prstGeom prst="rect">
+            <a:avLst/>
+          </a:prstGeom>
+          <a:noFill/>
+          <a:ln w="0">
+            <a:noFill/>
+          </a:ln>
+        </p:spPr>
+        <p:txBody>
+          <a:bodyPr lIns="0" rIns="0" tIns="0" bIns="0" anchor="t">
+            <a:normAutofit/>
+          </a:bodyPr>
+          <a:p>
+            <a:pPr marL="432000" indent="-324000">
+              <a:spcBef>
+                <a:spcPts val="1417"/>
+              </a:spcBef>
+              <a:buClr>
+                <a:srgbClr val="ffffff"/>
+              </a:buClr>
+              <a:buSzPct val="45000"/>
+              <a:buFont typeface="Wingdings" charset="2"/>
+              <a:buChar char=""/>
+            </a:pPr>
+            <a:r>
+              <a:rPr b="0" lang="en-US" sz="3200" spc="-1" strike="noStrike">
+                <a:latin typeface="Arial"/>
+              </a:rPr>
+              <a:t>How to make use of unsuccessful data </a:t>
+            </a:r>
+            <a:r>
+              <a:rPr b="0" lang="en-US" sz="3200" spc="-1" strike="noStrike">
+                <a:latin typeface="Arial"/>
+              </a:rPr>
+              <a:t>points?</a:t>
+            </a:r>
+            <a:endParaRPr b="0" lang="en-US" sz="3200" spc="-1" strike="noStrike">
+              <a:latin typeface="Arial"/>
+            </a:endParaRPr>
+          </a:p>
+          <a:p>
+            <a:pPr lvl="1" marL="864000" indent="-324000">
+              <a:spcBef>
+                <a:spcPts val="1134"/>
+              </a:spcBef>
+              <a:buClr>
+                <a:srgbClr val="ffffff"/>
+              </a:buClr>
+              <a:buSzPct val="75000"/>
+              <a:buFont typeface="Symbol" charset="2"/>
+              <a:buChar char=""/>
+            </a:pPr>
+            <a:r>
+              <a:rPr b="0" lang="en-US" sz="2800" spc="-1" strike="noStrike">
+                <a:latin typeface="Arial"/>
+              </a:rPr>
+              <a:t>Dyna-Q</a:t>
+            </a:r>
+            <a:endParaRPr b="0" lang="en-US" sz="2800" spc="-1" strike="noStrike">
+              <a:latin typeface="Arial"/>
+            </a:endParaRPr>
+          </a:p>
+        </p:txBody>
+      </p:sp>
+      <p:pic>
+        <p:nvPicPr>
+          <p:cNvPr id="274" name="" descr=""/>
+          <p:cNvPicPr/>
+          <p:nvPr/>
+        </p:nvPicPr>
+        <p:blipFill>
+          <a:blip r:embed="rId1"/>
+          <a:stretch/>
+        </p:blipFill>
+        <p:spPr>
+          <a:xfrm>
+            <a:off x="6404760" y="1399320"/>
+            <a:ext cx="3030120" cy="2157120"/>
+          </a:xfrm>
+          <a:prstGeom prst="rect">
+            <a:avLst/>
+          </a:prstGeom>
+          <a:ln w="10800">
+            <a:noFill/>
+          </a:ln>
+        </p:spPr>
+      </p:pic>
+      <p:sp>
+        <p:nvSpPr>
+          <p:cNvPr id="4" name="PlaceHolder 3"/>
+          <p:cNvSpPr>
+            <a:spLocks noGrp="1"/>
+          </p:cNvSpPr>
+          <p:nvPr>
+            <p:ph type="sldNum" idx="9"/>
+          </p:nvPr>
+        </p:nvSpPr>
+        <p:spPr/>
+        <p:txBody>
+          <a:bodyPr/>
+          <a:p>
+            <a:fld id="{177F399C-9646-4E6E-ACFE-3EA4625B898D}" type="slidenum">
+              <a:t>14</a:t>
+            </a:fld>
+          </a:p>
+        </p:txBody>
+      </p:sp>
+    </p:spTree>
+  </p:cSld>
+  <mc:AlternateContent>
+    <mc:Choice Requires="p14">
+      <p:transition spd="slow" p14:dur="2000"/>
+    </mc:Choice>
+    <mc:Fallback>
+      <p:transition spd="slow"/>
+    </mc:Fallback>
+  </mc:AlternateContent>
+</p:sld>
+</file>
+
+<file path=ppt/slides/slide15.xml><?xml version="1.0" encoding="utf-8"?>
+<p:sld xmlns:a="http://schemas.openxmlformats.org/drawingml/2006/main" xmlns:p="http://schemas.openxmlformats.org/presentationml/2006/main" xmlns:r="http://schemas.openxmlformats.org/officeDocument/2006/relationships" xmlns:p14="http://schemas.microsoft.com/office/powerpoint/2010/main" xmlns:p15="http://schemas.microsoft.com/office/powerpoint/2012/main" xmlns:mc="http://schemas.openxmlformats.org/markup-compatibility/2006">
+  <p:cSld>
+    <p:spTree>
+      <p:nvGrpSpPr>
+        <p:cNvPr id="1" name=""/>
+        <p:cNvGrpSpPr/>
+        <p:nvPr/>
+      </p:nvGrpSpPr>
+      <p:grpSpPr>
+        <a:xfrm>
+          <a:off x="0" y="0"/>
+          <a:ext cx="0" cy="0"/>
+          <a:chOff x="0" y="0"/>
+          <a:chExt cx="0" cy="0"/>
+        </a:xfrm>
+      </p:grpSpPr>
+      <p:sp>
+        <p:nvSpPr>
+          <p:cNvPr id="275" name="PlaceHolder 1"/>
+          <p:cNvSpPr>
+            <a:spLocks noGrp="1"/>
+          </p:cNvSpPr>
+          <p:nvPr>
+            <p:ph type="title"/>
+          </p:nvPr>
+        </p:nvSpPr>
+        <p:spPr>
+          <a:xfrm>
+            <a:off x="144000" y="72000"/>
+            <a:ext cx="9540000" cy="648000"/>
+          </a:xfrm>
+          <a:prstGeom prst="rect">
+            <a:avLst/>
+          </a:prstGeom>
+          <a:noFill/>
+          <a:ln w="0">
+            <a:noFill/>
+          </a:ln>
+        </p:spPr>
+        <p:txBody>
+          <a:bodyPr lIns="0" rIns="0" tIns="0" bIns="0" anchor="ctr">
+            <a:noAutofit/>
+          </a:bodyPr>
+          <a:p>
+            <a:r>
+              <a:rPr b="0" lang="en-US" sz="4400" spc="-1" strike="noStrike">
+                <a:latin typeface="Arial"/>
+              </a:rPr>
+              <a:t>The end</a:t>
+            </a:r>
+            <a:endParaRPr b="0" lang="en-US" sz="4400" spc="-1" strike="noStrike">
+              <a:latin typeface="Arial"/>
+            </a:endParaRPr>
+          </a:p>
+        </p:txBody>
+      </p:sp>
+      <p:sp>
+        <p:nvSpPr>
+          <p:cNvPr id="276" name="PlaceHolder 2"/>
+          <p:cNvSpPr>
+            <a:spLocks noGrp="1"/>
+          </p:cNvSpPr>
+          <p:nvPr>
+            <p:ph/>
+          </p:nvPr>
+        </p:nvSpPr>
+        <p:spPr>
+          <a:xfrm>
+            <a:off x="504000" y="1326600"/>
+            <a:ext cx="9071640" cy="3288240"/>
+          </a:xfrm>
+          <a:prstGeom prst="rect">
+            <a:avLst/>
+          </a:prstGeom>
+          <a:noFill/>
+          <a:ln w="0">
+            <a:noFill/>
+          </a:ln>
+        </p:spPr>
+        <p:txBody>
+          <a:bodyPr lIns="0" rIns="0" tIns="0" bIns="0" anchor="t">
+            <a:normAutofit/>
+          </a:bodyPr>
+          <a:p>
+            <a:pPr marL="432000" indent="-324000">
+              <a:spcBef>
+                <a:spcPts val="1417"/>
+              </a:spcBef>
+              <a:buClr>
+                <a:srgbClr val="ffffff"/>
+              </a:buClr>
+              <a:buSzPct val="45000"/>
+              <a:buFont typeface="Wingdings" charset="2"/>
+              <a:buChar char=""/>
+            </a:pPr>
+            <a:r>
+              <a:rPr b="0" lang="en-US" sz="3200" spc="-1" strike="noStrike">
+                <a:latin typeface="Arial"/>
+              </a:rPr>
+              <a:t>Thanks for your attention, I am open to questions.</a:t>
+            </a:r>
+            <a:endParaRPr b="0" lang="en-US" sz="3200" spc="-1" strike="noStrike">
+              <a:latin typeface="Arial"/>
+            </a:endParaRPr>
+          </a:p>
+        </p:txBody>
+      </p:sp>
+      <p:sp>
+        <p:nvSpPr>
+          <p:cNvPr id="4" name="PlaceHolder 3"/>
+          <p:cNvSpPr>
+            <a:spLocks noGrp="1"/>
+          </p:cNvSpPr>
+          <p:nvPr>
+            <p:ph type="sldNum" idx="9"/>
+          </p:nvPr>
+        </p:nvSpPr>
+        <p:spPr/>
+        <p:txBody>
+          <a:bodyPr/>
+          <a:p>
+            <a:fld id="{1CFED8D2-6E83-4B79-88A9-0CC3EB3A72CC}" type="slidenum">
+              <a:t>15</a:t>
+            </a:fld>
+          </a:p>
+        </p:txBody>
+      </p:sp>
+    </p:spTree>
+  </p:cSld>
+  <mc:AlternateContent>
+    <mc:Choice Requires="p14">
+      <p:transition spd="slow" p14:dur="2000"/>
+    </mc:Choice>
+    <mc:Fallback>
+      <p:transition spd="slow"/>
+    </mc:Fallback>
+  </mc:AlternateContent>
+</p:sld>
+</file>
+
+<file path=ppt/slides/slide2.xml><?xml version="1.0" encoding="utf-8"?>
+<p:sld xmlns:a="http://schemas.openxmlformats.org/drawingml/2006/main" xmlns:p="http://schemas.openxmlformats.org/presentationml/2006/main" xmlns:r="http://schemas.openxmlformats.org/officeDocument/2006/relationships" xmlns:p14="http://schemas.microsoft.com/office/powerpoint/2010/main" xmlns:p15="http://schemas.microsoft.com/office/powerpoint/2012/main" xmlns:mc="http://schemas.openxmlformats.org/markup-compatibility/2006">
+  <p:cSld>
+    <p:spTree>
+      <p:nvGrpSpPr>
+        <p:cNvPr id="1" name=""/>
+        <p:cNvGrpSpPr/>
+        <p:nvPr/>
+      </p:nvGrpSpPr>
+      <p:grpSpPr>
+        <a:xfrm>
+          <a:off x="0" y="0"/>
+          <a:ext cx="0" cy="0"/>
+          <a:chOff x="0" y="0"/>
+          <a:chExt cx="0" cy="0"/>
+        </a:xfrm>
+      </p:grpSpPr>
+      <p:sp>
+        <p:nvSpPr>
+          <p:cNvPr id="222" name="CustomShape 1"/>
+          <p:cNvSpPr/>
+          <p:nvPr/>
+        </p:nvSpPr>
+        <p:spPr>
+          <a:xfrm>
+            <a:off x="7118640" y="5255280"/>
+            <a:ext cx="2266920" cy="300960"/>
+          </a:xfrm>
+          <a:prstGeom prst="rect">
+            <a:avLst/>
+          </a:prstGeom>
+          <a:noFill/>
+          <a:ln w="0">
+            <a:noFill/>
+          </a:ln>
+        </p:spPr>
+        <p:style>
+          <a:lnRef idx="0"/>
+          <a:fillRef idx="0"/>
+          <a:effectRef idx="0"/>
+          <a:fontRef idx="minor"/>
+        </p:style>
+        <p:txBody>
+          <a:bodyPr lIns="90000" rIns="90000" tIns="45000" bIns="45000" anchor="ctr">
+            <a:noAutofit/>
+          </a:bodyPr>
+          <a:p>
+            <a:pPr algn="r">
+              <a:lnSpc>
+                <a:spcPct val="100000"/>
+              </a:lnSpc>
+              <a:buNone/>
+            </a:pPr>
+            <a:fld id="{9C4C392F-9576-426C-AE4C-5E443774D92E}" type="slidenum">
+              <a:rPr b="0" lang="en-US" sz="1200" spc="-1" strike="noStrike">
+                <a:solidFill>
+                  <a:srgbClr val="8b8b8b"/>
+                </a:solidFill>
+                <a:latin typeface="Calibri"/>
+                <a:ea typeface="DejaVu Sans"/>
+              </a:rPr>
+              <a:t>&lt;number&gt;</a:t>
+            </a:fld>
+            <a:endParaRPr b="0" lang="en-US" sz="1200" spc="-1" strike="noStrike">
+              <a:latin typeface="Arial"/>
+            </a:endParaRPr>
+          </a:p>
+        </p:txBody>
+      </p:sp>
+      <p:pic>
+        <p:nvPicPr>
+          <p:cNvPr id="223" name="" descr=""/>
+          <p:cNvPicPr/>
+          <p:nvPr/>
+        </p:nvPicPr>
+        <p:blipFill>
+          <a:blip r:embed="rId1"/>
+          <a:stretch/>
+        </p:blipFill>
+        <p:spPr>
+          <a:xfrm>
+            <a:off x="453240" y="1293840"/>
+            <a:ext cx="4308480" cy="909720"/>
+          </a:xfrm>
+          <a:prstGeom prst="rect">
+            <a:avLst/>
+          </a:prstGeom>
+          <a:ln w="0">
+            <a:noFill/>
+          </a:ln>
+        </p:spPr>
+      </p:pic>
+      <p:pic>
+        <p:nvPicPr>
+          <p:cNvPr id="224" name="" descr=""/>
+          <p:cNvPicPr/>
+          <p:nvPr/>
+        </p:nvPicPr>
+        <p:blipFill>
+          <a:blip r:embed="rId2"/>
+          <a:stretch/>
+        </p:blipFill>
+        <p:spPr>
+          <a:xfrm>
+            <a:off x="453240" y="2238480"/>
+            <a:ext cx="4257720" cy="922680"/>
+          </a:xfrm>
+          <a:prstGeom prst="rect">
+            <a:avLst/>
+          </a:prstGeom>
+          <a:ln w="0">
+            <a:noFill/>
+          </a:ln>
+        </p:spPr>
+      </p:pic>
+      <p:pic>
+        <p:nvPicPr>
+          <p:cNvPr id="225" name="" descr=""/>
+          <p:cNvPicPr/>
+          <p:nvPr/>
+        </p:nvPicPr>
+        <p:blipFill>
+          <a:blip r:embed="rId3"/>
+          <a:stretch/>
+        </p:blipFill>
+        <p:spPr>
+          <a:xfrm>
+            <a:off x="453240" y="3182040"/>
+            <a:ext cx="3636720" cy="909720"/>
+          </a:xfrm>
+          <a:prstGeom prst="rect">
+            <a:avLst/>
+          </a:prstGeom>
+          <a:ln w="0">
+            <a:noFill/>
+          </a:ln>
+        </p:spPr>
+      </p:pic>
+      <p:pic>
+        <p:nvPicPr>
+          <p:cNvPr id="226" name="" descr=""/>
+          <p:cNvPicPr/>
+          <p:nvPr/>
+        </p:nvPicPr>
+        <p:blipFill>
+          <a:blip r:embed="rId4"/>
+          <a:stretch/>
+        </p:blipFill>
+        <p:spPr>
+          <a:xfrm>
+            <a:off x="453240" y="4126680"/>
+            <a:ext cx="3833280" cy="909720"/>
+          </a:xfrm>
+          <a:prstGeom prst="rect">
+            <a:avLst/>
+          </a:prstGeom>
+          <a:ln w="0">
+            <a:noFill/>
+          </a:ln>
+        </p:spPr>
+      </p:pic>
+      <p:pic>
+        <p:nvPicPr>
+          <p:cNvPr id="227" name="" descr=""/>
+          <p:cNvPicPr/>
+          <p:nvPr/>
+        </p:nvPicPr>
+        <p:blipFill>
+          <a:blip r:embed="rId5"/>
+          <a:stretch/>
+        </p:blipFill>
+        <p:spPr>
+          <a:xfrm>
+            <a:off x="5135760" y="2144160"/>
+            <a:ext cx="4535280" cy="3002400"/>
+          </a:xfrm>
+          <a:prstGeom prst="rect">
+            <a:avLst/>
+          </a:prstGeom>
+          <a:ln w="0">
+            <a:noFill/>
+          </a:ln>
+        </p:spPr>
+      </p:pic>
+      <p:sp>
+        <p:nvSpPr>
+          <p:cNvPr id="228" name="CustomShape 2"/>
+          <p:cNvSpPr/>
+          <p:nvPr/>
+        </p:nvSpPr>
+        <p:spPr>
+          <a:xfrm>
+            <a:off x="693000" y="302040"/>
+            <a:ext cx="8692920" cy="1095120"/>
+          </a:xfrm>
+          <a:prstGeom prst="rect">
+            <a:avLst/>
+          </a:prstGeom>
+          <a:noFill/>
+          <a:ln w="0">
+            <a:noFill/>
+          </a:ln>
+        </p:spPr>
+        <p:style>
+          <a:lnRef idx="0"/>
+          <a:fillRef idx="0"/>
+          <a:effectRef idx="0"/>
+          <a:fontRef idx="minor"/>
+        </p:style>
+        <p:txBody>
+          <a:bodyPr lIns="90000" rIns="90000" tIns="45000" bIns="45000" anchor="ctr">
+            <a:noAutofit/>
+          </a:bodyPr>
+          <a:p>
+            <a:pPr>
+              <a:lnSpc>
+                <a:spcPct val="90000"/>
+              </a:lnSpc>
+              <a:buNone/>
+            </a:pPr>
+            <a:r>
+              <a:rPr b="0" lang="en-US" sz="4400" spc="-1" strike="noStrike">
+                <a:solidFill>
+                  <a:srgbClr val="000000"/>
+                </a:solidFill>
+                <a:latin typeface="Calibri Light"/>
+                <a:ea typeface="DejaVu Sans"/>
+              </a:rPr>
+              <a:t>Kaitao Yang</a:t>
+            </a:r>
+            <a:endParaRPr b="0" lang="en-US" sz="4400" spc="-1" strike="noStrike">
+              <a:latin typeface="Arial"/>
+            </a:endParaRPr>
+          </a:p>
+        </p:txBody>
+      </p:sp>
+    </p:spTree>
+  </p:cSld>
+  <mc:AlternateContent>
+    <mc:Choice Requires="p14">
+      <p:transition spd="slow" p14:dur="2000"/>
+    </mc:Choice>
+    <mc:Fallback>
+      <p:transition spd="slow"/>
+    </mc:Fallback>
+  </mc:AlternateContent>
+</p:sld>
+</file>
+
+<file path=ppt/slides/slide3.xml><?xml version="1.0" encoding="utf-8"?>
+<p:sld xmlns:a="http://schemas.openxmlformats.org/drawingml/2006/main" xmlns:p="http://schemas.openxmlformats.org/presentationml/2006/main" xmlns:r="http://schemas.openxmlformats.org/officeDocument/2006/relationships" xmlns:p14="http://schemas.microsoft.com/office/powerpoint/2010/main" xmlns:p15="http://schemas.microsoft.com/office/powerpoint/2012/main" xmlns:mc="http://schemas.openxmlformats.org/markup-compatibility/2006">
+  <p:cSld>
+    <p:spTree>
+      <p:nvGrpSpPr>
+        <p:cNvPr id="1" name=""/>
+        <p:cNvGrpSpPr/>
+        <p:nvPr/>
+      </p:nvGrpSpPr>
+      <p:grpSpPr>
+        <a:xfrm>
+          <a:off x="0" y="0"/>
+          <a:ext cx="0" cy="0"/>
+          <a:chOff x="0" y="0"/>
+          <a:chExt cx="0" cy="0"/>
+        </a:xfrm>
+      </p:grpSpPr>
+      <p:sp>
+        <p:nvSpPr>
+          <p:cNvPr id="229" name="PlaceHolder 1"/>
+          <p:cNvSpPr>
+            <a:spLocks noGrp="1"/>
+          </p:cNvSpPr>
+          <p:nvPr>
+            <p:ph type="title"/>
+          </p:nvPr>
+        </p:nvSpPr>
+        <p:spPr>
+          <a:xfrm>
+            <a:off x="144000" y="72000"/>
+            <a:ext cx="9540000" cy="648000"/>
+          </a:xfrm>
+          <a:prstGeom prst="rect">
+            <a:avLst/>
+          </a:prstGeom>
+          <a:noFill/>
+          <a:ln w="0">
+            <a:noFill/>
+          </a:ln>
+        </p:spPr>
+        <p:txBody>
+          <a:bodyPr lIns="0" rIns="0" tIns="0" bIns="0" anchor="ctr">
+            <a:noAutofit/>
+          </a:bodyPr>
+          <a:p>
+            <a:r>
+              <a:rPr b="0" lang="en-US" sz="4400" spc="-1" strike="noStrike">
+                <a:latin typeface="Arial"/>
+              </a:rPr>
               <a:t>Comparison of policies</a:t>
             </a:r>
             <a:endParaRPr b="0" lang="en-US" sz="4400" spc="-1" strike="noStrike">
@@ -13992,7 +14903,7 @@
       </p:sp>
       <p:graphicFrame>
         <p:nvGraphicFramePr>
-          <p:cNvPr id="271" name=""/>
+          <p:cNvPr id="230" name=""/>
           <p:cNvGraphicFramePr/>
           <p:nvPr/>
         </p:nvGraphicFramePr>
@@ -15087,824 +15998,7 @@
         <p:txBody>
           <a:bodyPr/>
           <a:p>
-            <a:fld id="{2BE981BF-71F9-4BBC-8C85-F7810239A2BB}" type="slidenum">
-              <a:t>13</a:t>
-            </a:fld>
-          </a:p>
-        </p:txBody>
-      </p:sp>
-    </p:spTree>
-  </p:cSld>
-  <mc:AlternateContent>
-    <mc:Choice Requires="p14">
-      <p:transition spd="slow" p14:dur="2000"/>
-    </mc:Choice>
-    <mc:Fallback>
-      <p:transition spd="slow"/>
-    </mc:Fallback>
-  </mc:AlternateContent>
-</p:sld>
-</file>
-
-<file path=ppt/slides/slide14.xml><?xml version="1.0" encoding="utf-8"?>
-<p:sld xmlns:a="http://schemas.openxmlformats.org/drawingml/2006/main" xmlns:p="http://schemas.openxmlformats.org/presentationml/2006/main" xmlns:r="http://schemas.openxmlformats.org/officeDocument/2006/relationships" xmlns:p14="http://schemas.microsoft.com/office/powerpoint/2010/main" xmlns:p15="http://schemas.microsoft.com/office/powerpoint/2012/main" xmlns:mc="http://schemas.openxmlformats.org/markup-compatibility/2006">
-  <p:cSld>
-    <p:spTree>
-      <p:nvGrpSpPr>
-        <p:cNvPr id="1" name=""/>
-        <p:cNvGrpSpPr/>
-        <p:nvPr/>
-      </p:nvGrpSpPr>
-      <p:grpSpPr>
-        <a:xfrm>
-          <a:off x="0" y="0"/>
-          <a:ext cx="0" cy="0"/>
-          <a:chOff x="0" y="0"/>
-          <a:chExt cx="0" cy="0"/>
-        </a:xfrm>
-      </p:grpSpPr>
-      <p:sp>
-        <p:nvSpPr>
-          <p:cNvPr id="272" name="PlaceHolder 1"/>
-          <p:cNvSpPr>
-            <a:spLocks noGrp="1"/>
-          </p:cNvSpPr>
-          <p:nvPr>
-            <p:ph type="title"/>
-          </p:nvPr>
-        </p:nvSpPr>
-        <p:spPr>
-          <a:xfrm>
-            <a:off x="144000" y="72000"/>
-            <a:ext cx="9540000" cy="648000"/>
-          </a:xfrm>
-          <a:prstGeom prst="rect">
-            <a:avLst/>
-          </a:prstGeom>
-          <a:noFill/>
-          <a:ln w="0">
-            <a:noFill/>
-          </a:ln>
-        </p:spPr>
-        <p:txBody>
-          <a:bodyPr lIns="0" rIns="0" tIns="0" bIns="0" anchor="ctr">
-            <a:noAutofit/>
-          </a:bodyPr>
-          <a:p>
-            <a:r>
-              <a:rPr b="0" lang="en-US" sz="4400" spc="-1" strike="noStrike">
-                <a:latin typeface="Arial"/>
-              </a:rPr>
-              <a:t>Future work</a:t>
-            </a:r>
-            <a:endParaRPr b="0" lang="en-US" sz="4400" spc="-1" strike="noStrike">
-              <a:latin typeface="Arial"/>
-            </a:endParaRPr>
-          </a:p>
-        </p:txBody>
-      </p:sp>
-      <p:sp>
-        <p:nvSpPr>
-          <p:cNvPr id="273" name="PlaceHolder 2"/>
-          <p:cNvSpPr>
-            <a:spLocks noGrp="1"/>
-          </p:cNvSpPr>
-          <p:nvPr>
-            <p:ph/>
-          </p:nvPr>
-        </p:nvSpPr>
-        <p:spPr>
-          <a:xfrm>
-            <a:off x="504000" y="1326600"/>
-            <a:ext cx="5572440" cy="3288240"/>
-          </a:xfrm>
-          <a:prstGeom prst="rect">
-            <a:avLst/>
-          </a:prstGeom>
-          <a:noFill/>
-          <a:ln w="0">
-            <a:noFill/>
-          </a:ln>
-        </p:spPr>
-        <p:txBody>
-          <a:bodyPr lIns="0" rIns="0" tIns="0" bIns="0" anchor="t">
-            <a:normAutofit/>
-          </a:bodyPr>
-          <a:p>
-            <a:pPr marL="432000" indent="-324000">
-              <a:spcBef>
-                <a:spcPts val="1417"/>
-              </a:spcBef>
-              <a:buClr>
-                <a:srgbClr val="ffffff"/>
-              </a:buClr>
-              <a:buSzPct val="45000"/>
-              <a:buFont typeface="Wingdings" charset="2"/>
-              <a:buChar char=""/>
-            </a:pPr>
-            <a:r>
-              <a:rPr b="0" lang="en-US" sz="3200" spc="-1" strike="noStrike">
-                <a:latin typeface="Arial"/>
-              </a:rPr>
-              <a:t>How to make use of unsuccessful data </a:t>
-            </a:r>
-            <a:r>
-              <a:rPr b="0" lang="en-US" sz="3200" spc="-1" strike="noStrike">
-                <a:latin typeface="Arial"/>
-              </a:rPr>
-              <a:t>points?</a:t>
-            </a:r>
-            <a:endParaRPr b="0" lang="en-US" sz="3200" spc="-1" strike="noStrike">
-              <a:latin typeface="Arial"/>
-            </a:endParaRPr>
-          </a:p>
-          <a:p>
-            <a:pPr lvl="1" marL="864000" indent="-324000">
-              <a:spcBef>
-                <a:spcPts val="1134"/>
-              </a:spcBef>
-              <a:buClr>
-                <a:srgbClr val="ffffff"/>
-              </a:buClr>
-              <a:buSzPct val="75000"/>
-              <a:buFont typeface="Symbol" charset="2"/>
-              <a:buChar char=""/>
-            </a:pPr>
-            <a:r>
-              <a:rPr b="0" lang="en-US" sz="2800" spc="-1" strike="noStrike">
-                <a:latin typeface="Arial"/>
-              </a:rPr>
-              <a:t>Dyna-Q</a:t>
-            </a:r>
-            <a:endParaRPr b="0" lang="en-US" sz="2800" spc="-1" strike="noStrike">
-              <a:latin typeface="Arial"/>
-            </a:endParaRPr>
-          </a:p>
-        </p:txBody>
-      </p:sp>
-      <p:pic>
-        <p:nvPicPr>
-          <p:cNvPr id="274" name="" descr=""/>
-          <p:cNvPicPr/>
-          <p:nvPr/>
-        </p:nvPicPr>
-        <p:blipFill>
-          <a:blip r:embed="rId1"/>
-          <a:stretch/>
-        </p:blipFill>
-        <p:spPr>
-          <a:xfrm>
-            <a:off x="6404760" y="1399320"/>
-            <a:ext cx="3030120" cy="2157120"/>
-          </a:xfrm>
-          <a:prstGeom prst="rect">
-            <a:avLst/>
-          </a:prstGeom>
-          <a:ln w="10800">
-            <a:noFill/>
-          </a:ln>
-        </p:spPr>
-      </p:pic>
-      <p:sp>
-        <p:nvSpPr>
-          <p:cNvPr id="4" name="PlaceHolder 3"/>
-          <p:cNvSpPr>
-            <a:spLocks noGrp="1"/>
-          </p:cNvSpPr>
-          <p:nvPr>
-            <p:ph type="sldNum" idx="9"/>
-          </p:nvPr>
-        </p:nvSpPr>
-        <p:spPr/>
-        <p:txBody>
-          <a:bodyPr/>
-          <a:p>
-            <a:fld id="{89D2B351-2737-43C4-B95D-4E5B0A0D6D13}" type="slidenum">
-              <a:t>14</a:t>
-            </a:fld>
-          </a:p>
-        </p:txBody>
-      </p:sp>
-    </p:spTree>
-  </p:cSld>
-  <mc:AlternateContent>
-    <mc:Choice Requires="p14">
-      <p:transition spd="slow" p14:dur="2000"/>
-    </mc:Choice>
-    <mc:Fallback>
-      <p:transition spd="slow"/>
-    </mc:Fallback>
-  </mc:AlternateContent>
-</p:sld>
-</file>
-
-<file path=ppt/slides/slide15.xml><?xml version="1.0" encoding="utf-8"?>
-<p:sld xmlns:a="http://schemas.openxmlformats.org/drawingml/2006/main" xmlns:p="http://schemas.openxmlformats.org/presentationml/2006/main" xmlns:r="http://schemas.openxmlformats.org/officeDocument/2006/relationships" xmlns:p14="http://schemas.microsoft.com/office/powerpoint/2010/main" xmlns:p15="http://schemas.microsoft.com/office/powerpoint/2012/main" xmlns:mc="http://schemas.openxmlformats.org/markup-compatibility/2006">
-  <p:cSld>
-    <p:spTree>
-      <p:nvGrpSpPr>
-        <p:cNvPr id="1" name=""/>
-        <p:cNvGrpSpPr/>
-        <p:nvPr/>
-      </p:nvGrpSpPr>
-      <p:grpSpPr>
-        <a:xfrm>
-          <a:off x="0" y="0"/>
-          <a:ext cx="0" cy="0"/>
-          <a:chOff x="0" y="0"/>
-          <a:chExt cx="0" cy="0"/>
-        </a:xfrm>
-      </p:grpSpPr>
-      <p:sp>
-        <p:nvSpPr>
-          <p:cNvPr id="275" name="PlaceHolder 1"/>
-          <p:cNvSpPr>
-            <a:spLocks noGrp="1"/>
-          </p:cNvSpPr>
-          <p:nvPr>
-            <p:ph type="title"/>
-          </p:nvPr>
-        </p:nvSpPr>
-        <p:spPr>
-          <a:xfrm>
-            <a:off x="144000" y="72000"/>
-            <a:ext cx="9540000" cy="648000"/>
-          </a:xfrm>
-          <a:prstGeom prst="rect">
-            <a:avLst/>
-          </a:prstGeom>
-          <a:noFill/>
-          <a:ln w="0">
-            <a:noFill/>
-          </a:ln>
-        </p:spPr>
-        <p:txBody>
-          <a:bodyPr lIns="0" rIns="0" tIns="0" bIns="0" anchor="ctr">
-            <a:noAutofit/>
-          </a:bodyPr>
-          <a:p>
-            <a:r>
-              <a:rPr b="0" lang="en-US" sz="4400" spc="-1" strike="noStrike">
-                <a:latin typeface="Arial"/>
-              </a:rPr>
-              <a:t>The end</a:t>
-            </a:r>
-            <a:endParaRPr b="0" lang="en-US" sz="4400" spc="-1" strike="noStrike">
-              <a:latin typeface="Arial"/>
-            </a:endParaRPr>
-          </a:p>
-        </p:txBody>
-      </p:sp>
-      <p:sp>
-        <p:nvSpPr>
-          <p:cNvPr id="276" name="PlaceHolder 2"/>
-          <p:cNvSpPr>
-            <a:spLocks noGrp="1"/>
-          </p:cNvSpPr>
-          <p:nvPr>
-            <p:ph/>
-          </p:nvPr>
-        </p:nvSpPr>
-        <p:spPr>
-          <a:xfrm>
-            <a:off x="504000" y="1326600"/>
-            <a:ext cx="9071640" cy="3288240"/>
-          </a:xfrm>
-          <a:prstGeom prst="rect">
-            <a:avLst/>
-          </a:prstGeom>
-          <a:noFill/>
-          <a:ln w="0">
-            <a:noFill/>
-          </a:ln>
-        </p:spPr>
-        <p:txBody>
-          <a:bodyPr lIns="0" rIns="0" tIns="0" bIns="0" anchor="t">
-            <a:normAutofit/>
-          </a:bodyPr>
-          <a:p>
-            <a:pPr marL="432000" indent="-324000">
-              <a:spcBef>
-                <a:spcPts val="1417"/>
-              </a:spcBef>
-              <a:buClr>
-                <a:srgbClr val="ffffff"/>
-              </a:buClr>
-              <a:buSzPct val="45000"/>
-              <a:buFont typeface="Wingdings" charset="2"/>
-              <a:buChar char=""/>
-            </a:pPr>
-            <a:r>
-              <a:rPr b="0" lang="en-US" sz="3200" spc="-1" strike="noStrike">
-                <a:latin typeface="Arial"/>
-              </a:rPr>
-              <a:t>Thanks for your attention, I am open to </a:t>
-            </a:r>
-            <a:r>
-              <a:rPr b="0" lang="en-US" sz="3200" spc="-1" strike="noStrike">
-                <a:latin typeface="Arial"/>
-              </a:rPr>
-              <a:t>questions.</a:t>
-            </a:r>
-            <a:endParaRPr b="0" lang="en-US" sz="3200" spc="-1" strike="noStrike">
-              <a:latin typeface="Arial"/>
-            </a:endParaRPr>
-          </a:p>
-        </p:txBody>
-      </p:sp>
-      <p:sp>
-        <p:nvSpPr>
-          <p:cNvPr id="4" name="PlaceHolder 3"/>
-          <p:cNvSpPr>
-            <a:spLocks noGrp="1"/>
-          </p:cNvSpPr>
-          <p:nvPr>
-            <p:ph type="sldNum" idx="9"/>
-          </p:nvPr>
-        </p:nvSpPr>
-        <p:spPr/>
-        <p:txBody>
-          <a:bodyPr/>
-          <a:p>
-            <a:fld id="{C12F1F6C-A752-49D2-AE03-366033F975A1}" type="slidenum">
-              <a:t>15</a:t>
-            </a:fld>
-          </a:p>
-        </p:txBody>
-      </p:sp>
-    </p:spTree>
-  </p:cSld>
-  <mc:AlternateContent>
-    <mc:Choice Requires="p14">
-      <p:transition spd="slow" p14:dur="2000"/>
-    </mc:Choice>
-    <mc:Fallback>
-      <p:transition spd="slow"/>
-    </mc:Fallback>
-  </mc:AlternateContent>
-</p:sld>
-</file>
-
-<file path=ppt/slides/slide2.xml><?xml version="1.0" encoding="utf-8"?>
-<p:sld xmlns:a="http://schemas.openxmlformats.org/drawingml/2006/main" xmlns:p="http://schemas.openxmlformats.org/presentationml/2006/main" xmlns:r="http://schemas.openxmlformats.org/officeDocument/2006/relationships" xmlns:p14="http://schemas.microsoft.com/office/powerpoint/2010/main" xmlns:p15="http://schemas.microsoft.com/office/powerpoint/2012/main" xmlns:mc="http://schemas.openxmlformats.org/markup-compatibility/2006">
-  <p:cSld>
-    <p:spTree>
-      <p:nvGrpSpPr>
-        <p:cNvPr id="1" name=""/>
-        <p:cNvGrpSpPr/>
-        <p:nvPr/>
-      </p:nvGrpSpPr>
-      <p:grpSpPr>
-        <a:xfrm>
-          <a:off x="0" y="0"/>
-          <a:ext cx="0" cy="0"/>
-          <a:chOff x="0" y="0"/>
-          <a:chExt cx="0" cy="0"/>
-        </a:xfrm>
-      </p:grpSpPr>
-      <p:sp>
-        <p:nvSpPr>
-          <p:cNvPr id="222" name="CustomShape 1"/>
-          <p:cNvSpPr/>
-          <p:nvPr/>
-        </p:nvSpPr>
-        <p:spPr>
-          <a:xfrm>
-            <a:off x="7118640" y="5255280"/>
-            <a:ext cx="2266920" cy="300960"/>
-          </a:xfrm>
-          <a:prstGeom prst="rect">
-            <a:avLst/>
-          </a:prstGeom>
-          <a:noFill/>
-          <a:ln w="0">
-            <a:noFill/>
-          </a:ln>
-        </p:spPr>
-        <p:style>
-          <a:lnRef idx="0"/>
-          <a:fillRef idx="0"/>
-          <a:effectRef idx="0"/>
-          <a:fontRef idx="minor"/>
-        </p:style>
-        <p:txBody>
-          <a:bodyPr lIns="90000" rIns="90000" tIns="45000" bIns="45000" anchor="ctr">
-            <a:noAutofit/>
-          </a:bodyPr>
-          <a:p>
-            <a:pPr algn="r">
-              <a:lnSpc>
-                <a:spcPct val="100000"/>
-              </a:lnSpc>
-              <a:buNone/>
-            </a:pPr>
-            <a:fld id="{CA161656-8FFA-4E15-8214-4F4F45697B6C}" type="slidenum">
-              <a:rPr b="0" lang="en-US" sz="1200" spc="-1" strike="noStrike">
-                <a:solidFill>
-                  <a:srgbClr val="8b8b8b"/>
-                </a:solidFill>
-                <a:latin typeface="Calibri"/>
-                <a:ea typeface="DejaVu Sans"/>
-              </a:rPr>
-              <a:t>&lt;number&gt;</a:t>
-            </a:fld>
-            <a:endParaRPr b="0" lang="en-US" sz="1200" spc="-1" strike="noStrike">
-              <a:latin typeface="Arial"/>
-            </a:endParaRPr>
-          </a:p>
-        </p:txBody>
-      </p:sp>
-      <p:pic>
-        <p:nvPicPr>
-          <p:cNvPr id="223" name="" descr=""/>
-          <p:cNvPicPr/>
-          <p:nvPr/>
-        </p:nvPicPr>
-        <p:blipFill>
-          <a:blip r:embed="rId1"/>
-          <a:stretch/>
-        </p:blipFill>
-        <p:spPr>
-          <a:xfrm>
-            <a:off x="453240" y="1293840"/>
-            <a:ext cx="4308480" cy="909720"/>
-          </a:xfrm>
-          <a:prstGeom prst="rect">
-            <a:avLst/>
-          </a:prstGeom>
-          <a:ln w="0">
-            <a:noFill/>
-          </a:ln>
-        </p:spPr>
-      </p:pic>
-      <p:pic>
-        <p:nvPicPr>
-          <p:cNvPr id="224" name="" descr=""/>
-          <p:cNvPicPr/>
-          <p:nvPr/>
-        </p:nvPicPr>
-        <p:blipFill>
-          <a:blip r:embed="rId2"/>
-          <a:stretch/>
-        </p:blipFill>
-        <p:spPr>
-          <a:xfrm>
-            <a:off x="453240" y="2238480"/>
-            <a:ext cx="4257720" cy="922680"/>
-          </a:xfrm>
-          <a:prstGeom prst="rect">
-            <a:avLst/>
-          </a:prstGeom>
-          <a:ln w="0">
-            <a:noFill/>
-          </a:ln>
-        </p:spPr>
-      </p:pic>
-      <p:pic>
-        <p:nvPicPr>
-          <p:cNvPr id="225" name="" descr=""/>
-          <p:cNvPicPr/>
-          <p:nvPr/>
-        </p:nvPicPr>
-        <p:blipFill>
-          <a:blip r:embed="rId3"/>
-          <a:stretch/>
-        </p:blipFill>
-        <p:spPr>
-          <a:xfrm>
-            <a:off x="453240" y="3182040"/>
-            <a:ext cx="3636720" cy="909720"/>
-          </a:xfrm>
-          <a:prstGeom prst="rect">
-            <a:avLst/>
-          </a:prstGeom>
-          <a:ln w="0">
-            <a:noFill/>
-          </a:ln>
-        </p:spPr>
-      </p:pic>
-      <p:pic>
-        <p:nvPicPr>
-          <p:cNvPr id="226" name="" descr=""/>
-          <p:cNvPicPr/>
-          <p:nvPr/>
-        </p:nvPicPr>
-        <p:blipFill>
-          <a:blip r:embed="rId4"/>
-          <a:stretch/>
-        </p:blipFill>
-        <p:spPr>
-          <a:xfrm>
-            <a:off x="453240" y="4126680"/>
-            <a:ext cx="3833280" cy="909720"/>
-          </a:xfrm>
-          <a:prstGeom prst="rect">
-            <a:avLst/>
-          </a:prstGeom>
-          <a:ln w="0">
-            <a:noFill/>
-          </a:ln>
-        </p:spPr>
-      </p:pic>
-      <p:pic>
-        <p:nvPicPr>
-          <p:cNvPr id="227" name="" descr=""/>
-          <p:cNvPicPr/>
-          <p:nvPr/>
-        </p:nvPicPr>
-        <p:blipFill>
-          <a:blip r:embed="rId5"/>
-          <a:stretch/>
-        </p:blipFill>
-        <p:spPr>
-          <a:xfrm>
-            <a:off x="5135760" y="2144160"/>
-            <a:ext cx="4535280" cy="3002400"/>
-          </a:xfrm>
-          <a:prstGeom prst="rect">
-            <a:avLst/>
-          </a:prstGeom>
-          <a:ln w="0">
-            <a:noFill/>
-          </a:ln>
-        </p:spPr>
-      </p:pic>
-      <p:sp>
-        <p:nvSpPr>
-          <p:cNvPr id="228" name="CustomShape 2"/>
-          <p:cNvSpPr/>
-          <p:nvPr/>
-        </p:nvSpPr>
-        <p:spPr>
-          <a:xfrm>
-            <a:off x="693000" y="302040"/>
-            <a:ext cx="8692920" cy="1095120"/>
-          </a:xfrm>
-          <a:prstGeom prst="rect">
-            <a:avLst/>
-          </a:prstGeom>
-          <a:noFill/>
-          <a:ln w="0">
-            <a:noFill/>
-          </a:ln>
-        </p:spPr>
-        <p:style>
-          <a:lnRef idx="0"/>
-          <a:fillRef idx="0"/>
-          <a:effectRef idx="0"/>
-          <a:fontRef idx="minor"/>
-        </p:style>
-        <p:txBody>
-          <a:bodyPr lIns="90000" rIns="90000" tIns="45000" bIns="45000" anchor="ctr">
-            <a:noAutofit/>
-          </a:bodyPr>
-          <a:p>
-            <a:pPr>
-              <a:lnSpc>
-                <a:spcPct val="90000"/>
-              </a:lnSpc>
-              <a:buNone/>
-            </a:pPr>
-            <a:r>
-              <a:rPr b="0" lang="en-US" sz="4400" spc="-1" strike="noStrike">
-                <a:solidFill>
-                  <a:srgbClr val="000000"/>
-                </a:solidFill>
-                <a:latin typeface="Calibri Light"/>
-                <a:ea typeface="DejaVu Sans"/>
-              </a:rPr>
-              <a:t>Kaitao Yang</a:t>
-            </a:r>
-            <a:endParaRPr b="0" lang="en-US" sz="4400" spc="-1" strike="noStrike">
-              <a:latin typeface="Arial"/>
-            </a:endParaRPr>
-          </a:p>
-        </p:txBody>
-      </p:sp>
-    </p:spTree>
-  </p:cSld>
-  <mc:AlternateContent>
-    <mc:Choice Requires="p14">
-      <p:transition spd="slow" p14:dur="2000"/>
-    </mc:Choice>
-    <mc:Fallback>
-      <p:transition spd="slow"/>
-    </mc:Fallback>
-  </mc:AlternateContent>
-</p:sld>
-</file>
-
-<file path=ppt/slides/slide3.xml><?xml version="1.0" encoding="utf-8"?>
-<p:sld xmlns:a="http://schemas.openxmlformats.org/drawingml/2006/main" xmlns:p="http://schemas.openxmlformats.org/presentationml/2006/main" xmlns:r="http://schemas.openxmlformats.org/officeDocument/2006/relationships" xmlns:p14="http://schemas.microsoft.com/office/powerpoint/2010/main" xmlns:p15="http://schemas.microsoft.com/office/powerpoint/2012/main" xmlns:mc="http://schemas.openxmlformats.org/markup-compatibility/2006">
-  <p:cSld>
-    <p:spTree>
-      <p:nvGrpSpPr>
-        <p:cNvPr id="1" name=""/>
-        <p:cNvGrpSpPr/>
-        <p:nvPr/>
-      </p:nvGrpSpPr>
-      <p:grpSpPr>
-        <a:xfrm>
-          <a:off x="0" y="0"/>
-          <a:ext cx="0" cy="0"/>
-          <a:chOff x="0" y="0"/>
-          <a:chExt cx="0" cy="0"/>
-        </a:xfrm>
-      </p:grpSpPr>
-      <p:sp>
-        <p:nvSpPr>
-          <p:cNvPr id="229" name="PlaceHolder 1"/>
-          <p:cNvSpPr>
-            <a:spLocks noGrp="1"/>
-          </p:cNvSpPr>
-          <p:nvPr>
-            <p:ph type="title"/>
-          </p:nvPr>
-        </p:nvSpPr>
-        <p:spPr>
-          <a:xfrm>
-            <a:off x="144000" y="72000"/>
-            <a:ext cx="9540000" cy="648000"/>
-          </a:xfrm>
-          <a:prstGeom prst="rect">
-            <a:avLst/>
-          </a:prstGeom>
-          <a:noFill/>
-          <a:ln w="0">
-            <a:noFill/>
-          </a:ln>
-        </p:spPr>
-        <p:txBody>
-          <a:bodyPr lIns="0" rIns="0" tIns="0" bIns="0" anchor="ctr">
-            <a:noAutofit/>
-          </a:bodyPr>
-          <a:p>
-            <a:r>
-              <a:rPr b="0" lang="en-US" sz="4400" spc="-1" strike="noStrike">
-                <a:latin typeface="Arial"/>
-              </a:rPr>
-              <a:t>Outline</a:t>
-            </a:r>
-            <a:endParaRPr b="0" lang="en-US" sz="4400" spc="-1" strike="noStrike">
-              <a:latin typeface="Arial"/>
-            </a:endParaRPr>
-          </a:p>
-        </p:txBody>
-      </p:sp>
-      <p:sp>
-        <p:nvSpPr>
-          <p:cNvPr id="230" name="PlaceHolder 2"/>
-          <p:cNvSpPr>
-            <a:spLocks noGrp="1"/>
-          </p:cNvSpPr>
-          <p:nvPr>
-            <p:ph/>
-          </p:nvPr>
-        </p:nvSpPr>
-        <p:spPr>
-          <a:xfrm>
-            <a:off x="504000" y="1326600"/>
-            <a:ext cx="9071640" cy="3288240"/>
-          </a:xfrm>
-          <a:prstGeom prst="rect">
-            <a:avLst/>
-          </a:prstGeom>
-          <a:noFill/>
-          <a:ln w="0">
-            <a:noFill/>
-          </a:ln>
-        </p:spPr>
-        <p:txBody>
-          <a:bodyPr lIns="0" rIns="0" tIns="0" bIns="0" anchor="t">
-            <a:normAutofit/>
-          </a:bodyPr>
-          <a:p>
-            <a:pPr marL="432000" indent="-324000">
-              <a:spcBef>
-                <a:spcPts val="1417"/>
-              </a:spcBef>
-              <a:buClr>
-                <a:srgbClr val="ffffff"/>
-              </a:buClr>
-              <a:buSzPct val="45000"/>
-              <a:buFont typeface="Wingdings" charset="2"/>
-              <a:buChar char=""/>
-            </a:pPr>
-            <a:r>
-              <a:rPr b="0" lang="en-US" sz="3200" spc="-1" strike="noStrike">
-                <a:latin typeface="Arial"/>
-              </a:rPr>
-              <a:t>Data Exploration</a:t>
-            </a:r>
-            <a:endParaRPr b="0" lang="en-US" sz="3200" spc="-1" strike="noStrike">
-              <a:latin typeface="Arial"/>
-            </a:endParaRPr>
-          </a:p>
-          <a:p>
-            <a:pPr marL="432000" indent="-324000">
-              <a:spcBef>
-                <a:spcPts val="1417"/>
-              </a:spcBef>
-              <a:buClr>
-                <a:srgbClr val="ffffff"/>
-              </a:buClr>
-              <a:buSzPct val="45000"/>
-              <a:buFont typeface="Wingdings" charset="2"/>
-              <a:buChar char=""/>
-            </a:pPr>
-            <a:r>
-              <a:rPr b="0" lang="en-US" sz="3200" spc="-1" strike="noStrike">
-                <a:latin typeface="Arial"/>
-              </a:rPr>
-              <a:t>Reinforcement learning introduction</a:t>
-            </a:r>
-            <a:endParaRPr b="0" lang="en-US" sz="3200" spc="-1" strike="noStrike">
-              <a:latin typeface="Arial"/>
-            </a:endParaRPr>
-          </a:p>
-          <a:p>
-            <a:pPr marL="432000" indent="-324000">
-              <a:spcBef>
-                <a:spcPts val="1417"/>
-              </a:spcBef>
-              <a:buClr>
-                <a:srgbClr val="ffffff"/>
-              </a:buClr>
-              <a:buSzPct val="45000"/>
-              <a:buFont typeface="Wingdings" charset="2"/>
-              <a:buChar char=""/>
-            </a:pPr>
-            <a:r>
-              <a:rPr b="0" lang="en-US" sz="3200" spc="-1" strike="noStrike">
-                <a:latin typeface="Arial"/>
-              </a:rPr>
-              <a:t>Multi-armed Bandit</a:t>
-            </a:r>
-            <a:endParaRPr b="0" lang="en-US" sz="3200" spc="-1" strike="noStrike">
-              <a:latin typeface="Arial"/>
-            </a:endParaRPr>
-          </a:p>
-          <a:p>
-            <a:pPr marL="432000" indent="-324000">
-              <a:spcBef>
-                <a:spcPts val="1417"/>
-              </a:spcBef>
-              <a:buClr>
-                <a:srgbClr val="ffffff"/>
-              </a:buClr>
-              <a:buSzPct val="45000"/>
-              <a:buFont typeface="Wingdings" charset="2"/>
-              <a:buChar char=""/>
-            </a:pPr>
-            <a:r>
-              <a:rPr b="0" lang="en-US" sz="3200" spc="-1" strike="noStrike">
-                <a:latin typeface="Arial"/>
-              </a:rPr>
-              <a:t>Contextual Multi-armed Bandit</a:t>
-            </a:r>
-            <a:endParaRPr b="0" lang="en-US" sz="3200" spc="-1" strike="noStrike">
-              <a:latin typeface="Arial"/>
-            </a:endParaRPr>
-          </a:p>
-          <a:p>
-            <a:pPr marL="432000" indent="-324000">
-              <a:spcBef>
-                <a:spcPts val="1417"/>
-              </a:spcBef>
-              <a:buClr>
-                <a:srgbClr val="ffffff"/>
-              </a:buClr>
-              <a:buSzPct val="45000"/>
-              <a:buFont typeface="Wingdings" charset="2"/>
-              <a:buChar char=""/>
-            </a:pPr>
-            <a:r>
-              <a:rPr b="0" lang="en-US" sz="3200" spc="-1" strike="noStrike">
-                <a:latin typeface="Arial"/>
-              </a:rPr>
-              <a:t>Future work</a:t>
-            </a:r>
-            <a:endParaRPr b="0" lang="en-US" sz="3200" spc="-1" strike="noStrike">
-              <a:latin typeface="Arial"/>
-            </a:endParaRPr>
-          </a:p>
-        </p:txBody>
-      </p:sp>
-      <p:sp>
-        <p:nvSpPr>
-          <p:cNvPr id="4" name="PlaceHolder 3"/>
-          <p:cNvSpPr>
-            <a:spLocks noGrp="1"/>
-          </p:cNvSpPr>
-          <p:nvPr>
-            <p:ph type="sldNum" idx="3"/>
-          </p:nvPr>
-        </p:nvSpPr>
-        <p:spPr/>
-        <p:txBody>
-          <a:bodyPr/>
-          <a:p>
-            <a:fld id="{D8B213E2-13FC-464B-91B1-E4A525C56636}" type="slidenum">
+            <a:fld id="{22394F8F-595B-40FB-8DAB-CF434F4CB1B2}" type="slidenum">
               <a:t>3</a:t>
             </a:fld>
           </a:p>
@@ -15972,439 +16066,168 @@
               <a:rPr b="0" lang="en-US" sz="4400" spc="-1" strike="noStrike">
                 <a:latin typeface="Arial"/>
               </a:rPr>
+              <a:t>Outline</a:t>
+            </a:r>
+            <a:endParaRPr b="0" lang="en-US" sz="4400" spc="-1" strike="noStrike">
+              <a:latin typeface="Arial"/>
+            </a:endParaRPr>
+          </a:p>
+        </p:txBody>
+      </p:sp>
+      <p:sp>
+        <p:nvSpPr>
+          <p:cNvPr id="232" name="PlaceHolder 2"/>
+          <p:cNvSpPr>
+            <a:spLocks noGrp="1"/>
+          </p:cNvSpPr>
+          <p:nvPr>
+            <p:ph/>
+          </p:nvPr>
+        </p:nvSpPr>
+        <p:spPr>
+          <a:xfrm>
+            <a:off x="504000" y="1326600"/>
+            <a:ext cx="9071640" cy="3288240"/>
+          </a:xfrm>
+          <a:prstGeom prst="rect">
+            <a:avLst/>
+          </a:prstGeom>
+          <a:noFill/>
+          <a:ln w="0">
+            <a:noFill/>
+          </a:ln>
+        </p:spPr>
+        <p:txBody>
+          <a:bodyPr lIns="0" rIns="0" tIns="0" bIns="0" anchor="t">
+            <a:normAutofit/>
+          </a:bodyPr>
+          <a:p>
+            <a:pPr marL="432000" indent="-324000">
+              <a:spcBef>
+                <a:spcPts val="1417"/>
+              </a:spcBef>
+              <a:buClr>
+                <a:srgbClr val="ffffff"/>
+              </a:buClr>
+              <a:buSzPct val="45000"/>
+              <a:buFont typeface="Wingdings" charset="2"/>
+              <a:buChar char=""/>
+            </a:pPr>
+            <a:r>
+              <a:rPr b="0" lang="en-US" sz="3200" spc="-1" strike="noStrike">
+                <a:latin typeface="Arial"/>
+              </a:rPr>
               <a:t>Data Exploration</a:t>
             </a:r>
-            <a:endParaRPr b="0" lang="en-US" sz="4400" spc="-1" strike="noStrike">
-              <a:latin typeface="Arial"/>
-            </a:endParaRPr>
-          </a:p>
-        </p:txBody>
-      </p:sp>
-      <p:sp>
-        <p:nvSpPr>
-          <p:cNvPr id="232" name=""/>
-          <p:cNvSpPr txBox="1"/>
-          <p:nvPr/>
-        </p:nvSpPr>
-        <p:spPr>
-          <a:xfrm>
-            <a:off x="5988600" y="797400"/>
-            <a:ext cx="4039560" cy="4064400"/>
-          </a:xfrm>
-          <a:prstGeom prst="rect">
-            <a:avLst/>
-          </a:prstGeom>
-          <a:noFill/>
-          <a:ln w="0">
-            <a:noFill/>
-          </a:ln>
-        </p:spPr>
-        <p:txBody>
-          <a:bodyPr lIns="90000" rIns="90000" tIns="45000" bIns="45000" anchor="t">
-            <a:noAutofit/>
-          </a:bodyPr>
-          <a:p>
-            <a:r>
-              <a:rPr b="0" lang="en-US" sz="1800" spc="-1" strike="noStrike">
-                <a:solidFill>
-                  <a:srgbClr val="00a933"/>
-                </a:solidFill>
+            <a:endParaRPr b="0" lang="en-US" sz="3200" spc="-1" strike="noStrike">
+              <a:latin typeface="Arial"/>
+            </a:endParaRPr>
+          </a:p>
+          <a:p>
+            <a:pPr marL="432000" indent="-324000">
+              <a:spcBef>
+                <a:spcPts val="1417"/>
+              </a:spcBef>
+              <a:buClr>
+                <a:srgbClr val="ffffff"/>
+              </a:buClr>
+              <a:buSzPct val="45000"/>
+              <a:buFont typeface="Wingdings" charset="2"/>
+              <a:buChar char=""/>
+            </a:pPr>
+            <a:r>
+              <a:rPr b="0" lang="en-US" sz="3200" spc="-1" strike="noStrike">
                 <a:latin typeface="Arial"/>
               </a:rPr>
-              <a:t>Missing value ratio</a:t>
-            </a:r>
-            <a:r>
-              <a:rPr b="0" lang="en-US" sz="1800" spc="-1" strike="noStrike">
+              <a:t>Reinforcement learning </a:t>
+            </a:r>
+            <a:r>
+              <a:rPr b="0" lang="en-US" sz="3200" spc="-1" strike="noStrike">
                 <a:latin typeface="Arial"/>
               </a:rPr>
-              <a:t>:</a:t>
-            </a:r>
-            <a:endParaRPr b="0" lang="en-US" sz="1800" spc="-1" strike="noStrike">
-              <a:latin typeface="Arial"/>
-            </a:endParaRPr>
-          </a:p>
-          <a:p>
-            <a:r>
-              <a:rPr b="0" lang="en-US" sz="1300" spc="-1" strike="noStrike">
+              <a:t>introduction</a:t>
+            </a:r>
+            <a:endParaRPr b="0" lang="en-US" sz="3200" spc="-1" strike="noStrike">
+              <a:latin typeface="Arial"/>
+            </a:endParaRPr>
+          </a:p>
+          <a:p>
+            <a:pPr marL="432000" indent="-324000">
+              <a:spcBef>
+                <a:spcPts val="1417"/>
+              </a:spcBef>
+              <a:buClr>
+                <a:srgbClr val="ffffff"/>
+              </a:buClr>
+              <a:buSzPct val="45000"/>
+              <a:buFont typeface="Wingdings" charset="2"/>
+              <a:buChar char=""/>
+            </a:pPr>
+            <a:r>
+              <a:rPr b="0" lang="en-US" sz="3200" spc="-1" strike="noStrike">
                 <a:latin typeface="Arial"/>
               </a:rPr>
-              <a:t>('20.99%', 'days_since_last_visit'),</a:t>
-            </a:r>
-            <a:endParaRPr b="0" lang="en-US" sz="1300" spc="-1" strike="noStrike">
-              <a:latin typeface="Arial"/>
-            </a:endParaRPr>
-          </a:p>
-          <a:p>
-            <a:r>
-              <a:rPr b="0" lang="en-US" sz="1300" spc="-1" strike="noStrike">
+              <a:t>Multi-armed Bandit</a:t>
+            </a:r>
+            <a:endParaRPr b="0" lang="en-US" sz="3200" spc="-1" strike="noStrike">
+              <a:latin typeface="Arial"/>
+            </a:endParaRPr>
+          </a:p>
+          <a:p>
+            <a:pPr marL="432000" indent="-324000">
+              <a:spcBef>
+                <a:spcPts val="1417"/>
+              </a:spcBef>
+              <a:buClr>
+                <a:srgbClr val="ffffff"/>
+              </a:buClr>
+              <a:buSzPct val="45000"/>
+              <a:buFont typeface="Wingdings" charset="2"/>
+              <a:buChar char=""/>
+            </a:pPr>
+            <a:r>
+              <a:rPr b="0" lang="en-US" sz="3200" spc="-1" strike="noStrike">
                 <a:latin typeface="Arial"/>
               </a:rPr>
-              <a:t>('2.33%', 'year_home_built'),</a:t>
-            </a:r>
-            <a:endParaRPr b="0" lang="en-US" sz="1300" spc="-1" strike="noStrike">
-              <a:latin typeface="Arial"/>
-            </a:endParaRPr>
-          </a:p>
-          <a:p>
-            <a:r>
-              <a:rPr b="0" lang="en-US" sz="1300" spc="-1" strike="noStrike">
+              <a:t>Contextual Multi-armed </a:t>
+            </a:r>
+            <a:r>
+              <a:rPr b="0" lang="en-US" sz="3200" spc="-1" strike="noStrike">
                 <a:latin typeface="Arial"/>
               </a:rPr>
-              <a:t>('2.33%', 'net_worth'),</a:t>
-            </a:r>
-            <a:endParaRPr b="0" lang="en-US" sz="1300" spc="-1" strike="noStrike">
-              <a:latin typeface="Arial"/>
-            </a:endParaRPr>
-          </a:p>
-          <a:p>
-            <a:r>
-              <a:rPr b="0" lang="en-US" sz="1300" spc="-1" strike="noStrike">
+              <a:t>Bandit</a:t>
+            </a:r>
+            <a:endParaRPr b="0" lang="en-US" sz="3200" spc="-1" strike="noStrike">
+              <a:latin typeface="Arial"/>
+            </a:endParaRPr>
+          </a:p>
+          <a:p>
+            <a:pPr marL="432000" indent="-324000">
+              <a:spcBef>
+                <a:spcPts val="1417"/>
+              </a:spcBef>
+              <a:buClr>
+                <a:srgbClr val="ffffff"/>
+              </a:buClr>
+              <a:buSzPct val="45000"/>
+              <a:buFont typeface="Wingdings" charset="2"/>
+              <a:buChar char=""/>
+            </a:pPr>
+            <a:r>
+              <a:rPr b="0" lang="en-US" sz="3200" spc="-1" strike="noStrike">
                 <a:latin typeface="Arial"/>
               </a:rPr>
-              <a:t>('2.33%', 'montrd_home_security_sys_own_value'),</a:t>
-            </a:r>
-            <a:endParaRPr b="0" lang="en-US" sz="1300" spc="-1" strike="noStrike">
-              <a:latin typeface="Arial"/>
-            </a:endParaRPr>
-          </a:p>
-          <a:p>
-            <a:r>
-              <a:rPr b="0" lang="en-US" sz="1300" spc="-1" strike="noStrike">
-                <a:latin typeface="Arial"/>
-              </a:rPr>
-              <a:t>('2.33%', 'mkt_trend_env_focused_hh_value'),</a:t>
-            </a:r>
-            <a:endParaRPr b="0" lang="en-US" sz="1300" spc="-1" strike="noStrike">
-              <a:latin typeface="Arial"/>
-            </a:endParaRPr>
-          </a:p>
-          <a:p>
-            <a:r>
-              <a:rPr b="0" lang="en-US" sz="1300" spc="-1" strike="noStrike">
-                <a:latin typeface="Arial"/>
-              </a:rPr>
-              <a:t>('2.33%', 'mkt_organic_product_purchasers_value'),</a:t>
-            </a:r>
-            <a:endParaRPr b="0" lang="en-US" sz="1300" spc="-1" strike="noStrike">
-              <a:latin typeface="Arial"/>
-            </a:endParaRPr>
-          </a:p>
-          <a:p>
-            <a:r>
-              <a:rPr b="0" lang="en-US" sz="1300" spc="-1" strike="noStrike">
-                <a:latin typeface="Arial"/>
-              </a:rPr>
-              <a:t>('2.33%', 'mkt_green_product_purchasers_value'),</a:t>
-            </a:r>
-            <a:endParaRPr b="0" lang="en-US" sz="1300" spc="-1" strike="noStrike">
-              <a:latin typeface="Arial"/>
-            </a:endParaRPr>
-          </a:p>
-          <a:p>
-            <a:r>
-              <a:rPr b="0" lang="en-US" sz="1300" spc="-1" strike="noStrike">
-                <a:latin typeface="Arial"/>
-              </a:rPr>
-              <a:t>('2.33%', 'length_of_residence'),</a:t>
-            </a:r>
-            <a:endParaRPr b="0" lang="en-US" sz="1300" spc="-1" strike="noStrike">
-              <a:latin typeface="Arial"/>
-            </a:endParaRPr>
-          </a:p>
-          <a:p>
-            <a:r>
-              <a:rPr b="0" lang="en-US" sz="1300" spc="-1" strike="noStrike">
-                <a:latin typeface="Arial"/>
-              </a:rPr>
-              <a:t>('2.33%', 'income'),</a:t>
-            </a:r>
-            <a:endParaRPr b="0" lang="en-US" sz="1300" spc="-1" strike="noStrike">
-              <a:latin typeface="Arial"/>
-            </a:endParaRPr>
-          </a:p>
-          <a:p>
-            <a:r>
-              <a:rPr b="0" lang="en-US" sz="1300" spc="-1" strike="noStrike">
-                <a:latin typeface="Arial"/>
-              </a:rPr>
-              <a:t>('2.33%', 'home_market_value'),</a:t>
-            </a:r>
-            <a:endParaRPr b="0" lang="en-US" sz="1300" spc="-1" strike="noStrike">
-              <a:latin typeface="Arial"/>
-            </a:endParaRPr>
-          </a:p>
-          <a:p>
-            <a:r>
-              <a:rPr b="0" lang="en-US" sz="1300" spc="-1" strike="noStrike">
-                <a:latin typeface="Arial"/>
-              </a:rPr>
-              <a:t>('2.33%', 'high_end_shoppers_value'),</a:t>
-            </a:r>
-            <a:endParaRPr b="0" lang="en-US" sz="1300" spc="-1" strike="noStrike">
-              <a:latin typeface="Arial"/>
-            </a:endParaRPr>
-          </a:p>
-          <a:p>
-            <a:r>
-              <a:rPr b="0" lang="en-US" sz="1300" spc="-1" strike="noStrike">
-                <a:latin typeface="Arial"/>
-              </a:rPr>
-              <a:t>('2.33%', 'do_it_yourselfer_value'),</a:t>
-            </a:r>
-            <a:endParaRPr b="0" lang="en-US" sz="1300" spc="-1" strike="noStrike">
-              <a:latin typeface="Arial"/>
-            </a:endParaRPr>
-          </a:p>
-          <a:p>
-            <a:r>
-              <a:rPr b="0" lang="en-US" sz="1300" spc="-1" strike="noStrike">
-                <a:latin typeface="Arial"/>
-              </a:rPr>
-              <a:t>('0.15%', 'zipcode'),</a:t>
-            </a:r>
-            <a:endParaRPr b="0" lang="en-US" sz="1300" spc="-1" strike="noStrike">
-              <a:latin typeface="Arial"/>
-            </a:endParaRPr>
-          </a:p>
-          <a:p>
-            <a:r>
-              <a:rPr b="0" lang="en-US" sz="1300" spc="-1" strike="noStrike">
-                <a:latin typeface="Arial"/>
-              </a:rPr>
-              <a:t>('0.0%', 'visit_id'),</a:t>
-            </a:r>
-            <a:endParaRPr b="0" lang="en-US" sz="1300" spc="-1" strike="noStrike">
-              <a:latin typeface="Arial"/>
-            </a:endParaRPr>
-          </a:p>
-          <a:p>
-            <a:r>
-              <a:rPr b="0" lang="en-US" sz="1300" spc="-1" strike="noStrike">
-                <a:latin typeface="Arial"/>
-              </a:rPr>
-              <a:t>('0.0%', '</a:t>
-            </a:r>
-            <a:r>
-              <a:rPr b="0" lang="en-US" sz="1300" spc="-1" strike="noStrike">
-                <a:solidFill>
-                  <a:srgbClr val="c9211e"/>
-                </a:solidFill>
-                <a:latin typeface="Arial"/>
-              </a:rPr>
-              <a:t>success</a:t>
-            </a:r>
-            <a:r>
-              <a:rPr b="0" lang="en-US" sz="1300" spc="-1" strike="noStrike">
-                <a:latin typeface="Arial"/>
-              </a:rPr>
-              <a:t>'),</a:t>
-            </a:r>
-            <a:endParaRPr b="0" lang="en-US" sz="1300" spc="-1" strike="noStrike">
-              <a:latin typeface="Arial"/>
-            </a:endParaRPr>
-          </a:p>
-          <a:p>
-            <a:r>
-              <a:rPr b="0" lang="en-US" sz="1300" spc="-1" strike="noStrike">
-                <a:latin typeface="Arial"/>
-              </a:rPr>
-              <a:t>('0.0%', 'repeat_visit'),</a:t>
-            </a:r>
-            <a:endParaRPr b="0" lang="en-US" sz="1300" spc="-1" strike="noStrike">
-              <a:latin typeface="Arial"/>
-            </a:endParaRPr>
-          </a:p>
-          <a:p>
-            <a:r>
-              <a:rPr b="0" lang="en-US" sz="1300" spc="-1" strike="noStrike">
-                <a:latin typeface="Arial"/>
-              </a:rPr>
-              <a:t>('0.0%', 'pro'),</a:t>
-            </a:r>
-            <a:endParaRPr b="0" lang="en-US" sz="1300" spc="-1" strike="noStrike">
-              <a:latin typeface="Arial"/>
-            </a:endParaRPr>
-          </a:p>
-          <a:p>
-            <a:r>
-              <a:rPr b="0" lang="en-US" sz="1300" spc="-1" strike="noStrike">
-                <a:latin typeface="Arial"/>
-              </a:rPr>
-              <a:t>('0.0%', 'new_movers'),</a:t>
-            </a:r>
-            <a:endParaRPr b="0" lang="en-US" sz="1300" spc="-1" strike="noStrike">
-              <a:latin typeface="Arial"/>
-            </a:endParaRPr>
-          </a:p>
-          <a:p>
-            <a:r>
-              <a:rPr b="0" lang="en-US" sz="1300" spc="-1" strike="noStrike">
-                <a:latin typeface="Arial"/>
-              </a:rPr>
-              <a:t>('0.0%', '</a:t>
-            </a:r>
-            <a:r>
-              <a:rPr b="0" lang="en-US" sz="1300" spc="-1" strike="noStrike">
-                <a:solidFill>
-                  <a:srgbClr val="c9211e"/>
-                </a:solidFill>
-                <a:latin typeface="Arial"/>
-              </a:rPr>
-              <a:t>experience</a:t>
-            </a:r>
-            <a:r>
-              <a:rPr b="0" lang="en-US" sz="1300" spc="-1" strike="noStrike">
-                <a:latin typeface="Arial"/>
-              </a:rPr>
-              <a:t>'),</a:t>
-            </a:r>
-            <a:endParaRPr b="0" lang="en-US" sz="1300" spc="-1" strike="noStrike">
-              <a:latin typeface="Arial"/>
-            </a:endParaRPr>
-          </a:p>
-          <a:p>
-            <a:r>
-              <a:rPr b="0" lang="en-US" sz="1300" spc="-1" strike="noStrike">
-                <a:latin typeface="Arial"/>
-              </a:rPr>
-              <a:t>('0.0%', 'date_time')</a:t>
-            </a:r>
-            <a:endParaRPr b="0" lang="en-US" sz="1300" spc="-1" strike="noStrike">
-              <a:latin typeface="Arial"/>
-            </a:endParaRPr>
-          </a:p>
-        </p:txBody>
-      </p:sp>
-      <p:sp>
-        <p:nvSpPr>
-          <p:cNvPr id="233" name=""/>
-          <p:cNvSpPr txBox="1"/>
-          <p:nvPr/>
-        </p:nvSpPr>
-        <p:spPr>
-          <a:xfrm>
-            <a:off x="4945320" y="5221080"/>
-            <a:ext cx="4191120" cy="345960"/>
-          </a:xfrm>
-          <a:prstGeom prst="rect">
-            <a:avLst/>
-          </a:prstGeom>
-          <a:noFill/>
-          <a:ln w="10800">
-            <a:noFill/>
-          </a:ln>
-        </p:spPr>
-        <p:txBody>
-          <a:bodyPr lIns="90000" rIns="90000" tIns="45000" bIns="45000" anchor="t">
-            <a:noAutofit/>
-          </a:bodyPr>
-          <a:p>
-            <a:r>
-              <a:rPr b="0" lang="en-US" sz="1800" spc="-1" strike="noStrike">
-                <a:solidFill>
-                  <a:srgbClr val="ffffff"/>
-                </a:solidFill>
-                <a:latin typeface="Arial"/>
-              </a:rPr>
-              <a:t>Click here for</a:t>
-            </a:r>
-            <a:r>
-              <a:rPr b="0" lang="en-US" sz="1800" spc="-1" strike="noStrike">
-                <a:solidFill>
-                  <a:srgbClr val="00a933"/>
-                </a:solidFill>
-                <a:latin typeface="Arial"/>
-              </a:rPr>
-              <a:t> </a:t>
-            </a:r>
-            <a:r>
-              <a:rPr b="0" lang="en-US" sz="1800" spc="-1" strike="noStrike">
-                <a:solidFill>
-                  <a:srgbClr val="00a933"/>
-                </a:solidFill>
-                <a:latin typeface="Arial"/>
-                <a:hlinkClick r:id="rId1"/>
-              </a:rPr>
-              <a:t>data_profiling_report.html</a:t>
-            </a:r>
-            <a:endParaRPr b="0" lang="en-US" sz="1800" spc="-1" strike="noStrike">
-              <a:latin typeface="Arial"/>
-            </a:endParaRPr>
-          </a:p>
-        </p:txBody>
-      </p:sp>
-      <p:pic>
-        <p:nvPicPr>
-          <p:cNvPr id="234" name="" descr=""/>
-          <p:cNvPicPr/>
-          <p:nvPr/>
-        </p:nvPicPr>
-        <p:blipFill>
-          <a:blip r:embed="rId2"/>
-          <a:stretch/>
-        </p:blipFill>
-        <p:spPr>
-          <a:xfrm>
-            <a:off x="49680" y="847800"/>
-            <a:ext cx="5076360" cy="2114280"/>
-          </a:xfrm>
-          <a:prstGeom prst="rect">
-            <a:avLst/>
-          </a:prstGeom>
-          <a:ln w="10800">
-            <a:noFill/>
-          </a:ln>
-        </p:spPr>
-      </p:pic>
-      <p:pic>
-        <p:nvPicPr>
-          <p:cNvPr id="235" name="" descr=""/>
-          <p:cNvPicPr/>
-          <p:nvPr/>
-        </p:nvPicPr>
-        <p:blipFill>
-          <a:blip r:embed="rId3"/>
-          <a:stretch/>
-        </p:blipFill>
-        <p:spPr>
-          <a:xfrm>
-            <a:off x="48240" y="3027240"/>
-            <a:ext cx="5068800" cy="1066320"/>
-          </a:xfrm>
-          <a:prstGeom prst="rect">
-            <a:avLst/>
-          </a:prstGeom>
-          <a:ln w="10800">
-            <a:noFill/>
-          </a:ln>
-        </p:spPr>
-      </p:pic>
-      <p:pic>
-        <p:nvPicPr>
-          <p:cNvPr id="236" name="" descr=""/>
-          <p:cNvPicPr/>
-          <p:nvPr/>
-        </p:nvPicPr>
-        <p:blipFill>
-          <a:blip r:embed="rId4"/>
-          <a:stretch/>
-        </p:blipFill>
-        <p:spPr>
-          <a:xfrm>
-            <a:off x="24120" y="4156200"/>
-            <a:ext cx="3590640" cy="1409400"/>
-          </a:xfrm>
-          <a:prstGeom prst="rect">
-            <a:avLst/>
-          </a:prstGeom>
-          <a:ln w="10800">
-            <a:noFill/>
-          </a:ln>
-        </p:spPr>
-      </p:pic>
-      <p:sp>
-        <p:nvSpPr>
-          <p:cNvPr id="3" name="PlaceHolder 2"/>
+              <a:t>Future work</a:t>
+            </a:r>
+            <a:endParaRPr b="0" lang="en-US" sz="3200" spc="-1" strike="noStrike">
+              <a:latin typeface="Arial"/>
+            </a:endParaRPr>
+          </a:p>
+        </p:txBody>
+      </p:sp>
+      <p:sp>
+        <p:nvSpPr>
+          <p:cNvPr id="4" name="PlaceHolder 3"/>
           <p:cNvSpPr>
             <a:spLocks noGrp="1"/>
           </p:cNvSpPr>
@@ -16416,7 +16239,7 @@
         <p:txBody>
           <a:bodyPr/>
           <a:p>
-            <a:fld id="{C7EBEB20-97E2-4C1B-AA94-2A86C8008CE6}" type="slidenum">
+            <a:fld id="{654DCC84-D6FB-4C30-B571-BE5F1A89A1FC}" type="slidenum">
               <a:t>4</a:t>
             </a:fld>
           </a:p>
@@ -16454,7 +16277,7 @@
       </p:grpSpPr>
       <p:sp>
         <p:nvSpPr>
-          <p:cNvPr id="237" name="PlaceHolder 1"/>
+          <p:cNvPr id="233" name="PlaceHolder 1"/>
           <p:cNvSpPr>
             <a:spLocks noGrp="1"/>
           </p:cNvSpPr>
@@ -16484,7 +16307,7 @@
               <a:rPr b="0" lang="en-US" sz="4400" spc="-1" strike="noStrike">
                 <a:latin typeface="Arial"/>
               </a:rPr>
-              <a:t>Data Exploration (continued)</a:t>
+              <a:t>Data Exploration</a:t>
             </a:r>
             <a:endParaRPr b="0" lang="en-US" sz="4400" spc="-1" strike="noStrike">
               <a:latin typeface="Arial"/>
@@ -16494,33 +16317,352 @@
       </p:sp>
       <p:sp>
         <p:nvSpPr>
-          <p:cNvPr id="238" name="PlaceHolder 2"/>
-          <p:cNvSpPr>
-            <a:spLocks noGrp="1"/>
-          </p:cNvSpPr>
-          <p:nvPr>
-            <p:ph/>
-          </p:nvPr>
-        </p:nvSpPr>
-        <p:spPr>
-          <a:xfrm>
-            <a:off x="504000" y="1326600"/>
-            <a:ext cx="9071640" cy="3288240"/>
-          </a:xfrm>
-          <a:prstGeom prst="rect">
-            <a:avLst/>
-          </a:prstGeom>
-          <a:noFill/>
-          <a:ln w="0">
-            <a:noFill/>
-          </a:ln>
-        </p:spPr>
-        <p:txBody>
-          <a:bodyPr lIns="0" rIns="0" tIns="0" bIns="0" anchor="t">
-            <a:normAutofit/>
-          </a:bodyPr>
-          <a:p>
-            <a:endParaRPr b="0" lang="en-US" sz="3200" spc="-1" strike="noStrike">
+          <p:cNvPr id="234" name=""/>
+          <p:cNvSpPr txBox="1"/>
+          <p:nvPr/>
+        </p:nvSpPr>
+        <p:spPr>
+          <a:xfrm>
+            <a:off x="5988600" y="797400"/>
+            <a:ext cx="4039560" cy="4064400"/>
+          </a:xfrm>
+          <a:prstGeom prst="rect">
+            <a:avLst/>
+          </a:prstGeom>
+          <a:noFill/>
+          <a:ln w="0">
+            <a:noFill/>
+          </a:ln>
+        </p:spPr>
+        <p:txBody>
+          <a:bodyPr lIns="90000" rIns="90000" tIns="45000" bIns="45000" anchor="t">
+            <a:noAutofit/>
+          </a:bodyPr>
+          <a:p>
+            <a:r>
+              <a:rPr b="0" lang="en-US" sz="1800" spc="-1" strike="noStrike">
+                <a:solidFill>
+                  <a:srgbClr val="00a933"/>
+                </a:solidFill>
+                <a:latin typeface="Arial"/>
+              </a:rPr>
+              <a:t>Missing value ratio</a:t>
+            </a:r>
+            <a:r>
+              <a:rPr b="0" lang="en-US" sz="1800" spc="-1" strike="noStrike">
+                <a:latin typeface="Arial"/>
+              </a:rPr>
+              <a:t>:</a:t>
+            </a:r>
+            <a:endParaRPr b="0" lang="en-US" sz="1800" spc="-1" strike="noStrike">
+              <a:latin typeface="Arial"/>
+            </a:endParaRPr>
+          </a:p>
+          <a:p>
+            <a:r>
+              <a:rPr b="0" lang="en-US" sz="1300" spc="-1" strike="noStrike">
+                <a:latin typeface="Arial"/>
+              </a:rPr>
+              <a:t>('20.99%', 'days_since_last_visit'),</a:t>
+            </a:r>
+            <a:endParaRPr b="0" lang="en-US" sz="1300" spc="-1" strike="noStrike">
+              <a:latin typeface="Arial"/>
+            </a:endParaRPr>
+          </a:p>
+          <a:p>
+            <a:r>
+              <a:rPr b="0" lang="en-US" sz="1300" spc="-1" strike="noStrike">
+                <a:latin typeface="Arial"/>
+              </a:rPr>
+              <a:t>('2.33%', 'year_home_built'),</a:t>
+            </a:r>
+            <a:endParaRPr b="0" lang="en-US" sz="1300" spc="-1" strike="noStrike">
+              <a:latin typeface="Arial"/>
+            </a:endParaRPr>
+          </a:p>
+          <a:p>
+            <a:r>
+              <a:rPr b="0" lang="en-US" sz="1300" spc="-1" strike="noStrike">
+                <a:latin typeface="Arial"/>
+              </a:rPr>
+              <a:t>('2.33%', 'net_worth'),</a:t>
+            </a:r>
+            <a:endParaRPr b="0" lang="en-US" sz="1300" spc="-1" strike="noStrike">
+              <a:latin typeface="Arial"/>
+            </a:endParaRPr>
+          </a:p>
+          <a:p>
+            <a:r>
+              <a:rPr b="0" lang="en-US" sz="1300" spc="-1" strike="noStrike">
+                <a:latin typeface="Arial"/>
+              </a:rPr>
+              <a:t>('2.33%', 'montrd_home_security_sys_own_value'),</a:t>
+            </a:r>
+            <a:endParaRPr b="0" lang="en-US" sz="1300" spc="-1" strike="noStrike">
+              <a:latin typeface="Arial"/>
+            </a:endParaRPr>
+          </a:p>
+          <a:p>
+            <a:r>
+              <a:rPr b="0" lang="en-US" sz="1300" spc="-1" strike="noStrike">
+                <a:latin typeface="Arial"/>
+              </a:rPr>
+              <a:t>('2.33%', 'mkt_trend_env_focused_hh_value'),</a:t>
+            </a:r>
+            <a:endParaRPr b="0" lang="en-US" sz="1300" spc="-1" strike="noStrike">
+              <a:latin typeface="Arial"/>
+            </a:endParaRPr>
+          </a:p>
+          <a:p>
+            <a:r>
+              <a:rPr b="0" lang="en-US" sz="1300" spc="-1" strike="noStrike">
+                <a:latin typeface="Arial"/>
+              </a:rPr>
+              <a:t>('2.33%', 'mkt_organic_product_purchasers_value'),</a:t>
+            </a:r>
+            <a:endParaRPr b="0" lang="en-US" sz="1300" spc="-1" strike="noStrike">
+              <a:latin typeface="Arial"/>
+            </a:endParaRPr>
+          </a:p>
+          <a:p>
+            <a:r>
+              <a:rPr b="0" lang="en-US" sz="1300" spc="-1" strike="noStrike">
+                <a:latin typeface="Arial"/>
+              </a:rPr>
+              <a:t>('2.33%', 'mkt_green_product_purchasers_value'),</a:t>
+            </a:r>
+            <a:endParaRPr b="0" lang="en-US" sz="1300" spc="-1" strike="noStrike">
+              <a:latin typeface="Arial"/>
+            </a:endParaRPr>
+          </a:p>
+          <a:p>
+            <a:r>
+              <a:rPr b="0" lang="en-US" sz="1300" spc="-1" strike="noStrike">
+                <a:latin typeface="Arial"/>
+              </a:rPr>
+              <a:t>('2.33%', 'length_of_residence'),</a:t>
+            </a:r>
+            <a:endParaRPr b="0" lang="en-US" sz="1300" spc="-1" strike="noStrike">
+              <a:latin typeface="Arial"/>
+            </a:endParaRPr>
+          </a:p>
+          <a:p>
+            <a:r>
+              <a:rPr b="0" lang="en-US" sz="1300" spc="-1" strike="noStrike">
+                <a:latin typeface="Arial"/>
+              </a:rPr>
+              <a:t>('2.33%', 'income'),</a:t>
+            </a:r>
+            <a:endParaRPr b="0" lang="en-US" sz="1300" spc="-1" strike="noStrike">
+              <a:latin typeface="Arial"/>
+            </a:endParaRPr>
+          </a:p>
+          <a:p>
+            <a:r>
+              <a:rPr b="0" lang="en-US" sz="1300" spc="-1" strike="noStrike">
+                <a:latin typeface="Arial"/>
+              </a:rPr>
+              <a:t>('2.33%', 'home_market_value'),</a:t>
+            </a:r>
+            <a:endParaRPr b="0" lang="en-US" sz="1300" spc="-1" strike="noStrike">
+              <a:latin typeface="Arial"/>
+            </a:endParaRPr>
+          </a:p>
+          <a:p>
+            <a:r>
+              <a:rPr b="0" lang="en-US" sz="1300" spc="-1" strike="noStrike">
+                <a:latin typeface="Arial"/>
+              </a:rPr>
+              <a:t>('2.33%', 'high_end_shoppers_value'),</a:t>
+            </a:r>
+            <a:endParaRPr b="0" lang="en-US" sz="1300" spc="-1" strike="noStrike">
+              <a:latin typeface="Arial"/>
+            </a:endParaRPr>
+          </a:p>
+          <a:p>
+            <a:r>
+              <a:rPr b="0" lang="en-US" sz="1300" spc="-1" strike="noStrike">
+                <a:latin typeface="Arial"/>
+              </a:rPr>
+              <a:t>('2.33%', 'do_it_yourselfer_value'),</a:t>
+            </a:r>
+            <a:endParaRPr b="0" lang="en-US" sz="1300" spc="-1" strike="noStrike">
+              <a:latin typeface="Arial"/>
+            </a:endParaRPr>
+          </a:p>
+          <a:p>
+            <a:r>
+              <a:rPr b="0" lang="en-US" sz="1300" spc="-1" strike="noStrike">
+                <a:latin typeface="Arial"/>
+              </a:rPr>
+              <a:t>('0.15%', 'zipcode'),</a:t>
+            </a:r>
+            <a:endParaRPr b="0" lang="en-US" sz="1300" spc="-1" strike="noStrike">
+              <a:latin typeface="Arial"/>
+            </a:endParaRPr>
+          </a:p>
+          <a:p>
+            <a:r>
+              <a:rPr b="0" lang="en-US" sz="1300" spc="-1" strike="noStrike">
+                <a:latin typeface="Arial"/>
+              </a:rPr>
+              <a:t>('0.0%', 'visit_id'),</a:t>
+            </a:r>
+            <a:endParaRPr b="0" lang="en-US" sz="1300" spc="-1" strike="noStrike">
+              <a:latin typeface="Arial"/>
+            </a:endParaRPr>
+          </a:p>
+          <a:p>
+            <a:r>
+              <a:rPr b="0" lang="en-US" sz="1300" spc="-1" strike="noStrike">
+                <a:latin typeface="Arial"/>
+              </a:rPr>
+              <a:t>('0.0%', '</a:t>
+            </a:r>
+            <a:r>
+              <a:rPr b="0" lang="en-US" sz="1300" spc="-1" strike="noStrike">
+                <a:solidFill>
+                  <a:srgbClr val="c9211e"/>
+                </a:solidFill>
+                <a:latin typeface="Arial"/>
+              </a:rPr>
+              <a:t>success</a:t>
+            </a:r>
+            <a:r>
+              <a:rPr b="0" lang="en-US" sz="1300" spc="-1" strike="noStrike">
+                <a:latin typeface="Arial"/>
+              </a:rPr>
+              <a:t>'),</a:t>
+            </a:r>
+            <a:endParaRPr b="0" lang="en-US" sz="1300" spc="-1" strike="noStrike">
+              <a:latin typeface="Arial"/>
+            </a:endParaRPr>
+          </a:p>
+          <a:p>
+            <a:r>
+              <a:rPr b="0" lang="en-US" sz="1300" spc="-1" strike="noStrike">
+                <a:latin typeface="Arial"/>
+              </a:rPr>
+              <a:t>('0.0%', 'repeat_visit'),</a:t>
+            </a:r>
+            <a:endParaRPr b="0" lang="en-US" sz="1300" spc="-1" strike="noStrike">
+              <a:latin typeface="Arial"/>
+            </a:endParaRPr>
+          </a:p>
+          <a:p>
+            <a:r>
+              <a:rPr b="0" lang="en-US" sz="1300" spc="-1" strike="noStrike">
+                <a:latin typeface="Arial"/>
+              </a:rPr>
+              <a:t>('0.0%', 'pro'),</a:t>
+            </a:r>
+            <a:endParaRPr b="0" lang="en-US" sz="1300" spc="-1" strike="noStrike">
+              <a:latin typeface="Arial"/>
+            </a:endParaRPr>
+          </a:p>
+          <a:p>
+            <a:r>
+              <a:rPr b="0" lang="en-US" sz="1300" spc="-1" strike="noStrike">
+                <a:latin typeface="Arial"/>
+              </a:rPr>
+              <a:t>('0.0%', 'new_movers'),</a:t>
+            </a:r>
+            <a:endParaRPr b="0" lang="en-US" sz="1300" spc="-1" strike="noStrike">
+              <a:latin typeface="Arial"/>
+            </a:endParaRPr>
+          </a:p>
+          <a:p>
+            <a:r>
+              <a:rPr b="0" lang="en-US" sz="1300" spc="-1" strike="noStrike">
+                <a:latin typeface="Arial"/>
+              </a:rPr>
+              <a:t>('0.0%', '</a:t>
+            </a:r>
+            <a:r>
+              <a:rPr b="0" lang="en-US" sz="1300" spc="-1" strike="noStrike">
+                <a:solidFill>
+                  <a:srgbClr val="c9211e"/>
+                </a:solidFill>
+                <a:latin typeface="Arial"/>
+              </a:rPr>
+              <a:t>experience</a:t>
+            </a:r>
+            <a:r>
+              <a:rPr b="0" lang="en-US" sz="1300" spc="-1" strike="noStrike">
+                <a:latin typeface="Arial"/>
+              </a:rPr>
+              <a:t>'),</a:t>
+            </a:r>
+            <a:endParaRPr b="0" lang="en-US" sz="1300" spc="-1" strike="noStrike">
+              <a:latin typeface="Arial"/>
+            </a:endParaRPr>
+          </a:p>
+          <a:p>
+            <a:r>
+              <a:rPr b="0" lang="en-US" sz="1300" spc="-1" strike="noStrike">
+                <a:latin typeface="Arial"/>
+              </a:rPr>
+              <a:t>('0.0%', 'date_time')</a:t>
+            </a:r>
+            <a:endParaRPr b="0" lang="en-US" sz="1300" spc="-1" strike="noStrike">
+              <a:latin typeface="Arial"/>
+            </a:endParaRPr>
+          </a:p>
+        </p:txBody>
+      </p:sp>
+      <p:sp>
+        <p:nvSpPr>
+          <p:cNvPr id="235" name=""/>
+          <p:cNvSpPr txBox="1"/>
+          <p:nvPr/>
+        </p:nvSpPr>
+        <p:spPr>
+          <a:xfrm>
+            <a:off x="4945320" y="5221080"/>
+            <a:ext cx="4191120" cy="345960"/>
+          </a:xfrm>
+          <a:prstGeom prst="rect">
+            <a:avLst/>
+          </a:prstGeom>
+          <a:noFill/>
+          <a:ln w="10800">
+            <a:noFill/>
+          </a:ln>
+        </p:spPr>
+        <p:txBody>
+          <a:bodyPr lIns="90000" rIns="90000" tIns="45000" bIns="45000" anchor="t">
+            <a:noAutofit/>
+          </a:bodyPr>
+          <a:p>
+            <a:r>
+              <a:rPr b="0" lang="en-US" sz="1800" spc="-1" strike="noStrike">
+                <a:solidFill>
+                  <a:srgbClr val="ffffff"/>
+                </a:solidFill>
+                <a:latin typeface="Arial"/>
+              </a:rPr>
+              <a:t>Click here for</a:t>
+            </a:r>
+            <a:r>
+              <a:rPr b="0" lang="en-US" sz="1800" spc="-1" strike="noStrike">
+                <a:solidFill>
+                  <a:srgbClr val="00a933"/>
+                </a:solidFill>
+                <a:latin typeface="Arial"/>
+              </a:rPr>
+              <a:t> </a:t>
+            </a:r>
+            <a:r>
+              <a:rPr b="0" lang="en-US" sz="1800" spc="-1" strike="noStrike">
+                <a:solidFill>
+                  <a:srgbClr val="00a933"/>
+                </a:solidFill>
+                <a:latin typeface="Arial"/>
+                <a:hlinkClick r:id="rId1"/>
+              </a:rPr>
+              <a:t>data_profiling_report.html</a:t>
+            </a:r>
+            <a:endParaRPr b="0" lang="en-US" sz="1800" spc="-1" strike="noStrike">
               <a:latin typeface="Arial"/>
             </a:endParaRPr>
           </a:p>
@@ -16528,18 +16670,18 @@
       </p:sp>
       <p:pic>
         <p:nvPicPr>
-          <p:cNvPr id="239" name="" descr=""/>
+          <p:cNvPr id="236" name="" descr=""/>
           <p:cNvPicPr/>
           <p:nvPr/>
         </p:nvPicPr>
         <p:blipFill>
-          <a:blip r:embed="rId1"/>
+          <a:blip r:embed="rId2"/>
           <a:stretch/>
         </p:blipFill>
         <p:spPr>
           <a:xfrm>
-            <a:off x="904320" y="1166400"/>
-            <a:ext cx="8267400" cy="3990600"/>
+            <a:off x="49680" y="847800"/>
+            <a:ext cx="5076360" cy="2114280"/>
           </a:xfrm>
           <a:prstGeom prst="rect">
             <a:avLst/>
@@ -16549,9 +16691,55 @@
           </a:ln>
         </p:spPr>
       </p:pic>
-      <p:sp>
-        <p:nvSpPr>
-          <p:cNvPr id="4" name="PlaceHolder 3"/>
+      <p:pic>
+        <p:nvPicPr>
+          <p:cNvPr id="237" name="" descr=""/>
+          <p:cNvPicPr/>
+          <p:nvPr/>
+        </p:nvPicPr>
+        <p:blipFill>
+          <a:blip r:embed="rId3"/>
+          <a:stretch/>
+        </p:blipFill>
+        <p:spPr>
+          <a:xfrm>
+            <a:off x="48240" y="3027240"/>
+            <a:ext cx="5068800" cy="1066320"/>
+          </a:xfrm>
+          <a:prstGeom prst="rect">
+            <a:avLst/>
+          </a:prstGeom>
+          <a:ln w="10800">
+            <a:noFill/>
+          </a:ln>
+        </p:spPr>
+      </p:pic>
+      <p:pic>
+        <p:nvPicPr>
+          <p:cNvPr id="238" name="" descr=""/>
+          <p:cNvPicPr/>
+          <p:nvPr/>
+        </p:nvPicPr>
+        <p:blipFill>
+          <a:blip r:embed="rId4"/>
+          <a:stretch/>
+        </p:blipFill>
+        <p:spPr>
+          <a:xfrm>
+            <a:off x="24120" y="4156200"/>
+            <a:ext cx="3590640" cy="1409400"/>
+          </a:xfrm>
+          <a:prstGeom prst="rect">
+            <a:avLst/>
+          </a:prstGeom>
+          <a:ln w="10800">
+            <a:noFill/>
+          </a:ln>
+        </p:spPr>
+      </p:pic>
+      <p:sp>
+        <p:nvSpPr>
+          <p:cNvPr id="3" name="PlaceHolder 2"/>
           <p:cNvSpPr>
             <a:spLocks noGrp="1"/>
           </p:cNvSpPr>
@@ -16563,7 +16751,7 @@
         <p:txBody>
           <a:bodyPr/>
           <a:p>
-            <a:fld id="{79DD10D0-B322-4A8D-9BDD-7BD8F72E3F7C}" type="slidenum">
+            <a:fld id="{F02DD739-B035-4A12-B843-1E4E7C262406}" type="slidenum">
               <a:t>5</a:t>
             </a:fld>
           </a:p>
@@ -16601,7 +16789,154 @@
       </p:grpSpPr>
       <p:sp>
         <p:nvSpPr>
-          <p:cNvPr id="240" name="PlaceHolder 1"/>
+          <p:cNvPr id="239" name="PlaceHolder 1"/>
+          <p:cNvSpPr>
+            <a:spLocks noGrp="1"/>
+          </p:cNvSpPr>
+          <p:nvPr>
+            <p:ph type="title"/>
+          </p:nvPr>
+        </p:nvSpPr>
+        <p:spPr>
+          <a:xfrm>
+            <a:off x="144000" y="72000"/>
+            <a:ext cx="9540000" cy="648000"/>
+          </a:xfrm>
+          <a:prstGeom prst="rect">
+            <a:avLst/>
+          </a:prstGeom>
+          <a:noFill/>
+          <a:ln w="0">
+            <a:noFill/>
+          </a:ln>
+        </p:spPr>
+        <p:txBody>
+          <a:bodyPr lIns="0" rIns="0" tIns="0" bIns="0" anchor="ctr">
+            <a:noAutofit/>
+          </a:bodyPr>
+          <a:p>
+            <a:r>
+              <a:rPr b="0" lang="en-US" sz="4400" spc="-1" strike="noStrike">
+                <a:latin typeface="Arial"/>
+              </a:rPr>
+              <a:t>Data Exploration (continued)</a:t>
+            </a:r>
+            <a:endParaRPr b="0" lang="en-US" sz="4400" spc="-1" strike="noStrike">
+              <a:latin typeface="Arial"/>
+            </a:endParaRPr>
+          </a:p>
+        </p:txBody>
+      </p:sp>
+      <p:sp>
+        <p:nvSpPr>
+          <p:cNvPr id="240" name="PlaceHolder 2"/>
+          <p:cNvSpPr>
+            <a:spLocks noGrp="1"/>
+          </p:cNvSpPr>
+          <p:nvPr>
+            <p:ph/>
+          </p:nvPr>
+        </p:nvSpPr>
+        <p:spPr>
+          <a:xfrm>
+            <a:off x="504000" y="1326600"/>
+            <a:ext cx="9071640" cy="3288240"/>
+          </a:xfrm>
+          <a:prstGeom prst="rect">
+            <a:avLst/>
+          </a:prstGeom>
+          <a:noFill/>
+          <a:ln w="0">
+            <a:noFill/>
+          </a:ln>
+        </p:spPr>
+        <p:txBody>
+          <a:bodyPr lIns="0" rIns="0" tIns="0" bIns="0" anchor="t">
+            <a:normAutofit/>
+          </a:bodyPr>
+          <a:p>
+            <a:endParaRPr b="0" lang="en-US" sz="3200" spc="-1" strike="noStrike">
+              <a:latin typeface="Arial"/>
+            </a:endParaRPr>
+          </a:p>
+        </p:txBody>
+      </p:sp>
+      <p:pic>
+        <p:nvPicPr>
+          <p:cNvPr id="241" name="" descr=""/>
+          <p:cNvPicPr/>
+          <p:nvPr/>
+        </p:nvPicPr>
+        <p:blipFill>
+          <a:blip r:embed="rId1"/>
+          <a:stretch/>
+        </p:blipFill>
+        <p:spPr>
+          <a:xfrm>
+            <a:off x="904320" y="1166400"/>
+            <a:ext cx="8267400" cy="3990600"/>
+          </a:xfrm>
+          <a:prstGeom prst="rect">
+            <a:avLst/>
+          </a:prstGeom>
+          <a:ln w="10800">
+            <a:noFill/>
+          </a:ln>
+        </p:spPr>
+      </p:pic>
+      <p:sp>
+        <p:nvSpPr>
+          <p:cNvPr id="4" name="PlaceHolder 3"/>
+          <p:cNvSpPr>
+            <a:spLocks noGrp="1"/>
+          </p:cNvSpPr>
+          <p:nvPr>
+            <p:ph type="sldNum" idx="3"/>
+          </p:nvPr>
+        </p:nvSpPr>
+        <p:spPr/>
+        <p:txBody>
+          <a:bodyPr/>
+          <a:p>
+            <a:fld id="{B3AC6584-15A3-4228-9687-ACD9DA8C60CE}" type="slidenum">
+              <a:t>6</a:t>
+            </a:fld>
+          </a:p>
+        </p:txBody>
+      </p:sp>
+    </p:spTree>
+  </p:cSld>
+  <mc:AlternateContent>
+    <mc:Choice Requires="p14">
+      <p:transition spd="slow" p14:dur="2000"/>
+    </mc:Choice>
+    <mc:Fallback>
+      <p:transition spd="slow"/>
+    </mc:Fallback>
+  </mc:AlternateContent>
+</p:sld>
+</file>
+
+<file path=ppt/slides/slide7.xml><?xml version="1.0" encoding="utf-8"?>
+<p:sld xmlns:a="http://schemas.openxmlformats.org/drawingml/2006/main" xmlns:p="http://schemas.openxmlformats.org/presentationml/2006/main" xmlns:r="http://schemas.openxmlformats.org/officeDocument/2006/relationships" xmlns:p14="http://schemas.microsoft.com/office/powerpoint/2010/main" xmlns:p15="http://schemas.microsoft.com/office/powerpoint/2012/main" xmlns:mc="http://schemas.openxmlformats.org/markup-compatibility/2006">
+  <p:cSld>
+    <p:spTree>
+      <p:nvGrpSpPr>
+        <p:cNvPr id="1" name=""/>
+        <p:cNvGrpSpPr/>
+        <p:nvPr/>
+      </p:nvGrpSpPr>
+      <p:grpSpPr>
+        <a:xfrm>
+          <a:off x="0" y="0"/>
+          <a:ext cx="0" cy="0"/>
+          <a:chOff x="0" y="0"/>
+          <a:chExt cx="0" cy="0"/>
+        </a:xfrm>
+      </p:grpSpPr>
+      <p:sp>
+        <p:nvSpPr>
+          <p:cNvPr id="242" name="PlaceHolder 1"/>
           <p:cNvSpPr>
             <a:spLocks noGrp="1"/>
           </p:cNvSpPr>
@@ -16643,7 +16978,7 @@
         <mc:Choice xmlns:a14="http://schemas.microsoft.com/office/drawing/2010/main" Requires="a14">
           <p:sp>
             <p:nvSpPr>
-              <p:cNvPr id="241" name=""/>
+              <p:cNvPr id="243" name=""/>
               <p:cNvSpPr txBox="1"/>
               <p:nvPr/>
             </p:nvSpPr>
@@ -17340,7 +17675,7 @@
       </mc:AlternateContent>
       <p:pic>
         <p:nvPicPr>
-          <p:cNvPr id="242" name="" descr=""/>
+          <p:cNvPr id="244" name="" descr=""/>
           <p:cNvPicPr/>
           <p:nvPr/>
         </p:nvPicPr>
@@ -17363,7 +17698,7 @@
       </p:pic>
       <p:sp>
         <p:nvSpPr>
-          <p:cNvPr id="243" name=""/>
+          <p:cNvPr id="245" name=""/>
           <p:cNvSpPr txBox="1"/>
           <p:nvPr/>
         </p:nvSpPr>
@@ -17406,7 +17741,7 @@
       </p:sp>
       <p:pic>
         <p:nvPicPr>
-          <p:cNvPr id="244" name="" descr=""/>
+          <p:cNvPr id="246" name="" descr=""/>
           <p:cNvPicPr/>
           <p:nvPr/>
         </p:nvPicPr>
@@ -17418,52 +17753,6 @@
           <a:xfrm>
             <a:off x="3987000" y="855720"/>
             <a:ext cx="4457520" cy="3968280"/>
-          </a:xfrm>
-          <a:prstGeom prst="rect">
-            <a:avLst/>
-          </a:prstGeom>
-          <a:ln w="10800">
-            <a:noFill/>
-          </a:ln>
-        </p:spPr>
-      </p:pic>
-      <p:pic>
-        <p:nvPicPr>
-          <p:cNvPr id="245" name="" descr=""/>
-          <p:cNvPicPr/>
-          <p:nvPr/>
-        </p:nvPicPr>
-        <p:blipFill>
-          <a:blip r:embed="rId4"/>
-          <a:stretch/>
-        </p:blipFill>
-        <p:spPr>
-          <a:xfrm>
-            <a:off x="80640" y="2723760"/>
-            <a:ext cx="3688560" cy="2076120"/>
-          </a:xfrm>
-          <a:prstGeom prst="rect">
-            <a:avLst/>
-          </a:prstGeom>
-          <a:ln w="10800">
-            <a:noFill/>
-          </a:ln>
-        </p:spPr>
-      </p:pic>
-      <p:pic>
-        <p:nvPicPr>
-          <p:cNvPr id="246" name="" descr=""/>
-          <p:cNvPicPr/>
-          <p:nvPr/>
-        </p:nvPicPr>
-        <p:blipFill>
-          <a:blip r:embed="rId5"/>
-          <a:stretch/>
-        </p:blipFill>
-        <p:spPr>
-          <a:xfrm>
-            <a:off x="8445960" y="861840"/>
-            <a:ext cx="1595520" cy="1016280"/>
           </a:xfrm>
           <a:prstGeom prst="rect">
             <a:avLst/>
@@ -17480,13 +17769,13 @@
           <p:nvPr/>
         </p:nvPicPr>
         <p:blipFill>
-          <a:blip r:embed="rId6"/>
+          <a:blip r:embed="rId4"/>
           <a:stretch/>
         </p:blipFill>
         <p:spPr>
           <a:xfrm>
-            <a:off x="7362000" y="2463480"/>
-            <a:ext cx="698040" cy="444600"/>
+            <a:off x="80640" y="2723760"/>
+            <a:ext cx="3688560" cy="2076120"/>
           </a:xfrm>
           <a:prstGeom prst="rect">
             <a:avLst/>
@@ -17496,42 +17785,29 @@
           </a:ln>
         </p:spPr>
       </p:pic>
-      <p:sp>
-        <p:nvSpPr>
-          <p:cNvPr id="248" name=""/>
-          <p:cNvSpPr txBox="1"/>
+      <p:pic>
+        <p:nvPicPr>
+          <p:cNvPr id="248" name="" descr=""/>
+          <p:cNvPicPr/>
           <p:nvPr/>
-        </p:nvSpPr>
-        <p:spPr>
-          <a:xfrm>
-            <a:off x="8956080" y="2512800"/>
-            <a:ext cx="372600" cy="345960"/>
-          </a:xfrm>
-          <a:prstGeom prst="rect">
-            <a:avLst/>
-          </a:prstGeom>
-          <a:noFill/>
+        </p:nvPicPr>
+        <p:blipFill>
+          <a:blip r:embed="rId5"/>
+          <a:stretch/>
+        </p:blipFill>
+        <p:spPr>
+          <a:xfrm>
+            <a:off x="8445960" y="861840"/>
+            <a:ext cx="1595520" cy="1016280"/>
+          </a:xfrm>
+          <a:prstGeom prst="rect">
+            <a:avLst/>
+          </a:prstGeom>
           <a:ln w="10800">
             <a:noFill/>
           </a:ln>
         </p:spPr>
-        <p:txBody>
-          <a:bodyPr lIns="90000" rIns="90000" tIns="45000" bIns="45000" anchor="t">
-            <a:noAutofit/>
-          </a:bodyPr>
-          <a:p>
-            <a:r>
-              <a:rPr b="0" lang="en-US" sz="1800" spc="-1" strike="noStrike">
-                <a:latin typeface="Arial"/>
-              </a:rPr>
-              <a:t>...</a:t>
-            </a:r>
-            <a:endParaRPr b="0" lang="en-US" sz="1800" spc="-1" strike="noStrike">
-              <a:latin typeface="Arial"/>
-            </a:endParaRPr>
-          </a:p>
-        </p:txBody>
-      </p:sp>
+      </p:pic>
       <p:pic>
         <p:nvPicPr>
           <p:cNvPr id="249" name="" descr=""/>
@@ -17539,6 +17815,65 @@
           <p:nvPr/>
         </p:nvPicPr>
         <p:blipFill>
+          <a:blip r:embed="rId6"/>
+          <a:stretch/>
+        </p:blipFill>
+        <p:spPr>
+          <a:xfrm>
+            <a:off x="7362000" y="2463480"/>
+            <a:ext cx="698040" cy="444600"/>
+          </a:xfrm>
+          <a:prstGeom prst="rect">
+            <a:avLst/>
+          </a:prstGeom>
+          <a:ln w="10800">
+            <a:noFill/>
+          </a:ln>
+        </p:spPr>
+      </p:pic>
+      <p:sp>
+        <p:nvSpPr>
+          <p:cNvPr id="250" name=""/>
+          <p:cNvSpPr txBox="1"/>
+          <p:nvPr/>
+        </p:nvSpPr>
+        <p:spPr>
+          <a:xfrm>
+            <a:off x="8956080" y="2512800"/>
+            <a:ext cx="372600" cy="345960"/>
+          </a:xfrm>
+          <a:prstGeom prst="rect">
+            <a:avLst/>
+          </a:prstGeom>
+          <a:noFill/>
+          <a:ln w="10800">
+            <a:noFill/>
+          </a:ln>
+        </p:spPr>
+        <p:txBody>
+          <a:bodyPr lIns="90000" rIns="90000" tIns="45000" bIns="45000" anchor="t">
+            <a:noAutofit/>
+          </a:bodyPr>
+          <a:p>
+            <a:r>
+              <a:rPr b="0" lang="en-US" sz="1800" spc="-1" strike="noStrike">
+                <a:latin typeface="Arial"/>
+              </a:rPr>
+              <a:t>...</a:t>
+            </a:r>
+            <a:endParaRPr b="0" lang="en-US" sz="1800" spc="-1" strike="noStrike">
+              <a:latin typeface="Arial"/>
+            </a:endParaRPr>
+          </a:p>
+        </p:txBody>
+      </p:sp>
+      <p:pic>
+        <p:nvPicPr>
+          <p:cNvPr id="251" name="" descr=""/>
+          <p:cNvPicPr/>
+          <p:nvPr/>
+        </p:nvPicPr>
+        <p:blipFill>
           <a:blip r:embed="rId7"/>
           <a:stretch/>
         </p:blipFill>
@@ -17557,7 +17892,7 @@
       </p:pic>
       <p:pic>
         <p:nvPicPr>
-          <p:cNvPr id="250" name="" descr=""/>
+          <p:cNvPr id="252" name="" descr=""/>
           <p:cNvPicPr/>
           <p:nvPr/>
         </p:nvPicPr>
@@ -17580,7 +17915,7 @@
       </p:pic>
       <p:pic>
         <p:nvPicPr>
-          <p:cNvPr id="251" name="" descr=""/>
+          <p:cNvPr id="253" name="" descr=""/>
           <p:cNvPicPr/>
           <p:nvPr/>
         </p:nvPicPr>
@@ -17615,317 +17950,7 @@
         <p:txBody>
           <a:bodyPr/>
           <a:p>
-            <a:fld id="{E7D37016-8DE6-4D68-9284-1715C44ACBA9}" type="slidenum">
-              <a:t>6</a:t>
-            </a:fld>
-          </a:p>
-        </p:txBody>
-      </p:sp>
-    </p:spTree>
-  </p:cSld>
-  <mc:AlternateContent>
-    <mc:Choice Requires="p14">
-      <p:transition spd="slow" p14:dur="2000"/>
-    </mc:Choice>
-    <mc:Fallback>
-      <p:transition spd="slow"/>
-    </mc:Fallback>
-  </mc:AlternateContent>
-</p:sld>
-</file>
-
-<file path=ppt/slides/slide7.xml><?xml version="1.0" encoding="utf-8"?>
-<p:sld xmlns:a="http://schemas.openxmlformats.org/drawingml/2006/main" xmlns:p="http://schemas.openxmlformats.org/presentationml/2006/main" xmlns:r="http://schemas.openxmlformats.org/officeDocument/2006/relationships" xmlns:p14="http://schemas.microsoft.com/office/powerpoint/2010/main" xmlns:p15="http://schemas.microsoft.com/office/powerpoint/2012/main" xmlns:mc="http://schemas.openxmlformats.org/markup-compatibility/2006">
-  <p:cSld>
-    <p:spTree>
-      <p:nvGrpSpPr>
-        <p:cNvPr id="1" name=""/>
-        <p:cNvGrpSpPr/>
-        <p:nvPr/>
-      </p:nvGrpSpPr>
-      <p:grpSpPr>
-        <a:xfrm>
-          <a:off x="0" y="0"/>
-          <a:ext cx="0" cy="0"/>
-          <a:chOff x="0" y="0"/>
-          <a:chExt cx="0" cy="0"/>
-        </a:xfrm>
-      </p:grpSpPr>
-      <p:sp>
-        <p:nvSpPr>
-          <p:cNvPr id="252" name="PlaceHolder 1"/>
-          <p:cNvSpPr>
-            <a:spLocks noGrp="1"/>
-          </p:cNvSpPr>
-          <p:nvPr>
-            <p:ph type="title"/>
-          </p:nvPr>
-        </p:nvSpPr>
-        <p:spPr>
-          <a:xfrm>
-            <a:off x="144000" y="72000"/>
-            <a:ext cx="9540000" cy="648000"/>
-          </a:xfrm>
-          <a:prstGeom prst="rect">
-            <a:avLst/>
-          </a:prstGeom>
-          <a:noFill/>
-          <a:ln w="0">
-            <a:noFill/>
-          </a:ln>
-        </p:spPr>
-        <p:txBody>
-          <a:bodyPr lIns="0" rIns="0" tIns="0" bIns="0" anchor="ctr">
-            <a:noAutofit/>
-          </a:bodyPr>
-          <a:p>
-            <a:r>
-              <a:rPr b="0" lang="en-US" sz="4400" spc="-1" strike="noStrike">
-                <a:latin typeface="Arial"/>
-              </a:rPr>
-              <a:t>How to evaluate a policy?</a:t>
-            </a:r>
-            <a:endParaRPr b="0" lang="en-US" sz="4400" spc="-1" strike="noStrike">
-              <a:latin typeface="Arial"/>
-            </a:endParaRPr>
-          </a:p>
-        </p:txBody>
-      </p:sp>
-      <p:sp>
-        <p:nvSpPr>
-          <p:cNvPr id="253" name="PlaceHolder 2"/>
-          <p:cNvSpPr>
-            <a:spLocks noGrp="1"/>
-          </p:cNvSpPr>
-          <p:nvPr>
-            <p:ph/>
-          </p:nvPr>
-        </p:nvSpPr>
-        <p:spPr>
-          <a:xfrm>
-            <a:off x="504000" y="1326600"/>
-            <a:ext cx="4426920" cy="3288240"/>
-          </a:xfrm>
-          <a:prstGeom prst="rect">
-            <a:avLst/>
-          </a:prstGeom>
-          <a:noFill/>
-          <a:ln w="0">
-            <a:noFill/>
-          </a:ln>
-        </p:spPr>
-        <p:txBody>
-          <a:bodyPr lIns="0" rIns="0" tIns="0" bIns="0" anchor="t">
-            <a:normAutofit fontScale="71000"/>
-          </a:bodyPr>
-          <a:p>
-            <a:pPr marL="432000" indent="-324000">
-              <a:spcBef>
-                <a:spcPts val="1417"/>
-              </a:spcBef>
-              <a:buClr>
-                <a:srgbClr val="ffffff"/>
-              </a:buClr>
-              <a:buSzPct val="45000"/>
-              <a:buFont typeface="Wingdings" charset="2"/>
-              <a:buChar char=""/>
-            </a:pPr>
-            <a:r>
-              <a:rPr b="0" lang="en-US" sz="3200" spc="-1" strike="noStrike">
-                <a:latin typeface="Arial"/>
-              </a:rPr>
-              <a:t>Deterministic policy</a:t>
-            </a:r>
-            <a:endParaRPr b="0" lang="en-US" sz="3200" spc="-1" strike="noStrike">
-              <a:latin typeface="Arial"/>
-            </a:endParaRPr>
-          </a:p>
-          <a:p>
-            <a:pPr marL="432000" indent="-324000">
-              <a:spcBef>
-                <a:spcPts val="1417"/>
-              </a:spcBef>
-              <a:buClr>
-                <a:srgbClr val="ffffff"/>
-              </a:buClr>
-              <a:buSzPct val="45000"/>
-              <a:buFont typeface="Wingdings" charset="2"/>
-              <a:buChar char=""/>
-            </a:pPr>
-            <a:r>
-              <a:rPr b="0" lang="en-US" sz="3200" spc="-1" strike="noStrike">
-                <a:latin typeface="Arial"/>
-              </a:rPr>
-              <a:t>Maximize the total number of success of n </a:t>
-            </a:r>
-            <a:r>
-              <a:rPr b="0" lang="en-US" sz="3200" spc="-1" strike="noStrike">
-                <a:latin typeface="Arial"/>
-              </a:rPr>
-              <a:t>days</a:t>
-            </a:r>
-            <a:endParaRPr b="0" lang="en-US" sz="3200" spc="-1" strike="noStrike">
-              <a:latin typeface="Arial"/>
-            </a:endParaRPr>
-          </a:p>
-          <a:p>
-            <a:pPr marL="432000" indent="-324000">
-              <a:spcBef>
-                <a:spcPts val="1417"/>
-              </a:spcBef>
-              <a:buClr>
-                <a:srgbClr val="ffffff"/>
-              </a:buClr>
-              <a:buSzPct val="45000"/>
-              <a:buFont typeface="Wingdings" charset="2"/>
-              <a:buChar char=""/>
-            </a:pPr>
-            <a:r>
-              <a:rPr b="0" lang="en-US" sz="3200" spc="-1" strike="noStrike">
-                <a:latin typeface="Arial"/>
-              </a:rPr>
-              <a:t>e.g., policy1: always choosing version1, leads </a:t>
-            </a:r>
-            <a:r>
-              <a:rPr b="0" lang="en-US" sz="3200" spc="-1" strike="noStrike">
-                <a:latin typeface="Arial"/>
-              </a:rPr>
-              <a:t>to 12,772 success in given the dataset. </a:t>
-            </a:r>
-            <a:endParaRPr b="0" lang="en-US" sz="3200" spc="-1" strike="noStrike">
-              <a:latin typeface="Arial"/>
-            </a:endParaRPr>
-          </a:p>
-          <a:p>
-            <a:pPr marL="432000" indent="-324000">
-              <a:spcBef>
-                <a:spcPts val="1417"/>
-              </a:spcBef>
-              <a:buClr>
-                <a:srgbClr val="ffffff"/>
-              </a:buClr>
-              <a:buSzPct val="45000"/>
-              <a:buFont typeface="Wingdings" charset="2"/>
-              <a:buChar char=""/>
-            </a:pPr>
-            <a:r>
-              <a:rPr b="0" lang="en-US" sz="3200" spc="-1" strike="noStrike">
-                <a:latin typeface="Arial"/>
-              </a:rPr>
-              <a:t>e.g., policy2: always choosing version2 leads </a:t>
-            </a:r>
-            <a:r>
-              <a:rPr b="0" lang="en-US" sz="3200" spc="-1" strike="noStrike">
-                <a:latin typeface="Arial"/>
-              </a:rPr>
-              <a:t>to 12,779 success.  </a:t>
-            </a:r>
-            <a:endParaRPr b="0" lang="en-US" sz="3200" spc="-1" strike="noStrike">
-              <a:latin typeface="Arial"/>
-            </a:endParaRPr>
-          </a:p>
-        </p:txBody>
-      </p:sp>
-      <p:sp>
-        <p:nvSpPr>
-          <p:cNvPr id="254" name="PlaceHolder 3"/>
-          <p:cNvSpPr>
-            <a:spLocks noGrp="1"/>
-          </p:cNvSpPr>
-          <p:nvPr>
-            <p:ph/>
-          </p:nvPr>
-        </p:nvSpPr>
-        <p:spPr>
-          <a:xfrm>
-            <a:off x="5152680" y="1326600"/>
-            <a:ext cx="4426920" cy="3288240"/>
-          </a:xfrm>
-          <a:prstGeom prst="rect">
-            <a:avLst/>
-          </a:prstGeom>
-          <a:noFill/>
-          <a:ln w="0">
-            <a:noFill/>
-          </a:ln>
-        </p:spPr>
-        <p:txBody>
-          <a:bodyPr lIns="0" rIns="0" tIns="0" bIns="0" anchor="t">
-            <a:normAutofit/>
-          </a:bodyPr>
-          <a:p>
-            <a:pPr marL="432000" indent="-324000">
-              <a:spcBef>
-                <a:spcPts val="1417"/>
-              </a:spcBef>
-              <a:buClr>
-                <a:srgbClr val="ffffff"/>
-              </a:buClr>
-              <a:buSzPct val="45000"/>
-              <a:buFont typeface="Wingdings" charset="2"/>
-              <a:buChar char=""/>
-            </a:pPr>
-            <a:r>
-              <a:rPr b="0" lang="en-US" sz="3200" spc="-1" strike="noStrike">
-                <a:latin typeface="Arial"/>
-              </a:rPr>
-              <a:t>Stochastic policy</a:t>
-            </a:r>
-            <a:endParaRPr b="0" lang="en-US" sz="3200" spc="-1" strike="noStrike">
-              <a:latin typeface="Arial"/>
-            </a:endParaRPr>
-          </a:p>
-          <a:p>
-            <a:pPr marL="432000" indent="-324000">
-              <a:spcBef>
-                <a:spcPts val="1417"/>
-              </a:spcBef>
-              <a:buClr>
-                <a:srgbClr val="ffffff"/>
-              </a:buClr>
-              <a:buSzPct val="45000"/>
-              <a:buFont typeface="Wingdings" charset="2"/>
-              <a:buChar char=""/>
-            </a:pPr>
-            <a:r>
-              <a:rPr b="0" lang="en-US" sz="3200" spc="-1" strike="noStrike">
-                <a:latin typeface="Arial"/>
-              </a:rPr>
-              <a:t>Maximize the expectation of total number of </a:t>
-            </a:r>
-            <a:r>
-              <a:rPr b="0" lang="en-US" sz="3200" spc="-1" strike="noStrike">
-                <a:latin typeface="Arial"/>
-              </a:rPr>
-              <a:t>success of n days (and minimize the variance </a:t>
-            </a:r>
-            <a:r>
-              <a:rPr b="0" lang="en-US" sz="3200" spc="-1" strike="noStrike">
-                <a:latin typeface="Arial"/>
-              </a:rPr>
-              <a:t>of it)</a:t>
-            </a:r>
-            <a:endParaRPr b="0" lang="en-US" sz="3200" spc="-1" strike="noStrike">
-              <a:latin typeface="Arial"/>
-            </a:endParaRPr>
-          </a:p>
-        </p:txBody>
-      </p:sp>
-      <p:sp>
-        <p:nvSpPr>
-          <p:cNvPr id="5" name="PlaceHolder 4"/>
-          <p:cNvSpPr>
-            <a:spLocks noGrp="1"/>
-          </p:cNvSpPr>
-          <p:nvPr>
-            <p:ph type="sldNum" idx="6"/>
-          </p:nvPr>
-        </p:nvSpPr>
-        <p:spPr/>
-        <p:txBody>
-          <a:bodyPr/>
-          <a:p>
-            <a:fld id="{3398BB39-93F1-4FA5-A538-D781EAB505C5}" type="slidenum">
+            <a:fld id="{86CFC98E-28EC-40C0-9EB1-BEF1FBA138FA}" type="slidenum">
               <a:t>7</a:t>
             </a:fld>
           </a:p>
@@ -17963,7 +17988,323 @@
       </p:grpSpPr>
       <p:sp>
         <p:nvSpPr>
-          <p:cNvPr id="255" name="PlaceHolder 1"/>
+          <p:cNvPr id="254" name="PlaceHolder 1"/>
+          <p:cNvSpPr>
+            <a:spLocks noGrp="1"/>
+          </p:cNvSpPr>
+          <p:nvPr>
+            <p:ph type="title"/>
+          </p:nvPr>
+        </p:nvSpPr>
+        <p:spPr>
+          <a:xfrm>
+            <a:off x="144000" y="72000"/>
+            <a:ext cx="9540000" cy="648000"/>
+          </a:xfrm>
+          <a:prstGeom prst="rect">
+            <a:avLst/>
+          </a:prstGeom>
+          <a:noFill/>
+          <a:ln w="0">
+            <a:noFill/>
+          </a:ln>
+        </p:spPr>
+        <p:txBody>
+          <a:bodyPr lIns="0" rIns="0" tIns="0" bIns="0" anchor="ctr">
+            <a:noAutofit/>
+          </a:bodyPr>
+          <a:p>
+            <a:r>
+              <a:rPr b="0" lang="en-US" sz="4400" spc="-1" strike="noStrike">
+                <a:latin typeface="Arial"/>
+              </a:rPr>
+              <a:t>How to evaluate a policy?</a:t>
+            </a:r>
+            <a:endParaRPr b="0" lang="en-US" sz="4400" spc="-1" strike="noStrike">
+              <a:latin typeface="Arial"/>
+            </a:endParaRPr>
+          </a:p>
+        </p:txBody>
+      </p:sp>
+      <p:sp>
+        <p:nvSpPr>
+          <p:cNvPr id="255" name="PlaceHolder 2"/>
+          <p:cNvSpPr>
+            <a:spLocks noGrp="1"/>
+          </p:cNvSpPr>
+          <p:nvPr>
+            <p:ph/>
+          </p:nvPr>
+        </p:nvSpPr>
+        <p:spPr>
+          <a:xfrm>
+            <a:off x="504000" y="1326600"/>
+            <a:ext cx="4426920" cy="3288240"/>
+          </a:xfrm>
+          <a:prstGeom prst="rect">
+            <a:avLst/>
+          </a:prstGeom>
+          <a:noFill/>
+          <a:ln w="0">
+            <a:noFill/>
+          </a:ln>
+        </p:spPr>
+        <p:txBody>
+          <a:bodyPr lIns="0" rIns="0" tIns="0" bIns="0" anchor="t">
+            <a:normAutofit fontScale="71000"/>
+          </a:bodyPr>
+          <a:p>
+            <a:pPr marL="432000" indent="-324000">
+              <a:spcBef>
+                <a:spcPts val="1417"/>
+              </a:spcBef>
+              <a:buClr>
+                <a:srgbClr val="ffffff"/>
+              </a:buClr>
+              <a:buSzPct val="45000"/>
+              <a:buFont typeface="Wingdings" charset="2"/>
+              <a:buChar char=""/>
+            </a:pPr>
+            <a:r>
+              <a:rPr b="0" lang="en-US" sz="3200" spc="-1" strike="noStrike">
+                <a:latin typeface="Arial"/>
+              </a:rPr>
+              <a:t>Deterministic policy</a:t>
+            </a:r>
+            <a:endParaRPr b="0" lang="en-US" sz="3200" spc="-1" strike="noStrike">
+              <a:latin typeface="Arial"/>
+            </a:endParaRPr>
+          </a:p>
+          <a:p>
+            <a:pPr marL="432000" indent="-324000">
+              <a:spcBef>
+                <a:spcPts val="1417"/>
+              </a:spcBef>
+              <a:buClr>
+                <a:srgbClr val="ffffff"/>
+              </a:buClr>
+              <a:buSzPct val="45000"/>
+              <a:buFont typeface="Wingdings" charset="2"/>
+              <a:buChar char=""/>
+            </a:pPr>
+            <a:r>
+              <a:rPr b="0" lang="en-US" sz="3200" spc="-1" strike="noStrike">
+                <a:latin typeface="Arial"/>
+              </a:rPr>
+              <a:t>Maximize the total number of success </a:t>
+            </a:r>
+            <a:r>
+              <a:rPr b="0" lang="en-US" sz="3200" spc="-1" strike="noStrike">
+                <a:latin typeface="Arial"/>
+              </a:rPr>
+              <a:t>of n days</a:t>
+            </a:r>
+            <a:endParaRPr b="0" lang="en-US" sz="3200" spc="-1" strike="noStrike">
+              <a:latin typeface="Arial"/>
+            </a:endParaRPr>
+          </a:p>
+          <a:p>
+            <a:pPr marL="432000" indent="-324000">
+              <a:spcBef>
+                <a:spcPts val="1417"/>
+              </a:spcBef>
+              <a:buClr>
+                <a:srgbClr val="ffffff"/>
+              </a:buClr>
+              <a:buSzPct val="45000"/>
+              <a:buFont typeface="Wingdings" charset="2"/>
+              <a:buChar char=""/>
+            </a:pPr>
+            <a:r>
+              <a:rPr b="0" lang="en-US" sz="3200" spc="-1" strike="noStrike">
+                <a:latin typeface="Arial"/>
+              </a:rPr>
+              <a:t>e.g., policy1: always choosing </a:t>
+            </a:r>
+            <a:r>
+              <a:rPr b="0" lang="en-US" sz="3200" spc="-1" strike="noStrike">
+                <a:latin typeface="Arial"/>
+              </a:rPr>
+              <a:t>version1, leads to 12,772 success in </a:t>
+            </a:r>
+            <a:r>
+              <a:rPr b="0" lang="en-US" sz="3200" spc="-1" strike="noStrike">
+                <a:latin typeface="Arial"/>
+              </a:rPr>
+              <a:t>given the dataset. </a:t>
+            </a:r>
+            <a:endParaRPr b="0" lang="en-US" sz="3200" spc="-1" strike="noStrike">
+              <a:latin typeface="Arial"/>
+            </a:endParaRPr>
+          </a:p>
+          <a:p>
+            <a:pPr marL="432000" indent="-324000">
+              <a:spcBef>
+                <a:spcPts val="1417"/>
+              </a:spcBef>
+              <a:buClr>
+                <a:srgbClr val="ffffff"/>
+              </a:buClr>
+              <a:buSzPct val="45000"/>
+              <a:buFont typeface="Wingdings" charset="2"/>
+              <a:buChar char=""/>
+            </a:pPr>
+            <a:r>
+              <a:rPr b="0" lang="en-US" sz="3200" spc="-1" strike="noStrike">
+                <a:latin typeface="Arial"/>
+              </a:rPr>
+              <a:t>e.g., policy2: always choosing </a:t>
+            </a:r>
+            <a:r>
+              <a:rPr b="0" lang="en-US" sz="3200" spc="-1" strike="noStrike">
+                <a:latin typeface="Arial"/>
+              </a:rPr>
+              <a:t>version2 leads to 12,779 success.  </a:t>
+            </a:r>
+            <a:endParaRPr b="0" lang="en-US" sz="3200" spc="-1" strike="noStrike">
+              <a:latin typeface="Arial"/>
+            </a:endParaRPr>
+          </a:p>
+        </p:txBody>
+      </p:sp>
+      <p:sp>
+        <p:nvSpPr>
+          <p:cNvPr id="256" name="PlaceHolder 3"/>
+          <p:cNvSpPr>
+            <a:spLocks noGrp="1"/>
+          </p:cNvSpPr>
+          <p:nvPr>
+            <p:ph/>
+          </p:nvPr>
+        </p:nvSpPr>
+        <p:spPr>
+          <a:xfrm>
+            <a:off x="5152680" y="1326600"/>
+            <a:ext cx="4426920" cy="3288240"/>
+          </a:xfrm>
+          <a:prstGeom prst="rect">
+            <a:avLst/>
+          </a:prstGeom>
+          <a:noFill/>
+          <a:ln w="0">
+            <a:noFill/>
+          </a:ln>
+        </p:spPr>
+        <p:txBody>
+          <a:bodyPr lIns="0" rIns="0" tIns="0" bIns="0" anchor="t">
+            <a:normAutofit/>
+          </a:bodyPr>
+          <a:p>
+            <a:pPr marL="432000" indent="-324000">
+              <a:spcBef>
+                <a:spcPts val="1417"/>
+              </a:spcBef>
+              <a:buClr>
+                <a:srgbClr val="ffffff"/>
+              </a:buClr>
+              <a:buSzPct val="45000"/>
+              <a:buFont typeface="Wingdings" charset="2"/>
+              <a:buChar char=""/>
+            </a:pPr>
+            <a:r>
+              <a:rPr b="0" lang="en-US" sz="3200" spc="-1" strike="noStrike">
+                <a:latin typeface="Arial"/>
+              </a:rPr>
+              <a:t>Stochastic policy</a:t>
+            </a:r>
+            <a:endParaRPr b="0" lang="en-US" sz="3200" spc="-1" strike="noStrike">
+              <a:latin typeface="Arial"/>
+            </a:endParaRPr>
+          </a:p>
+          <a:p>
+            <a:pPr marL="432000" indent="-324000">
+              <a:spcBef>
+                <a:spcPts val="1417"/>
+              </a:spcBef>
+              <a:buClr>
+                <a:srgbClr val="ffffff"/>
+              </a:buClr>
+              <a:buSzPct val="45000"/>
+              <a:buFont typeface="Wingdings" charset="2"/>
+              <a:buChar char=""/>
+            </a:pPr>
+            <a:r>
+              <a:rPr b="0" lang="en-US" sz="3200" spc="-1" strike="noStrike">
+                <a:latin typeface="Arial"/>
+              </a:rPr>
+              <a:t>Maximize the expectation of total number of </a:t>
+            </a:r>
+            <a:r>
+              <a:rPr b="0" lang="en-US" sz="3200" spc="-1" strike="noStrike">
+                <a:latin typeface="Arial"/>
+              </a:rPr>
+              <a:t>success of n days (and minimize the variance </a:t>
+            </a:r>
+            <a:r>
+              <a:rPr b="0" lang="en-US" sz="3200" spc="-1" strike="noStrike">
+                <a:latin typeface="Arial"/>
+              </a:rPr>
+              <a:t>of it)</a:t>
+            </a:r>
+            <a:endParaRPr b="0" lang="en-US" sz="3200" spc="-1" strike="noStrike">
+              <a:latin typeface="Arial"/>
+            </a:endParaRPr>
+          </a:p>
+        </p:txBody>
+      </p:sp>
+      <p:sp>
+        <p:nvSpPr>
+          <p:cNvPr id="5" name="PlaceHolder 4"/>
+          <p:cNvSpPr>
+            <a:spLocks noGrp="1"/>
+          </p:cNvSpPr>
+          <p:nvPr>
+            <p:ph type="sldNum" idx="6"/>
+          </p:nvPr>
+        </p:nvSpPr>
+        <p:spPr/>
+        <p:txBody>
+          <a:bodyPr/>
+          <a:p>
+            <a:fld id="{F054CC63-AF52-421E-A59A-C8D71A9D9B82}" type="slidenum">
+              <a:t>8</a:t>
+            </a:fld>
+          </a:p>
+        </p:txBody>
+      </p:sp>
+    </p:spTree>
+  </p:cSld>
+  <mc:AlternateContent>
+    <mc:Choice Requires="p14">
+      <p:transition spd="slow" p14:dur="2000"/>
+    </mc:Choice>
+    <mc:Fallback>
+      <p:transition spd="slow"/>
+    </mc:Fallback>
+  </mc:AlternateContent>
+</p:sld>
+</file>
+
+<file path=ppt/slides/slide9.xml><?xml version="1.0" encoding="utf-8"?>
+<p:sld xmlns:a="http://schemas.openxmlformats.org/drawingml/2006/main" xmlns:p="http://schemas.openxmlformats.org/presentationml/2006/main" xmlns:r="http://schemas.openxmlformats.org/officeDocument/2006/relationships" xmlns:p14="http://schemas.microsoft.com/office/powerpoint/2010/main" xmlns:p15="http://schemas.microsoft.com/office/powerpoint/2012/main" xmlns:mc="http://schemas.openxmlformats.org/markup-compatibility/2006">
+  <p:cSld>
+    <p:spTree>
+      <p:nvGrpSpPr>
+        <p:cNvPr id="1" name=""/>
+        <p:cNvGrpSpPr/>
+        <p:nvPr/>
+      </p:nvGrpSpPr>
+      <p:grpSpPr>
+        <a:xfrm>
+          <a:off x="0" y="0"/>
+          <a:ext cx="0" cy="0"/>
+          <a:chOff x="0" y="0"/>
+          <a:chExt cx="0" cy="0"/>
+        </a:xfrm>
+      </p:grpSpPr>
+      <p:sp>
+        <p:nvSpPr>
+          <p:cNvPr id="257" name="PlaceHolder 1"/>
           <p:cNvSpPr>
             <a:spLocks noGrp="1"/>
           </p:cNvSpPr>
@@ -18003,7 +18344,7 @@
       </p:sp>
       <p:sp>
         <p:nvSpPr>
-          <p:cNvPr id="256" name="PlaceHolder 2"/>
+          <p:cNvPr id="258" name="PlaceHolder 2"/>
           <p:cNvSpPr>
             <a:spLocks noGrp="1"/>
           </p:cNvSpPr>
@@ -18128,7 +18469,7 @@
         <mc:Choice xmlns:a14="http://schemas.microsoft.com/office/drawing/2010/main" Requires="a14">
           <p:sp>
             <p:nvSpPr>
-              <p:cNvPr id="257" name=""/>
+              <p:cNvPr id="259" name=""/>
               <p:cNvSpPr txBox="1"/>
               <p:nvPr/>
             </p:nvSpPr>
@@ -18270,318 +18611,7 @@
         <p:txBody>
           <a:bodyPr/>
           <a:p>
-            <a:fld id="{2015F923-E8B5-48DD-A082-B78889CE79ED}" type="slidenum">
-              <a:t>8</a:t>
-            </a:fld>
-          </a:p>
-        </p:txBody>
-      </p:sp>
-    </p:spTree>
-  </p:cSld>
-  <mc:AlternateContent>
-    <mc:Choice Requires="p14">
-      <p:transition spd="slow" p14:dur="2000"/>
-    </mc:Choice>
-    <mc:Fallback>
-      <p:transition spd="slow"/>
-    </mc:Fallback>
-  </mc:AlternateContent>
-</p:sld>
-</file>
-
-<file path=ppt/slides/slide9.xml><?xml version="1.0" encoding="utf-8"?>
-<p:sld xmlns:a="http://schemas.openxmlformats.org/drawingml/2006/main" xmlns:p="http://schemas.openxmlformats.org/presentationml/2006/main" xmlns:r="http://schemas.openxmlformats.org/officeDocument/2006/relationships" xmlns:p14="http://schemas.microsoft.com/office/powerpoint/2010/main" xmlns:p15="http://schemas.microsoft.com/office/powerpoint/2012/main" xmlns:mc="http://schemas.openxmlformats.org/markup-compatibility/2006">
-  <p:cSld>
-    <p:spTree>
-      <p:nvGrpSpPr>
-        <p:cNvPr id="1" name=""/>
-        <p:cNvGrpSpPr/>
-        <p:nvPr/>
-      </p:nvGrpSpPr>
-      <p:grpSpPr>
-        <a:xfrm>
-          <a:off x="0" y="0"/>
-          <a:ext cx="0" cy="0"/>
-          <a:chOff x="0" y="0"/>
-          <a:chExt cx="0" cy="0"/>
-        </a:xfrm>
-      </p:grpSpPr>
-      <p:sp>
-        <p:nvSpPr>
-          <p:cNvPr id="258" name="PlaceHolder 1"/>
-          <p:cNvSpPr>
-            <a:spLocks noGrp="1"/>
-          </p:cNvSpPr>
-          <p:nvPr>
-            <p:ph type="title"/>
-          </p:nvPr>
-        </p:nvSpPr>
-        <p:spPr>
-          <a:xfrm>
-            <a:off x="144000" y="-29160"/>
-            <a:ext cx="9540000" cy="850680"/>
-          </a:xfrm>
-          <a:prstGeom prst="rect">
-            <a:avLst/>
-          </a:prstGeom>
-          <a:noFill/>
-          <a:ln w="0">
-            <a:noFill/>
-          </a:ln>
-        </p:spPr>
-        <p:txBody>
-          <a:bodyPr lIns="0" rIns="0" tIns="0" bIns="0" anchor="ctr">
-            <a:noAutofit/>
-          </a:bodyPr>
-          <a:p>
-            <a:r>
-              <a:rPr b="0" lang="en-US" sz="3000" spc="-1" strike="noStrike">
-                <a:latin typeface="Arial"/>
-              </a:rPr>
-              <a:t>Multi armed bandit (stochastic, ε-greedy action selection)</a:t>
-            </a:r>
-            <a:endParaRPr b="0" lang="en-US" sz="3000" spc="-1" strike="noStrike">
-              <a:latin typeface="Arial"/>
-            </a:endParaRPr>
-          </a:p>
-        </p:txBody>
-      </p:sp>
-      <p:sp>
-        <p:nvSpPr>
-          <p:cNvPr id="259" name="PlaceHolder 2"/>
-          <p:cNvSpPr>
-            <a:spLocks noGrp="1"/>
-          </p:cNvSpPr>
-          <p:nvPr>
-            <p:ph/>
-          </p:nvPr>
-        </p:nvSpPr>
-        <p:spPr>
-          <a:xfrm>
-            <a:off x="504000" y="1326600"/>
-            <a:ext cx="9071640" cy="3288240"/>
-          </a:xfrm>
-          <a:prstGeom prst="rect">
-            <a:avLst/>
-          </a:prstGeom>
-          <a:noFill/>
-          <a:ln w="0">
-            <a:noFill/>
-          </a:ln>
-        </p:spPr>
-        <p:txBody>
-          <a:bodyPr lIns="0" rIns="0" tIns="0" bIns="0" anchor="t">
-            <a:normAutofit/>
-          </a:bodyPr>
-          <a:p>
-            <a:pPr marL="432000" indent="-324000">
-              <a:spcBef>
-                <a:spcPts val="1417"/>
-              </a:spcBef>
-              <a:buClr>
-                <a:srgbClr val="ffffff"/>
-              </a:buClr>
-              <a:buSzPct val="45000"/>
-              <a:buFont typeface="Wingdings" charset="2"/>
-              <a:buChar char=""/>
-            </a:pPr>
-            <a:r>
-              <a:rPr b="0" lang="en-US" sz="3200" spc="-1" strike="noStrike">
-                <a:latin typeface="Arial"/>
-              </a:rPr>
-              <a:t>Policy4: the same as policy3, except that:</a:t>
-            </a:r>
-            <a:endParaRPr b="0" lang="en-US" sz="3200" spc="-1" strike="noStrike">
-              <a:latin typeface="Arial"/>
-            </a:endParaRPr>
-          </a:p>
-          <a:p>
-            <a:pPr lvl="1" marL="864000" indent="-324000">
-              <a:spcBef>
-                <a:spcPts val="1134"/>
-              </a:spcBef>
-              <a:buClr>
-                <a:srgbClr val="ffffff"/>
-              </a:buClr>
-              <a:buSzPct val="75000"/>
-              <a:buFont typeface="Symbol" charset="2"/>
-              <a:buChar char=""/>
-            </a:pPr>
-            <a:endParaRPr b="0" lang="en-US" sz="2800" spc="-1" strike="noStrike">
-              <a:latin typeface="Arial"/>
-            </a:endParaRPr>
-          </a:p>
-          <a:p>
-            <a:pPr marL="432000" indent="-324000">
-              <a:spcBef>
-                <a:spcPts val="1417"/>
-              </a:spcBef>
-              <a:buClr>
-                <a:srgbClr val="ffffff"/>
-              </a:buClr>
-              <a:buSzPct val="45000"/>
-              <a:buFont typeface="Wingdings" charset="2"/>
-              <a:buChar char=""/>
-            </a:pPr>
-            <a:r>
-              <a:rPr b="0" lang="en-US" sz="3200" spc="-1" strike="noStrike">
-                <a:latin typeface="Arial"/>
-              </a:rPr>
-              <a:t>Result: mean: 13,427, std: 36, </a:t>
-            </a:r>
-            <a:r>
-              <a:rPr b="0" lang="en-US" sz="3000" spc="-1" strike="noStrike">
-                <a:latin typeface="Arial"/>
-              </a:rPr>
-              <a:t>ε</a:t>
-            </a:r>
-            <a:r>
-              <a:rPr b="0" lang="en-US" sz="3200" spc="-1" strike="noStrike">
-                <a:latin typeface="Arial"/>
-              </a:rPr>
-              <a:t>=0.01.</a:t>
-            </a:r>
-            <a:endParaRPr b="0" lang="en-US" sz="3200" spc="-1" strike="noStrike">
-              <a:latin typeface="Arial"/>
-            </a:endParaRPr>
-          </a:p>
-        </p:txBody>
-      </p:sp>
-      <mc:AlternateContent>
-        <mc:Choice xmlns:a14="http://schemas.microsoft.com/office/drawing/2010/main" Requires="a14">
-          <p:sp>
-            <p:nvSpPr>
-              <p:cNvPr id="260" name=""/>
-              <p:cNvSpPr txBox="1"/>
-              <p:nvPr/>
-            </p:nvSpPr>
-            <p:spPr>
-              <a:xfrm rot="21598200">
-                <a:off x="1103760" y="1819800"/>
-                <a:ext cx="3012480" cy="490680"/>
-              </a:xfrm>
-              <a:prstGeom prst="rect">
-                <a:avLst/>
-              </a:prstGeom>
-            </p:spPr>
-            <p:txBody>
-              <a:bodyPr/>
-              <a:p>
-                <a14:m>
-                  <m:oMath xmlns:m="http://schemas.openxmlformats.org/officeDocument/2006/math">
-                    <m:sSub>
-                      <m:e>
-                        <m:r>
-                          <m:t xml:space="preserve">A</m:t>
-                        </m:r>
-                      </m:e>
-                      <m:sub>
-                        <m:r>
-                          <m:t xml:space="preserve">t</m:t>
-                        </m:r>
-                      </m:sub>
-                    </m:sSub>
-                    <m:r>
-                      <m:t xml:space="preserve">=</m:t>
-                    </m:r>
-                    <m:d>
-                      <m:dPr>
-                        <m:begChr m:val="{"/>
-                        <m:endChr m:val=""/>
-                      </m:dPr>
-                      <m:e>
-                        <m:eqArr>
-                          <m:e>
-                            <m:limLow>
-                              <m:e>
-                                <m:r>
-                                  <m:t xml:space="preserve">argmax</m:t>
-                                </m:r>
-                              </m:e>
-                              <m:lim>
-                                <m:r>
-                                  <m:t xml:space="preserve">a</m:t>
-                                </m:r>
-                              </m:lim>
-                            </m:limLow>
-                            <m:sSub>
-                              <m:e>
-                                <m:r>
-                                  <m:t xml:space="preserve">Q</m:t>
-                                </m:r>
-                              </m:e>
-                              <m:sub>
-                                <m:r>
-                                  <m:t xml:space="preserve">t</m:t>
-                                </m:r>
-                              </m:sub>
-                            </m:sSub>
-                            <m:d>
-                              <m:dPr>
-                                <m:begChr m:val="("/>
-                                <m:endChr m:val=")"/>
-                              </m:dPr>
-                              <m:e>
-                                <m:r>
-                                  <m:t xml:space="preserve">a</m:t>
-                                </m:r>
-                              </m:e>
-                            </m:d>
-                            <m:r>
-                              <m:rPr>
-                                <m:lit/>
-                                <m:nor/>
-                              </m:rPr>
-                              <m:t xml:space="preserve">           with probability </m:t>
-                            </m:r>
-                            <m:r>
-                              <m:t xml:space="preserve">1</m:t>
-                            </m:r>
-                            <m:r>
-                              <m:t xml:space="preserve">−</m:t>
-                            </m:r>
-                            <m:r>
-                              <m:t xml:space="preserve">ϵ</m:t>
-                            </m:r>
-                          </m:e>
-                          <m:e>
-                            <m:r>
-                              <m:rPr>
-                                <m:lit/>
-                                <m:nor/>
-                              </m:rPr>
-                              <m:t xml:space="preserve">a random action        with probability </m:t>
-                            </m:r>
-                            <m:r>
-                              <m:t xml:space="preserve">ϵ</m:t>
-                            </m:r>
-                          </m:e>
-                        </m:eqArr>
-                      </m:e>
-                    </m:d>
-                  </m:oMath>
-                </a14:m>
-              </a:p>
-            </p:txBody>
-          </p:sp>
-        </mc:Choice>
-        <mc:Fallback/>
-      </mc:AlternateContent>
-      <p:sp>
-        <p:nvSpPr>
-          <p:cNvPr id="4" name="PlaceHolder 3"/>
-          <p:cNvSpPr>
-            <a:spLocks noGrp="1"/>
-          </p:cNvSpPr>
-          <p:nvPr>
-            <p:ph type="sldNum" idx="9"/>
-          </p:nvPr>
-        </p:nvSpPr>
-        <p:spPr/>
-        <p:txBody>
-          <a:bodyPr/>
-          <a:p>
-            <a:fld id="{63AE8446-E742-4FCD-8433-9810F0DF22F8}" type="slidenum">
+            <a:fld id="{A8DFCC59-B1D6-4D75-BD21-9DF6DE880F82}" type="slidenum">
               <a:t>9</a:t>
             </a:fld>
           </a:p>

--- a/docs/presentation.pptx
+++ b/docs/presentation.pptx
@@ -679,7 +679,7 @@
         <p:txBody>
           <a:bodyPr/>
           <a:p>
-            <a:fld id="{C2D58CE6-47A0-4A31-9229-6FEF3CBD455D}" type="slidenum">
+            <a:fld id="{F608ED88-E11C-40CA-8321-EE97E53603A4}" type="slidenum">
               <a:t>&lt;#&gt;</a:t>
             </a:fld>
           </a:p>
@@ -833,7 +833,7 @@
         <p:txBody>
           <a:bodyPr/>
           <a:p>
-            <a:fld id="{7E28DBE4-90B6-47F7-B152-A3F7A34CBD57}" type="slidenum">
+            <a:fld id="{52A099CA-BA82-42D7-ADED-5C20151D2AD5}" type="slidenum">
               <a:t>&lt;#&gt;</a:t>
             </a:fld>
           </a:p>
@@ -984,7 +984,7 @@
         <p:txBody>
           <a:bodyPr/>
           <a:p>
-            <a:fld id="{0E897401-CDA8-42D5-97C2-3585A985F9BC}" type="slidenum">
+            <a:fld id="{2F9AEF9E-4865-4CE9-9569-DCE213F91DA7}" type="slidenum">
               <a:t>&lt;#&gt;</a:t>
             </a:fld>
           </a:p>
@@ -1169,7 +1169,7 @@
         <p:txBody>
           <a:bodyPr/>
           <a:p>
-            <a:fld id="{5D27AB39-5F27-4641-A0D0-82191AD3A886}" type="slidenum">
+            <a:fld id="{5476A442-2468-4B9B-ACB3-F0F5572DBA6C}" type="slidenum">
               <a:t>&lt;#&gt;</a:t>
             </a:fld>
           </a:p>
@@ -1286,7 +1286,7 @@
         <p:txBody>
           <a:bodyPr/>
           <a:p>
-            <a:fld id="{960AA2AA-E0D6-4B7F-90D4-65D7CEA56108}" type="slidenum">
+            <a:fld id="{BC390857-0C5D-4B7A-AC7C-BA261E8AEBDF}" type="slidenum">
               <a:t>&lt;#&gt;</a:t>
             </a:fld>
           </a:p>
@@ -1406,7 +1406,7 @@
         <p:txBody>
           <a:bodyPr/>
           <a:p>
-            <a:fld id="{F9D8431B-C0F2-4B99-8D4C-B3AC0FF9B3D2}" type="slidenum">
+            <a:fld id="{8029202F-99BA-4E7E-B3C6-01D328EA649F}" type="slidenum">
               <a:t>&lt;#&gt;</a:t>
             </a:fld>
           </a:p>
@@ -1625,7 +1625,7 @@
         <p:txBody>
           <a:bodyPr/>
           <a:p>
-            <a:fld id="{10A0D0BD-5C8A-4785-84AA-7BEC22232615}" type="slidenum">
+            <a:fld id="{53AFD927-84B7-4B82-9252-63984B2BCD6F}" type="slidenum">
               <a:t>&lt;#&gt;</a:t>
             </a:fld>
           </a:p>
@@ -1937,7 +1937,7 @@
         <p:txBody>
           <a:bodyPr/>
           <a:p>
-            <a:fld id="{1B6DAA01-EC25-4F01-8C4F-3BE960D36563}" type="slidenum">
+            <a:fld id="{9B7D65D1-BD9F-4A4A-B1F1-F7E2796B022F}" type="slidenum">
               <a:t>&lt;#&gt;</a:t>
             </a:fld>
           </a:p>
@@ -2156,7 +2156,7 @@
         <p:txBody>
           <a:bodyPr/>
           <a:p>
-            <a:fld id="{3B85F5EC-4C54-4853-B16B-292DE775B87A}" type="slidenum">
+            <a:fld id="{03D48277-AB74-4524-AC94-C660DFD13BA0}" type="slidenum">
               <a:t>&lt;#&gt;</a:t>
             </a:fld>
           </a:p>
@@ -2341,7 +2341,7 @@
         <p:txBody>
           <a:bodyPr/>
           <a:p>
-            <a:fld id="{F647DF84-475C-4400-BD0C-FA5B911C269F}" type="slidenum">
+            <a:fld id="{228D7223-DF54-4D64-95DD-401F9EFD2214}" type="slidenum">
               <a:t>&lt;#&gt;</a:t>
             </a:fld>
           </a:p>
@@ -2594,7 +2594,7 @@
         <p:txBody>
           <a:bodyPr/>
           <a:p>
-            <a:fld id="{07F36710-5FC0-487A-BB50-6BFA82B34A1B}" type="slidenum">
+            <a:fld id="{C7E6D727-7848-4D65-AEFB-8CBB8FFC442B}" type="slidenum">
               <a:t>&lt;#&gt;</a:t>
             </a:fld>
           </a:p>
@@ -2915,7 +2915,7 @@
         <p:txBody>
           <a:bodyPr/>
           <a:p>
-            <a:fld id="{ADFE587E-9B95-4011-89BA-7DBBFDD659FA}" type="slidenum">
+            <a:fld id="{4E487938-AB84-438A-83B7-4FC3E2FCA86B}" type="slidenum">
               <a:t>&lt;#&gt;</a:t>
             </a:fld>
           </a:p>
@@ -2998,7 +2998,7 @@
         <p:txBody>
           <a:bodyPr/>
           <a:p>
-            <a:fld id="{862E72EB-A28B-4BAD-812F-17782CAB5885}" type="slidenum">
+            <a:fld id="{5F19ABFE-008B-4AE5-A385-C09B327FBD44}" type="slidenum">
               <a:t>&lt;#&gt;</a:t>
             </a:fld>
           </a:p>
@@ -3152,7 +3152,7 @@
         <p:txBody>
           <a:bodyPr/>
           <a:p>
-            <a:fld id="{410979E4-14B5-4E53-B205-22FC4414D798}" type="slidenum">
+            <a:fld id="{7CF78200-6107-41B8-8C40-BB9CC850D471}" type="slidenum">
               <a:t>&lt;#&gt;</a:t>
             </a:fld>
           </a:p>
@@ -3303,7 +3303,7 @@
         <p:txBody>
           <a:bodyPr/>
           <a:p>
-            <a:fld id="{8F5B5E0E-7DF5-4E25-A83A-ED9CEAA05973}" type="slidenum">
+            <a:fld id="{854D6043-DAAE-405E-9210-4261827E78CE}" type="slidenum">
               <a:t>&lt;#&gt;</a:t>
             </a:fld>
           </a:p>
@@ -3488,7 +3488,7 @@
         <p:txBody>
           <a:bodyPr/>
           <a:p>
-            <a:fld id="{D728B692-803D-4B80-A3D0-91AB4E94150A}" type="slidenum">
+            <a:fld id="{F4854B62-30DB-4E26-9FA3-D990C5F17A25}" type="slidenum">
               <a:t>&lt;#&gt;</a:t>
             </a:fld>
           </a:p>
@@ -3605,7 +3605,7 @@
         <p:txBody>
           <a:bodyPr/>
           <a:p>
-            <a:fld id="{8707C3BA-436F-43D2-9860-9A9C5D20B7E7}" type="slidenum">
+            <a:fld id="{2DE8B905-5ED1-4A68-A301-725A904FBAD1}" type="slidenum">
               <a:t>&lt;#&gt;</a:t>
             </a:fld>
           </a:p>
@@ -3815,7 +3815,7 @@
         <p:txBody>
           <a:bodyPr/>
           <a:p>
-            <a:fld id="{76A37D2C-5B02-4CBA-9A8E-0257CBC54548}" type="slidenum">
+            <a:fld id="{10617CEF-C26D-4E32-BE35-C7BD689AE90D}" type="slidenum">
               <a:t>&lt;#&gt;</a:t>
             </a:fld>
           </a:p>
@@ -4034,7 +4034,7 @@
         <p:txBody>
           <a:bodyPr/>
           <a:p>
-            <a:fld id="{36C63F86-31C3-43B5-8354-E166F8F49554}" type="slidenum">
+            <a:fld id="{543E13DB-0AA7-4333-B845-C1F53E4C76C9}" type="slidenum">
               <a:t>&lt;#&gt;</a:t>
             </a:fld>
           </a:p>
@@ -4253,7 +4253,7 @@
         <p:txBody>
           <a:bodyPr/>
           <a:p>
-            <a:fld id="{E75767D4-DCF9-4EE3-B418-DF407D8EF833}" type="slidenum">
+            <a:fld id="{165C8F76-5D48-433C-9815-EEAFB5135AB1}" type="slidenum">
               <a:t>&lt;#&gt;</a:t>
             </a:fld>
           </a:p>
@@ -4472,7 +4472,7 @@
         <p:txBody>
           <a:bodyPr/>
           <a:p>
-            <a:fld id="{5ED6A5F7-9477-4764-8182-41C576D0DB8C}" type="slidenum">
+            <a:fld id="{64506156-5E27-48BE-99C6-693F2CB73718}" type="slidenum">
               <a:t>&lt;#&gt;</a:t>
             </a:fld>
           </a:p>
@@ -4657,7 +4657,7 @@
         <p:txBody>
           <a:bodyPr/>
           <a:p>
-            <a:fld id="{848F3BC2-A3A3-484B-8924-AD6569F3FC05}" type="slidenum">
+            <a:fld id="{14F27820-0C00-4400-BE95-EF78AFAF8192}" type="slidenum">
               <a:t>&lt;#&gt;</a:t>
             </a:fld>
           </a:p>
@@ -4910,7 +4910,7 @@
         <p:txBody>
           <a:bodyPr/>
           <a:p>
-            <a:fld id="{C58DF47F-6E4D-4CD8-9092-B76298D03390}" type="slidenum">
+            <a:fld id="{09DE569B-CF2A-4EDA-83E2-172F9CDB2528}" type="slidenum">
               <a:t>&lt;#&gt;</a:t>
             </a:fld>
           </a:p>
@@ -5231,7 +5231,7 @@
         <p:txBody>
           <a:bodyPr/>
           <a:p>
-            <a:fld id="{4E9FB128-8475-455B-B67C-F7C78D8E1309}" type="slidenum">
+            <a:fld id="{87297444-0294-4A5D-AE2D-065E761576E2}" type="slidenum">
               <a:t>&lt;#&gt;</a:t>
             </a:fld>
           </a:p>
@@ -5314,7 +5314,7 @@
         <p:txBody>
           <a:bodyPr/>
           <a:p>
-            <a:fld id="{4559DDC1-554A-41DD-B231-6145F716788A}" type="slidenum">
+            <a:fld id="{163E96E7-5EA8-4DEA-BC53-BF956E3B323F}" type="slidenum">
               <a:t>&lt;#&gt;</a:t>
             </a:fld>
           </a:p>
@@ -5468,7 +5468,7 @@
         <p:txBody>
           <a:bodyPr/>
           <a:p>
-            <a:fld id="{34521E3E-EE4B-40D0-9828-9FB42C2B81D3}" type="slidenum">
+            <a:fld id="{411A509C-266C-4B3B-973F-E1D78D57C692}" type="slidenum">
               <a:t>&lt;#&gt;</a:t>
             </a:fld>
           </a:p>
@@ -5619,7 +5619,7 @@
         <p:txBody>
           <a:bodyPr/>
           <a:p>
-            <a:fld id="{A03EC978-7F1B-411F-AC2C-04E451F739AB}" type="slidenum">
+            <a:fld id="{E0EC4C23-D537-4C1F-A2ED-F8CB62146628}" type="slidenum">
               <a:t>&lt;#&gt;</a:t>
             </a:fld>
           </a:p>
@@ -5928,7 +5928,7 @@
         <p:txBody>
           <a:bodyPr/>
           <a:p>
-            <a:fld id="{CA0C480F-7E9C-4EEB-B167-968ED959B6E7}" type="slidenum">
+            <a:fld id="{7B140B1B-BEE7-4F39-ACDA-731E9D74DF07}" type="slidenum">
               <a:t>&lt;#&gt;</a:t>
             </a:fld>
           </a:p>
@@ -6045,7 +6045,7 @@
         <p:txBody>
           <a:bodyPr/>
           <a:p>
-            <a:fld id="{E43FE8B4-27D2-4934-9F08-D7D7F7CB1D12}" type="slidenum">
+            <a:fld id="{C138C8F1-9B1E-4661-A0FD-C4EA3E91F0CC}" type="slidenum">
               <a:t>&lt;#&gt;</a:t>
             </a:fld>
           </a:p>
@@ -6165,7 +6165,7 @@
         <p:txBody>
           <a:bodyPr/>
           <a:p>
-            <a:fld id="{394E8F53-B6C5-4158-BDC1-1F07AFC544B1}" type="slidenum">
+            <a:fld id="{CA179AF7-2BA1-489A-8686-AE195DDCCFF7}" type="slidenum">
               <a:t>&lt;#&gt;</a:t>
             </a:fld>
           </a:p>
@@ -6384,7 +6384,7 @@
         <p:txBody>
           <a:bodyPr/>
           <a:p>
-            <a:fld id="{5212AEE9-CF87-4D3F-B8D7-157EC31B430A}" type="slidenum">
+            <a:fld id="{7E2AA21B-8B5D-4920-BDC4-BC3F8D0EFD8C}" type="slidenum">
               <a:t>&lt;#&gt;</a:t>
             </a:fld>
           </a:p>
@@ -6603,7 +6603,7 @@
         <p:txBody>
           <a:bodyPr/>
           <a:p>
-            <a:fld id="{70719CDB-3844-46ED-A9DE-25AF74234025}" type="slidenum">
+            <a:fld id="{FB040E75-4727-4DA3-9A63-D44F8C153AA0}" type="slidenum">
               <a:t>&lt;#&gt;</a:t>
             </a:fld>
           </a:p>
@@ -6822,7 +6822,7 @@
         <p:txBody>
           <a:bodyPr/>
           <a:p>
-            <a:fld id="{79913FB3-7737-44AB-97DD-32C1A98F91B8}" type="slidenum">
+            <a:fld id="{D03C853B-A608-4C99-A3DF-84CCAD26F3A4}" type="slidenum">
               <a:t>&lt;#&gt;</a:t>
             </a:fld>
           </a:p>
@@ -7007,7 +7007,7 @@
         <p:txBody>
           <a:bodyPr/>
           <a:p>
-            <a:fld id="{8D812B2C-40FD-494C-B1A5-9BA0CC7945E2}" type="slidenum">
+            <a:fld id="{745DF375-3A15-4B65-A1DA-57033A5975BB}" type="slidenum">
               <a:t>&lt;#&gt;</a:t>
             </a:fld>
           </a:p>
@@ -7260,7 +7260,7 @@
         <p:txBody>
           <a:bodyPr/>
           <a:p>
-            <a:fld id="{ABBFBABA-C991-4898-BDE0-A9F560367F8D}" type="slidenum">
+            <a:fld id="{DA784EC0-04A9-4159-817F-EDEE4CF1E44F}" type="slidenum">
               <a:t>&lt;#&gt;</a:t>
             </a:fld>
           </a:p>
@@ -7581,7 +7581,7 @@
         <p:txBody>
           <a:bodyPr/>
           <a:p>
-            <a:fld id="{7837D3D4-C5F7-41DA-95F4-D2F3A0770CA5}" type="slidenum">
+            <a:fld id="{82F7B13F-31F2-407E-A0B3-69C9CDED3026}" type="slidenum">
               <a:t>&lt;#&gt;</a:t>
             </a:fld>
           </a:p>
@@ -9797,13 +9797,7 @@
               <a:rPr b="0" lang="en-US" sz="3200" spc="-1" strike="noStrike">
                 <a:latin typeface="Arial"/>
               </a:rPr>
-              <a:t>Click to edit the outline text </a:t>
-            </a:r>
-            <a:r>
-              <a:rPr b="0" lang="en-US" sz="3200" spc="-1" strike="noStrike">
-                <a:latin typeface="Arial"/>
-              </a:rPr>
-              <a:t>format</a:t>
+              <a:t>Click to edit the outline text format</a:t>
             </a:r>
             <a:endParaRPr b="0" lang="en-US" sz="3200" spc="-1" strike="noStrike">
               <a:latin typeface="Arial"/>
@@ -9931,7 +9925,7 @@
             <a:noAutofit/>
           </a:bodyPr>
           <a:p>
-            <a:fld id="{4E242B3C-3224-4A69-856B-F4A85584326D}" type="author">
+            <a:fld id="{11955FA1-60E2-44DE-A042-695928ED0E1D}" type="author">
               <a:rPr b="0" lang="en-US" sz="1800" spc="-1" strike="noStrike">
                 <a:latin typeface="Arial"/>
               </a:rPr>
@@ -10519,7 +10513,7 @@
             <a:pPr algn="r">
               <a:buNone/>
             </a:pPr>
-            <a:fld id="{217917A1-289A-4512-95B6-985144A1C364}" type="slidenum">
+            <a:fld id="{FD7A3521-2754-444A-ADA7-7D1066AD2BDE}" type="slidenum">
               <a:rPr b="0" lang="en-US" sz="1400" spc="-1" strike="noStrike">
                 <a:latin typeface="Arial"/>
               </a:rPr>
@@ -11219,7 +11213,7 @@
             <a:pPr algn="r">
               <a:buNone/>
             </a:pPr>
-            <a:fld id="{C7623176-A5C5-4C89-9AF6-1BE56EB21705}" type="slidenum">
+            <a:fld id="{0CFBBD59-E2D2-4E16-9946-B1D5DAC89B83}" type="slidenum">
               <a:rPr b="0" lang="en-US" sz="1400" spc="-1" strike="noStrike">
                 <a:latin typeface="Arial"/>
               </a:rPr>
@@ -12094,7 +12088,7 @@
             <a:pPr algn="r">
               <a:buNone/>
             </a:pPr>
-            <a:fld id="{B5E884C4-6B0D-4CD9-B640-5EE249CD8885}" type="slidenum">
+            <a:fld id="{AAFFEA82-6DBF-4E4C-8E72-8F89468D4F4B}" type="slidenum">
               <a:rPr b="0" lang="en-US" sz="1400" spc="-1" strike="noStrike">
                 <a:latin typeface="Arial"/>
               </a:rPr>
@@ -13042,7 +13036,7 @@
         <p:txBody>
           <a:bodyPr/>
           <a:p>
-            <a:fld id="{C3405916-DD55-4F51-99D4-95AE4F04A523}" type="slidenum">
+            <a:fld id="{26D7787B-520E-4B9E-AE15-F6551ACE335F}" type="slidenum">
               <a:t>10</a:t>
             </a:fld>
           </a:p>
@@ -13890,8 +13884,8 @@
         </p:blipFill>
         <p:spPr>
           <a:xfrm>
-            <a:off x="7551000" y="853560"/>
-            <a:ext cx="2516040" cy="2598840"/>
+            <a:off x="7435440" y="2653560"/>
+            <a:ext cx="2667600" cy="2598840"/>
           </a:xfrm>
           <a:prstGeom prst="rect">
             <a:avLst/>
@@ -13901,6 +13895,29 @@
           </a:ln>
         </p:spPr>
       </p:pic>
+      <p:pic>
+        <p:nvPicPr>
+          <p:cNvPr id="267" name="" descr=""/>
+          <p:cNvPicPr/>
+          <p:nvPr/>
+        </p:nvPicPr>
+        <p:blipFill>
+          <a:blip r:embed="rId2"/>
+          <a:stretch/>
+        </p:blipFill>
+        <p:spPr>
+          <a:xfrm>
+            <a:off x="7014600" y="851040"/>
+            <a:ext cx="3078720" cy="1809360"/>
+          </a:xfrm>
+          <a:prstGeom prst="rect">
+            <a:avLst/>
+          </a:prstGeom>
+          <a:ln w="10800">
+            <a:noFill/>
+          </a:ln>
+        </p:spPr>
+      </p:pic>
       <p:sp>
         <p:nvSpPr>
           <p:cNvPr id="5" name="PlaceHolder 4"/>
@@ -13915,7 +13932,7 @@
         <p:txBody>
           <a:bodyPr/>
           <a:p>
-            <a:fld id="{661204F0-B162-4F74-992C-E7A42D5BA31E}" type="slidenum">
+            <a:fld id="{4C7B0EB4-AF42-4D18-B1D6-F9FDD6B56DF7}" type="slidenum">
               <a:t>11</a:t>
             </a:fld>
           </a:p>
@@ -13953,7 +13970,7 @@
       </p:grpSpPr>
       <p:sp>
         <p:nvSpPr>
-          <p:cNvPr id="267" name="PlaceHolder 1"/>
+          <p:cNvPr id="268" name="PlaceHolder 1"/>
           <p:cNvSpPr>
             <a:spLocks noGrp="1"/>
           </p:cNvSpPr>
@@ -13993,7 +14010,7 @@
       </p:sp>
       <p:sp>
         <p:nvSpPr>
-          <p:cNvPr id="268" name="PlaceHolder 2"/>
+          <p:cNvPr id="269" name="PlaceHolder 2"/>
           <p:cNvSpPr>
             <a:spLocks noGrp="1"/>
           </p:cNvSpPr>
@@ -14027,7 +14044,7 @@
       </p:sp>
       <p:pic>
         <p:nvPicPr>
-          <p:cNvPr id="269" name="" descr=""/>
+          <p:cNvPr id="270" name="" descr=""/>
           <p:cNvPicPr/>
           <p:nvPr/>
         </p:nvPicPr>
@@ -14062,7 +14079,7 @@
         <p:txBody>
           <a:bodyPr/>
           <a:p>
-            <a:fld id="{FCDADB8B-DA1F-4BAA-B6C4-0D548A5529CE}" type="slidenum">
+            <a:fld id="{69E7C7AE-2EFE-4973-A5E5-0762F9DF6FBA}" type="slidenum">
               <a:t>12</a:t>
             </a:fld>
           </a:p>
@@ -14100,7 +14117,7 @@
       </p:grpSpPr>
       <p:sp>
         <p:nvSpPr>
-          <p:cNvPr id="270" name="PlaceHolder 1"/>
+          <p:cNvPr id="271" name="PlaceHolder 1"/>
           <p:cNvSpPr>
             <a:spLocks noGrp="1"/>
           </p:cNvSpPr>
@@ -14140,7 +14157,7 @@
       </p:sp>
       <p:sp>
         <p:nvSpPr>
-          <p:cNvPr id="271" name="PlaceHolder 2"/>
+          <p:cNvPr id="272" name="PlaceHolder 2"/>
           <p:cNvSpPr>
             <a:spLocks noGrp="1"/>
           </p:cNvSpPr>
@@ -14243,7 +14260,7 @@
         <p:txBody>
           <a:bodyPr/>
           <a:p>
-            <a:fld id="{AEF8694B-E8FB-49CD-B0FB-A0F601B88F76}" type="slidenum">
+            <a:fld id="{7B8303D0-A355-4215-8B45-CEEF0AFB5D1A}" type="slidenum">
               <a:t>13</a:t>
             </a:fld>
           </a:p>
@@ -14281,7 +14298,7 @@
       </p:grpSpPr>
       <p:sp>
         <p:nvSpPr>
-          <p:cNvPr id="272" name="PlaceHolder 1"/>
+          <p:cNvPr id="273" name="PlaceHolder 1"/>
           <p:cNvSpPr>
             <a:spLocks noGrp="1"/>
           </p:cNvSpPr>
@@ -14321,7 +14338,7 @@
       </p:sp>
       <p:sp>
         <p:nvSpPr>
-          <p:cNvPr id="273" name="PlaceHolder 2"/>
+          <p:cNvPr id="274" name="PlaceHolder 2"/>
           <p:cNvSpPr>
             <a:spLocks noGrp="1"/>
           </p:cNvSpPr>
@@ -14344,7 +14361,7 @@
         </p:spPr>
         <p:txBody>
           <a:bodyPr lIns="0" rIns="0" tIns="0" bIns="0" anchor="t">
-            <a:normAutofit/>
+            <a:normAutofit fontScale="80000"/>
           </a:bodyPr>
           <a:p>
             <a:pPr marL="432000" indent="-324000">
@@ -14362,7 +14379,7 @@
               <a:rPr b="0" lang="en-US" sz="3200" spc="-1" strike="noStrike">
                 <a:latin typeface="Arial"/>
               </a:rPr>
-              <a:t>How to make use of unsuccessful data </a:t>
+              <a:t>Make use of unsuccessful data </a:t>
             </a:r>
             <a:r>
               <a:rPr b="0" lang="en-US" sz="3200" spc="-1" strike="noStrike">
@@ -14396,11 +14413,101 @@
               <a:latin typeface="Arial"/>
             </a:endParaRPr>
           </a:p>
+          <a:p>
+            <a:pPr marL="432000" indent="-324000">
+              <a:spcBef>
+                <a:spcPts val="1417"/>
+              </a:spcBef>
+              <a:buClr>
+                <a:srgbClr val="ffffff"/>
+              </a:buClr>
+              <a:buSzPct val="45000"/>
+              <a:buFont typeface="Wingdings" charset="2"/>
+              <a:buChar char=""/>
+            </a:pPr>
+            <a:r>
+              <a:rPr b="0" lang="en-US" sz="3200" spc="-1" strike="noStrike">
+                <a:latin typeface="Arial"/>
+              </a:rPr>
+              <a:t>Try other time granularity (e.g., </a:t>
+            </a:r>
+            <a:r>
+              <a:rPr b="0" lang="en-US" sz="3200" spc="-1" strike="noStrike">
+                <a:latin typeface="Arial"/>
+              </a:rPr>
+              <a:t>seconds, minutes, hours, days, </a:t>
+            </a:r>
+            <a:r>
+              <a:rPr b="0" lang="en-US" sz="3200" spc="-1" strike="noStrike">
+                <a:latin typeface="Arial"/>
+              </a:rPr>
+              <a:t>weeks, etc.)</a:t>
+            </a:r>
+            <a:endParaRPr b="0" lang="en-US" sz="3200" spc="-1" strike="noStrike">
+              <a:latin typeface="Arial"/>
+            </a:endParaRPr>
+          </a:p>
+          <a:p>
+            <a:pPr marL="432000" indent="-324000">
+              <a:spcBef>
+                <a:spcPts val="1417"/>
+              </a:spcBef>
+              <a:buClr>
+                <a:srgbClr val="ffffff"/>
+              </a:buClr>
+              <a:buSzPct val="45000"/>
+              <a:buFont typeface="Wingdings" charset="2"/>
+              <a:buChar char=""/>
+            </a:pPr>
+            <a:r>
+              <a:rPr b="0" lang="en-US" sz="3200" spc="-1" strike="noStrike">
+                <a:latin typeface="Arial"/>
+              </a:rPr>
+              <a:t>Try other definitions of action valuation </a:t>
+            </a:r>
+            <a:r>
+              <a:rPr b="0" lang="en-US" sz="3200" spc="-1" strike="noStrike">
+                <a:latin typeface="Arial"/>
+              </a:rPr>
+              <a:t>function Q</a:t>
+            </a:r>
+            <a:r>
+              <a:rPr b="0" lang="en-US" sz="3200" spc="-1" strike="noStrike" baseline="-8000">
+                <a:latin typeface="Arial"/>
+              </a:rPr>
+              <a:t>t</a:t>
+            </a:r>
+            <a:r>
+              <a:rPr b="0" lang="en-US" sz="3200" spc="-1" strike="noStrike">
+                <a:latin typeface="Arial"/>
+              </a:rPr>
+              <a:t>(a).</a:t>
+            </a:r>
+            <a:endParaRPr b="0" lang="en-US" sz="3200" spc="-1" strike="noStrike">
+              <a:latin typeface="Arial"/>
+            </a:endParaRPr>
+          </a:p>
+          <a:p>
+            <a:pPr marL="432000" indent="-324000">
+              <a:spcBef>
+                <a:spcPts val="1417"/>
+              </a:spcBef>
+              <a:buClr>
+                <a:srgbClr val="ffffff"/>
+              </a:buClr>
+              <a:buSzPct val="45000"/>
+              <a:buFont typeface="Wingdings" charset="2"/>
+              <a:buChar char=""/>
+            </a:pPr>
+            <a:endParaRPr b="0" lang="en-US" sz="3200" spc="-1" strike="noStrike">
+              <a:latin typeface="Arial"/>
+            </a:endParaRPr>
+          </a:p>
         </p:txBody>
       </p:sp>
       <p:pic>
         <p:nvPicPr>
-          <p:cNvPr id="274" name="" descr=""/>
+          <p:cNvPr id="275" name="" descr=""/>
           <p:cNvPicPr/>
           <p:nvPr/>
         </p:nvPicPr>
@@ -14435,7 +14542,7 @@
         <p:txBody>
           <a:bodyPr/>
           <a:p>
-            <a:fld id="{177F399C-9646-4E6E-ACFE-3EA4625B898D}" type="slidenum">
+            <a:fld id="{9E872675-62A5-4403-B790-5829D6BCF5CF}" type="slidenum">
               <a:t>14</a:t>
             </a:fld>
           </a:p>
@@ -14473,7 +14580,7 @@
       </p:grpSpPr>
       <p:sp>
         <p:nvSpPr>
-          <p:cNvPr id="275" name="PlaceHolder 1"/>
+          <p:cNvPr id="276" name="PlaceHolder 1"/>
           <p:cNvSpPr>
             <a:spLocks noGrp="1"/>
           </p:cNvSpPr>
@@ -14513,7 +14620,7 @@
       </p:sp>
       <p:sp>
         <p:nvSpPr>
-          <p:cNvPr id="276" name="PlaceHolder 2"/>
+          <p:cNvPr id="277" name="PlaceHolder 2"/>
           <p:cNvSpPr>
             <a:spLocks noGrp="1"/>
           </p:cNvSpPr>
@@ -14554,7 +14661,13 @@
               <a:rPr b="0" lang="en-US" sz="3200" spc="-1" strike="noStrike">
                 <a:latin typeface="Arial"/>
               </a:rPr>
-              <a:t>Thanks for your attention, I am open to questions.</a:t>
+              <a:t>Thanks for your attention, I am open to </a:t>
+            </a:r>
+            <a:r>
+              <a:rPr b="0" lang="en-US" sz="3200" spc="-1" strike="noStrike">
+                <a:latin typeface="Arial"/>
+              </a:rPr>
+              <a:t>questions.</a:t>
             </a:r>
             <a:endParaRPr b="0" lang="en-US" sz="3200" spc="-1" strike="noStrike">
               <a:latin typeface="Arial"/>
@@ -14576,7 +14689,7 @@
         <p:txBody>
           <a:bodyPr/>
           <a:p>
-            <a:fld id="{1CFED8D2-6E83-4B79-88A9-0CC3EB3A72CC}" type="slidenum">
+            <a:fld id="{69BBF0E8-7B6E-4FC0-ACC0-0F828C604634}" type="slidenum">
               <a:t>15</a:t>
             </a:fld>
           </a:p>
@@ -14648,7 +14761,7 @@
               </a:lnSpc>
               <a:buNone/>
             </a:pPr>
-            <a:fld id="{9C4C392F-9576-426C-AE4C-5E443774D92E}" type="slidenum">
+            <a:fld id="{F4332D9C-6723-4F8C-819C-DD072B2AB67F}" type="slidenum">
               <a:rPr b="0" lang="en-US" sz="1200" spc="-1" strike="noStrike">
                 <a:solidFill>
                   <a:srgbClr val="8b8b8b"/>
@@ -15998,7 +16111,7 @@
         <p:txBody>
           <a:bodyPr/>
           <a:p>
-            <a:fld id="{22394F8F-595B-40FB-8DAB-CF434F4CB1B2}" type="slidenum">
+            <a:fld id="{4EF445DC-FB97-40A3-977A-7859C9AD60A3}" type="slidenum">
               <a:t>3</a:t>
             </a:fld>
           </a:p>
@@ -16139,13 +16252,7 @@
               <a:rPr b="0" lang="en-US" sz="3200" spc="-1" strike="noStrike">
                 <a:latin typeface="Arial"/>
               </a:rPr>
-              <a:t>Reinforcement learning </a:t>
-            </a:r>
-            <a:r>
-              <a:rPr b="0" lang="en-US" sz="3200" spc="-1" strike="noStrike">
-                <a:latin typeface="Arial"/>
-              </a:rPr>
-              <a:t>introduction</a:t>
+              <a:t>Reinforcement learning introduction</a:t>
             </a:r>
             <a:endParaRPr b="0" lang="en-US" sz="3200" spc="-1" strike="noStrike">
               <a:latin typeface="Arial"/>
@@ -16189,13 +16296,7 @@
               <a:rPr b="0" lang="en-US" sz="3200" spc="-1" strike="noStrike">
                 <a:latin typeface="Arial"/>
               </a:rPr>
-              <a:t>Contextual Multi-armed </a:t>
-            </a:r>
-            <a:r>
-              <a:rPr b="0" lang="en-US" sz="3200" spc="-1" strike="noStrike">
-                <a:latin typeface="Arial"/>
-              </a:rPr>
-              <a:t>Bandit</a:t>
+              <a:t>Contextual Multi-armed Bandit</a:t>
             </a:r>
             <a:endParaRPr b="0" lang="en-US" sz="3200" spc="-1" strike="noStrike">
               <a:latin typeface="Arial"/>
@@ -16239,7 +16340,7 @@
         <p:txBody>
           <a:bodyPr/>
           <a:p>
-            <a:fld id="{654DCC84-D6FB-4C30-B571-BE5F1A89A1FC}" type="slidenum">
+            <a:fld id="{5171B8A7-7E2D-47B5-8341-FE4D30498D3C}" type="slidenum">
               <a:t>4</a:t>
             </a:fld>
           </a:p>
@@ -16751,7 +16852,7 @@
         <p:txBody>
           <a:bodyPr/>
           <a:p>
-            <a:fld id="{F02DD739-B035-4A12-B843-1E4E7C262406}" type="slidenum">
+            <a:fld id="{FA61437B-6B12-43BA-826A-33D96A0D44D4}" type="slidenum">
               <a:t>5</a:t>
             </a:fld>
           </a:p>
@@ -16898,7 +16999,7 @@
         <p:txBody>
           <a:bodyPr/>
           <a:p>
-            <a:fld id="{B3AC6584-15A3-4228-9687-ACD9DA8C60CE}" type="slidenum">
+            <a:fld id="{FA31E274-9CDE-403A-9E0D-BC81F17E42A4}" type="slidenum">
               <a:t>6</a:t>
             </a:fld>
           </a:p>
@@ -17950,7 +18051,7 @@
         <p:txBody>
           <a:bodyPr/>
           <a:p>
-            <a:fld id="{86CFC98E-28EC-40C0-9EB1-BEF1FBA138FA}" type="slidenum">
+            <a:fld id="{1AA3B32E-C8F6-4B68-BB52-0CBD8F8AE976}" type="slidenum">
               <a:t>7</a:t>
             </a:fld>
           </a:p>
@@ -18091,13 +18192,13 @@
               <a:rPr b="0" lang="en-US" sz="3200" spc="-1" strike="noStrike">
                 <a:latin typeface="Arial"/>
               </a:rPr>
-              <a:t>Maximize the total number of success </a:t>
+              <a:t>Maximize the total number </a:t>
             </a:r>
             <a:r>
               <a:rPr b="0" lang="en-US" sz="3200" spc="-1" strike="noStrike">
                 <a:latin typeface="Arial"/>
               </a:rPr>
-              <a:t>of n days</a:t>
+              <a:t>of success of n days</a:t>
             </a:r>
             <a:endParaRPr b="0" lang="en-US" sz="3200" spc="-1" strike="noStrike">
               <a:latin typeface="Arial"/>
@@ -18119,19 +18220,25 @@
               <a:rPr b="0" lang="en-US" sz="3200" spc="-1" strike="noStrike">
                 <a:latin typeface="Arial"/>
               </a:rPr>
-              <a:t>e.g., policy1: always choosing </a:t>
+              <a:t>e.g., policy1: always </a:t>
             </a:r>
             <a:r>
               <a:rPr b="0" lang="en-US" sz="3200" spc="-1" strike="noStrike">
                 <a:latin typeface="Arial"/>
               </a:rPr>
-              <a:t>version1, leads to 12,772 success in </a:t>
+              <a:t>choosing version1, leads to </a:t>
             </a:r>
             <a:r>
               <a:rPr b="0" lang="en-US" sz="3200" spc="-1" strike="noStrike">
                 <a:latin typeface="Arial"/>
               </a:rPr>
-              <a:t>given the dataset. </a:t>
+              <a:t>12,772 success in given the </a:t>
+            </a:r>
+            <a:r>
+              <a:rPr b="0" lang="en-US" sz="3200" spc="-1" strike="noStrike">
+                <a:latin typeface="Arial"/>
+              </a:rPr>
+              <a:t>dataset. </a:t>
             </a:r>
             <a:endParaRPr b="0" lang="en-US" sz="3200" spc="-1" strike="noStrike">
               <a:latin typeface="Arial"/>
@@ -18153,13 +18260,19 @@
               <a:rPr b="0" lang="en-US" sz="3200" spc="-1" strike="noStrike">
                 <a:latin typeface="Arial"/>
               </a:rPr>
-              <a:t>e.g., policy2: always choosing </a:t>
+              <a:t>e.g., policy2: always </a:t>
             </a:r>
             <a:r>
               <a:rPr b="0" lang="en-US" sz="3200" spc="-1" strike="noStrike">
                 <a:latin typeface="Arial"/>
               </a:rPr>
-              <a:t>version2 leads to 12,779 success.  </a:t>
+              <a:t>choosing version2 leads to </a:t>
+            </a:r>
+            <a:r>
+              <a:rPr b="0" lang="en-US" sz="3200" spc="-1" strike="noStrike">
+                <a:latin typeface="Arial"/>
+              </a:rPr>
+              <a:t>12,779 success.  </a:t>
             </a:r>
             <a:endParaRPr b="0" lang="en-US" sz="3200" spc="-1" strike="noStrike">
               <a:latin typeface="Arial"/>
@@ -18232,19 +18345,25 @@
               <a:rPr b="0" lang="en-US" sz="3200" spc="-1" strike="noStrike">
                 <a:latin typeface="Arial"/>
               </a:rPr>
-              <a:t>Maximize the expectation of total number of </a:t>
+              <a:t>Maximize the expectation of </a:t>
             </a:r>
             <a:r>
               <a:rPr b="0" lang="en-US" sz="3200" spc="-1" strike="noStrike">
                 <a:latin typeface="Arial"/>
               </a:rPr>
-              <a:t>success of n days (and minimize the variance </a:t>
+              <a:t>total number of success of </a:t>
             </a:r>
             <a:r>
               <a:rPr b="0" lang="en-US" sz="3200" spc="-1" strike="noStrike">
                 <a:latin typeface="Arial"/>
               </a:rPr>
-              <a:t>of it)</a:t>
+              <a:t>n days (and minimize the </a:t>
+            </a:r>
+            <a:r>
+              <a:rPr b="0" lang="en-US" sz="3200" spc="-1" strike="noStrike">
+                <a:latin typeface="Arial"/>
+              </a:rPr>
+              <a:t>variance of it)</a:t>
             </a:r>
             <a:endParaRPr b="0" lang="en-US" sz="3200" spc="-1" strike="noStrike">
               <a:latin typeface="Arial"/>
@@ -18266,7 +18385,7 @@
         <p:txBody>
           <a:bodyPr/>
           <a:p>
-            <a:fld id="{F054CC63-AF52-421E-A59A-C8D71A9D9B82}" type="slidenum">
+            <a:fld id="{07D18A52-011A-4ABF-8A51-D842D151F2FB}" type="slidenum">
               <a:t>8</a:t>
             </a:fld>
           </a:p>
@@ -18611,7 +18730,7 @@
         <p:txBody>
           <a:bodyPr/>
           <a:p>
-            <a:fld id="{A8DFCC59-B1D6-4D75-BD21-9DF6DE880F82}" type="slidenum">
+            <a:fld id="{AB0A1484-09B7-4F26-8174-0FF716058CDF}" type="slidenum">
               <a:t>9</a:t>
             </a:fld>
           </a:p>
